--- a/presentation/San Francisco Crime Data.pptx
+++ b/presentation/San Francisco Crime Data.pptx
@@ -599,443 +599,6 @@
           <a:bodyPr/>
           <a:lstStyle/>
           <a:p>
-            <a:r>
-              <a:rPr lang="en-US" dirty="0"/>
-              <a:t>Starter med </a:t>
-            </a:r>
-            <a:r>
-              <a:rPr lang="en-US" dirty="0" err="1"/>
-              <a:t>ikke</a:t>
-            </a:r>
-            <a:r>
-              <a:rPr lang="en-US" dirty="0"/>
-              <a:t> at </a:t>
-            </a:r>
-            <a:r>
-              <a:rPr lang="en-US" dirty="0" err="1"/>
-              <a:t>bruge</a:t>
-            </a:r>
-            <a:r>
-              <a:rPr lang="en-US" dirty="0"/>
-              <a:t> </a:t>
-            </a:r>
-            <a:r>
-              <a:rPr lang="en-US" dirty="0" err="1"/>
-              <a:t>valideringsættet</a:t>
-            </a:r>
-            <a:r>
-              <a:rPr lang="en-US" dirty="0"/>
-              <a:t>. Dette </a:t>
-            </a:r>
-            <a:r>
-              <a:rPr lang="en-US" dirty="0" err="1"/>
-              <a:t>kunne</a:t>
-            </a:r>
-            <a:r>
-              <a:rPr lang="en-US" dirty="0"/>
-              <a:t> </a:t>
-            </a:r>
-            <a:r>
-              <a:rPr lang="en-US" dirty="0" err="1"/>
-              <a:t>jeg</a:t>
-            </a:r>
-            <a:r>
-              <a:rPr lang="en-US" dirty="0"/>
-              <a:t> </a:t>
-            </a:r>
-            <a:r>
-              <a:rPr lang="en-US" dirty="0" err="1"/>
-              <a:t>f.eks</a:t>
-            </a:r>
-            <a:r>
-              <a:rPr lang="en-US" dirty="0"/>
-              <a:t>. have </a:t>
-            </a:r>
-            <a:r>
-              <a:rPr lang="en-US" dirty="0" err="1"/>
-              <a:t>brugt</a:t>
-            </a:r>
-            <a:r>
-              <a:rPr lang="en-US" dirty="0"/>
-              <a:t> </a:t>
-            </a:r>
-            <a:r>
-              <a:rPr lang="en-US" dirty="0" err="1"/>
-              <a:t>til</a:t>
-            </a:r>
-            <a:r>
-              <a:rPr lang="en-US" dirty="0"/>
-              <a:t> at tune </a:t>
-            </a:r>
-            <a:r>
-              <a:rPr lang="en-US" dirty="0" err="1"/>
-              <a:t>regulariseringsstyrker</a:t>
-            </a:r>
-            <a:r>
-              <a:rPr lang="en-US" dirty="0"/>
-              <a:t> </a:t>
-            </a:r>
-            <a:r>
-              <a:rPr lang="en-US" dirty="0" err="1"/>
-              <a:t>eller</a:t>
-            </a:r>
-            <a:r>
-              <a:rPr lang="en-US" dirty="0"/>
-              <a:t> </a:t>
-            </a:r>
-            <a:r>
-              <a:rPr lang="en-US" dirty="0" err="1"/>
-              <a:t>typer</a:t>
-            </a:r>
-            <a:r>
-              <a:rPr lang="en-US" dirty="0"/>
-              <a:t> </a:t>
-            </a:r>
-            <a:r>
-              <a:rPr lang="en-US" dirty="0" err="1"/>
-              <a:t>af</a:t>
-            </a:r>
-            <a:r>
-              <a:rPr lang="en-US" dirty="0"/>
-              <a:t> </a:t>
-            </a:r>
-            <a:r>
-              <a:rPr lang="en-US" dirty="0" err="1"/>
-              <a:t>regularisering</a:t>
-            </a:r>
-            <a:r>
-              <a:rPr lang="en-US" dirty="0"/>
-              <a:t>. Det </a:t>
-            </a:r>
-            <a:r>
-              <a:rPr lang="en-US" dirty="0" err="1"/>
-              <a:t>kunne</a:t>
-            </a:r>
-            <a:r>
-              <a:rPr lang="en-US" dirty="0"/>
-              <a:t> </a:t>
-            </a:r>
-            <a:r>
-              <a:rPr lang="en-US" dirty="0" err="1"/>
-              <a:t>være</a:t>
-            </a:r>
-            <a:r>
-              <a:rPr lang="en-US" dirty="0"/>
-              <a:t> </a:t>
-            </a:r>
-            <a:r>
-              <a:rPr lang="en-US" dirty="0" err="1"/>
-              <a:t>en</a:t>
-            </a:r>
-            <a:r>
-              <a:rPr lang="en-US" dirty="0"/>
-              <a:t> ide at </a:t>
-            </a:r>
-            <a:r>
-              <a:rPr lang="en-US" dirty="0" err="1"/>
-              <a:t>bruge</a:t>
-            </a:r>
-            <a:r>
-              <a:rPr lang="en-US" dirty="0"/>
-              <a:t> grid search, </a:t>
-            </a:r>
-            <a:r>
-              <a:rPr lang="en-US" dirty="0" err="1"/>
-              <a:t>hvis</a:t>
-            </a:r>
-            <a:r>
-              <a:rPr lang="en-US" dirty="0"/>
-              <a:t> man </a:t>
-            </a:r>
-            <a:r>
-              <a:rPr lang="en-US" dirty="0" err="1"/>
-              <a:t>virkelig</a:t>
-            </a:r>
-            <a:r>
-              <a:rPr lang="en-US" dirty="0"/>
-              <a:t> </a:t>
-            </a:r>
-            <a:r>
-              <a:rPr lang="en-US" dirty="0" err="1"/>
-              <a:t>gik</a:t>
-            </a:r>
-            <a:r>
-              <a:rPr lang="en-US" dirty="0"/>
-              <a:t> op </a:t>
-            </a:r>
-            <a:r>
-              <a:rPr lang="en-US" dirty="0" err="1"/>
-              <a:t>i</a:t>
-            </a:r>
-            <a:r>
-              <a:rPr lang="en-US" dirty="0"/>
-              <a:t>, </a:t>
-            </a:r>
-            <a:r>
-              <a:rPr lang="en-US" dirty="0" err="1"/>
-              <a:t>hvordan</a:t>
-            </a:r>
-            <a:r>
-              <a:rPr lang="en-US" dirty="0"/>
-              <a:t> </a:t>
-            </a:r>
-            <a:r>
-              <a:rPr lang="en-US" dirty="0" err="1"/>
-              <a:t>modellen</a:t>
-            </a:r>
-            <a:r>
-              <a:rPr lang="en-US" dirty="0"/>
-              <a:t> </a:t>
-            </a:r>
-            <a:r>
-              <a:rPr lang="en-US" dirty="0" err="1"/>
-              <a:t>perfomer</a:t>
-            </a:r>
-            <a:r>
-              <a:rPr lang="en-US" dirty="0"/>
-              <a:t>. </a:t>
-            </a:r>
-          </a:p>
-          <a:p>
-            <a:endParaRPr lang="en-US" dirty="0"/>
-          </a:p>
-          <a:p>
-            <a:r>
-              <a:rPr lang="en-US" dirty="0"/>
-              <a:t>Tanker om performance: </a:t>
-            </a:r>
-            <a:r>
-              <a:rPr lang="en-US" dirty="0" err="1"/>
-              <a:t>Høj</a:t>
-            </a:r>
-            <a:r>
-              <a:rPr lang="en-US" dirty="0"/>
-              <a:t> accuracy </a:t>
-            </a:r>
-            <a:r>
-              <a:rPr lang="en-US" dirty="0" err="1"/>
-              <a:t>fordi</a:t>
-            </a:r>
-            <a:r>
-              <a:rPr lang="en-US" dirty="0"/>
-              <a:t> target-</a:t>
-            </a:r>
-            <a:r>
-              <a:rPr lang="en-US" dirty="0" err="1"/>
-              <a:t>variablen</a:t>
-            </a:r>
-            <a:r>
-              <a:rPr lang="en-US" dirty="0"/>
-              <a:t> er </a:t>
-            </a:r>
-            <a:r>
-              <a:rPr lang="en-US" dirty="0" err="1"/>
-              <a:t>imbalanceret</a:t>
-            </a:r>
-            <a:r>
-              <a:rPr lang="en-US" dirty="0"/>
-              <a:t>. </a:t>
-            </a:r>
-            <a:r>
-              <a:rPr lang="en-US" dirty="0" err="1"/>
-              <a:t>Måske</a:t>
-            </a:r>
-            <a:r>
-              <a:rPr lang="en-US" dirty="0"/>
-              <a:t> </a:t>
-            </a:r>
-            <a:r>
-              <a:rPr lang="en-US" dirty="0" err="1"/>
-              <a:t>en</a:t>
-            </a:r>
-            <a:r>
-              <a:rPr lang="en-US" dirty="0"/>
-              <a:t> god </a:t>
-            </a:r>
-            <a:r>
-              <a:rPr lang="en-US" dirty="0" err="1"/>
-              <a:t>idé</a:t>
-            </a:r>
-            <a:r>
-              <a:rPr lang="en-US" dirty="0"/>
-              <a:t> at </a:t>
-            </a:r>
-            <a:r>
-              <a:rPr lang="en-US" dirty="0" err="1"/>
-              <a:t>kigge</a:t>
-            </a:r>
-            <a:r>
-              <a:rPr lang="en-US" dirty="0"/>
-              <a:t> </a:t>
-            </a:r>
-            <a:r>
-              <a:rPr lang="en-US" dirty="0" err="1"/>
-              <a:t>på</a:t>
-            </a:r>
-            <a:r>
-              <a:rPr lang="en-US" dirty="0"/>
-              <a:t> </a:t>
-            </a:r>
-            <a:r>
-              <a:rPr lang="en-US" dirty="0" err="1"/>
-              <a:t>noget</a:t>
-            </a:r>
-            <a:r>
-              <a:rPr lang="en-US" dirty="0"/>
-              <a:t> calibration </a:t>
-            </a:r>
-            <a:r>
-              <a:rPr lang="en-US" dirty="0" err="1"/>
-              <a:t>af</a:t>
-            </a:r>
-            <a:r>
-              <a:rPr lang="en-US" dirty="0"/>
-              <a:t> </a:t>
-            </a:r>
-            <a:r>
-              <a:rPr lang="en-US" dirty="0" err="1"/>
-              <a:t>classifieren</a:t>
-            </a:r>
-            <a:r>
-              <a:rPr lang="en-US" dirty="0"/>
-              <a:t>, </a:t>
-            </a:r>
-            <a:r>
-              <a:rPr lang="en-US" dirty="0" err="1"/>
-              <a:t>eller</a:t>
-            </a:r>
-            <a:r>
-              <a:rPr lang="en-US" dirty="0"/>
-              <a:t> </a:t>
-            </a:r>
-            <a:r>
-              <a:rPr lang="en-US" dirty="0" err="1"/>
-              <a:t>undersøge</a:t>
-            </a:r>
-            <a:r>
-              <a:rPr lang="en-US" dirty="0"/>
-              <a:t>, om man </a:t>
-            </a:r>
-            <a:r>
-              <a:rPr lang="en-US" dirty="0" err="1"/>
-              <a:t>måske</a:t>
-            </a:r>
-            <a:r>
-              <a:rPr lang="en-US" dirty="0"/>
-              <a:t> </a:t>
-            </a:r>
-            <a:r>
-              <a:rPr lang="en-US" dirty="0" err="1"/>
-              <a:t>skulle</a:t>
-            </a:r>
-            <a:r>
-              <a:rPr lang="en-US" dirty="0"/>
-              <a:t> have et cut-off, der var </a:t>
-            </a:r>
-            <a:r>
-              <a:rPr lang="en-US" dirty="0" err="1"/>
-              <a:t>lavere</a:t>
-            </a:r>
-            <a:r>
-              <a:rPr lang="en-US" dirty="0"/>
-              <a:t> end 50%. </a:t>
-            </a:r>
-            <a:r>
-              <a:rPr lang="en-US" dirty="0" err="1"/>
-              <a:t>Når</a:t>
-            </a:r>
-            <a:r>
-              <a:rPr lang="en-US" dirty="0"/>
-              <a:t> </a:t>
-            </a:r>
-            <a:r>
-              <a:rPr lang="en-US" dirty="0" err="1"/>
-              <a:t>jeg</a:t>
-            </a:r>
-            <a:r>
-              <a:rPr lang="en-US" dirty="0"/>
-              <a:t> bare </a:t>
-            </a:r>
-            <a:r>
-              <a:rPr lang="en-US" dirty="0" err="1"/>
-              <a:t>inspicere</a:t>
-            </a:r>
-            <a:r>
-              <a:rPr lang="en-US" dirty="0"/>
-              <a:t> </a:t>
-            </a:r>
-            <a:r>
-              <a:rPr lang="en-US" dirty="0" err="1"/>
-              <a:t>prædiktionerne</a:t>
-            </a:r>
-            <a:r>
-              <a:rPr lang="en-US" dirty="0"/>
-              <a:t> er der </a:t>
-            </a:r>
-            <a:r>
-              <a:rPr lang="en-US" dirty="0" err="1"/>
-              <a:t>nogle</a:t>
-            </a:r>
-            <a:r>
-              <a:rPr lang="en-US" dirty="0"/>
-              <a:t> </a:t>
-            </a:r>
-            <a:r>
-              <a:rPr lang="en-US" dirty="0" err="1"/>
-              <a:t>af</a:t>
-            </a:r>
-            <a:r>
-              <a:rPr lang="en-US" dirty="0"/>
-              <a:t> de </a:t>
-            </a:r>
-            <a:r>
-              <a:rPr lang="en-US" dirty="0" err="1"/>
-              <a:t>observationer</a:t>
-            </a:r>
-            <a:r>
-              <a:rPr lang="en-US" dirty="0"/>
-              <a:t> med </a:t>
-            </a:r>
-            <a:r>
-              <a:rPr lang="en-US" dirty="0" err="1"/>
-              <a:t>is_violent</a:t>
-            </a:r>
-            <a:r>
-              <a:rPr lang="en-US" dirty="0"/>
-              <a:t>=1, der </a:t>
-            </a:r>
-            <a:r>
-              <a:rPr lang="en-US" dirty="0" err="1"/>
-              <a:t>har</a:t>
-            </a:r>
-            <a:r>
-              <a:rPr lang="en-US" dirty="0"/>
-              <a:t> </a:t>
-            </a:r>
-            <a:r>
-              <a:rPr lang="en-US" dirty="0" err="1"/>
-              <a:t>højere</a:t>
-            </a:r>
-            <a:r>
-              <a:rPr lang="en-US" dirty="0"/>
-              <a:t> </a:t>
-            </a:r>
-            <a:r>
-              <a:rPr lang="en-US" dirty="0" err="1"/>
-              <a:t>prædikteret</a:t>
-            </a:r>
-            <a:r>
-              <a:rPr lang="en-US" dirty="0"/>
-              <a:t> </a:t>
-            </a:r>
-            <a:r>
-              <a:rPr lang="en-US" dirty="0" err="1"/>
-              <a:t>sandsynlighed</a:t>
-            </a:r>
-            <a:r>
-              <a:rPr lang="en-US" dirty="0"/>
-              <a:t>. </a:t>
-            </a:r>
             <a:endParaRPr lang="da-DK" dirty="0"/>
           </a:p>
         </p:txBody>
@@ -1057,7 +620,7 @@
           <a:p>
             <a:fld id="{58F53778-6204-4A73-9B35-52C51C84CCAB}" type="slidenum">
               <a:rPr lang="da-DK" smtClean="0"/>
-              <a:t>7</a:t>
+              <a:t>3</a:t>
             </a:fld>
             <a:endParaRPr lang="da-DK"/>
           </a:p>
@@ -1066,7 +629,7 @@
     </p:spTree>
     <p:extLst>
       <p:ext uri="{BB962C8B-B14F-4D97-AF65-F5344CB8AC3E}">
-        <p14:creationId xmlns:p14="http://schemas.microsoft.com/office/powerpoint/2010/main" val="618301822"/>
+        <p14:creationId xmlns:p14="http://schemas.microsoft.com/office/powerpoint/2010/main" val="1402411640"/>
       </p:ext>
     </p:extLst>
   </p:cSld>
@@ -1120,6 +683,559 @@
           <a:bodyPr/>
           <a:lstStyle/>
           <a:p>
+            <a:r>
+              <a:rPr lang="en-US" dirty="0"/>
+              <a:t>Starter med </a:t>
+            </a:r>
+            <a:r>
+              <a:rPr lang="en-US" dirty="0" err="1"/>
+              <a:t>ikke</a:t>
+            </a:r>
+            <a:r>
+              <a:rPr lang="en-US" dirty="0"/>
+              <a:t> at </a:t>
+            </a:r>
+            <a:r>
+              <a:rPr lang="en-US" dirty="0" err="1"/>
+              <a:t>bruge</a:t>
+            </a:r>
+            <a:r>
+              <a:rPr lang="en-US" dirty="0"/>
+              <a:t> </a:t>
+            </a:r>
+            <a:r>
+              <a:rPr lang="en-US" dirty="0" err="1"/>
+              <a:t>valideringsættet</a:t>
+            </a:r>
+            <a:r>
+              <a:rPr lang="en-US" dirty="0"/>
+              <a:t>. Dette </a:t>
+            </a:r>
+            <a:r>
+              <a:rPr lang="en-US" dirty="0" err="1"/>
+              <a:t>kunne</a:t>
+            </a:r>
+            <a:r>
+              <a:rPr lang="en-US" dirty="0"/>
+              <a:t> </a:t>
+            </a:r>
+            <a:r>
+              <a:rPr lang="en-US" dirty="0" err="1"/>
+              <a:t>jeg</a:t>
+            </a:r>
+            <a:r>
+              <a:rPr lang="en-US" dirty="0"/>
+              <a:t> </a:t>
+            </a:r>
+            <a:r>
+              <a:rPr lang="en-US" dirty="0" err="1"/>
+              <a:t>f.eks</a:t>
+            </a:r>
+            <a:r>
+              <a:rPr lang="en-US" dirty="0"/>
+              <a:t>. have </a:t>
+            </a:r>
+            <a:r>
+              <a:rPr lang="en-US" dirty="0" err="1"/>
+              <a:t>brugt</a:t>
+            </a:r>
+            <a:r>
+              <a:rPr lang="en-US" dirty="0"/>
+              <a:t> </a:t>
+            </a:r>
+            <a:r>
+              <a:rPr lang="en-US" dirty="0" err="1"/>
+              <a:t>til</a:t>
+            </a:r>
+            <a:r>
+              <a:rPr lang="en-US" dirty="0"/>
+              <a:t> at tune </a:t>
+            </a:r>
+            <a:r>
+              <a:rPr lang="en-US" dirty="0" err="1"/>
+              <a:t>regulariseringsstyrker</a:t>
+            </a:r>
+            <a:r>
+              <a:rPr lang="en-US" dirty="0"/>
+              <a:t> </a:t>
+            </a:r>
+            <a:r>
+              <a:rPr lang="en-US" dirty="0" err="1"/>
+              <a:t>eller</a:t>
+            </a:r>
+            <a:r>
+              <a:rPr lang="en-US" dirty="0"/>
+              <a:t> </a:t>
+            </a:r>
+            <a:r>
+              <a:rPr lang="en-US" dirty="0" err="1"/>
+              <a:t>typer</a:t>
+            </a:r>
+            <a:r>
+              <a:rPr lang="en-US" dirty="0"/>
+              <a:t> </a:t>
+            </a:r>
+            <a:r>
+              <a:rPr lang="en-US" dirty="0" err="1"/>
+              <a:t>af</a:t>
+            </a:r>
+            <a:r>
+              <a:rPr lang="en-US" dirty="0"/>
+              <a:t> </a:t>
+            </a:r>
+            <a:r>
+              <a:rPr lang="en-US" dirty="0" err="1"/>
+              <a:t>regularisering</a:t>
+            </a:r>
+            <a:r>
+              <a:rPr lang="en-US" dirty="0"/>
+              <a:t>. Det </a:t>
+            </a:r>
+            <a:r>
+              <a:rPr lang="en-US" dirty="0" err="1"/>
+              <a:t>kunne</a:t>
+            </a:r>
+            <a:r>
+              <a:rPr lang="en-US" dirty="0"/>
+              <a:t> </a:t>
+            </a:r>
+            <a:r>
+              <a:rPr lang="en-US" dirty="0" err="1"/>
+              <a:t>være</a:t>
+            </a:r>
+            <a:r>
+              <a:rPr lang="en-US" dirty="0"/>
+              <a:t> </a:t>
+            </a:r>
+            <a:r>
+              <a:rPr lang="en-US" dirty="0" err="1"/>
+              <a:t>en</a:t>
+            </a:r>
+            <a:r>
+              <a:rPr lang="en-US" dirty="0"/>
+              <a:t> ide at </a:t>
+            </a:r>
+            <a:r>
+              <a:rPr lang="en-US" dirty="0" err="1"/>
+              <a:t>bruge</a:t>
+            </a:r>
+            <a:r>
+              <a:rPr lang="en-US" dirty="0"/>
+              <a:t> grid search, </a:t>
+            </a:r>
+            <a:r>
+              <a:rPr lang="en-US" dirty="0" err="1"/>
+              <a:t>hvis</a:t>
+            </a:r>
+            <a:r>
+              <a:rPr lang="en-US" dirty="0"/>
+              <a:t> man </a:t>
+            </a:r>
+            <a:r>
+              <a:rPr lang="en-US" dirty="0" err="1"/>
+              <a:t>virkelig</a:t>
+            </a:r>
+            <a:r>
+              <a:rPr lang="en-US" dirty="0"/>
+              <a:t> </a:t>
+            </a:r>
+            <a:r>
+              <a:rPr lang="en-US" dirty="0" err="1"/>
+              <a:t>gik</a:t>
+            </a:r>
+            <a:r>
+              <a:rPr lang="en-US" dirty="0"/>
+              <a:t> op </a:t>
+            </a:r>
+            <a:r>
+              <a:rPr lang="en-US" dirty="0" err="1"/>
+              <a:t>i</a:t>
+            </a:r>
+            <a:r>
+              <a:rPr lang="en-US" dirty="0"/>
+              <a:t>, </a:t>
+            </a:r>
+            <a:r>
+              <a:rPr lang="en-US" dirty="0" err="1"/>
+              <a:t>hvordan</a:t>
+            </a:r>
+            <a:r>
+              <a:rPr lang="en-US" dirty="0"/>
+              <a:t> </a:t>
+            </a:r>
+            <a:r>
+              <a:rPr lang="en-US" dirty="0" err="1"/>
+              <a:t>modellen</a:t>
+            </a:r>
+            <a:r>
+              <a:rPr lang="en-US" dirty="0"/>
+              <a:t> </a:t>
+            </a:r>
+            <a:r>
+              <a:rPr lang="en-US" dirty="0" err="1"/>
+              <a:t>perfomer</a:t>
+            </a:r>
+            <a:r>
+              <a:rPr lang="en-US" dirty="0"/>
+              <a:t>. </a:t>
+            </a:r>
+          </a:p>
+          <a:p>
+            <a:endParaRPr lang="en-US" dirty="0"/>
+          </a:p>
+          <a:p>
+            <a:r>
+              <a:rPr lang="en-US" dirty="0"/>
+              <a:t>Tanker om performance: </a:t>
+            </a:r>
+            <a:r>
+              <a:rPr lang="en-US" dirty="0" err="1"/>
+              <a:t>Høj</a:t>
+            </a:r>
+            <a:r>
+              <a:rPr lang="en-US" dirty="0"/>
+              <a:t> accuracy </a:t>
+            </a:r>
+            <a:r>
+              <a:rPr lang="en-US" dirty="0" err="1"/>
+              <a:t>fordi</a:t>
+            </a:r>
+            <a:r>
+              <a:rPr lang="en-US" dirty="0"/>
+              <a:t> target-</a:t>
+            </a:r>
+            <a:r>
+              <a:rPr lang="en-US" dirty="0" err="1"/>
+              <a:t>variablen</a:t>
+            </a:r>
+            <a:r>
+              <a:rPr lang="en-US" dirty="0"/>
+              <a:t> er </a:t>
+            </a:r>
+            <a:r>
+              <a:rPr lang="en-US" dirty="0" err="1"/>
+              <a:t>imbalanceret</a:t>
+            </a:r>
+            <a:r>
+              <a:rPr lang="en-US" dirty="0"/>
+              <a:t>. </a:t>
+            </a:r>
+            <a:r>
+              <a:rPr lang="en-US" dirty="0" err="1"/>
+              <a:t>Måske</a:t>
+            </a:r>
+            <a:r>
+              <a:rPr lang="en-US" dirty="0"/>
+              <a:t> </a:t>
+            </a:r>
+            <a:r>
+              <a:rPr lang="en-US" dirty="0" err="1"/>
+              <a:t>en</a:t>
+            </a:r>
+            <a:r>
+              <a:rPr lang="en-US" dirty="0"/>
+              <a:t> god </a:t>
+            </a:r>
+            <a:r>
+              <a:rPr lang="en-US" dirty="0" err="1"/>
+              <a:t>idé</a:t>
+            </a:r>
+            <a:r>
+              <a:rPr lang="en-US" dirty="0"/>
+              <a:t> at </a:t>
+            </a:r>
+            <a:r>
+              <a:rPr lang="en-US" dirty="0" err="1"/>
+              <a:t>kigge</a:t>
+            </a:r>
+            <a:r>
+              <a:rPr lang="en-US" dirty="0"/>
+              <a:t> </a:t>
+            </a:r>
+            <a:r>
+              <a:rPr lang="en-US" dirty="0" err="1"/>
+              <a:t>på</a:t>
+            </a:r>
+            <a:r>
+              <a:rPr lang="en-US" dirty="0"/>
+              <a:t> </a:t>
+            </a:r>
+            <a:r>
+              <a:rPr lang="en-US" dirty="0" err="1"/>
+              <a:t>noget</a:t>
+            </a:r>
+            <a:r>
+              <a:rPr lang="en-US" dirty="0"/>
+              <a:t> calibration </a:t>
+            </a:r>
+            <a:r>
+              <a:rPr lang="en-US" dirty="0" err="1"/>
+              <a:t>af</a:t>
+            </a:r>
+            <a:r>
+              <a:rPr lang="en-US" dirty="0"/>
+              <a:t> </a:t>
+            </a:r>
+            <a:r>
+              <a:rPr lang="en-US" dirty="0" err="1"/>
+              <a:t>classifieren</a:t>
+            </a:r>
+            <a:r>
+              <a:rPr lang="en-US" dirty="0"/>
+              <a:t>, </a:t>
+            </a:r>
+            <a:r>
+              <a:rPr lang="en-US" dirty="0" err="1"/>
+              <a:t>eller</a:t>
+            </a:r>
+            <a:r>
+              <a:rPr lang="en-US" dirty="0"/>
+              <a:t> </a:t>
+            </a:r>
+            <a:r>
+              <a:rPr lang="en-US" dirty="0" err="1"/>
+              <a:t>undersøge</a:t>
+            </a:r>
+            <a:r>
+              <a:rPr lang="en-US" dirty="0"/>
+              <a:t>, om man </a:t>
+            </a:r>
+            <a:r>
+              <a:rPr lang="en-US" dirty="0" err="1"/>
+              <a:t>måske</a:t>
+            </a:r>
+            <a:r>
+              <a:rPr lang="en-US" dirty="0"/>
+              <a:t> </a:t>
+            </a:r>
+            <a:r>
+              <a:rPr lang="en-US" dirty="0" err="1"/>
+              <a:t>skulle</a:t>
+            </a:r>
+            <a:r>
+              <a:rPr lang="en-US" dirty="0"/>
+              <a:t> have et cut-off, der var </a:t>
+            </a:r>
+            <a:r>
+              <a:rPr lang="en-US" dirty="0" err="1"/>
+              <a:t>lavere</a:t>
+            </a:r>
+            <a:r>
+              <a:rPr lang="en-US" dirty="0"/>
+              <a:t> end 50%. </a:t>
+            </a:r>
+            <a:r>
+              <a:rPr lang="en-US" dirty="0" err="1"/>
+              <a:t>Når</a:t>
+            </a:r>
+            <a:r>
+              <a:rPr lang="en-US" dirty="0"/>
+              <a:t> </a:t>
+            </a:r>
+            <a:r>
+              <a:rPr lang="en-US" dirty="0" err="1"/>
+              <a:t>jeg</a:t>
+            </a:r>
+            <a:r>
+              <a:rPr lang="en-US" dirty="0"/>
+              <a:t> bare </a:t>
+            </a:r>
+            <a:r>
+              <a:rPr lang="en-US" dirty="0" err="1"/>
+              <a:t>inspicere</a:t>
+            </a:r>
+            <a:r>
+              <a:rPr lang="en-US" dirty="0"/>
+              <a:t> </a:t>
+            </a:r>
+            <a:r>
+              <a:rPr lang="en-US" dirty="0" err="1"/>
+              <a:t>prædiktionerne</a:t>
+            </a:r>
+            <a:r>
+              <a:rPr lang="en-US" dirty="0"/>
+              <a:t> er der </a:t>
+            </a:r>
+            <a:r>
+              <a:rPr lang="en-US" dirty="0" err="1"/>
+              <a:t>nogle</a:t>
+            </a:r>
+            <a:r>
+              <a:rPr lang="en-US" dirty="0"/>
+              <a:t> </a:t>
+            </a:r>
+            <a:r>
+              <a:rPr lang="en-US" dirty="0" err="1"/>
+              <a:t>af</a:t>
+            </a:r>
+            <a:r>
+              <a:rPr lang="en-US" dirty="0"/>
+              <a:t> de </a:t>
+            </a:r>
+            <a:r>
+              <a:rPr lang="en-US" dirty="0" err="1"/>
+              <a:t>observationer</a:t>
+            </a:r>
+            <a:r>
+              <a:rPr lang="en-US" dirty="0"/>
+              <a:t> med </a:t>
+            </a:r>
+            <a:r>
+              <a:rPr lang="en-US" dirty="0" err="1"/>
+              <a:t>is_violent</a:t>
+            </a:r>
+            <a:r>
+              <a:rPr lang="en-US" dirty="0"/>
+              <a:t>=1, der </a:t>
+            </a:r>
+            <a:r>
+              <a:rPr lang="en-US" dirty="0" err="1"/>
+              <a:t>har</a:t>
+            </a:r>
+            <a:r>
+              <a:rPr lang="en-US" dirty="0"/>
+              <a:t> </a:t>
+            </a:r>
+            <a:r>
+              <a:rPr lang="en-US" dirty="0" err="1"/>
+              <a:t>højere</a:t>
+            </a:r>
+            <a:r>
+              <a:rPr lang="en-US" dirty="0"/>
+              <a:t> </a:t>
+            </a:r>
+            <a:r>
+              <a:rPr lang="en-US" dirty="0" err="1"/>
+              <a:t>prædikteret</a:t>
+            </a:r>
+            <a:r>
+              <a:rPr lang="en-US" dirty="0"/>
+              <a:t> </a:t>
+            </a:r>
+            <a:r>
+              <a:rPr lang="en-US" dirty="0" err="1"/>
+              <a:t>sandsynlighed</a:t>
+            </a:r>
+            <a:r>
+              <a:rPr lang="en-US" dirty="0"/>
+              <a:t>. </a:t>
+            </a:r>
+            <a:endParaRPr lang="da-DK" dirty="0"/>
+          </a:p>
+        </p:txBody>
+      </p:sp>
+      <p:sp>
+        <p:nvSpPr>
+          <p:cNvPr id="4" name="Slide Number Placeholder 3"/>
+          <p:cNvSpPr>
+            <a:spLocks noGrp="1"/>
+          </p:cNvSpPr>
+          <p:nvPr>
+            <p:ph type="sldNum" sz="quarter" idx="5"/>
+          </p:nvPr>
+        </p:nvSpPr>
+        <p:spPr/>
+        <p:txBody>
+          <a:bodyPr/>
+          <a:lstStyle/>
+          <a:p>
+            <a:fld id="{58F53778-6204-4A73-9B35-52C51C84CCAB}" type="slidenum">
+              <a:rPr lang="da-DK" smtClean="0"/>
+              <a:t>7</a:t>
+            </a:fld>
+            <a:endParaRPr lang="da-DK"/>
+          </a:p>
+        </p:txBody>
+      </p:sp>
+    </p:spTree>
+    <p:extLst>
+      <p:ext uri="{BB962C8B-B14F-4D97-AF65-F5344CB8AC3E}">
+        <p14:creationId xmlns:p14="http://schemas.microsoft.com/office/powerpoint/2010/main" val="618301822"/>
+      </p:ext>
+    </p:extLst>
+  </p:cSld>
+  <p:clrMapOvr>
+    <a:masterClrMapping/>
+  </p:clrMapOvr>
+</p:notes>
+</file>
+
+<file path=ppt/notesSlides/notesSlide4.xml><?xml version="1.0" encoding="utf-8"?>
+<p:notes xmlns:a="http://schemas.openxmlformats.org/drawingml/2006/main" xmlns:r="http://schemas.openxmlformats.org/officeDocument/2006/relationships" xmlns:p="http://schemas.openxmlformats.org/presentationml/2006/main">
+  <p:cSld>
+    <p:spTree>
+      <p:nvGrpSpPr>
+        <p:cNvPr id="1" name=""/>
+        <p:cNvGrpSpPr/>
+        <p:nvPr/>
+      </p:nvGrpSpPr>
+      <p:grpSpPr>
+        <a:xfrm>
+          <a:off x="0" y="0"/>
+          <a:ext cx="0" cy="0"/>
+          <a:chOff x="0" y="0"/>
+          <a:chExt cx="0" cy="0"/>
+        </a:xfrm>
+      </p:grpSpPr>
+      <p:sp>
+        <p:nvSpPr>
+          <p:cNvPr id="2" name="Slide Image Placeholder 1"/>
+          <p:cNvSpPr>
+            <a:spLocks noGrp="1" noRot="1" noChangeAspect="1"/>
+          </p:cNvSpPr>
+          <p:nvPr>
+            <p:ph type="sldImg"/>
+          </p:nvPr>
+        </p:nvSpPr>
+        <p:spPr/>
+      </p:sp>
+      <p:sp>
+        <p:nvSpPr>
+          <p:cNvPr id="3" name="Notes Placeholder 2"/>
+          <p:cNvSpPr>
+            <a:spLocks noGrp="1"/>
+          </p:cNvSpPr>
+          <p:nvPr>
+            <p:ph type="body" idx="1"/>
+          </p:nvPr>
+        </p:nvSpPr>
+        <p:spPr/>
+        <p:txBody>
+          <a:bodyPr/>
+          <a:lstStyle/>
+          <a:p>
+            <a:r>
+              <a:rPr lang="en-US" dirty="0" err="1"/>
+              <a:t>Enkelt</a:t>
+            </a:r>
+            <a:r>
+              <a:rPr lang="en-US" dirty="0"/>
+              <a:t> </a:t>
+            </a:r>
+            <a:r>
+              <a:rPr lang="en-US" dirty="0" err="1"/>
+              <a:t>netværk</a:t>
+            </a:r>
+            <a:r>
+              <a:rPr lang="en-US" dirty="0"/>
+              <a:t>: 2 lag m. </a:t>
+            </a:r>
+            <a:r>
+              <a:rPr lang="en-US" dirty="0" err="1"/>
+              <a:t>hhv</a:t>
+            </a:r>
+            <a:r>
+              <a:rPr lang="en-US" dirty="0"/>
+              <a:t>. 3 </a:t>
+            </a:r>
+            <a:r>
+              <a:rPr lang="en-US" dirty="0" err="1"/>
+              <a:t>og</a:t>
+            </a:r>
+            <a:r>
+              <a:rPr lang="en-US" dirty="0"/>
+              <a:t> 6 hidden units. LR = 0.0001, dropout = 0.2</a:t>
+            </a:r>
             <a:endParaRPr lang="da-DK" dirty="0"/>
           </a:p>
         </p:txBody>
@@ -4381,6 +4497,14 @@
 <file path=ppt/slides/slide1.xml><?xml version="1.0" encoding="utf-8"?>
 <p:sld xmlns:a="http://schemas.openxmlformats.org/drawingml/2006/main" xmlns:r="http://schemas.openxmlformats.org/officeDocument/2006/relationships" xmlns:p="http://schemas.openxmlformats.org/presentationml/2006/main">
   <p:cSld>
+    <p:bg>
+      <p:bgPr>
+        <a:solidFill>
+          <a:schemeClr val="bg1"/>
+        </a:solidFill>
+        <a:effectLst/>
+      </p:bgPr>
+    </p:bg>
     <p:spTree>
       <p:nvGrpSpPr>
         <p:cNvPr id="1" name=""/>
@@ -4395,6 +4519,181 @@
           <a:chExt cx="0" cy="0"/>
         </a:xfrm>
       </p:grpSpPr>
+      <p:sp useBgFill="1">
+        <p:nvSpPr>
+          <p:cNvPr id="14" name="Rectangle 13">
+            <a:extLst>
+              <a:ext uri="{FF2B5EF4-FFF2-40B4-BE49-F238E27FC236}">
+                <a16:creationId xmlns:a16="http://schemas.microsoft.com/office/drawing/2014/main" id="{E91DC736-0EF8-4F87-9146-EBF1D2EE4D3D}"/>
+              </a:ext>
+              <a:ext uri="{C183D7F6-B498-43B3-948B-1728B52AA6E4}">
+                <adec:decorative xmlns:adec="http://schemas.microsoft.com/office/drawing/2017/decorative" val="1"/>
+              </a:ext>
+            </a:extLst>
+          </p:cNvPr>
+          <p:cNvSpPr>
+            <a:spLocks noGrp="1" noRot="1" noChangeAspect="1" noMove="1" noResize="1" noEditPoints="1" noAdjustHandles="1" noChangeArrowheads="1" noChangeShapeType="1" noTextEdit="1"/>
+          </p:cNvSpPr>
+          <p:nvPr>
+            <p:extLst>
+              <p:ext uri="{386F3935-93C4-4BCD-93E2-E3B085C9AB24}">
+                <p16:designElem xmlns:p16="http://schemas.microsoft.com/office/powerpoint/2015/main" val="1"/>
+              </p:ext>
+            </p:extLst>
+          </p:nvPr>
+        </p:nvSpPr>
+        <p:spPr>
+          <a:xfrm>
+            <a:off x="0" y="0"/>
+            <a:ext cx="12192000" cy="6858000"/>
+          </a:xfrm>
+          <a:prstGeom prst="rect">
+            <a:avLst/>
+          </a:prstGeom>
+          <a:ln>
+            <a:noFill/>
+          </a:ln>
+        </p:spPr>
+        <p:style>
+          <a:lnRef idx="2">
+            <a:schemeClr val="accent1">
+              <a:shade val="50000"/>
+            </a:schemeClr>
+          </a:lnRef>
+          <a:fillRef idx="1">
+            <a:schemeClr val="accent1"/>
+          </a:fillRef>
+          <a:effectRef idx="0">
+            <a:schemeClr val="accent1"/>
+          </a:effectRef>
+          <a:fontRef idx="minor">
+            <a:schemeClr val="lt1"/>
+          </a:fontRef>
+        </p:style>
+        <p:txBody>
+          <a:bodyPr rtlCol="0" anchor="ctr"/>
+          <a:lstStyle/>
+          <a:p>
+            <a:pPr algn="ctr"/>
+            <a:endParaRPr lang="en-US"/>
+          </a:p>
+        </p:txBody>
+      </p:sp>
+      <p:pic>
+        <p:nvPicPr>
+          <p:cNvPr id="5" name="Picture 4" descr="Golden Gate Bridge in fog">
+            <a:extLst>
+              <a:ext uri="{FF2B5EF4-FFF2-40B4-BE49-F238E27FC236}">
+                <a16:creationId xmlns:a16="http://schemas.microsoft.com/office/drawing/2014/main" id="{CF50D4A9-B737-4A1F-9A3F-1E86400F1B37}"/>
+              </a:ext>
+            </a:extLst>
+          </p:cNvPr>
+          <p:cNvPicPr>
+            <a:picLocks noChangeAspect="1"/>
+          </p:cNvPicPr>
+          <p:nvPr/>
+        </p:nvPicPr>
+        <p:blipFill rotWithShape="1">
+          <a:blip r:embed="rId3"/>
+          <a:srcRect l="23298" t="8335" b="756"/>
+          <a:stretch/>
+        </p:blipFill>
+        <p:spPr>
+          <a:xfrm>
+            <a:off x="3523488" y="10"/>
+            <a:ext cx="8668512" cy="6857990"/>
+          </a:xfrm>
+          <a:prstGeom prst="rect">
+            <a:avLst/>
+          </a:prstGeom>
+        </p:spPr>
+      </p:pic>
+      <p:sp>
+        <p:nvSpPr>
+          <p:cNvPr id="16" name="Rectangle 15">
+            <a:extLst>
+              <a:ext uri="{FF2B5EF4-FFF2-40B4-BE49-F238E27FC236}">
+                <a16:creationId xmlns:a16="http://schemas.microsoft.com/office/drawing/2014/main" id="{097CD68E-23E3-4007-8847-CD0944C4F7BE}"/>
+              </a:ext>
+              <a:ext uri="{C183D7F6-B498-43B3-948B-1728B52AA6E4}">
+                <adec:decorative xmlns:adec="http://schemas.microsoft.com/office/drawing/2017/decorative" val="1"/>
+              </a:ext>
+            </a:extLst>
+          </p:cNvPr>
+          <p:cNvSpPr>
+            <a:spLocks noGrp="1" noRot="1" noChangeAspect="1" noMove="1" noResize="1" noEditPoints="1" noAdjustHandles="1" noChangeArrowheads="1" noChangeShapeType="1" noTextEdit="1"/>
+          </p:cNvSpPr>
+          <p:nvPr>
+            <p:extLst>
+              <p:ext uri="{386F3935-93C4-4BCD-93E2-E3B085C9AB24}">
+                <p16:designElem xmlns:p16="http://schemas.microsoft.com/office/powerpoint/2015/main" val="1"/>
+              </p:ext>
+            </p:extLst>
+          </p:nvPr>
+        </p:nvSpPr>
+        <p:spPr>
+          <a:xfrm>
+            <a:off x="0" y="0"/>
+            <a:ext cx="9756601" cy="6858000"/>
+          </a:xfrm>
+          <a:prstGeom prst="rect">
+            <a:avLst/>
+          </a:prstGeom>
+          <a:gradFill>
+            <a:gsLst>
+              <a:gs pos="58000">
+                <a:schemeClr val="bg1"/>
+              </a:gs>
+              <a:gs pos="35000">
+                <a:schemeClr val="bg1">
+                  <a:alpha val="79000"/>
+                </a:schemeClr>
+              </a:gs>
+              <a:gs pos="19000">
+                <a:schemeClr val="bg1">
+                  <a:alpha val="38000"/>
+                </a:schemeClr>
+              </a:gs>
+              <a:gs pos="0">
+                <a:schemeClr val="bg1">
+                  <a:alpha val="0"/>
+                </a:schemeClr>
+              </a:gs>
+              <a:gs pos="100000">
+                <a:schemeClr val="bg1"/>
+              </a:gs>
+            </a:gsLst>
+            <a:lin ang="10800000" scaled="0"/>
+          </a:gradFill>
+          <a:ln>
+            <a:noFill/>
+          </a:ln>
+        </p:spPr>
+        <p:style>
+          <a:lnRef idx="2">
+            <a:schemeClr val="accent1">
+              <a:shade val="50000"/>
+            </a:schemeClr>
+          </a:lnRef>
+          <a:fillRef idx="1">
+            <a:schemeClr val="accent1"/>
+          </a:fillRef>
+          <a:effectRef idx="0">
+            <a:schemeClr val="accent1"/>
+          </a:effectRef>
+          <a:fontRef idx="minor">
+            <a:schemeClr val="lt1"/>
+          </a:fontRef>
+        </p:style>
+        <p:txBody>
+          <a:bodyPr rtlCol="0" anchor="ctr"/>
+          <a:lstStyle/>
+          <a:p>
+            <a:pPr algn="ctr"/>
+            <a:endParaRPr lang="en-US" dirty="0"/>
+          </a:p>
+        </p:txBody>
+      </p:sp>
       <p:sp>
         <p:nvSpPr>
           <p:cNvPr id="2" name="Title 1">
@@ -4411,16 +4710,24 @@
             <p:ph type="ctrTitle"/>
           </p:nvPr>
         </p:nvSpPr>
-        <p:spPr/>
-        <p:txBody>
-          <a:bodyPr/>
-          <a:lstStyle/>
-          <a:p>
-            <a:r>
-              <a:rPr lang="en-US" dirty="0"/>
+        <p:spPr>
+          <a:xfrm>
+            <a:off x="477981" y="1122363"/>
+            <a:ext cx="4023360" cy="3204134"/>
+          </a:xfrm>
+        </p:spPr>
+        <p:txBody>
+          <a:bodyPr anchor="b">
+            <a:normAutofit/>
+          </a:bodyPr>
+          <a:lstStyle/>
+          <a:p>
+            <a:pPr algn="l"/>
+            <a:r>
+              <a:rPr lang="en-US" sz="4800"/>
               <a:t>San Francisco Crime Data</a:t>
             </a:r>
-            <a:endParaRPr lang="da-DK" dirty="0"/>
+            <a:endParaRPr lang="da-DK" sz="4800"/>
           </a:p>
         </p:txBody>
       </p:sp>
@@ -4440,20 +4747,189 @@
             <p:ph type="subTitle" idx="1"/>
           </p:nvPr>
         </p:nvSpPr>
-        <p:spPr/>
-        <p:txBody>
-          <a:bodyPr/>
-          <a:lstStyle/>
-          <a:p>
-            <a:r>
-              <a:rPr lang="en-US" dirty="0"/>
+        <p:spPr>
+          <a:xfrm>
+            <a:off x="477980" y="4872922"/>
+            <a:ext cx="4327700" cy="1208141"/>
+          </a:xfrm>
+        </p:spPr>
+        <p:txBody>
+          <a:bodyPr>
+            <a:normAutofit/>
+          </a:bodyPr>
+          <a:lstStyle/>
+          <a:p>
+            <a:pPr algn="l"/>
+            <a:r>
+              <a:rPr lang="en-US" sz="2000" dirty="0"/>
               <a:t>By: Caroline Amalie Fuglsang-</a:t>
             </a:r>
             <a:r>
-              <a:rPr lang="en-US" dirty="0" err="1"/>
+              <a:rPr lang="en-US" sz="2000" dirty="0" err="1"/>
               <a:t>Damgaard</a:t>
             </a:r>
-            <a:endParaRPr lang="da-DK" dirty="0"/>
+            <a:endParaRPr lang="da-DK" sz="2000" dirty="0"/>
+          </a:p>
+        </p:txBody>
+      </p:sp>
+      <p:sp>
+        <p:nvSpPr>
+          <p:cNvPr id="18" name="Rectangle 17">
+            <a:extLst>
+              <a:ext uri="{FF2B5EF4-FFF2-40B4-BE49-F238E27FC236}">
+                <a16:creationId xmlns:a16="http://schemas.microsoft.com/office/drawing/2014/main" id="{AF2F604E-43BE-4DC3-B983-E071523364F8}"/>
+              </a:ext>
+              <a:ext uri="{C183D7F6-B498-43B3-948B-1728B52AA6E4}">
+                <adec:decorative xmlns:adec="http://schemas.microsoft.com/office/drawing/2017/decorative" val="1"/>
+              </a:ext>
+            </a:extLst>
+          </p:cNvPr>
+          <p:cNvSpPr>
+            <a:spLocks noGrp="1" noRot="1" noChangeAspect="1" noMove="1" noResize="1" noEditPoints="1" noAdjustHandles="1" noChangeArrowheads="1" noChangeShapeType="1" noTextEdit="1"/>
+          </p:cNvSpPr>
+          <p:nvPr>
+            <p:extLst>
+              <p:ext uri="{386F3935-93C4-4BCD-93E2-E3B085C9AB24}">
+                <p16:designElem xmlns:p16="http://schemas.microsoft.com/office/powerpoint/2015/main" val="1"/>
+              </p:ext>
+            </p:extLst>
+          </p:nvPr>
+        </p:nvSpPr>
+        <p:spPr>
+          <a:xfrm rot="5400000">
+            <a:off x="759921" y="346791"/>
+            <a:ext cx="146304" cy="704088"/>
+          </a:xfrm>
+          <a:prstGeom prst="rect">
+            <a:avLst/>
+          </a:prstGeom>
+          <a:solidFill>
+            <a:schemeClr val="accent2"/>
+          </a:solidFill>
+          <a:ln>
+            <a:noFill/>
+          </a:ln>
+        </p:spPr>
+        <p:style>
+          <a:lnRef idx="2">
+            <a:schemeClr val="accent1">
+              <a:shade val="50000"/>
+            </a:schemeClr>
+          </a:lnRef>
+          <a:fillRef idx="1">
+            <a:schemeClr val="accent1"/>
+          </a:fillRef>
+          <a:effectRef idx="0">
+            <a:schemeClr val="accent1"/>
+          </a:effectRef>
+          <a:fontRef idx="minor">
+            <a:schemeClr val="lt1"/>
+          </a:fontRef>
+        </p:style>
+        <p:txBody>
+          <a:bodyPr rtlCol="0" anchor="ctr"/>
+          <a:lstStyle/>
+          <a:p>
+            <a:pPr algn="ctr"/>
+            <a:endParaRPr lang="en-US">
+              <a:solidFill>
+                <a:prstClr val="white"/>
+              </a:solidFill>
+              <a:latin typeface="Calibri" panose="020F0502020204030204"/>
+            </a:endParaRPr>
+          </a:p>
+        </p:txBody>
+      </p:sp>
+      <p:sp>
+        <p:nvSpPr>
+          <p:cNvPr id="20" name="Rectangle 19">
+            <a:extLst>
+              <a:ext uri="{FF2B5EF4-FFF2-40B4-BE49-F238E27FC236}">
+                <a16:creationId xmlns:a16="http://schemas.microsoft.com/office/drawing/2014/main" id="{08C9B587-E65E-4B52-B37C-ABEBB6E87928}"/>
+              </a:ext>
+              <a:ext uri="{C183D7F6-B498-43B3-948B-1728B52AA6E4}">
+                <adec:decorative xmlns:adec="http://schemas.microsoft.com/office/drawing/2017/decorative" val="1"/>
+              </a:ext>
+            </a:extLst>
+          </p:cNvPr>
+          <p:cNvSpPr>
+            <a:spLocks noGrp="1" noRot="1" noChangeAspect="1" noMove="1" noResize="1" noEditPoints="1" noAdjustHandles="1" noChangeArrowheads="1" noChangeShapeType="1" noTextEdit="1"/>
+          </p:cNvSpPr>
+          <p:nvPr>
+            <p:extLst>
+              <p:ext uri="{386F3935-93C4-4BCD-93E2-E3B085C9AB24}">
+                <p16:designElem xmlns:p16="http://schemas.microsoft.com/office/powerpoint/2015/main" val="1"/>
+              </p:ext>
+            </p:extLst>
+          </p:nvPr>
+        </p:nvSpPr>
+        <p:spPr>
+          <a:xfrm>
+            <a:off x="481029" y="4546920"/>
+            <a:ext cx="3977640" cy="18288"/>
+          </a:xfrm>
+          <a:prstGeom prst="rect">
+            <a:avLst/>
+          </a:prstGeom>
+          <a:solidFill>
+            <a:srgbClr val="D5D5D5"/>
+          </a:solidFill>
+          <a:ln w="3175">
+            <a:noFill/>
+          </a:ln>
+          <a:effectLst/>
+        </p:spPr>
+        <p:style>
+          <a:lnRef idx="2">
+            <a:schemeClr val="accent1">
+              <a:shade val="50000"/>
+            </a:schemeClr>
+          </a:lnRef>
+          <a:fillRef idx="1">
+            <a:schemeClr val="accent1"/>
+          </a:fillRef>
+          <a:effectRef idx="0">
+            <a:schemeClr val="accent1"/>
+          </a:effectRef>
+          <a:fontRef idx="minor">
+            <a:schemeClr val="lt1"/>
+          </a:fontRef>
+        </p:style>
+        <p:txBody>
+          <a:bodyPr rtlCol="0" anchor="ctr"/>
+          <a:lstStyle/>
+          <a:p>
+            <a:pPr marL="0" marR="0" lvl="0" indent="0" algn="ctr" defTabSz="914400" rtl="0" eaLnBrk="1" fontAlgn="auto" latinLnBrk="0" hangingPunct="1">
+              <a:lnSpc>
+                <a:spcPct val="100000"/>
+              </a:lnSpc>
+              <a:spcBef>
+                <a:spcPts val="0"/>
+              </a:spcBef>
+              <a:spcAft>
+                <a:spcPts val="0"/>
+              </a:spcAft>
+              <a:buClrTx/>
+              <a:buSzTx/>
+              <a:buFontTx/>
+              <a:buNone/>
+              <a:tabLst/>
+              <a:defRPr/>
+            </a:pPr>
+            <a:endParaRPr kumimoji="0" lang="en-US" sz="1800" b="0" i="0" u="none" strike="noStrike" kern="1200" cap="none" spc="0" normalizeH="0" baseline="0" noProof="0">
+              <a:ln>
+                <a:noFill/>
+              </a:ln>
+              <a:solidFill>
+                <a:prstClr val="white"/>
+              </a:solidFill>
+              <a:effectLst/>
+              <a:uLnTx/>
+              <a:uFillTx/>
+              <a:latin typeface="Calibri" panose="020F0502020204030204"/>
+              <a:ea typeface="+mn-ea"/>
+              <a:cs typeface="+mn-cs"/>
+            </a:endParaRPr>
           </a:p>
         </p:txBody>
       </p:sp>
@@ -4465,7 +4941,7 @@
     </p:extLst>
   </p:cSld>
   <p:clrMapOvr>
-    <a:masterClrMapping/>
+    <a:overrideClrMapping bg1="lt1" tx1="dk1" bg2="lt2" tx2="dk2" accent1="accent1" accent2="accent2" accent3="accent3" accent4="accent4" accent5="accent5" accent6="accent6" hlink="hlink" folHlink="folHlink"/>
   </p:clrMapOvr>
 </p:sld>
 </file>
@@ -4587,44 +5063,315 @@
             <p:ph type="title"/>
           </p:nvPr>
         </p:nvSpPr>
-        <p:spPr/>
-        <p:txBody>
-          <a:bodyPr/>
-          <a:lstStyle/>
-          <a:p>
-            <a:r>
-              <a:rPr lang="en-US" dirty="0"/>
-              <a:t>Investigating crime in different districts</a:t>
-            </a:r>
-            <a:endParaRPr lang="da-DK" dirty="0"/>
-          </a:p>
-        </p:txBody>
-      </p:sp>
-      <p:sp>
-        <p:nvSpPr>
-          <p:cNvPr id="3" name="Content Placeholder 2">
-            <a:extLst>
-              <a:ext uri="{FF2B5EF4-FFF2-40B4-BE49-F238E27FC236}">
-                <a16:creationId xmlns:a16="http://schemas.microsoft.com/office/drawing/2014/main" id="{13B96F25-B7BC-4E1F-94F6-21162DF4DC58}"/>
-              </a:ext>
-            </a:extLst>
-          </p:cNvPr>
-          <p:cNvSpPr>
-            <a:spLocks noGrp="1"/>
-          </p:cNvSpPr>
-          <p:nvPr>
-            <p:ph idx="1"/>
-          </p:nvPr>
-        </p:nvSpPr>
-        <p:spPr/>
-        <p:txBody>
-          <a:bodyPr/>
-          <a:lstStyle/>
-          <a:p>
-            <a:endParaRPr lang="da-DK"/>
-          </a:p>
-        </p:txBody>
-      </p:sp>
+        <p:spPr>
+          <a:xfrm>
+            <a:off x="838200" y="131445"/>
+            <a:ext cx="10515600" cy="835317"/>
+          </a:xfrm>
+        </p:spPr>
+        <p:txBody>
+          <a:bodyPr>
+            <a:normAutofit/>
+          </a:bodyPr>
+          <a:lstStyle/>
+          <a:p>
+            <a:r>
+              <a:rPr lang="en-US" sz="3600" dirty="0" err="1"/>
+              <a:t>Kriminalitet</a:t>
+            </a:r>
+            <a:r>
+              <a:rPr lang="en-US" sz="3600" dirty="0"/>
+              <a:t> </a:t>
+            </a:r>
+            <a:r>
+              <a:rPr lang="en-US" sz="3600" dirty="0" err="1"/>
+              <a:t>fordelt</a:t>
+            </a:r>
+            <a:r>
+              <a:rPr lang="en-US" sz="3600" dirty="0"/>
+              <a:t> </a:t>
+            </a:r>
+            <a:r>
+              <a:rPr lang="en-US" sz="3600" dirty="0" err="1"/>
+              <a:t>på</a:t>
+            </a:r>
+            <a:r>
+              <a:rPr lang="en-US" sz="3600" dirty="0"/>
+              <a:t> </a:t>
+            </a:r>
+            <a:r>
+              <a:rPr lang="en-US" sz="3600" dirty="0" err="1"/>
+              <a:t>distrikter</a:t>
+            </a:r>
+            <a:r>
+              <a:rPr lang="en-US" sz="3600" dirty="0"/>
+              <a:t> </a:t>
+            </a:r>
+            <a:endParaRPr lang="da-DK" sz="3600" dirty="0"/>
+          </a:p>
+        </p:txBody>
+      </p:sp>
+      <p:pic>
+        <p:nvPicPr>
+          <p:cNvPr id="7" name="Picture 6" descr="Chart, bar chart&#10;&#10;Description automatically generated">
+            <a:extLst>
+              <a:ext uri="{FF2B5EF4-FFF2-40B4-BE49-F238E27FC236}">
+                <a16:creationId xmlns:a16="http://schemas.microsoft.com/office/drawing/2014/main" id="{3D153B8A-A0B0-41F5-83F2-EC375AF2B213}"/>
+              </a:ext>
+            </a:extLst>
+          </p:cNvPr>
+          <p:cNvPicPr>
+            <a:picLocks noChangeAspect="1"/>
+          </p:cNvPicPr>
+          <p:nvPr/>
+        </p:nvPicPr>
+        <p:blipFill>
+          <a:blip r:embed="rId3">
+            <a:extLst>
+              <a:ext uri="{28A0092B-C50C-407E-A947-70E740481C1C}">
+                <a14:useLocalDpi xmlns:a14="http://schemas.microsoft.com/office/drawing/2010/main" val="0"/>
+              </a:ext>
+            </a:extLst>
+          </a:blip>
+          <a:stretch>
+            <a:fillRect/>
+          </a:stretch>
+        </p:blipFill>
+        <p:spPr>
+          <a:xfrm>
+            <a:off x="6096000" y="1767840"/>
+            <a:ext cx="4762076" cy="4123398"/>
+          </a:xfrm>
+          <a:prstGeom prst="rect">
+            <a:avLst/>
+          </a:prstGeom>
+        </p:spPr>
+      </p:pic>
+      <p:pic>
+        <p:nvPicPr>
+          <p:cNvPr id="9" name="Picture 8" descr="Chart&#10;&#10;Description automatically generated">
+            <a:extLst>
+              <a:ext uri="{FF2B5EF4-FFF2-40B4-BE49-F238E27FC236}">
+                <a16:creationId xmlns:a16="http://schemas.microsoft.com/office/drawing/2014/main" id="{939A1CE2-24BE-43DD-BE2A-CEB2B303F2B8}"/>
+              </a:ext>
+            </a:extLst>
+          </p:cNvPr>
+          <p:cNvPicPr>
+            <a:picLocks noChangeAspect="1"/>
+          </p:cNvPicPr>
+          <p:nvPr/>
+        </p:nvPicPr>
+        <p:blipFill rotWithShape="1">
+          <a:blip r:embed="rId4">
+            <a:extLst>
+              <a:ext uri="{28A0092B-C50C-407E-A947-70E740481C1C}">
+                <a14:useLocalDpi xmlns:a14="http://schemas.microsoft.com/office/drawing/2010/main" val="0"/>
+              </a:ext>
+            </a:extLst>
+          </a:blip>
+          <a:srcRect r="22663"/>
+          <a:stretch/>
+        </p:blipFill>
+        <p:spPr>
+          <a:xfrm>
+            <a:off x="1468121" y="1767840"/>
+            <a:ext cx="3771078" cy="4123398"/>
+          </a:xfrm>
+          <a:prstGeom prst="rect">
+            <a:avLst/>
+          </a:prstGeom>
+        </p:spPr>
+      </p:pic>
+      <p:graphicFrame>
+        <p:nvGraphicFramePr>
+          <p:cNvPr id="10" name="Table 10">
+            <a:extLst>
+              <a:ext uri="{FF2B5EF4-FFF2-40B4-BE49-F238E27FC236}">
+                <a16:creationId xmlns:a16="http://schemas.microsoft.com/office/drawing/2014/main" id="{B3CE0AB6-6C15-4438-A7CB-1B604A9C9F2D}"/>
+              </a:ext>
+            </a:extLst>
+          </p:cNvPr>
+          <p:cNvGraphicFramePr>
+            <a:graphicFrameLocks noGrp="1"/>
+          </p:cNvGraphicFramePr>
+          <p:nvPr>
+            <p:extLst>
+              <p:ext uri="{D42A27DB-BD31-4B8C-83A1-F6EECF244321}">
+                <p14:modId xmlns:p14="http://schemas.microsoft.com/office/powerpoint/2010/main" val="866518205"/>
+              </p:ext>
+            </p:extLst>
+          </p:nvPr>
+        </p:nvGraphicFramePr>
+        <p:xfrm>
+          <a:off x="3180080" y="892889"/>
+          <a:ext cx="5689600" cy="610792"/>
+        </p:xfrm>
+        <a:graphic>
+          <a:graphicData uri="http://schemas.openxmlformats.org/drawingml/2006/table">
+            <a:tbl>
+              <a:tblPr firstRow="1" bandRow="1">
+                <a:tableStyleId>{C083E6E3-FA7D-4D7B-A595-EF9225AFEA82}</a:tableStyleId>
+              </a:tblPr>
+              <a:tblGrid>
+                <a:gridCol w="1422400">
+                  <a:extLst>
+                    <a:ext uri="{9D8B030D-6E8A-4147-A177-3AD203B41FA5}">
+                      <a16:colId xmlns:a16="http://schemas.microsoft.com/office/drawing/2014/main" val="2960456199"/>
+                    </a:ext>
+                  </a:extLst>
+                </a:gridCol>
+                <a:gridCol w="1422400">
+                  <a:extLst>
+                    <a:ext uri="{9D8B030D-6E8A-4147-A177-3AD203B41FA5}">
+                      <a16:colId xmlns:a16="http://schemas.microsoft.com/office/drawing/2014/main" val="348692724"/>
+                    </a:ext>
+                  </a:extLst>
+                </a:gridCol>
+                <a:gridCol w="1422400">
+                  <a:extLst>
+                    <a:ext uri="{9D8B030D-6E8A-4147-A177-3AD203B41FA5}">
+                      <a16:colId xmlns:a16="http://schemas.microsoft.com/office/drawing/2014/main" val="1950430912"/>
+                    </a:ext>
+                  </a:extLst>
+                </a:gridCol>
+                <a:gridCol w="1422400">
+                  <a:extLst>
+                    <a:ext uri="{9D8B030D-6E8A-4147-A177-3AD203B41FA5}">
+                      <a16:colId xmlns:a16="http://schemas.microsoft.com/office/drawing/2014/main" val="4053995715"/>
+                    </a:ext>
+                  </a:extLst>
+                </a:gridCol>
+              </a:tblGrid>
+              <a:tr h="305396">
+                <a:tc>
+                  <a:txBody>
+                    <a:bodyPr/>
+                    <a:lstStyle/>
+                    <a:p>
+                      <a:r>
+                        <a:rPr lang="en-US" sz="1400" dirty="0" err="1"/>
+                        <a:t>Distrikt</a:t>
+                      </a:r>
+                      <a:endParaRPr lang="da-DK" sz="1400" dirty="0"/>
+                    </a:p>
+                  </a:txBody>
+                  <a:tcPr/>
+                </a:tc>
+                <a:tc>
+                  <a:txBody>
+                    <a:bodyPr/>
+                    <a:lstStyle/>
+                    <a:p>
+                      <a:r>
+                        <a:rPr lang="en-US" sz="1400" dirty="0"/>
+                        <a:t>Mission</a:t>
+                      </a:r>
+                      <a:endParaRPr lang="da-DK" sz="1400" dirty="0"/>
+                    </a:p>
+                  </a:txBody>
+                  <a:tcPr/>
+                </a:tc>
+                <a:tc>
+                  <a:txBody>
+                    <a:bodyPr/>
+                    <a:lstStyle/>
+                    <a:p>
+                      <a:r>
+                        <a:rPr lang="en-US" sz="1400" dirty="0"/>
+                        <a:t>Tenderloin</a:t>
+                      </a:r>
+                      <a:endParaRPr lang="da-DK" sz="1400" dirty="0"/>
+                    </a:p>
+                  </a:txBody>
+                  <a:tcPr/>
+                </a:tc>
+                <a:tc>
+                  <a:txBody>
+                    <a:bodyPr/>
+                    <a:lstStyle/>
+                    <a:p>
+                      <a:r>
+                        <a:rPr lang="en-US" sz="1400" dirty="0"/>
+                        <a:t>Sunnydale</a:t>
+                      </a:r>
+                      <a:endParaRPr lang="da-DK" sz="1400" dirty="0"/>
+                    </a:p>
+                  </a:txBody>
+                  <a:tcPr/>
+                </a:tc>
+                <a:extLst>
+                  <a:ext uri="{0D108BD9-81ED-4DB2-BD59-A6C34878D82A}">
+                    <a16:rowId xmlns:a16="http://schemas.microsoft.com/office/drawing/2014/main" val="899810305"/>
+                  </a:ext>
+                </a:extLst>
+              </a:tr>
+              <a:tr h="305396">
+                <a:tc>
+                  <a:txBody>
+                    <a:bodyPr/>
+                    <a:lstStyle/>
+                    <a:p>
+                      <a:r>
+                        <a:rPr lang="en-US" sz="1400" dirty="0"/>
+                        <a:t>N</a:t>
+                      </a:r>
+                      <a:endParaRPr lang="da-DK" sz="1400" dirty="0"/>
+                    </a:p>
+                  </a:txBody>
+                  <a:tcPr/>
+                </a:tc>
+                <a:tc>
+                  <a:txBody>
+                    <a:bodyPr/>
+                    <a:lstStyle/>
+                    <a:p>
+                      <a:r>
+                        <a:rPr lang="en-US" sz="1400" dirty="0"/>
+                        <a:t>234.316</a:t>
+                      </a:r>
+                      <a:endParaRPr lang="da-DK" sz="1400" dirty="0"/>
+                    </a:p>
+                  </a:txBody>
+                  <a:tcPr/>
+                </a:tc>
+                <a:tc>
+                  <a:txBody>
+                    <a:bodyPr/>
+                    <a:lstStyle/>
+                    <a:p>
+                      <a:r>
+                        <a:rPr lang="en-US" sz="1400" dirty="0"/>
+                        <a:t>345.421</a:t>
+                      </a:r>
+                      <a:endParaRPr lang="da-DK" sz="1400" dirty="0"/>
+                    </a:p>
+                  </a:txBody>
+                  <a:tcPr/>
+                </a:tc>
+                <a:tc>
+                  <a:txBody>
+                    <a:bodyPr/>
+                    <a:lstStyle/>
+                    <a:p>
+                      <a:r>
+                        <a:rPr lang="en-US" sz="1400" dirty="0"/>
+                        <a:t>13.111</a:t>
+                      </a:r>
+                      <a:endParaRPr lang="da-DK" sz="1400" dirty="0"/>
+                    </a:p>
+                  </a:txBody>
+                  <a:tcPr/>
+                </a:tc>
+                <a:extLst>
+                  <a:ext uri="{0D108BD9-81ED-4DB2-BD59-A6C34878D82A}">
+                    <a16:rowId xmlns:a16="http://schemas.microsoft.com/office/drawing/2014/main" val="3310622515"/>
+                  </a:ext>
+                </a:extLst>
+              </a:tr>
+            </a:tbl>
+          </a:graphicData>
+        </a:graphic>
+      </p:graphicFrame>
     </p:spTree>
     <p:extLst>
       <p:ext uri="{BB962C8B-B14F-4D97-AF65-F5344CB8AC3E}">
@@ -5479,11 +6226,7 @@
                     <a:p>
                       <a:r>
                         <a:rPr lang="en-US" dirty="0"/>
-                        <a:t>{5</a:t>
-                      </a:r>
-                      <a:r>
-                        <a:rPr lang="en-US"/>
-                        <a:t>, 10}</a:t>
+                        <a:t>{5, 10}</a:t>
                       </a:r>
                       <a:endParaRPr lang="da-DK" dirty="0"/>
                     </a:p>

--- a/presentation/San Francisco Crime Data.pptx
+++ b/presentation/San Francisco Crime Data.pptx
@@ -5,17 +5,21 @@
     <p:sldMasterId id="2147483648" r:id="rId1"/>
   </p:sldMasterIdLst>
   <p:notesMasterIdLst>
-    <p:notesMasterId r:id="rId10"/>
+    <p:notesMasterId r:id="rId14"/>
   </p:notesMasterIdLst>
   <p:sldIdLst>
     <p:sldId id="256" r:id="rId2"/>
-    <p:sldId id="260" r:id="rId3"/>
-    <p:sldId id="261" r:id="rId4"/>
-    <p:sldId id="262" r:id="rId5"/>
-    <p:sldId id="263" r:id="rId6"/>
-    <p:sldId id="257" r:id="rId7"/>
-    <p:sldId id="258" r:id="rId8"/>
-    <p:sldId id="259" r:id="rId9"/>
+    <p:sldId id="261" r:id="rId3"/>
+    <p:sldId id="269" r:id="rId4"/>
+    <p:sldId id="270" r:id="rId5"/>
+    <p:sldId id="262" r:id="rId6"/>
+    <p:sldId id="264" r:id="rId7"/>
+    <p:sldId id="265" r:id="rId8"/>
+    <p:sldId id="263" r:id="rId9"/>
+    <p:sldId id="267" r:id="rId10"/>
+    <p:sldId id="268" r:id="rId11"/>
+    <p:sldId id="258" r:id="rId12"/>
+    <p:sldId id="259" r:id="rId13"/>
   </p:sldIdLst>
   <p:sldSz cx="12192000" cy="6858000"/>
   <p:notesSz cx="6858000" cy="9144000"/>
@@ -555,6 +559,671 @@
 </p:notes>
 </file>
 
+<file path=ppt/notesSlides/notesSlide10.xml><?xml version="1.0" encoding="utf-8"?>
+<p:notes xmlns:a="http://schemas.openxmlformats.org/drawingml/2006/main" xmlns:r="http://schemas.openxmlformats.org/officeDocument/2006/relationships" xmlns:p="http://schemas.openxmlformats.org/presentationml/2006/main">
+  <p:cSld>
+    <p:spTree>
+      <p:nvGrpSpPr>
+        <p:cNvPr id="1" name=""/>
+        <p:cNvGrpSpPr/>
+        <p:nvPr/>
+      </p:nvGrpSpPr>
+      <p:grpSpPr>
+        <a:xfrm>
+          <a:off x="0" y="0"/>
+          <a:ext cx="0" cy="0"/>
+          <a:chOff x="0" y="0"/>
+          <a:chExt cx="0" cy="0"/>
+        </a:xfrm>
+      </p:grpSpPr>
+      <p:sp>
+        <p:nvSpPr>
+          <p:cNvPr id="2" name="Slide Image Placeholder 1"/>
+          <p:cNvSpPr>
+            <a:spLocks noGrp="1" noRot="1" noChangeAspect="1"/>
+          </p:cNvSpPr>
+          <p:nvPr>
+            <p:ph type="sldImg"/>
+          </p:nvPr>
+        </p:nvSpPr>
+        <p:spPr/>
+      </p:sp>
+      <p:sp>
+        <p:nvSpPr>
+          <p:cNvPr id="3" name="Notes Placeholder 2"/>
+          <p:cNvSpPr>
+            <a:spLocks noGrp="1"/>
+          </p:cNvSpPr>
+          <p:nvPr>
+            <p:ph type="body" idx="1"/>
+          </p:nvPr>
+        </p:nvSpPr>
+        <p:spPr/>
+        <p:txBody>
+          <a:bodyPr/>
+          <a:lstStyle/>
+          <a:p>
+            <a:r>
+              <a:rPr lang="en-US" dirty="0"/>
+              <a:t>Starter med </a:t>
+            </a:r>
+            <a:r>
+              <a:rPr lang="en-US" dirty="0" err="1"/>
+              <a:t>ikke</a:t>
+            </a:r>
+            <a:r>
+              <a:rPr lang="en-US" dirty="0"/>
+              <a:t> at </a:t>
+            </a:r>
+            <a:r>
+              <a:rPr lang="en-US" dirty="0" err="1"/>
+              <a:t>bruge</a:t>
+            </a:r>
+            <a:r>
+              <a:rPr lang="en-US" dirty="0"/>
+              <a:t> </a:t>
+            </a:r>
+            <a:r>
+              <a:rPr lang="en-US" dirty="0" err="1"/>
+              <a:t>valideringsættet</a:t>
+            </a:r>
+            <a:r>
+              <a:rPr lang="en-US" dirty="0"/>
+              <a:t>. Dette </a:t>
+            </a:r>
+            <a:r>
+              <a:rPr lang="en-US" dirty="0" err="1"/>
+              <a:t>kunne</a:t>
+            </a:r>
+            <a:r>
+              <a:rPr lang="en-US" dirty="0"/>
+              <a:t> </a:t>
+            </a:r>
+            <a:r>
+              <a:rPr lang="en-US" dirty="0" err="1"/>
+              <a:t>jeg</a:t>
+            </a:r>
+            <a:r>
+              <a:rPr lang="en-US" dirty="0"/>
+              <a:t> </a:t>
+            </a:r>
+            <a:r>
+              <a:rPr lang="en-US" dirty="0" err="1"/>
+              <a:t>f.eks</a:t>
+            </a:r>
+            <a:r>
+              <a:rPr lang="en-US" dirty="0"/>
+              <a:t>. have </a:t>
+            </a:r>
+            <a:r>
+              <a:rPr lang="en-US" dirty="0" err="1"/>
+              <a:t>brugt</a:t>
+            </a:r>
+            <a:r>
+              <a:rPr lang="en-US" dirty="0"/>
+              <a:t> </a:t>
+            </a:r>
+            <a:r>
+              <a:rPr lang="en-US" dirty="0" err="1"/>
+              <a:t>til</a:t>
+            </a:r>
+            <a:r>
+              <a:rPr lang="en-US" dirty="0"/>
+              <a:t> at tune </a:t>
+            </a:r>
+            <a:r>
+              <a:rPr lang="en-US" dirty="0" err="1"/>
+              <a:t>regulariseringsstyrker</a:t>
+            </a:r>
+            <a:r>
+              <a:rPr lang="en-US" dirty="0"/>
+              <a:t> </a:t>
+            </a:r>
+            <a:r>
+              <a:rPr lang="en-US" dirty="0" err="1"/>
+              <a:t>eller</a:t>
+            </a:r>
+            <a:r>
+              <a:rPr lang="en-US" dirty="0"/>
+              <a:t> </a:t>
+            </a:r>
+            <a:r>
+              <a:rPr lang="en-US" dirty="0" err="1"/>
+              <a:t>typer</a:t>
+            </a:r>
+            <a:r>
+              <a:rPr lang="en-US" dirty="0"/>
+              <a:t> </a:t>
+            </a:r>
+            <a:r>
+              <a:rPr lang="en-US" dirty="0" err="1"/>
+              <a:t>af</a:t>
+            </a:r>
+            <a:r>
+              <a:rPr lang="en-US" dirty="0"/>
+              <a:t> </a:t>
+            </a:r>
+            <a:r>
+              <a:rPr lang="en-US" dirty="0" err="1"/>
+              <a:t>regularisering</a:t>
+            </a:r>
+            <a:r>
+              <a:rPr lang="en-US" dirty="0"/>
+              <a:t>. Det </a:t>
+            </a:r>
+            <a:r>
+              <a:rPr lang="en-US" dirty="0" err="1"/>
+              <a:t>kunne</a:t>
+            </a:r>
+            <a:r>
+              <a:rPr lang="en-US" dirty="0"/>
+              <a:t> </a:t>
+            </a:r>
+            <a:r>
+              <a:rPr lang="en-US" dirty="0" err="1"/>
+              <a:t>være</a:t>
+            </a:r>
+            <a:r>
+              <a:rPr lang="en-US" dirty="0"/>
+              <a:t> </a:t>
+            </a:r>
+            <a:r>
+              <a:rPr lang="en-US" dirty="0" err="1"/>
+              <a:t>en</a:t>
+            </a:r>
+            <a:r>
+              <a:rPr lang="en-US" dirty="0"/>
+              <a:t> ide at </a:t>
+            </a:r>
+            <a:r>
+              <a:rPr lang="en-US" dirty="0" err="1"/>
+              <a:t>bruge</a:t>
+            </a:r>
+            <a:r>
+              <a:rPr lang="en-US" dirty="0"/>
+              <a:t> grid search, </a:t>
+            </a:r>
+            <a:r>
+              <a:rPr lang="en-US" dirty="0" err="1"/>
+              <a:t>hvis</a:t>
+            </a:r>
+            <a:r>
+              <a:rPr lang="en-US" dirty="0"/>
+              <a:t> man </a:t>
+            </a:r>
+            <a:r>
+              <a:rPr lang="en-US" dirty="0" err="1"/>
+              <a:t>virkelig</a:t>
+            </a:r>
+            <a:r>
+              <a:rPr lang="en-US" dirty="0"/>
+              <a:t> </a:t>
+            </a:r>
+            <a:r>
+              <a:rPr lang="en-US" dirty="0" err="1"/>
+              <a:t>gik</a:t>
+            </a:r>
+            <a:r>
+              <a:rPr lang="en-US" dirty="0"/>
+              <a:t> op </a:t>
+            </a:r>
+            <a:r>
+              <a:rPr lang="en-US" dirty="0" err="1"/>
+              <a:t>i</a:t>
+            </a:r>
+            <a:r>
+              <a:rPr lang="en-US" dirty="0"/>
+              <a:t>, </a:t>
+            </a:r>
+            <a:r>
+              <a:rPr lang="en-US" dirty="0" err="1"/>
+              <a:t>hvordan</a:t>
+            </a:r>
+            <a:r>
+              <a:rPr lang="en-US" dirty="0"/>
+              <a:t> </a:t>
+            </a:r>
+            <a:r>
+              <a:rPr lang="en-US" dirty="0" err="1"/>
+              <a:t>modellen</a:t>
+            </a:r>
+            <a:r>
+              <a:rPr lang="en-US" dirty="0"/>
+              <a:t> </a:t>
+            </a:r>
+            <a:r>
+              <a:rPr lang="en-US" dirty="0" err="1"/>
+              <a:t>perfomer</a:t>
+            </a:r>
+            <a:r>
+              <a:rPr lang="en-US" dirty="0"/>
+              <a:t>. </a:t>
+            </a:r>
+          </a:p>
+          <a:p>
+            <a:endParaRPr lang="en-US" dirty="0"/>
+          </a:p>
+          <a:p>
+            <a:endParaRPr lang="en-US" dirty="0"/>
+          </a:p>
+          <a:p>
+            <a:r>
+              <a:rPr lang="en-US" dirty="0"/>
+              <a:t>Tanker om performance: </a:t>
+            </a:r>
+            <a:r>
+              <a:rPr lang="en-US" dirty="0" err="1"/>
+              <a:t>Høj</a:t>
+            </a:r>
+            <a:r>
+              <a:rPr lang="en-US" dirty="0"/>
+              <a:t> accuracy </a:t>
+            </a:r>
+            <a:r>
+              <a:rPr lang="en-US" dirty="0" err="1"/>
+              <a:t>fordi</a:t>
+            </a:r>
+            <a:r>
+              <a:rPr lang="en-US" dirty="0"/>
+              <a:t> target-</a:t>
+            </a:r>
+            <a:r>
+              <a:rPr lang="en-US" dirty="0" err="1"/>
+              <a:t>variablen</a:t>
+            </a:r>
+            <a:r>
+              <a:rPr lang="en-US" dirty="0"/>
+              <a:t> er </a:t>
+            </a:r>
+            <a:r>
+              <a:rPr lang="en-US" dirty="0" err="1"/>
+              <a:t>imbalanceret</a:t>
+            </a:r>
+            <a:r>
+              <a:rPr lang="en-US" dirty="0"/>
+              <a:t>. </a:t>
+            </a:r>
+            <a:r>
+              <a:rPr lang="en-US" dirty="0" err="1"/>
+              <a:t>Måske</a:t>
+            </a:r>
+            <a:r>
+              <a:rPr lang="en-US" dirty="0"/>
+              <a:t> </a:t>
+            </a:r>
+            <a:r>
+              <a:rPr lang="en-US" dirty="0" err="1"/>
+              <a:t>en</a:t>
+            </a:r>
+            <a:r>
+              <a:rPr lang="en-US" dirty="0"/>
+              <a:t> god </a:t>
+            </a:r>
+            <a:r>
+              <a:rPr lang="en-US" dirty="0" err="1"/>
+              <a:t>idé</a:t>
+            </a:r>
+            <a:r>
+              <a:rPr lang="en-US" dirty="0"/>
+              <a:t> at </a:t>
+            </a:r>
+            <a:r>
+              <a:rPr lang="en-US" dirty="0" err="1"/>
+              <a:t>kigge</a:t>
+            </a:r>
+            <a:r>
+              <a:rPr lang="en-US" dirty="0"/>
+              <a:t> </a:t>
+            </a:r>
+            <a:r>
+              <a:rPr lang="en-US" dirty="0" err="1"/>
+              <a:t>på</a:t>
+            </a:r>
+            <a:r>
+              <a:rPr lang="en-US" dirty="0"/>
+              <a:t> </a:t>
+            </a:r>
+            <a:r>
+              <a:rPr lang="en-US" dirty="0" err="1"/>
+              <a:t>noget</a:t>
+            </a:r>
+            <a:r>
+              <a:rPr lang="en-US" dirty="0"/>
+              <a:t> calibration </a:t>
+            </a:r>
+            <a:r>
+              <a:rPr lang="en-US" dirty="0" err="1"/>
+              <a:t>af</a:t>
+            </a:r>
+            <a:r>
+              <a:rPr lang="en-US" dirty="0"/>
+              <a:t> </a:t>
+            </a:r>
+            <a:r>
+              <a:rPr lang="en-US" dirty="0" err="1"/>
+              <a:t>classifieren</a:t>
+            </a:r>
+            <a:r>
+              <a:rPr lang="en-US" dirty="0"/>
+              <a:t>, </a:t>
+            </a:r>
+            <a:r>
+              <a:rPr lang="en-US" dirty="0" err="1"/>
+              <a:t>eller</a:t>
+            </a:r>
+            <a:r>
+              <a:rPr lang="en-US" dirty="0"/>
+              <a:t> </a:t>
+            </a:r>
+            <a:r>
+              <a:rPr lang="en-US" dirty="0" err="1"/>
+              <a:t>undersøge</a:t>
+            </a:r>
+            <a:r>
+              <a:rPr lang="en-US" dirty="0"/>
+              <a:t>, om man </a:t>
+            </a:r>
+            <a:r>
+              <a:rPr lang="en-US" dirty="0" err="1"/>
+              <a:t>måske</a:t>
+            </a:r>
+            <a:r>
+              <a:rPr lang="en-US" dirty="0"/>
+              <a:t> </a:t>
+            </a:r>
+            <a:r>
+              <a:rPr lang="en-US" dirty="0" err="1"/>
+              <a:t>skulle</a:t>
+            </a:r>
+            <a:r>
+              <a:rPr lang="en-US" dirty="0"/>
+              <a:t> have et cut-off, der var </a:t>
+            </a:r>
+            <a:r>
+              <a:rPr lang="en-US" dirty="0" err="1"/>
+              <a:t>lavere</a:t>
+            </a:r>
+            <a:r>
+              <a:rPr lang="en-US" dirty="0"/>
+              <a:t> end 50%. </a:t>
+            </a:r>
+            <a:r>
+              <a:rPr lang="en-US" dirty="0" err="1"/>
+              <a:t>Når</a:t>
+            </a:r>
+            <a:r>
+              <a:rPr lang="en-US" dirty="0"/>
+              <a:t> </a:t>
+            </a:r>
+            <a:r>
+              <a:rPr lang="en-US" dirty="0" err="1"/>
+              <a:t>jeg</a:t>
+            </a:r>
+            <a:r>
+              <a:rPr lang="en-US" dirty="0"/>
+              <a:t> bare </a:t>
+            </a:r>
+            <a:r>
+              <a:rPr lang="en-US" dirty="0" err="1"/>
+              <a:t>inspicere</a:t>
+            </a:r>
+            <a:r>
+              <a:rPr lang="en-US" dirty="0"/>
+              <a:t> </a:t>
+            </a:r>
+            <a:r>
+              <a:rPr lang="en-US" dirty="0" err="1"/>
+              <a:t>prædiktionerne</a:t>
+            </a:r>
+            <a:r>
+              <a:rPr lang="en-US" dirty="0"/>
+              <a:t> er der </a:t>
+            </a:r>
+            <a:r>
+              <a:rPr lang="en-US" dirty="0" err="1"/>
+              <a:t>nogle</a:t>
+            </a:r>
+            <a:r>
+              <a:rPr lang="en-US" dirty="0"/>
+              <a:t> </a:t>
+            </a:r>
+            <a:r>
+              <a:rPr lang="en-US" dirty="0" err="1"/>
+              <a:t>af</a:t>
+            </a:r>
+            <a:r>
+              <a:rPr lang="en-US" dirty="0"/>
+              <a:t> de </a:t>
+            </a:r>
+            <a:r>
+              <a:rPr lang="en-US" dirty="0" err="1"/>
+              <a:t>observationer</a:t>
+            </a:r>
+            <a:r>
+              <a:rPr lang="en-US" dirty="0"/>
+              <a:t> med </a:t>
+            </a:r>
+            <a:r>
+              <a:rPr lang="en-US" dirty="0" err="1"/>
+              <a:t>is_violent</a:t>
+            </a:r>
+            <a:r>
+              <a:rPr lang="en-US" dirty="0"/>
+              <a:t>=1, der </a:t>
+            </a:r>
+            <a:r>
+              <a:rPr lang="en-US" dirty="0" err="1"/>
+              <a:t>har</a:t>
+            </a:r>
+            <a:r>
+              <a:rPr lang="en-US" dirty="0"/>
+              <a:t> </a:t>
+            </a:r>
+            <a:r>
+              <a:rPr lang="en-US" dirty="0" err="1"/>
+              <a:t>højere</a:t>
+            </a:r>
+            <a:r>
+              <a:rPr lang="en-US" dirty="0"/>
+              <a:t> </a:t>
+            </a:r>
+            <a:r>
+              <a:rPr lang="en-US" dirty="0" err="1"/>
+              <a:t>prædikteret</a:t>
+            </a:r>
+            <a:r>
+              <a:rPr lang="en-US" dirty="0"/>
+              <a:t> </a:t>
+            </a:r>
+            <a:r>
+              <a:rPr lang="en-US" dirty="0" err="1"/>
+              <a:t>sandsynlighed</a:t>
+            </a:r>
+            <a:r>
+              <a:rPr lang="en-US" dirty="0"/>
+              <a:t>. </a:t>
+            </a:r>
+          </a:p>
+          <a:p>
+            <a:endParaRPr lang="en-US" dirty="0"/>
+          </a:p>
+          <a:p>
+            <a:pPr marL="0" marR="0" lvl="0" indent="0" algn="l" defTabSz="914400" rtl="0" eaLnBrk="1" fontAlgn="auto" latinLnBrk="0" hangingPunct="1">
+              <a:lnSpc>
+                <a:spcPct val="100000"/>
+              </a:lnSpc>
+              <a:spcBef>
+                <a:spcPts val="0"/>
+              </a:spcBef>
+              <a:spcAft>
+                <a:spcPts val="0"/>
+              </a:spcAft>
+              <a:buClrTx/>
+              <a:buSzTx/>
+              <a:buFontTx/>
+              <a:buNone/>
+              <a:tabLst/>
+              <a:defRPr/>
+            </a:pPr>
+            <a:r>
+              <a:rPr lang="en-US" dirty="0" err="1"/>
+              <a:t>Enkelt</a:t>
+            </a:r>
+            <a:r>
+              <a:rPr lang="en-US" dirty="0"/>
+              <a:t> </a:t>
+            </a:r>
+            <a:r>
+              <a:rPr lang="en-US" dirty="0" err="1"/>
+              <a:t>netværk</a:t>
+            </a:r>
+            <a:r>
+              <a:rPr lang="en-US" dirty="0"/>
+              <a:t>: 2 lag m. </a:t>
+            </a:r>
+            <a:r>
+              <a:rPr lang="en-US" dirty="0" err="1"/>
+              <a:t>hhv</a:t>
+            </a:r>
+            <a:r>
+              <a:rPr lang="en-US" dirty="0"/>
+              <a:t>. 3 </a:t>
+            </a:r>
+            <a:r>
+              <a:rPr lang="en-US" dirty="0" err="1"/>
+              <a:t>og</a:t>
+            </a:r>
+            <a:r>
+              <a:rPr lang="en-US" dirty="0"/>
+              <a:t> 6 hidden units. LR = 0.0001, dropout = 0.2</a:t>
+            </a:r>
+            <a:endParaRPr lang="da-DK" dirty="0"/>
+          </a:p>
+          <a:p>
+            <a:endParaRPr lang="da-DK" dirty="0"/>
+          </a:p>
+        </p:txBody>
+      </p:sp>
+      <p:sp>
+        <p:nvSpPr>
+          <p:cNvPr id="4" name="Slide Number Placeholder 3"/>
+          <p:cNvSpPr>
+            <a:spLocks noGrp="1"/>
+          </p:cNvSpPr>
+          <p:nvPr>
+            <p:ph type="sldNum" sz="quarter" idx="5"/>
+          </p:nvPr>
+        </p:nvSpPr>
+        <p:spPr/>
+        <p:txBody>
+          <a:bodyPr/>
+          <a:lstStyle/>
+          <a:p>
+            <a:fld id="{58F53778-6204-4A73-9B35-52C51C84CCAB}" type="slidenum">
+              <a:rPr lang="da-DK" smtClean="0"/>
+              <a:t>11</a:t>
+            </a:fld>
+            <a:endParaRPr lang="da-DK"/>
+          </a:p>
+        </p:txBody>
+      </p:sp>
+    </p:spTree>
+    <p:extLst>
+      <p:ext uri="{BB962C8B-B14F-4D97-AF65-F5344CB8AC3E}">
+        <p14:creationId xmlns:p14="http://schemas.microsoft.com/office/powerpoint/2010/main" val="618301822"/>
+      </p:ext>
+    </p:extLst>
+  </p:cSld>
+  <p:clrMapOvr>
+    <a:masterClrMapping/>
+  </p:clrMapOvr>
+</p:notes>
+</file>
+
+<file path=ppt/notesSlides/notesSlide11.xml><?xml version="1.0" encoding="utf-8"?>
+<p:notes xmlns:a="http://schemas.openxmlformats.org/drawingml/2006/main" xmlns:r="http://schemas.openxmlformats.org/officeDocument/2006/relationships" xmlns:p="http://schemas.openxmlformats.org/presentationml/2006/main">
+  <p:cSld>
+    <p:spTree>
+      <p:nvGrpSpPr>
+        <p:cNvPr id="1" name=""/>
+        <p:cNvGrpSpPr/>
+        <p:nvPr/>
+      </p:nvGrpSpPr>
+      <p:grpSpPr>
+        <a:xfrm>
+          <a:off x="0" y="0"/>
+          <a:ext cx="0" cy="0"/>
+          <a:chOff x="0" y="0"/>
+          <a:chExt cx="0" cy="0"/>
+        </a:xfrm>
+      </p:grpSpPr>
+      <p:sp>
+        <p:nvSpPr>
+          <p:cNvPr id="2" name="Slide Image Placeholder 1"/>
+          <p:cNvSpPr>
+            <a:spLocks noGrp="1" noRot="1" noChangeAspect="1"/>
+          </p:cNvSpPr>
+          <p:nvPr>
+            <p:ph type="sldImg"/>
+          </p:nvPr>
+        </p:nvSpPr>
+        <p:spPr/>
+      </p:sp>
+      <p:sp>
+        <p:nvSpPr>
+          <p:cNvPr id="3" name="Notes Placeholder 2"/>
+          <p:cNvSpPr>
+            <a:spLocks noGrp="1"/>
+          </p:cNvSpPr>
+          <p:nvPr>
+            <p:ph type="body" idx="1"/>
+          </p:nvPr>
+        </p:nvSpPr>
+        <p:spPr/>
+        <p:txBody>
+          <a:bodyPr/>
+          <a:lstStyle/>
+          <a:p>
+            <a:endParaRPr lang="da-DK" dirty="0"/>
+          </a:p>
+        </p:txBody>
+      </p:sp>
+      <p:sp>
+        <p:nvSpPr>
+          <p:cNvPr id="4" name="Slide Number Placeholder 3"/>
+          <p:cNvSpPr>
+            <a:spLocks noGrp="1"/>
+          </p:cNvSpPr>
+          <p:nvPr>
+            <p:ph type="sldNum" sz="quarter" idx="5"/>
+          </p:nvPr>
+        </p:nvSpPr>
+        <p:spPr/>
+        <p:txBody>
+          <a:bodyPr/>
+          <a:lstStyle/>
+          <a:p>
+            <a:fld id="{58F53778-6204-4A73-9B35-52C51C84CCAB}" type="slidenum">
+              <a:rPr lang="da-DK" smtClean="0"/>
+              <a:t>12</a:t>
+            </a:fld>
+            <a:endParaRPr lang="da-DK"/>
+          </a:p>
+        </p:txBody>
+      </p:sp>
+    </p:spTree>
+    <p:extLst>
+      <p:ext uri="{BB962C8B-B14F-4D97-AF65-F5344CB8AC3E}">
+        <p14:creationId xmlns:p14="http://schemas.microsoft.com/office/powerpoint/2010/main" val="912895662"/>
+      </p:ext>
+    </p:extLst>
+  </p:cSld>
+  <p:clrMapOvr>
+    <a:masterClrMapping/>
+  </p:clrMapOvr>
+</p:notes>
+</file>
+
 <file path=ppt/notesSlides/notesSlide2.xml><?xml version="1.0" encoding="utf-8"?>
 <p:notes xmlns:a="http://schemas.openxmlformats.org/drawingml/2006/main" xmlns:r="http://schemas.openxmlformats.org/officeDocument/2006/relationships" xmlns:p="http://schemas.openxmlformats.org/presentationml/2006/main">
   <p:cSld>
@@ -620,7 +1289,7 @@
           <a:p>
             <a:fld id="{58F53778-6204-4A73-9B35-52C51C84CCAB}" type="slidenum">
               <a:rPr lang="da-DK" smtClean="0"/>
-              <a:t>3</a:t>
+              <a:t>2</a:t>
             </a:fld>
             <a:endParaRPr lang="da-DK"/>
           </a:p>
@@ -683,443 +1352,6 @@
           <a:bodyPr/>
           <a:lstStyle/>
           <a:p>
-            <a:r>
-              <a:rPr lang="en-US" dirty="0"/>
-              <a:t>Starter med </a:t>
-            </a:r>
-            <a:r>
-              <a:rPr lang="en-US" dirty="0" err="1"/>
-              <a:t>ikke</a:t>
-            </a:r>
-            <a:r>
-              <a:rPr lang="en-US" dirty="0"/>
-              <a:t> at </a:t>
-            </a:r>
-            <a:r>
-              <a:rPr lang="en-US" dirty="0" err="1"/>
-              <a:t>bruge</a:t>
-            </a:r>
-            <a:r>
-              <a:rPr lang="en-US" dirty="0"/>
-              <a:t> </a:t>
-            </a:r>
-            <a:r>
-              <a:rPr lang="en-US" dirty="0" err="1"/>
-              <a:t>valideringsættet</a:t>
-            </a:r>
-            <a:r>
-              <a:rPr lang="en-US" dirty="0"/>
-              <a:t>. Dette </a:t>
-            </a:r>
-            <a:r>
-              <a:rPr lang="en-US" dirty="0" err="1"/>
-              <a:t>kunne</a:t>
-            </a:r>
-            <a:r>
-              <a:rPr lang="en-US" dirty="0"/>
-              <a:t> </a:t>
-            </a:r>
-            <a:r>
-              <a:rPr lang="en-US" dirty="0" err="1"/>
-              <a:t>jeg</a:t>
-            </a:r>
-            <a:r>
-              <a:rPr lang="en-US" dirty="0"/>
-              <a:t> </a:t>
-            </a:r>
-            <a:r>
-              <a:rPr lang="en-US" dirty="0" err="1"/>
-              <a:t>f.eks</a:t>
-            </a:r>
-            <a:r>
-              <a:rPr lang="en-US" dirty="0"/>
-              <a:t>. have </a:t>
-            </a:r>
-            <a:r>
-              <a:rPr lang="en-US" dirty="0" err="1"/>
-              <a:t>brugt</a:t>
-            </a:r>
-            <a:r>
-              <a:rPr lang="en-US" dirty="0"/>
-              <a:t> </a:t>
-            </a:r>
-            <a:r>
-              <a:rPr lang="en-US" dirty="0" err="1"/>
-              <a:t>til</a:t>
-            </a:r>
-            <a:r>
-              <a:rPr lang="en-US" dirty="0"/>
-              <a:t> at tune </a:t>
-            </a:r>
-            <a:r>
-              <a:rPr lang="en-US" dirty="0" err="1"/>
-              <a:t>regulariseringsstyrker</a:t>
-            </a:r>
-            <a:r>
-              <a:rPr lang="en-US" dirty="0"/>
-              <a:t> </a:t>
-            </a:r>
-            <a:r>
-              <a:rPr lang="en-US" dirty="0" err="1"/>
-              <a:t>eller</a:t>
-            </a:r>
-            <a:r>
-              <a:rPr lang="en-US" dirty="0"/>
-              <a:t> </a:t>
-            </a:r>
-            <a:r>
-              <a:rPr lang="en-US" dirty="0" err="1"/>
-              <a:t>typer</a:t>
-            </a:r>
-            <a:r>
-              <a:rPr lang="en-US" dirty="0"/>
-              <a:t> </a:t>
-            </a:r>
-            <a:r>
-              <a:rPr lang="en-US" dirty="0" err="1"/>
-              <a:t>af</a:t>
-            </a:r>
-            <a:r>
-              <a:rPr lang="en-US" dirty="0"/>
-              <a:t> </a:t>
-            </a:r>
-            <a:r>
-              <a:rPr lang="en-US" dirty="0" err="1"/>
-              <a:t>regularisering</a:t>
-            </a:r>
-            <a:r>
-              <a:rPr lang="en-US" dirty="0"/>
-              <a:t>. Det </a:t>
-            </a:r>
-            <a:r>
-              <a:rPr lang="en-US" dirty="0" err="1"/>
-              <a:t>kunne</a:t>
-            </a:r>
-            <a:r>
-              <a:rPr lang="en-US" dirty="0"/>
-              <a:t> </a:t>
-            </a:r>
-            <a:r>
-              <a:rPr lang="en-US" dirty="0" err="1"/>
-              <a:t>være</a:t>
-            </a:r>
-            <a:r>
-              <a:rPr lang="en-US" dirty="0"/>
-              <a:t> </a:t>
-            </a:r>
-            <a:r>
-              <a:rPr lang="en-US" dirty="0" err="1"/>
-              <a:t>en</a:t>
-            </a:r>
-            <a:r>
-              <a:rPr lang="en-US" dirty="0"/>
-              <a:t> ide at </a:t>
-            </a:r>
-            <a:r>
-              <a:rPr lang="en-US" dirty="0" err="1"/>
-              <a:t>bruge</a:t>
-            </a:r>
-            <a:r>
-              <a:rPr lang="en-US" dirty="0"/>
-              <a:t> grid search, </a:t>
-            </a:r>
-            <a:r>
-              <a:rPr lang="en-US" dirty="0" err="1"/>
-              <a:t>hvis</a:t>
-            </a:r>
-            <a:r>
-              <a:rPr lang="en-US" dirty="0"/>
-              <a:t> man </a:t>
-            </a:r>
-            <a:r>
-              <a:rPr lang="en-US" dirty="0" err="1"/>
-              <a:t>virkelig</a:t>
-            </a:r>
-            <a:r>
-              <a:rPr lang="en-US" dirty="0"/>
-              <a:t> </a:t>
-            </a:r>
-            <a:r>
-              <a:rPr lang="en-US" dirty="0" err="1"/>
-              <a:t>gik</a:t>
-            </a:r>
-            <a:r>
-              <a:rPr lang="en-US" dirty="0"/>
-              <a:t> op </a:t>
-            </a:r>
-            <a:r>
-              <a:rPr lang="en-US" dirty="0" err="1"/>
-              <a:t>i</a:t>
-            </a:r>
-            <a:r>
-              <a:rPr lang="en-US" dirty="0"/>
-              <a:t>, </a:t>
-            </a:r>
-            <a:r>
-              <a:rPr lang="en-US" dirty="0" err="1"/>
-              <a:t>hvordan</a:t>
-            </a:r>
-            <a:r>
-              <a:rPr lang="en-US" dirty="0"/>
-              <a:t> </a:t>
-            </a:r>
-            <a:r>
-              <a:rPr lang="en-US" dirty="0" err="1"/>
-              <a:t>modellen</a:t>
-            </a:r>
-            <a:r>
-              <a:rPr lang="en-US" dirty="0"/>
-              <a:t> </a:t>
-            </a:r>
-            <a:r>
-              <a:rPr lang="en-US" dirty="0" err="1"/>
-              <a:t>perfomer</a:t>
-            </a:r>
-            <a:r>
-              <a:rPr lang="en-US" dirty="0"/>
-              <a:t>. </a:t>
-            </a:r>
-          </a:p>
-          <a:p>
-            <a:endParaRPr lang="en-US" dirty="0"/>
-          </a:p>
-          <a:p>
-            <a:r>
-              <a:rPr lang="en-US" dirty="0"/>
-              <a:t>Tanker om performance: </a:t>
-            </a:r>
-            <a:r>
-              <a:rPr lang="en-US" dirty="0" err="1"/>
-              <a:t>Høj</a:t>
-            </a:r>
-            <a:r>
-              <a:rPr lang="en-US" dirty="0"/>
-              <a:t> accuracy </a:t>
-            </a:r>
-            <a:r>
-              <a:rPr lang="en-US" dirty="0" err="1"/>
-              <a:t>fordi</a:t>
-            </a:r>
-            <a:r>
-              <a:rPr lang="en-US" dirty="0"/>
-              <a:t> target-</a:t>
-            </a:r>
-            <a:r>
-              <a:rPr lang="en-US" dirty="0" err="1"/>
-              <a:t>variablen</a:t>
-            </a:r>
-            <a:r>
-              <a:rPr lang="en-US" dirty="0"/>
-              <a:t> er </a:t>
-            </a:r>
-            <a:r>
-              <a:rPr lang="en-US" dirty="0" err="1"/>
-              <a:t>imbalanceret</a:t>
-            </a:r>
-            <a:r>
-              <a:rPr lang="en-US" dirty="0"/>
-              <a:t>. </a:t>
-            </a:r>
-            <a:r>
-              <a:rPr lang="en-US" dirty="0" err="1"/>
-              <a:t>Måske</a:t>
-            </a:r>
-            <a:r>
-              <a:rPr lang="en-US" dirty="0"/>
-              <a:t> </a:t>
-            </a:r>
-            <a:r>
-              <a:rPr lang="en-US" dirty="0" err="1"/>
-              <a:t>en</a:t>
-            </a:r>
-            <a:r>
-              <a:rPr lang="en-US" dirty="0"/>
-              <a:t> god </a:t>
-            </a:r>
-            <a:r>
-              <a:rPr lang="en-US" dirty="0" err="1"/>
-              <a:t>idé</a:t>
-            </a:r>
-            <a:r>
-              <a:rPr lang="en-US" dirty="0"/>
-              <a:t> at </a:t>
-            </a:r>
-            <a:r>
-              <a:rPr lang="en-US" dirty="0" err="1"/>
-              <a:t>kigge</a:t>
-            </a:r>
-            <a:r>
-              <a:rPr lang="en-US" dirty="0"/>
-              <a:t> </a:t>
-            </a:r>
-            <a:r>
-              <a:rPr lang="en-US" dirty="0" err="1"/>
-              <a:t>på</a:t>
-            </a:r>
-            <a:r>
-              <a:rPr lang="en-US" dirty="0"/>
-              <a:t> </a:t>
-            </a:r>
-            <a:r>
-              <a:rPr lang="en-US" dirty="0" err="1"/>
-              <a:t>noget</a:t>
-            </a:r>
-            <a:r>
-              <a:rPr lang="en-US" dirty="0"/>
-              <a:t> calibration </a:t>
-            </a:r>
-            <a:r>
-              <a:rPr lang="en-US" dirty="0" err="1"/>
-              <a:t>af</a:t>
-            </a:r>
-            <a:r>
-              <a:rPr lang="en-US" dirty="0"/>
-              <a:t> </a:t>
-            </a:r>
-            <a:r>
-              <a:rPr lang="en-US" dirty="0" err="1"/>
-              <a:t>classifieren</a:t>
-            </a:r>
-            <a:r>
-              <a:rPr lang="en-US" dirty="0"/>
-              <a:t>, </a:t>
-            </a:r>
-            <a:r>
-              <a:rPr lang="en-US" dirty="0" err="1"/>
-              <a:t>eller</a:t>
-            </a:r>
-            <a:r>
-              <a:rPr lang="en-US" dirty="0"/>
-              <a:t> </a:t>
-            </a:r>
-            <a:r>
-              <a:rPr lang="en-US" dirty="0" err="1"/>
-              <a:t>undersøge</a:t>
-            </a:r>
-            <a:r>
-              <a:rPr lang="en-US" dirty="0"/>
-              <a:t>, om man </a:t>
-            </a:r>
-            <a:r>
-              <a:rPr lang="en-US" dirty="0" err="1"/>
-              <a:t>måske</a:t>
-            </a:r>
-            <a:r>
-              <a:rPr lang="en-US" dirty="0"/>
-              <a:t> </a:t>
-            </a:r>
-            <a:r>
-              <a:rPr lang="en-US" dirty="0" err="1"/>
-              <a:t>skulle</a:t>
-            </a:r>
-            <a:r>
-              <a:rPr lang="en-US" dirty="0"/>
-              <a:t> have et cut-off, der var </a:t>
-            </a:r>
-            <a:r>
-              <a:rPr lang="en-US" dirty="0" err="1"/>
-              <a:t>lavere</a:t>
-            </a:r>
-            <a:r>
-              <a:rPr lang="en-US" dirty="0"/>
-              <a:t> end 50%. </a:t>
-            </a:r>
-            <a:r>
-              <a:rPr lang="en-US" dirty="0" err="1"/>
-              <a:t>Når</a:t>
-            </a:r>
-            <a:r>
-              <a:rPr lang="en-US" dirty="0"/>
-              <a:t> </a:t>
-            </a:r>
-            <a:r>
-              <a:rPr lang="en-US" dirty="0" err="1"/>
-              <a:t>jeg</a:t>
-            </a:r>
-            <a:r>
-              <a:rPr lang="en-US" dirty="0"/>
-              <a:t> bare </a:t>
-            </a:r>
-            <a:r>
-              <a:rPr lang="en-US" dirty="0" err="1"/>
-              <a:t>inspicere</a:t>
-            </a:r>
-            <a:r>
-              <a:rPr lang="en-US" dirty="0"/>
-              <a:t> </a:t>
-            </a:r>
-            <a:r>
-              <a:rPr lang="en-US" dirty="0" err="1"/>
-              <a:t>prædiktionerne</a:t>
-            </a:r>
-            <a:r>
-              <a:rPr lang="en-US" dirty="0"/>
-              <a:t> er der </a:t>
-            </a:r>
-            <a:r>
-              <a:rPr lang="en-US" dirty="0" err="1"/>
-              <a:t>nogle</a:t>
-            </a:r>
-            <a:r>
-              <a:rPr lang="en-US" dirty="0"/>
-              <a:t> </a:t>
-            </a:r>
-            <a:r>
-              <a:rPr lang="en-US" dirty="0" err="1"/>
-              <a:t>af</a:t>
-            </a:r>
-            <a:r>
-              <a:rPr lang="en-US" dirty="0"/>
-              <a:t> de </a:t>
-            </a:r>
-            <a:r>
-              <a:rPr lang="en-US" dirty="0" err="1"/>
-              <a:t>observationer</a:t>
-            </a:r>
-            <a:r>
-              <a:rPr lang="en-US" dirty="0"/>
-              <a:t> med </a:t>
-            </a:r>
-            <a:r>
-              <a:rPr lang="en-US" dirty="0" err="1"/>
-              <a:t>is_violent</a:t>
-            </a:r>
-            <a:r>
-              <a:rPr lang="en-US" dirty="0"/>
-              <a:t>=1, der </a:t>
-            </a:r>
-            <a:r>
-              <a:rPr lang="en-US" dirty="0" err="1"/>
-              <a:t>har</a:t>
-            </a:r>
-            <a:r>
-              <a:rPr lang="en-US" dirty="0"/>
-              <a:t> </a:t>
-            </a:r>
-            <a:r>
-              <a:rPr lang="en-US" dirty="0" err="1"/>
-              <a:t>højere</a:t>
-            </a:r>
-            <a:r>
-              <a:rPr lang="en-US" dirty="0"/>
-              <a:t> </a:t>
-            </a:r>
-            <a:r>
-              <a:rPr lang="en-US" dirty="0" err="1"/>
-              <a:t>prædikteret</a:t>
-            </a:r>
-            <a:r>
-              <a:rPr lang="en-US" dirty="0"/>
-              <a:t> </a:t>
-            </a:r>
-            <a:r>
-              <a:rPr lang="en-US" dirty="0" err="1"/>
-              <a:t>sandsynlighed</a:t>
-            </a:r>
-            <a:r>
-              <a:rPr lang="en-US" dirty="0"/>
-              <a:t>. </a:t>
-            </a:r>
             <a:endParaRPr lang="da-DK" dirty="0"/>
           </a:p>
         </p:txBody>
@@ -1141,7 +1373,7 @@
           <a:p>
             <a:fld id="{58F53778-6204-4A73-9B35-52C51C84CCAB}" type="slidenum">
               <a:rPr lang="da-DK" smtClean="0"/>
-              <a:t>7</a:t>
+              <a:t>3</a:t>
             </a:fld>
             <a:endParaRPr lang="da-DK"/>
           </a:p>
@@ -1150,7 +1382,7 @@
     </p:spTree>
     <p:extLst>
       <p:ext uri="{BB962C8B-B14F-4D97-AF65-F5344CB8AC3E}">
-        <p14:creationId xmlns:p14="http://schemas.microsoft.com/office/powerpoint/2010/main" val="618301822"/>
+        <p14:creationId xmlns:p14="http://schemas.microsoft.com/office/powerpoint/2010/main" val="3016493829"/>
       </p:ext>
     </p:extLst>
   </p:cSld>
@@ -1204,38 +1436,342 @@
           <a:bodyPr/>
           <a:lstStyle/>
           <a:p>
-            <a:r>
-              <a:rPr lang="en-US" dirty="0" err="1"/>
-              <a:t>Enkelt</a:t>
-            </a:r>
-            <a:r>
-              <a:rPr lang="en-US" dirty="0"/>
-              <a:t> </a:t>
-            </a:r>
-            <a:r>
-              <a:rPr lang="en-US" dirty="0" err="1"/>
-              <a:t>netværk</a:t>
-            </a:r>
-            <a:r>
-              <a:rPr lang="en-US" dirty="0"/>
-              <a:t>: 2 lag m. </a:t>
-            </a:r>
-            <a:r>
-              <a:rPr lang="en-US" dirty="0" err="1"/>
-              <a:t>hhv</a:t>
-            </a:r>
-            <a:r>
-              <a:rPr lang="en-US" dirty="0"/>
-              <a:t>. 3 </a:t>
-            </a:r>
-            <a:r>
-              <a:rPr lang="en-US" dirty="0" err="1"/>
-              <a:t>og</a:t>
-            </a:r>
-            <a:r>
-              <a:rPr lang="en-US" dirty="0"/>
-              <a:t> 6 hidden units. LR = 0.0001, dropout = 0.2</a:t>
-            </a:r>
+            <a:endParaRPr lang="da-DK" dirty="0"/>
+          </a:p>
+        </p:txBody>
+      </p:sp>
+      <p:sp>
+        <p:nvSpPr>
+          <p:cNvPr id="4" name="Slide Number Placeholder 3"/>
+          <p:cNvSpPr>
+            <a:spLocks noGrp="1"/>
+          </p:cNvSpPr>
+          <p:nvPr>
+            <p:ph type="sldNum" sz="quarter" idx="5"/>
+          </p:nvPr>
+        </p:nvSpPr>
+        <p:spPr/>
+        <p:txBody>
+          <a:bodyPr/>
+          <a:lstStyle/>
+          <a:p>
+            <a:fld id="{58F53778-6204-4A73-9B35-52C51C84CCAB}" type="slidenum">
+              <a:rPr lang="da-DK" smtClean="0"/>
+              <a:t>4</a:t>
+            </a:fld>
+            <a:endParaRPr lang="da-DK"/>
+          </a:p>
+        </p:txBody>
+      </p:sp>
+    </p:spTree>
+    <p:extLst>
+      <p:ext uri="{BB962C8B-B14F-4D97-AF65-F5344CB8AC3E}">
+        <p14:creationId xmlns:p14="http://schemas.microsoft.com/office/powerpoint/2010/main" val="3584281241"/>
+      </p:ext>
+    </p:extLst>
+  </p:cSld>
+  <p:clrMapOvr>
+    <a:masterClrMapping/>
+  </p:clrMapOvr>
+</p:notes>
+</file>
+
+<file path=ppt/notesSlides/notesSlide5.xml><?xml version="1.0" encoding="utf-8"?>
+<p:notes xmlns:a="http://schemas.openxmlformats.org/drawingml/2006/main" xmlns:r="http://schemas.openxmlformats.org/officeDocument/2006/relationships" xmlns:p="http://schemas.openxmlformats.org/presentationml/2006/main">
+  <p:cSld>
+    <p:spTree>
+      <p:nvGrpSpPr>
+        <p:cNvPr id="1" name=""/>
+        <p:cNvGrpSpPr/>
+        <p:nvPr/>
+      </p:nvGrpSpPr>
+      <p:grpSpPr>
+        <a:xfrm>
+          <a:off x="0" y="0"/>
+          <a:ext cx="0" cy="0"/>
+          <a:chOff x="0" y="0"/>
+          <a:chExt cx="0" cy="0"/>
+        </a:xfrm>
+      </p:grpSpPr>
+      <p:sp>
+        <p:nvSpPr>
+          <p:cNvPr id="2" name="Slide Image Placeholder 1"/>
+          <p:cNvSpPr>
+            <a:spLocks noGrp="1" noRot="1" noChangeAspect="1"/>
+          </p:cNvSpPr>
+          <p:nvPr>
+            <p:ph type="sldImg"/>
+          </p:nvPr>
+        </p:nvSpPr>
+        <p:spPr/>
+      </p:sp>
+      <p:sp>
+        <p:nvSpPr>
+          <p:cNvPr id="3" name="Notes Placeholder 2"/>
+          <p:cNvSpPr>
+            <a:spLocks noGrp="1"/>
+          </p:cNvSpPr>
+          <p:nvPr>
+            <p:ph type="body" idx="1"/>
+          </p:nvPr>
+        </p:nvSpPr>
+        <p:spPr/>
+        <p:txBody>
+          <a:bodyPr/>
+          <a:lstStyle/>
+          <a:p>
+            <a:endParaRPr lang="da-DK" dirty="0"/>
+          </a:p>
+        </p:txBody>
+      </p:sp>
+      <p:sp>
+        <p:nvSpPr>
+          <p:cNvPr id="4" name="Slide Number Placeholder 3"/>
+          <p:cNvSpPr>
+            <a:spLocks noGrp="1"/>
+          </p:cNvSpPr>
+          <p:nvPr>
+            <p:ph type="sldNum" sz="quarter" idx="5"/>
+          </p:nvPr>
+        </p:nvSpPr>
+        <p:spPr/>
+        <p:txBody>
+          <a:bodyPr/>
+          <a:lstStyle/>
+          <a:p>
+            <a:fld id="{58F53778-6204-4A73-9B35-52C51C84CCAB}" type="slidenum">
+              <a:rPr lang="da-DK" smtClean="0"/>
+              <a:t>5</a:t>
+            </a:fld>
+            <a:endParaRPr lang="da-DK"/>
+          </a:p>
+        </p:txBody>
+      </p:sp>
+    </p:spTree>
+    <p:extLst>
+      <p:ext uri="{BB962C8B-B14F-4D97-AF65-F5344CB8AC3E}">
+        <p14:creationId xmlns:p14="http://schemas.microsoft.com/office/powerpoint/2010/main" val="3140374383"/>
+      </p:ext>
+    </p:extLst>
+  </p:cSld>
+  <p:clrMapOvr>
+    <a:masterClrMapping/>
+  </p:clrMapOvr>
+</p:notes>
+</file>
+
+<file path=ppt/notesSlides/notesSlide6.xml><?xml version="1.0" encoding="utf-8"?>
+<p:notes xmlns:a="http://schemas.openxmlformats.org/drawingml/2006/main" xmlns:r="http://schemas.openxmlformats.org/officeDocument/2006/relationships" xmlns:p="http://schemas.openxmlformats.org/presentationml/2006/main">
+  <p:cSld>
+    <p:spTree>
+      <p:nvGrpSpPr>
+        <p:cNvPr id="1" name=""/>
+        <p:cNvGrpSpPr/>
+        <p:nvPr/>
+      </p:nvGrpSpPr>
+      <p:grpSpPr>
+        <a:xfrm>
+          <a:off x="0" y="0"/>
+          <a:ext cx="0" cy="0"/>
+          <a:chOff x="0" y="0"/>
+          <a:chExt cx="0" cy="0"/>
+        </a:xfrm>
+      </p:grpSpPr>
+      <p:sp>
+        <p:nvSpPr>
+          <p:cNvPr id="2" name="Slide Image Placeholder 1"/>
+          <p:cNvSpPr>
+            <a:spLocks noGrp="1" noRot="1" noChangeAspect="1"/>
+          </p:cNvSpPr>
+          <p:nvPr>
+            <p:ph type="sldImg"/>
+          </p:nvPr>
+        </p:nvSpPr>
+        <p:spPr/>
+      </p:sp>
+      <p:sp>
+        <p:nvSpPr>
+          <p:cNvPr id="3" name="Notes Placeholder 2"/>
+          <p:cNvSpPr>
+            <a:spLocks noGrp="1"/>
+          </p:cNvSpPr>
+          <p:nvPr>
+            <p:ph type="body" idx="1"/>
+          </p:nvPr>
+        </p:nvSpPr>
+        <p:spPr/>
+        <p:txBody>
+          <a:bodyPr/>
+          <a:lstStyle/>
+          <a:p>
+            <a:endParaRPr lang="da-DK" dirty="0"/>
+          </a:p>
+        </p:txBody>
+      </p:sp>
+      <p:sp>
+        <p:nvSpPr>
+          <p:cNvPr id="4" name="Slide Number Placeholder 3"/>
+          <p:cNvSpPr>
+            <a:spLocks noGrp="1"/>
+          </p:cNvSpPr>
+          <p:nvPr>
+            <p:ph type="sldNum" sz="quarter" idx="5"/>
+          </p:nvPr>
+        </p:nvSpPr>
+        <p:spPr/>
+        <p:txBody>
+          <a:bodyPr/>
+          <a:lstStyle/>
+          <a:p>
+            <a:fld id="{58F53778-6204-4A73-9B35-52C51C84CCAB}" type="slidenum">
+              <a:rPr lang="da-DK" smtClean="0"/>
+              <a:t>6</a:t>
+            </a:fld>
+            <a:endParaRPr lang="da-DK"/>
+          </a:p>
+        </p:txBody>
+      </p:sp>
+    </p:spTree>
+    <p:extLst>
+      <p:ext uri="{BB962C8B-B14F-4D97-AF65-F5344CB8AC3E}">
+        <p14:creationId xmlns:p14="http://schemas.microsoft.com/office/powerpoint/2010/main" val="1748551600"/>
+      </p:ext>
+    </p:extLst>
+  </p:cSld>
+  <p:clrMapOvr>
+    <a:masterClrMapping/>
+  </p:clrMapOvr>
+</p:notes>
+</file>
+
+<file path=ppt/notesSlides/notesSlide7.xml><?xml version="1.0" encoding="utf-8"?>
+<p:notes xmlns:a="http://schemas.openxmlformats.org/drawingml/2006/main" xmlns:r="http://schemas.openxmlformats.org/officeDocument/2006/relationships" xmlns:p="http://schemas.openxmlformats.org/presentationml/2006/main">
+  <p:cSld>
+    <p:spTree>
+      <p:nvGrpSpPr>
+        <p:cNvPr id="1" name=""/>
+        <p:cNvGrpSpPr/>
+        <p:nvPr/>
+      </p:nvGrpSpPr>
+      <p:grpSpPr>
+        <a:xfrm>
+          <a:off x="0" y="0"/>
+          <a:ext cx="0" cy="0"/>
+          <a:chOff x="0" y="0"/>
+          <a:chExt cx="0" cy="0"/>
+        </a:xfrm>
+      </p:grpSpPr>
+      <p:sp>
+        <p:nvSpPr>
+          <p:cNvPr id="2" name="Slide Image Placeholder 1"/>
+          <p:cNvSpPr>
+            <a:spLocks noGrp="1" noRot="1" noChangeAspect="1"/>
+          </p:cNvSpPr>
+          <p:nvPr>
+            <p:ph type="sldImg"/>
+          </p:nvPr>
+        </p:nvSpPr>
+        <p:spPr/>
+      </p:sp>
+      <p:sp>
+        <p:nvSpPr>
+          <p:cNvPr id="3" name="Notes Placeholder 2"/>
+          <p:cNvSpPr>
+            <a:spLocks noGrp="1"/>
+          </p:cNvSpPr>
+          <p:nvPr>
+            <p:ph type="body" idx="1"/>
+          </p:nvPr>
+        </p:nvSpPr>
+        <p:spPr/>
+        <p:txBody>
+          <a:bodyPr/>
+          <a:lstStyle/>
+          <a:p>
+            <a:endParaRPr lang="da-DK" dirty="0"/>
+          </a:p>
+        </p:txBody>
+      </p:sp>
+      <p:sp>
+        <p:nvSpPr>
+          <p:cNvPr id="4" name="Slide Number Placeholder 3"/>
+          <p:cNvSpPr>
+            <a:spLocks noGrp="1"/>
+          </p:cNvSpPr>
+          <p:nvPr>
+            <p:ph type="sldNum" sz="quarter" idx="5"/>
+          </p:nvPr>
+        </p:nvSpPr>
+        <p:spPr/>
+        <p:txBody>
+          <a:bodyPr/>
+          <a:lstStyle/>
+          <a:p>
+            <a:fld id="{58F53778-6204-4A73-9B35-52C51C84CCAB}" type="slidenum">
+              <a:rPr lang="da-DK" smtClean="0"/>
+              <a:t>7</a:t>
+            </a:fld>
+            <a:endParaRPr lang="da-DK"/>
+          </a:p>
+        </p:txBody>
+      </p:sp>
+    </p:spTree>
+    <p:extLst>
+      <p:ext uri="{BB962C8B-B14F-4D97-AF65-F5344CB8AC3E}">
+        <p14:creationId xmlns:p14="http://schemas.microsoft.com/office/powerpoint/2010/main" val="3533848915"/>
+      </p:ext>
+    </p:extLst>
+  </p:cSld>
+  <p:clrMapOvr>
+    <a:masterClrMapping/>
+  </p:clrMapOvr>
+</p:notes>
+</file>
+
+<file path=ppt/notesSlides/notesSlide8.xml><?xml version="1.0" encoding="utf-8"?>
+<p:notes xmlns:a="http://schemas.openxmlformats.org/drawingml/2006/main" xmlns:r="http://schemas.openxmlformats.org/officeDocument/2006/relationships" xmlns:p="http://schemas.openxmlformats.org/presentationml/2006/main">
+  <p:cSld>
+    <p:spTree>
+      <p:nvGrpSpPr>
+        <p:cNvPr id="1" name=""/>
+        <p:cNvGrpSpPr/>
+        <p:nvPr/>
+      </p:nvGrpSpPr>
+      <p:grpSpPr>
+        <a:xfrm>
+          <a:off x="0" y="0"/>
+          <a:ext cx="0" cy="0"/>
+          <a:chOff x="0" y="0"/>
+          <a:chExt cx="0" cy="0"/>
+        </a:xfrm>
+      </p:grpSpPr>
+      <p:sp>
+        <p:nvSpPr>
+          <p:cNvPr id="2" name="Slide Image Placeholder 1"/>
+          <p:cNvSpPr>
+            <a:spLocks noGrp="1" noRot="1" noChangeAspect="1"/>
+          </p:cNvSpPr>
+          <p:nvPr>
+            <p:ph type="sldImg"/>
+          </p:nvPr>
+        </p:nvSpPr>
+        <p:spPr/>
+      </p:sp>
+      <p:sp>
+        <p:nvSpPr>
+          <p:cNvPr id="3" name="Notes Placeholder 2"/>
+          <p:cNvSpPr>
+            <a:spLocks noGrp="1"/>
+          </p:cNvSpPr>
+          <p:nvPr>
+            <p:ph type="body" idx="1"/>
+          </p:nvPr>
+        </p:nvSpPr>
+        <p:spPr/>
+        <p:txBody>
+          <a:bodyPr/>
+          <a:lstStyle/>
+          <a:p>
             <a:endParaRPr lang="da-DK" dirty="0"/>
           </a:p>
         </p:txBody>
@@ -1266,7 +1802,91 @@
     </p:spTree>
     <p:extLst>
       <p:ext uri="{BB962C8B-B14F-4D97-AF65-F5344CB8AC3E}">
-        <p14:creationId xmlns:p14="http://schemas.microsoft.com/office/powerpoint/2010/main" val="912895662"/>
+        <p14:creationId xmlns:p14="http://schemas.microsoft.com/office/powerpoint/2010/main" val="4011642800"/>
+      </p:ext>
+    </p:extLst>
+  </p:cSld>
+  <p:clrMapOvr>
+    <a:masterClrMapping/>
+  </p:clrMapOvr>
+</p:notes>
+</file>
+
+<file path=ppt/notesSlides/notesSlide9.xml><?xml version="1.0" encoding="utf-8"?>
+<p:notes xmlns:a="http://schemas.openxmlformats.org/drawingml/2006/main" xmlns:r="http://schemas.openxmlformats.org/officeDocument/2006/relationships" xmlns:p="http://schemas.openxmlformats.org/presentationml/2006/main">
+  <p:cSld>
+    <p:spTree>
+      <p:nvGrpSpPr>
+        <p:cNvPr id="1" name=""/>
+        <p:cNvGrpSpPr/>
+        <p:nvPr/>
+      </p:nvGrpSpPr>
+      <p:grpSpPr>
+        <a:xfrm>
+          <a:off x="0" y="0"/>
+          <a:ext cx="0" cy="0"/>
+          <a:chOff x="0" y="0"/>
+          <a:chExt cx="0" cy="0"/>
+        </a:xfrm>
+      </p:grpSpPr>
+      <p:sp>
+        <p:nvSpPr>
+          <p:cNvPr id="2" name="Slide Image Placeholder 1"/>
+          <p:cNvSpPr>
+            <a:spLocks noGrp="1" noRot="1" noChangeAspect="1"/>
+          </p:cNvSpPr>
+          <p:nvPr>
+            <p:ph type="sldImg"/>
+          </p:nvPr>
+        </p:nvSpPr>
+        <p:spPr/>
+      </p:sp>
+      <p:sp>
+        <p:nvSpPr>
+          <p:cNvPr id="3" name="Notes Placeholder 2"/>
+          <p:cNvSpPr>
+            <a:spLocks noGrp="1"/>
+          </p:cNvSpPr>
+          <p:nvPr>
+            <p:ph type="body" idx="1"/>
+          </p:nvPr>
+        </p:nvSpPr>
+        <p:spPr/>
+        <p:txBody>
+          <a:bodyPr/>
+          <a:lstStyle/>
+          <a:p>
+            <a:endParaRPr lang="da-DK" dirty="0"/>
+          </a:p>
+        </p:txBody>
+      </p:sp>
+      <p:sp>
+        <p:nvSpPr>
+          <p:cNvPr id="4" name="Slide Number Placeholder 3"/>
+          <p:cNvSpPr>
+            <a:spLocks noGrp="1"/>
+          </p:cNvSpPr>
+          <p:nvPr>
+            <p:ph type="sldNum" sz="quarter" idx="5"/>
+          </p:nvPr>
+        </p:nvSpPr>
+        <p:spPr/>
+        <p:txBody>
+          <a:bodyPr/>
+          <a:lstStyle/>
+          <a:p>
+            <a:fld id="{58F53778-6204-4A73-9B35-52C51C84CCAB}" type="slidenum">
+              <a:rPr lang="da-DK" smtClean="0"/>
+              <a:t>10</a:t>
+            </a:fld>
+            <a:endParaRPr lang="da-DK"/>
+          </a:p>
+        </p:txBody>
+      </p:sp>
+    </p:spTree>
+    <p:extLst>
+      <p:ext uri="{BB962C8B-B14F-4D97-AF65-F5344CB8AC3E}">
+        <p14:creationId xmlns:p14="http://schemas.microsoft.com/office/powerpoint/2010/main" val="3699437912"/>
       </p:ext>
     </p:extLst>
   </p:cSld>
@@ -4762,7 +5382,14 @@
             <a:pPr algn="l"/>
             <a:r>
               <a:rPr lang="en-US" sz="2000" dirty="0"/>
-              <a:t>By: Caroline Amalie Fuglsang-</a:t>
+              <a:t>16-02-2022</a:t>
+            </a:r>
+          </a:p>
+          <a:p>
+            <a:pPr algn="l"/>
+            <a:r>
+              <a:rPr lang="en-US" sz="2000" dirty="0"/>
+              <a:t>Caroline Amalie Fuglsang-</a:t>
             </a:r>
             <a:r>
               <a:rPr lang="en-US" sz="2000" dirty="0" err="1"/>
@@ -4946,6 +5573,2101 @@
 </p:sld>
 </file>
 
+<file path=ppt/slides/slide10.xml><?xml version="1.0" encoding="utf-8"?>
+<p:sld xmlns:a="http://schemas.openxmlformats.org/drawingml/2006/main" xmlns:r="http://schemas.openxmlformats.org/officeDocument/2006/relationships" xmlns:p="http://schemas.openxmlformats.org/presentationml/2006/main">
+  <p:cSld>
+    <p:spTree>
+      <p:nvGrpSpPr>
+        <p:cNvPr id="1" name=""/>
+        <p:cNvGrpSpPr/>
+        <p:nvPr/>
+      </p:nvGrpSpPr>
+      <p:grpSpPr>
+        <a:xfrm>
+          <a:off x="0" y="0"/>
+          <a:ext cx="0" cy="0"/>
+          <a:chOff x="0" y="0"/>
+          <a:chExt cx="0" cy="0"/>
+        </a:xfrm>
+      </p:grpSpPr>
+      <p:sp>
+        <p:nvSpPr>
+          <p:cNvPr id="3" name="Content Placeholder 2">
+            <a:extLst>
+              <a:ext uri="{FF2B5EF4-FFF2-40B4-BE49-F238E27FC236}">
+                <a16:creationId xmlns:a16="http://schemas.microsoft.com/office/drawing/2014/main" id="{66F45341-0D58-4A32-8FD3-4E83962E4C94}"/>
+              </a:ext>
+            </a:extLst>
+          </p:cNvPr>
+          <p:cNvSpPr>
+            <a:spLocks noGrp="1"/>
+          </p:cNvSpPr>
+          <p:nvPr>
+            <p:ph idx="1"/>
+          </p:nvPr>
+        </p:nvSpPr>
+        <p:spPr>
+          <a:xfrm>
+            <a:off x="838200" y="894080"/>
+            <a:ext cx="10515600" cy="5669280"/>
+          </a:xfrm>
+        </p:spPr>
+        <p:txBody>
+          <a:bodyPr>
+            <a:noAutofit/>
+          </a:bodyPr>
+          <a:lstStyle/>
+          <a:p>
+            <a:pPr marL="0" indent="0">
+              <a:buNone/>
+            </a:pPr>
+            <a:r>
+              <a:rPr lang="en-US" sz="2200" dirty="0" err="1">
+                <a:latin typeface="+mj-lt"/>
+              </a:rPr>
+              <a:t>Spørgsmål</a:t>
+            </a:r>
+            <a:endParaRPr lang="en-US" sz="2200" dirty="0">
+              <a:latin typeface="+mj-lt"/>
+            </a:endParaRPr>
+          </a:p>
+          <a:p>
+            <a:pPr marL="457200" lvl="1" indent="0">
+              <a:spcAft>
+                <a:spcPts val="500"/>
+              </a:spcAft>
+              <a:buNone/>
+            </a:pPr>
+            <a:r>
+              <a:rPr lang="en-US" sz="2200" dirty="0">
+                <a:latin typeface="+mj-lt"/>
+              </a:rPr>
+              <a:t>Kan vi </a:t>
+            </a:r>
+            <a:r>
+              <a:rPr lang="en-US" sz="2200" dirty="0" err="1">
+                <a:latin typeface="+mj-lt"/>
+              </a:rPr>
+              <a:t>bruge</a:t>
+            </a:r>
+            <a:r>
+              <a:rPr lang="en-US" sz="2200" dirty="0">
+                <a:latin typeface="+mj-lt"/>
+              </a:rPr>
+              <a:t> </a:t>
+            </a:r>
+            <a:r>
+              <a:rPr lang="en-US" sz="2200" dirty="0" err="1">
+                <a:latin typeface="+mj-lt"/>
+              </a:rPr>
+              <a:t>datasættet</a:t>
+            </a:r>
+            <a:r>
+              <a:rPr lang="en-US" sz="2200" dirty="0">
+                <a:latin typeface="+mj-lt"/>
+              </a:rPr>
+              <a:t> </a:t>
+            </a:r>
+            <a:r>
+              <a:rPr lang="en-US" sz="2200" dirty="0" err="1">
+                <a:latin typeface="+mj-lt"/>
+              </a:rPr>
+              <a:t>til</a:t>
+            </a:r>
+            <a:r>
+              <a:rPr lang="en-US" sz="2200" dirty="0">
+                <a:latin typeface="+mj-lt"/>
+              </a:rPr>
+              <a:t> at </a:t>
+            </a:r>
+            <a:r>
+              <a:rPr lang="en-US" sz="2200" dirty="0" err="1">
+                <a:latin typeface="+mj-lt"/>
+              </a:rPr>
+              <a:t>hjælpe</a:t>
+            </a:r>
+            <a:r>
+              <a:rPr lang="en-US" sz="2200" dirty="0">
+                <a:latin typeface="+mj-lt"/>
+              </a:rPr>
+              <a:t> de </a:t>
+            </a:r>
+            <a:r>
+              <a:rPr lang="en-US" sz="2200" dirty="0" err="1">
+                <a:latin typeface="+mj-lt"/>
+              </a:rPr>
+              <a:t>tre</a:t>
+            </a:r>
+            <a:r>
+              <a:rPr lang="en-US" sz="2200" dirty="0">
+                <a:latin typeface="+mj-lt"/>
+              </a:rPr>
+              <a:t> </a:t>
+            </a:r>
+            <a:r>
+              <a:rPr lang="en-US" sz="2200" dirty="0" err="1">
+                <a:latin typeface="+mj-lt"/>
+              </a:rPr>
+              <a:t>distrikter</a:t>
+            </a:r>
+            <a:r>
+              <a:rPr lang="en-US" sz="2200" dirty="0">
+                <a:latin typeface="+mj-lt"/>
+              </a:rPr>
+              <a:t> </a:t>
+            </a:r>
+            <a:r>
+              <a:rPr lang="en-US" sz="2200" dirty="0" err="1">
+                <a:latin typeface="+mj-lt"/>
+              </a:rPr>
+              <a:t>til</a:t>
+            </a:r>
+            <a:r>
+              <a:rPr lang="en-US" sz="2200" dirty="0">
+                <a:latin typeface="+mj-lt"/>
+              </a:rPr>
+              <a:t> at </a:t>
+            </a:r>
+            <a:r>
+              <a:rPr lang="en-US" sz="2200" dirty="0" err="1">
+                <a:latin typeface="+mj-lt"/>
+              </a:rPr>
+              <a:t>bekæmpe</a:t>
+            </a:r>
+            <a:r>
+              <a:rPr lang="en-US" sz="2200" dirty="0">
+                <a:latin typeface="+mj-lt"/>
+              </a:rPr>
+              <a:t> </a:t>
+            </a:r>
+            <a:r>
+              <a:rPr lang="en-US" sz="2200" dirty="0" err="1">
+                <a:latin typeface="+mj-lt"/>
+              </a:rPr>
+              <a:t>voldelig</a:t>
+            </a:r>
+            <a:r>
+              <a:rPr lang="en-US" sz="2200" dirty="0">
+                <a:latin typeface="+mj-lt"/>
+              </a:rPr>
+              <a:t> </a:t>
+            </a:r>
+            <a:r>
+              <a:rPr lang="en-US" sz="2200" dirty="0" err="1">
+                <a:latin typeface="+mj-lt"/>
+              </a:rPr>
+              <a:t>kriminalitet</a:t>
+            </a:r>
+            <a:r>
+              <a:rPr lang="en-US" sz="2200" dirty="0">
+                <a:latin typeface="+mj-lt"/>
+              </a:rPr>
+              <a:t>?</a:t>
+            </a:r>
+            <a:br>
+              <a:rPr lang="en-US" sz="2200" dirty="0">
+                <a:latin typeface="+mj-lt"/>
+              </a:rPr>
+            </a:br>
+            <a:endParaRPr lang="en-US" sz="2200" dirty="0">
+              <a:latin typeface="+mj-lt"/>
+            </a:endParaRPr>
+          </a:p>
+          <a:p>
+            <a:pPr marL="0" indent="0">
+              <a:buNone/>
+            </a:pPr>
+            <a:r>
+              <a:rPr lang="en-US" sz="2200" dirty="0">
+                <a:latin typeface="+mj-lt"/>
+              </a:rPr>
+              <a:t>Ide </a:t>
+            </a:r>
+            <a:r>
+              <a:rPr lang="en-US" sz="2200" dirty="0" err="1">
+                <a:latin typeface="+mj-lt"/>
+              </a:rPr>
+              <a:t>til</a:t>
+            </a:r>
+            <a:r>
+              <a:rPr lang="en-US" sz="2200" dirty="0">
+                <a:latin typeface="+mj-lt"/>
+              </a:rPr>
+              <a:t> </a:t>
+            </a:r>
+            <a:r>
+              <a:rPr lang="en-US" sz="2200" dirty="0" err="1">
+                <a:latin typeface="+mj-lt"/>
+              </a:rPr>
+              <a:t>svar</a:t>
+            </a:r>
+            <a:endParaRPr lang="en-US" sz="2200" dirty="0">
+              <a:latin typeface="+mj-lt"/>
+            </a:endParaRPr>
+          </a:p>
+          <a:p>
+            <a:pPr marL="457200" lvl="1" indent="0">
+              <a:spcAft>
+                <a:spcPts val="500"/>
+              </a:spcAft>
+              <a:buNone/>
+            </a:pPr>
+            <a:r>
+              <a:rPr lang="en-US" sz="2200" dirty="0" err="1">
+                <a:latin typeface="+mj-lt"/>
+              </a:rPr>
+              <a:t>Risikovurdering</a:t>
+            </a:r>
+            <a:r>
+              <a:rPr lang="en-US" sz="2200" dirty="0">
+                <a:latin typeface="+mj-lt"/>
+              </a:rPr>
+              <a:t> </a:t>
+            </a:r>
+            <a:r>
+              <a:rPr lang="en-US" sz="2200" dirty="0" err="1">
+                <a:latin typeface="+mj-lt"/>
+              </a:rPr>
+              <a:t>af</a:t>
+            </a:r>
+            <a:r>
+              <a:rPr lang="en-US" sz="2200" dirty="0">
+                <a:latin typeface="+mj-lt"/>
+              </a:rPr>
+              <a:t> om </a:t>
+            </a:r>
+            <a:r>
+              <a:rPr lang="en-US" sz="2200" dirty="0" err="1">
+                <a:latin typeface="+mj-lt"/>
+              </a:rPr>
+              <a:t>politiet</a:t>
+            </a:r>
+            <a:r>
+              <a:rPr lang="en-US" sz="2200" dirty="0">
+                <a:latin typeface="+mj-lt"/>
+              </a:rPr>
+              <a:t> </a:t>
+            </a:r>
+            <a:r>
+              <a:rPr lang="en-US" sz="2200" dirty="0" err="1">
+                <a:latin typeface="+mj-lt"/>
+              </a:rPr>
+              <a:t>møder</a:t>
+            </a:r>
+            <a:r>
+              <a:rPr lang="en-US" sz="2200" dirty="0">
+                <a:latin typeface="+mj-lt"/>
+              </a:rPr>
+              <a:t> </a:t>
+            </a:r>
+            <a:r>
+              <a:rPr lang="en-US" sz="2200" dirty="0" err="1">
+                <a:latin typeface="+mj-lt"/>
+              </a:rPr>
+              <a:t>en</a:t>
+            </a:r>
+            <a:r>
+              <a:rPr lang="en-US" sz="2200" dirty="0">
+                <a:latin typeface="+mj-lt"/>
+              </a:rPr>
+              <a:t> </a:t>
+            </a:r>
+            <a:r>
+              <a:rPr lang="en-US" sz="2200" dirty="0" err="1">
+                <a:latin typeface="+mj-lt"/>
+              </a:rPr>
+              <a:t>voldelig</a:t>
+            </a:r>
+            <a:r>
+              <a:rPr lang="en-US" sz="2200" dirty="0">
+                <a:latin typeface="+mj-lt"/>
+              </a:rPr>
+              <a:t> </a:t>
+            </a:r>
+            <a:r>
+              <a:rPr lang="en-US" sz="2200" dirty="0" err="1">
+                <a:latin typeface="+mj-lt"/>
+              </a:rPr>
+              <a:t>hændelse</a:t>
+            </a:r>
+            <a:r>
+              <a:rPr lang="en-US" sz="2200" dirty="0">
+                <a:latin typeface="+mj-lt"/>
+              </a:rPr>
+              <a:t> </a:t>
+            </a:r>
+            <a:r>
+              <a:rPr lang="en-US" sz="2200" dirty="0" err="1">
+                <a:latin typeface="+mj-lt"/>
+              </a:rPr>
+              <a:t>eller</a:t>
+            </a:r>
+            <a:r>
+              <a:rPr lang="en-US" sz="2200" dirty="0">
+                <a:latin typeface="+mj-lt"/>
+              </a:rPr>
+              <a:t> </a:t>
+            </a:r>
+            <a:r>
+              <a:rPr lang="en-US" sz="2200" dirty="0" err="1">
+                <a:latin typeface="+mj-lt"/>
+              </a:rPr>
+              <a:t>ej</a:t>
+            </a:r>
+            <a:br>
+              <a:rPr lang="en-US" sz="2200" dirty="0">
+                <a:latin typeface="+mj-lt"/>
+              </a:rPr>
+            </a:br>
+            <a:endParaRPr lang="en-US" sz="2200" dirty="0">
+              <a:latin typeface="+mj-lt"/>
+            </a:endParaRPr>
+          </a:p>
+          <a:p>
+            <a:pPr marL="0" indent="0">
+              <a:buNone/>
+            </a:pPr>
+            <a:r>
+              <a:rPr lang="en-US" sz="2200" dirty="0" err="1">
+                <a:latin typeface="+mj-lt"/>
+              </a:rPr>
+              <a:t>Hvorfor</a:t>
+            </a:r>
+            <a:endParaRPr lang="en-US" sz="2200" dirty="0">
+              <a:latin typeface="+mj-lt"/>
+            </a:endParaRPr>
+          </a:p>
+          <a:p>
+            <a:pPr marL="457200" lvl="1" indent="0">
+              <a:spcAft>
+                <a:spcPts val="500"/>
+              </a:spcAft>
+              <a:buNone/>
+            </a:pPr>
+            <a:r>
+              <a:rPr lang="en-US" sz="2200" dirty="0">
+                <a:latin typeface="+mj-lt"/>
+              </a:rPr>
+              <a:t>At </a:t>
+            </a:r>
+            <a:r>
+              <a:rPr lang="en-US" sz="2200" dirty="0" err="1">
+                <a:latin typeface="+mj-lt"/>
+              </a:rPr>
+              <a:t>kende</a:t>
+            </a:r>
+            <a:r>
+              <a:rPr lang="en-US" sz="2200" dirty="0">
+                <a:latin typeface="+mj-lt"/>
+              </a:rPr>
+              <a:t> </a:t>
+            </a:r>
+            <a:r>
+              <a:rPr lang="en-US" sz="2200" dirty="0" err="1">
+                <a:latin typeface="+mj-lt"/>
+              </a:rPr>
+              <a:t>risikoen</a:t>
+            </a:r>
+            <a:r>
+              <a:rPr lang="en-US" sz="2200" dirty="0">
+                <a:latin typeface="+mj-lt"/>
+              </a:rPr>
+              <a:t> for </a:t>
+            </a:r>
+            <a:r>
+              <a:rPr lang="en-US" sz="2200" dirty="0" err="1">
+                <a:latin typeface="+mj-lt"/>
+              </a:rPr>
+              <a:t>vold</a:t>
+            </a:r>
+            <a:r>
+              <a:rPr lang="en-US" sz="2200" dirty="0">
+                <a:latin typeface="+mj-lt"/>
+              </a:rPr>
+              <a:t> </a:t>
+            </a:r>
+            <a:r>
+              <a:rPr lang="en-US" sz="2200" dirty="0" err="1">
+                <a:latin typeface="+mj-lt"/>
+              </a:rPr>
+              <a:t>kan</a:t>
+            </a:r>
+            <a:r>
+              <a:rPr lang="en-US" sz="2200" dirty="0">
+                <a:latin typeface="+mj-lt"/>
+              </a:rPr>
+              <a:t> </a:t>
+            </a:r>
+            <a:r>
+              <a:rPr lang="en-US" sz="2200" dirty="0" err="1">
+                <a:latin typeface="+mj-lt"/>
+              </a:rPr>
+              <a:t>hjælpe</a:t>
+            </a:r>
+            <a:r>
+              <a:rPr lang="en-US" sz="2200" dirty="0">
+                <a:latin typeface="+mj-lt"/>
+              </a:rPr>
+              <a:t> </a:t>
+            </a:r>
+            <a:r>
+              <a:rPr lang="en-US" sz="2200" dirty="0" err="1">
+                <a:latin typeface="+mj-lt"/>
+              </a:rPr>
+              <a:t>politiet</a:t>
+            </a:r>
+            <a:r>
+              <a:rPr lang="en-US" sz="2200" dirty="0">
+                <a:latin typeface="+mj-lt"/>
+              </a:rPr>
+              <a:t> med at…</a:t>
+            </a:r>
+          </a:p>
+          <a:p>
+            <a:pPr marL="457200" lvl="1" indent="0">
+              <a:spcAft>
+                <a:spcPts val="500"/>
+              </a:spcAft>
+              <a:buNone/>
+            </a:pPr>
+            <a:r>
+              <a:rPr lang="en-US" sz="2200" dirty="0">
+                <a:latin typeface="+mj-lt"/>
+              </a:rPr>
+              <a:t>…</a:t>
+            </a:r>
+            <a:r>
+              <a:rPr lang="en-US" sz="2200" dirty="0" err="1">
+                <a:latin typeface="+mj-lt"/>
+              </a:rPr>
+              <a:t>Prioritere</a:t>
+            </a:r>
+            <a:r>
+              <a:rPr lang="en-US" sz="2200" dirty="0">
+                <a:latin typeface="+mj-lt"/>
+              </a:rPr>
+              <a:t> </a:t>
+            </a:r>
+            <a:r>
+              <a:rPr lang="en-US" sz="2200" dirty="0" err="1">
+                <a:latin typeface="+mj-lt"/>
+              </a:rPr>
+              <a:t>flere</a:t>
+            </a:r>
+            <a:r>
+              <a:rPr lang="en-US" sz="2200" dirty="0">
+                <a:latin typeface="+mj-lt"/>
+              </a:rPr>
+              <a:t> </a:t>
+            </a:r>
+            <a:r>
+              <a:rPr lang="en-US" sz="2200" dirty="0" err="1">
+                <a:latin typeface="+mj-lt"/>
+              </a:rPr>
+              <a:t>betjente</a:t>
+            </a:r>
+            <a:r>
+              <a:rPr lang="en-US" sz="2200" dirty="0">
+                <a:latin typeface="+mj-lt"/>
+              </a:rPr>
+              <a:t> </a:t>
+            </a:r>
+            <a:r>
+              <a:rPr lang="en-US" sz="2200" dirty="0" err="1">
+                <a:latin typeface="+mj-lt"/>
+              </a:rPr>
+              <a:t>til</a:t>
+            </a:r>
+            <a:r>
+              <a:rPr lang="en-US" sz="2200" dirty="0">
+                <a:latin typeface="+mj-lt"/>
+              </a:rPr>
+              <a:t> </a:t>
+            </a:r>
+            <a:r>
+              <a:rPr lang="en-US" sz="2200" dirty="0" err="1">
+                <a:latin typeface="+mj-lt"/>
+              </a:rPr>
+              <a:t>potentielt</a:t>
+            </a:r>
+            <a:r>
+              <a:rPr lang="en-US" sz="2200" dirty="0">
+                <a:latin typeface="+mj-lt"/>
+              </a:rPr>
+              <a:t> </a:t>
+            </a:r>
+            <a:r>
+              <a:rPr lang="en-US" sz="2200" dirty="0" err="1">
+                <a:latin typeface="+mj-lt"/>
+              </a:rPr>
+              <a:t>voldelige</a:t>
+            </a:r>
+            <a:r>
+              <a:rPr lang="en-US" sz="2200" dirty="0">
+                <a:latin typeface="+mj-lt"/>
+              </a:rPr>
+              <a:t> </a:t>
+            </a:r>
+            <a:r>
+              <a:rPr lang="en-US" sz="2200" dirty="0" err="1">
+                <a:latin typeface="+mj-lt"/>
+              </a:rPr>
+              <a:t>situationer</a:t>
+            </a:r>
+            <a:endParaRPr lang="en-US" sz="2200" dirty="0">
+              <a:latin typeface="+mj-lt"/>
+            </a:endParaRPr>
+          </a:p>
+          <a:p>
+            <a:pPr marL="457200" lvl="1" indent="0">
+              <a:spcAft>
+                <a:spcPts val="500"/>
+              </a:spcAft>
+              <a:buNone/>
+            </a:pPr>
+            <a:r>
+              <a:rPr lang="en-US" sz="2200" dirty="0">
+                <a:latin typeface="+mj-lt"/>
+              </a:rPr>
+              <a:t>…Give den </a:t>
+            </a:r>
+            <a:r>
+              <a:rPr lang="en-US" sz="2200" dirty="0" err="1">
+                <a:latin typeface="+mj-lt"/>
+              </a:rPr>
+              <a:t>enkelte</a:t>
+            </a:r>
+            <a:r>
+              <a:rPr lang="en-US" sz="2200" dirty="0">
+                <a:latin typeface="+mj-lt"/>
+              </a:rPr>
+              <a:t> </a:t>
+            </a:r>
+            <a:r>
+              <a:rPr lang="en-US" sz="2200" dirty="0" err="1">
+                <a:latin typeface="+mj-lt"/>
+              </a:rPr>
+              <a:t>betjent</a:t>
+            </a:r>
+            <a:r>
+              <a:rPr lang="en-US" sz="2200" dirty="0">
+                <a:latin typeface="+mj-lt"/>
+              </a:rPr>
+              <a:t> det </a:t>
+            </a:r>
+            <a:r>
+              <a:rPr lang="en-US" sz="2200" dirty="0" err="1">
+                <a:latin typeface="+mj-lt"/>
+              </a:rPr>
+              <a:t>rette</a:t>
+            </a:r>
+            <a:r>
+              <a:rPr lang="en-US" sz="2200" dirty="0">
+                <a:latin typeface="+mj-lt"/>
+              </a:rPr>
+              <a:t> mindset </a:t>
+            </a:r>
+            <a:r>
+              <a:rPr lang="en-US" sz="2200" dirty="0" err="1">
+                <a:latin typeface="+mj-lt"/>
+              </a:rPr>
+              <a:t>inden</a:t>
+            </a:r>
+            <a:r>
+              <a:rPr lang="en-US" sz="2200" dirty="0">
+                <a:latin typeface="+mj-lt"/>
+              </a:rPr>
+              <a:t> </a:t>
+            </a:r>
+            <a:r>
+              <a:rPr lang="en-US" sz="2200" dirty="0" err="1">
+                <a:latin typeface="+mj-lt"/>
+              </a:rPr>
+              <a:t>han</a:t>
+            </a:r>
+            <a:r>
+              <a:rPr lang="en-US" sz="2200" dirty="0">
+                <a:latin typeface="+mj-lt"/>
+              </a:rPr>
+              <a:t> </a:t>
+            </a:r>
+            <a:r>
+              <a:rPr lang="en-US" sz="2200" dirty="0" err="1">
+                <a:latin typeface="+mj-lt"/>
+              </a:rPr>
+              <a:t>kører</a:t>
+            </a:r>
+            <a:r>
+              <a:rPr lang="en-US" sz="2200" dirty="0">
+                <a:latin typeface="+mj-lt"/>
+              </a:rPr>
+              <a:t> </a:t>
+            </a:r>
+            <a:r>
+              <a:rPr lang="en-US" sz="2200" dirty="0" err="1">
+                <a:latin typeface="+mj-lt"/>
+              </a:rPr>
+              <a:t>ud</a:t>
+            </a:r>
+            <a:r>
+              <a:rPr lang="en-US" sz="2200" dirty="0">
+                <a:latin typeface="+mj-lt"/>
+              </a:rPr>
+              <a:t> </a:t>
+            </a:r>
+            <a:r>
+              <a:rPr lang="en-US" sz="2200" dirty="0" err="1">
+                <a:latin typeface="+mj-lt"/>
+              </a:rPr>
+              <a:t>til</a:t>
+            </a:r>
+            <a:r>
+              <a:rPr lang="en-US" sz="2200" dirty="0">
+                <a:latin typeface="+mj-lt"/>
+              </a:rPr>
+              <a:t> </a:t>
+            </a:r>
+            <a:r>
+              <a:rPr lang="en-US" sz="2200" dirty="0" err="1">
+                <a:latin typeface="+mj-lt"/>
+              </a:rPr>
+              <a:t>en</a:t>
+            </a:r>
+            <a:r>
+              <a:rPr lang="en-US" sz="2200" dirty="0">
+                <a:latin typeface="+mj-lt"/>
+              </a:rPr>
+              <a:t> </a:t>
+            </a:r>
+            <a:r>
+              <a:rPr lang="en-US" sz="2200" dirty="0" err="1">
+                <a:latin typeface="+mj-lt"/>
+              </a:rPr>
+              <a:t>opgave</a:t>
+            </a:r>
+            <a:br>
+              <a:rPr lang="en-US" sz="2200" dirty="0">
+                <a:latin typeface="+mj-lt"/>
+              </a:rPr>
+            </a:br>
+            <a:endParaRPr lang="en-US" sz="2200" dirty="0">
+              <a:latin typeface="+mj-lt"/>
+            </a:endParaRPr>
+          </a:p>
+          <a:p>
+            <a:pPr marL="457200" lvl="1" indent="0">
+              <a:spcAft>
+                <a:spcPts val="500"/>
+              </a:spcAft>
+              <a:buNone/>
+            </a:pPr>
+            <a:r>
+              <a:rPr lang="en-US" sz="2200" dirty="0">
+                <a:latin typeface="+mj-lt"/>
+              </a:rPr>
+              <a:t>At </a:t>
+            </a:r>
+            <a:r>
+              <a:rPr lang="en-US" sz="2200" dirty="0" err="1">
+                <a:latin typeface="+mj-lt"/>
+              </a:rPr>
+              <a:t>være</a:t>
+            </a:r>
+            <a:r>
+              <a:rPr lang="en-US" sz="2200" dirty="0">
+                <a:latin typeface="+mj-lt"/>
+              </a:rPr>
+              <a:t> </a:t>
+            </a:r>
+            <a:r>
+              <a:rPr lang="en-US" sz="2200" dirty="0" err="1">
+                <a:latin typeface="+mj-lt"/>
+              </a:rPr>
+              <a:t>beredt</a:t>
+            </a:r>
+            <a:r>
+              <a:rPr lang="en-US" sz="2200" dirty="0">
+                <a:latin typeface="+mj-lt"/>
+              </a:rPr>
+              <a:t> </a:t>
+            </a:r>
+            <a:r>
+              <a:rPr lang="en-US" sz="2200" dirty="0" err="1">
+                <a:latin typeface="+mj-lt"/>
+              </a:rPr>
+              <a:t>på</a:t>
+            </a:r>
+            <a:r>
+              <a:rPr lang="en-US" sz="2200" dirty="0">
+                <a:latin typeface="+mj-lt"/>
+              </a:rPr>
+              <a:t>, at </a:t>
+            </a:r>
+            <a:r>
+              <a:rPr lang="da-DK" sz="2200" dirty="0">
+                <a:latin typeface="+mj-lt"/>
+              </a:rPr>
+              <a:t>en</a:t>
+            </a:r>
+            <a:r>
+              <a:rPr lang="en-US" sz="2200" dirty="0">
+                <a:latin typeface="+mj-lt"/>
+              </a:rPr>
+              <a:t> situation </a:t>
+            </a:r>
+            <a:r>
+              <a:rPr lang="en-US" sz="2200" dirty="0" err="1">
+                <a:latin typeface="+mj-lt"/>
+              </a:rPr>
+              <a:t>kan</a:t>
+            </a:r>
+            <a:r>
+              <a:rPr lang="en-US" sz="2200" dirty="0">
+                <a:latin typeface="+mj-lt"/>
+              </a:rPr>
+              <a:t> </a:t>
+            </a:r>
+            <a:r>
+              <a:rPr lang="en-US" sz="2200" dirty="0" err="1">
+                <a:latin typeface="+mj-lt"/>
+              </a:rPr>
+              <a:t>være</a:t>
+            </a:r>
+            <a:r>
+              <a:rPr lang="en-US" sz="2200" dirty="0">
+                <a:latin typeface="+mj-lt"/>
+              </a:rPr>
+              <a:t> </a:t>
+            </a:r>
+            <a:r>
+              <a:rPr lang="en-US" sz="2200" dirty="0" err="1">
+                <a:latin typeface="+mj-lt"/>
+              </a:rPr>
+              <a:t>voldelig</a:t>
+            </a:r>
+            <a:r>
+              <a:rPr lang="en-US" sz="2200" dirty="0">
+                <a:latin typeface="+mj-lt"/>
+              </a:rPr>
+              <a:t> </a:t>
+            </a:r>
+            <a:r>
+              <a:rPr lang="en-US" sz="2200" dirty="0" err="1">
+                <a:latin typeface="+mj-lt"/>
+              </a:rPr>
+              <a:t>vil</a:t>
+            </a:r>
+            <a:r>
+              <a:rPr lang="en-US" sz="2200" dirty="0">
+                <a:latin typeface="+mj-lt"/>
+              </a:rPr>
+              <a:t> </a:t>
+            </a:r>
+            <a:r>
+              <a:rPr lang="en-US" sz="2200" dirty="0" err="1">
+                <a:latin typeface="+mj-lt"/>
+              </a:rPr>
+              <a:t>muligvis</a:t>
+            </a:r>
+            <a:r>
+              <a:rPr lang="en-US" sz="2200" dirty="0">
+                <a:latin typeface="+mj-lt"/>
+              </a:rPr>
+              <a:t> </a:t>
+            </a:r>
+            <a:r>
+              <a:rPr lang="en-US" sz="2200" dirty="0" err="1">
+                <a:latin typeface="+mj-lt"/>
+              </a:rPr>
+              <a:t>hjælpe</a:t>
+            </a:r>
+            <a:r>
+              <a:rPr lang="en-US" sz="2200" dirty="0">
+                <a:latin typeface="+mj-lt"/>
+              </a:rPr>
+              <a:t> </a:t>
+            </a:r>
+            <a:r>
+              <a:rPr lang="en-US" sz="2200" dirty="0" err="1">
+                <a:latin typeface="+mj-lt"/>
+              </a:rPr>
+              <a:t>politiet</a:t>
+            </a:r>
+            <a:r>
+              <a:rPr lang="en-US" sz="2200" dirty="0">
+                <a:latin typeface="+mj-lt"/>
+              </a:rPr>
+              <a:t> med at </a:t>
+            </a:r>
+            <a:r>
+              <a:rPr lang="en-US" sz="2200" dirty="0" err="1">
+                <a:latin typeface="+mj-lt"/>
+              </a:rPr>
+              <a:t>håndtere</a:t>
+            </a:r>
+            <a:r>
+              <a:rPr lang="en-US" sz="2200" dirty="0">
+                <a:latin typeface="+mj-lt"/>
+              </a:rPr>
+              <a:t> </a:t>
+            </a:r>
+            <a:r>
+              <a:rPr lang="en-US" sz="2200" dirty="0" err="1">
+                <a:latin typeface="+mj-lt"/>
+              </a:rPr>
+              <a:t>situationen</a:t>
+            </a:r>
+            <a:r>
+              <a:rPr lang="en-US" sz="2200" dirty="0">
+                <a:latin typeface="+mj-lt"/>
+              </a:rPr>
+              <a:t> </a:t>
+            </a:r>
+            <a:r>
+              <a:rPr lang="en-US" sz="2200" dirty="0" err="1">
+                <a:latin typeface="+mj-lt"/>
+              </a:rPr>
+              <a:t>bedre</a:t>
+            </a:r>
+            <a:endParaRPr lang="en-US" sz="2200" dirty="0">
+              <a:latin typeface="+mj-lt"/>
+            </a:endParaRPr>
+          </a:p>
+          <a:p>
+            <a:pPr marL="457200" lvl="1" indent="0">
+              <a:spcAft>
+                <a:spcPts val="500"/>
+              </a:spcAft>
+              <a:buNone/>
+            </a:pPr>
+            <a:r>
+              <a:rPr lang="en-US" sz="2200" dirty="0">
+                <a:latin typeface="+mj-lt"/>
+                <a:sym typeface="Wingdings" panose="05000000000000000000" pitchFamily="2" charset="2"/>
+              </a:rPr>
+              <a:t> </a:t>
+            </a:r>
+            <a:r>
+              <a:rPr lang="en-US" sz="2200" dirty="0" err="1">
+                <a:latin typeface="+mj-lt"/>
+                <a:sym typeface="Wingdings" panose="05000000000000000000" pitchFamily="2" charset="2"/>
+              </a:rPr>
+              <a:t>Hvilket</a:t>
+            </a:r>
+            <a:r>
+              <a:rPr lang="en-US" sz="2200" dirty="0">
+                <a:latin typeface="+mj-lt"/>
+                <a:sym typeface="Wingdings" panose="05000000000000000000" pitchFamily="2" charset="2"/>
+              </a:rPr>
+              <a:t> </a:t>
+            </a:r>
+            <a:r>
+              <a:rPr lang="en-US" sz="2200" dirty="0" err="1">
+                <a:latin typeface="+mj-lt"/>
+                <a:sym typeface="Wingdings" panose="05000000000000000000" pitchFamily="2" charset="2"/>
+              </a:rPr>
+              <a:t>ultimativt</a:t>
+            </a:r>
+            <a:r>
+              <a:rPr lang="en-US" sz="2200" dirty="0">
+                <a:latin typeface="+mj-lt"/>
+                <a:sym typeface="Wingdings" panose="05000000000000000000" pitchFamily="2" charset="2"/>
+              </a:rPr>
+              <a:t> </a:t>
+            </a:r>
+            <a:r>
+              <a:rPr lang="en-US" sz="2200" dirty="0" err="1">
+                <a:latin typeface="+mj-lt"/>
+                <a:sym typeface="Wingdings" panose="05000000000000000000" pitchFamily="2" charset="2"/>
+              </a:rPr>
+              <a:t>ville</a:t>
+            </a:r>
+            <a:r>
+              <a:rPr lang="en-US" sz="2200" dirty="0">
+                <a:latin typeface="+mj-lt"/>
+                <a:sym typeface="Wingdings" panose="05000000000000000000" pitchFamily="2" charset="2"/>
+              </a:rPr>
+              <a:t> </a:t>
+            </a:r>
+            <a:r>
+              <a:rPr lang="en-US" sz="2200" dirty="0" err="1">
+                <a:latin typeface="+mj-lt"/>
+                <a:sym typeface="Wingdings" panose="05000000000000000000" pitchFamily="2" charset="2"/>
+              </a:rPr>
+              <a:t>kunne</a:t>
+            </a:r>
+            <a:r>
+              <a:rPr lang="en-US" sz="2200" dirty="0">
+                <a:latin typeface="+mj-lt"/>
+                <a:sym typeface="Wingdings" panose="05000000000000000000" pitchFamily="2" charset="2"/>
+              </a:rPr>
+              <a:t> </a:t>
+            </a:r>
+            <a:r>
+              <a:rPr lang="en-US" sz="2200" dirty="0" err="1">
+                <a:latin typeface="+mj-lt"/>
+                <a:sym typeface="Wingdings" panose="05000000000000000000" pitchFamily="2" charset="2"/>
+              </a:rPr>
+              <a:t>medføre</a:t>
+            </a:r>
+            <a:r>
+              <a:rPr lang="en-US" sz="2200" dirty="0">
+                <a:latin typeface="+mj-lt"/>
+                <a:sym typeface="Wingdings" panose="05000000000000000000" pitchFamily="2" charset="2"/>
+              </a:rPr>
+              <a:t> et </a:t>
+            </a:r>
+            <a:r>
+              <a:rPr lang="en-US" sz="2200" dirty="0" err="1">
+                <a:latin typeface="+mj-lt"/>
+                <a:sym typeface="Wingdings" panose="05000000000000000000" pitchFamily="2" charset="2"/>
+              </a:rPr>
+              <a:t>fald</a:t>
+            </a:r>
+            <a:r>
+              <a:rPr lang="en-US" sz="2200" dirty="0">
+                <a:latin typeface="+mj-lt"/>
+                <a:sym typeface="Wingdings" panose="05000000000000000000" pitchFamily="2" charset="2"/>
+              </a:rPr>
+              <a:t> </a:t>
+            </a:r>
+            <a:r>
+              <a:rPr lang="en-US" sz="2200" dirty="0" err="1">
+                <a:latin typeface="+mj-lt"/>
+                <a:sym typeface="Wingdings" panose="05000000000000000000" pitchFamily="2" charset="2"/>
+              </a:rPr>
+              <a:t>i</a:t>
+            </a:r>
+            <a:r>
+              <a:rPr lang="en-US" sz="2200" dirty="0">
+                <a:latin typeface="+mj-lt"/>
+                <a:sym typeface="Wingdings" panose="05000000000000000000" pitchFamily="2" charset="2"/>
+              </a:rPr>
+              <a:t> </a:t>
+            </a:r>
+            <a:r>
+              <a:rPr lang="en-US" sz="2200" dirty="0" err="1">
+                <a:latin typeface="+mj-lt"/>
+                <a:sym typeface="Wingdings" panose="05000000000000000000" pitchFamily="2" charset="2"/>
+              </a:rPr>
+              <a:t>voldelig</a:t>
+            </a:r>
+            <a:r>
+              <a:rPr lang="en-US" sz="2200" dirty="0">
+                <a:latin typeface="+mj-lt"/>
+                <a:sym typeface="Wingdings" panose="05000000000000000000" pitchFamily="2" charset="2"/>
+              </a:rPr>
+              <a:t> </a:t>
+            </a:r>
+            <a:r>
+              <a:rPr lang="en-US" sz="2200" dirty="0" err="1">
+                <a:latin typeface="+mj-lt"/>
+                <a:sym typeface="Wingdings" panose="05000000000000000000" pitchFamily="2" charset="2"/>
+              </a:rPr>
+              <a:t>kriminalitet</a:t>
+            </a:r>
+            <a:endParaRPr lang="da-DK" sz="2200" dirty="0">
+              <a:latin typeface="+mj-lt"/>
+            </a:endParaRPr>
+          </a:p>
+          <a:p>
+            <a:pPr marL="0" indent="0">
+              <a:buNone/>
+            </a:pPr>
+            <a:endParaRPr lang="da-DK" sz="2200" dirty="0">
+              <a:latin typeface="+mj-lt"/>
+            </a:endParaRPr>
+          </a:p>
+          <a:p>
+            <a:pPr marL="914400" lvl="2" indent="0">
+              <a:buNone/>
+            </a:pPr>
+            <a:endParaRPr lang="en-US" sz="2200" dirty="0">
+              <a:latin typeface="+mj-lt"/>
+            </a:endParaRPr>
+          </a:p>
+        </p:txBody>
+      </p:sp>
+      <p:sp>
+        <p:nvSpPr>
+          <p:cNvPr id="4" name="Title 1">
+            <a:extLst>
+              <a:ext uri="{FF2B5EF4-FFF2-40B4-BE49-F238E27FC236}">
+                <a16:creationId xmlns:a16="http://schemas.microsoft.com/office/drawing/2014/main" id="{1E5795BF-C601-4F49-A788-886012BFAFE1}"/>
+              </a:ext>
+            </a:extLst>
+          </p:cNvPr>
+          <p:cNvSpPr txBox="1">
+            <a:spLocks/>
+          </p:cNvSpPr>
+          <p:nvPr/>
+        </p:nvSpPr>
+        <p:spPr>
+          <a:xfrm>
+            <a:off x="838200" y="131445"/>
+            <a:ext cx="10515600" cy="835317"/>
+          </a:xfrm>
+          <a:prstGeom prst="rect">
+            <a:avLst/>
+          </a:prstGeom>
+        </p:spPr>
+        <p:txBody>
+          <a:bodyPr vert="horz" lIns="91440" tIns="45720" rIns="91440" bIns="45720" rtlCol="0" anchor="ctr">
+            <a:normAutofit/>
+          </a:bodyPr>
+          <a:lstStyle>
+            <a:lvl1pPr algn="l" defTabSz="914400" rtl="0" eaLnBrk="1" latinLnBrk="0" hangingPunct="1">
+              <a:lnSpc>
+                <a:spcPct val="90000"/>
+              </a:lnSpc>
+              <a:spcBef>
+                <a:spcPct val="0"/>
+              </a:spcBef>
+              <a:buNone/>
+              <a:defRPr sz="4400" kern="1200">
+                <a:solidFill>
+                  <a:schemeClr val="tx1"/>
+                </a:solidFill>
+                <a:latin typeface="+mj-lt"/>
+                <a:ea typeface="+mj-ea"/>
+                <a:cs typeface="+mj-cs"/>
+              </a:defRPr>
+            </a:lvl1pPr>
+          </a:lstStyle>
+          <a:p>
+            <a:r>
+              <a:rPr lang="en-US" sz="3600" dirty="0"/>
+              <a:t>Case-</a:t>
+            </a:r>
+            <a:r>
+              <a:rPr lang="en-US" sz="3600" dirty="0" err="1"/>
+              <a:t>idé</a:t>
+            </a:r>
+            <a:r>
+              <a:rPr lang="en-US" sz="3600" dirty="0"/>
+              <a:t> II</a:t>
+            </a:r>
+            <a:endParaRPr lang="da-DK" sz="3600" dirty="0"/>
+          </a:p>
+        </p:txBody>
+      </p:sp>
+    </p:spTree>
+    <p:extLst>
+      <p:ext uri="{BB962C8B-B14F-4D97-AF65-F5344CB8AC3E}">
+        <p14:creationId xmlns:p14="http://schemas.microsoft.com/office/powerpoint/2010/main" val="655448011"/>
+      </p:ext>
+    </p:extLst>
+  </p:cSld>
+  <p:clrMapOvr>
+    <a:masterClrMapping/>
+  </p:clrMapOvr>
+</p:sld>
+</file>
+
+<file path=ppt/slides/slide11.xml><?xml version="1.0" encoding="utf-8"?>
+<p:sld xmlns:a="http://schemas.openxmlformats.org/drawingml/2006/main" xmlns:r="http://schemas.openxmlformats.org/officeDocument/2006/relationships" xmlns:p="http://schemas.openxmlformats.org/presentationml/2006/main">
+  <p:cSld>
+    <p:spTree>
+      <p:nvGrpSpPr>
+        <p:cNvPr id="1" name=""/>
+        <p:cNvGrpSpPr/>
+        <p:nvPr/>
+      </p:nvGrpSpPr>
+      <p:grpSpPr>
+        <a:xfrm>
+          <a:off x="0" y="0"/>
+          <a:ext cx="0" cy="0"/>
+          <a:chOff x="0" y="0"/>
+          <a:chExt cx="0" cy="0"/>
+        </a:xfrm>
+      </p:grpSpPr>
+      <p:sp>
+        <p:nvSpPr>
+          <p:cNvPr id="2" name="Title 1">
+            <a:extLst>
+              <a:ext uri="{FF2B5EF4-FFF2-40B4-BE49-F238E27FC236}">
+                <a16:creationId xmlns:a16="http://schemas.microsoft.com/office/drawing/2014/main" id="{DC1AF757-3C71-4A59-9F07-A5628AFC59FE}"/>
+              </a:ext>
+            </a:extLst>
+          </p:cNvPr>
+          <p:cNvSpPr>
+            <a:spLocks noGrp="1"/>
+          </p:cNvSpPr>
+          <p:nvPr>
+            <p:ph type="title"/>
+          </p:nvPr>
+        </p:nvSpPr>
+        <p:spPr>
+          <a:xfrm>
+            <a:off x="838200" y="-240665"/>
+            <a:ext cx="10515600" cy="1325563"/>
+          </a:xfrm>
+        </p:spPr>
+        <p:txBody>
+          <a:bodyPr>
+            <a:normAutofit/>
+          </a:bodyPr>
+          <a:lstStyle/>
+          <a:p>
+            <a:r>
+              <a:rPr lang="en-US" sz="3600" dirty="0" err="1"/>
+              <a:t>Modellering</a:t>
+            </a:r>
+            <a:endParaRPr lang="da-DK" sz="3600" dirty="0"/>
+          </a:p>
+        </p:txBody>
+      </p:sp>
+      <mc:AlternateContent xmlns:mc="http://schemas.openxmlformats.org/markup-compatibility/2006">
+        <mc:Choice xmlns:a14="http://schemas.microsoft.com/office/drawing/2010/main" Requires="a14">
+          <p:sp>
+            <p:nvSpPr>
+              <p:cNvPr id="3" name="Content Placeholder 2">
+                <a:extLst>
+                  <a:ext uri="{FF2B5EF4-FFF2-40B4-BE49-F238E27FC236}">
+                    <a16:creationId xmlns:a16="http://schemas.microsoft.com/office/drawing/2014/main" id="{FC4A4324-6023-4349-8A77-FD50F53395BF}"/>
+                  </a:ext>
+                </a:extLst>
+              </p:cNvPr>
+              <p:cNvSpPr>
+                <a:spLocks noGrp="1"/>
+              </p:cNvSpPr>
+              <p:nvPr>
+                <p:ph idx="1"/>
+              </p:nvPr>
+            </p:nvSpPr>
+            <p:spPr>
+              <a:xfrm>
+                <a:off x="838200" y="879158"/>
+                <a:ext cx="10515600" cy="5807392"/>
+              </a:xfrm>
+            </p:spPr>
+            <p:txBody>
+              <a:bodyPr>
+                <a:normAutofit lnSpcReduction="10000"/>
+              </a:bodyPr>
+              <a:lstStyle/>
+              <a:p>
+                <a:pPr marL="0" indent="0">
+                  <a:buNone/>
+                </a:pPr>
+                <a:r>
+                  <a:rPr lang="en-US" sz="2400" dirty="0" err="1">
+                    <a:latin typeface="+mj-lt"/>
+                  </a:rPr>
+                  <a:t>Modellerer</a:t>
+                </a:r>
+                <a:r>
+                  <a:rPr lang="en-US" sz="2400" dirty="0">
+                    <a:latin typeface="+mj-lt"/>
+                  </a:rPr>
+                  <a:t> </a:t>
+                </a:r>
+                <a:r>
+                  <a:rPr lang="en-US" sz="2400" dirty="0" err="1">
+                    <a:latin typeface="+mj-lt"/>
+                  </a:rPr>
+                  <a:t>sandsynligheden</a:t>
+                </a:r>
+                <a:r>
+                  <a:rPr lang="en-US" sz="2400" dirty="0">
+                    <a:latin typeface="+mj-lt"/>
+                  </a:rPr>
+                  <a:t> for, at </a:t>
+                </a:r>
+                <a:r>
+                  <a:rPr lang="en-US" sz="2400" dirty="0" err="1">
+                    <a:latin typeface="+mj-lt"/>
+                  </a:rPr>
+                  <a:t>en</a:t>
+                </a:r>
+                <a:r>
+                  <a:rPr lang="en-US" sz="2400" dirty="0">
+                    <a:latin typeface="+mj-lt"/>
+                  </a:rPr>
+                  <a:t> given </a:t>
+                </a:r>
+                <a:r>
+                  <a:rPr lang="en-US" sz="2400" dirty="0" err="1">
+                    <a:latin typeface="+mj-lt"/>
+                  </a:rPr>
+                  <a:t>forbrydelse</a:t>
+                </a:r>
+                <a:r>
+                  <a:rPr lang="en-US" sz="2400" dirty="0">
+                    <a:latin typeface="+mj-lt"/>
+                  </a:rPr>
+                  <a:t> er </a:t>
+                </a:r>
+                <a:r>
+                  <a:rPr lang="en-US" sz="2400" dirty="0" err="1">
+                    <a:latin typeface="+mj-lt"/>
+                  </a:rPr>
+                  <a:t>voldelig</a:t>
+                </a:r>
+                <a:r>
+                  <a:rPr lang="en-US" sz="2400" dirty="0">
+                    <a:latin typeface="+mj-lt"/>
+                  </a:rPr>
+                  <a:t> </a:t>
+                </a:r>
+                <a:r>
+                  <a:rPr lang="en-US" sz="2400" dirty="0" err="1">
+                    <a:latin typeface="+mj-lt"/>
+                  </a:rPr>
+                  <a:t>baseret</a:t>
+                </a:r>
+                <a:r>
+                  <a:rPr lang="en-US" sz="2400" dirty="0">
+                    <a:latin typeface="+mj-lt"/>
+                  </a:rPr>
+                  <a:t> </a:t>
+                </a:r>
+                <a:r>
+                  <a:rPr lang="en-US" sz="2400" dirty="0" err="1">
+                    <a:latin typeface="+mj-lt"/>
+                  </a:rPr>
+                  <a:t>på</a:t>
+                </a:r>
+                <a:r>
+                  <a:rPr lang="en-US" sz="2400" dirty="0">
+                    <a:latin typeface="+mj-lt"/>
+                  </a:rPr>
+                  <a:t> </a:t>
+                </a:r>
+                <a:r>
+                  <a:rPr lang="en-US" sz="2400" dirty="0" err="1">
+                    <a:latin typeface="+mj-lt"/>
+                  </a:rPr>
+                  <a:t>attributterne</a:t>
+                </a:r>
+                <a:endParaRPr lang="en-US" sz="2400" dirty="0">
+                  <a:latin typeface="+mj-lt"/>
+                </a:endParaRPr>
+              </a:p>
+              <a:p>
+                <a:pPr lvl="1"/>
+                <a:r>
+                  <a:rPr lang="en-US" sz="2000" i="1" dirty="0">
+                    <a:latin typeface="+mj-lt"/>
+                  </a:rPr>
+                  <a:t>weekday</a:t>
+                </a:r>
+                <a:r>
+                  <a:rPr lang="en-US" sz="2000" dirty="0">
+                    <a:latin typeface="+mj-lt"/>
+                  </a:rPr>
+                  <a:t>,</a:t>
+                </a:r>
+                <a:r>
+                  <a:rPr lang="en-US" sz="2000" i="1" dirty="0">
+                    <a:latin typeface="+mj-lt"/>
+                  </a:rPr>
+                  <a:t> district</a:t>
+                </a:r>
+                <a:r>
+                  <a:rPr lang="en-US" sz="2000" dirty="0">
+                    <a:latin typeface="+mj-lt"/>
+                  </a:rPr>
+                  <a:t>, </a:t>
+                </a:r>
+                <a:r>
+                  <a:rPr lang="en-US" sz="2000" i="1" dirty="0">
+                    <a:latin typeface="+mj-lt"/>
+                  </a:rPr>
+                  <a:t>day, month, year, hour</a:t>
+                </a:r>
+              </a:p>
+              <a:p>
+                <a:pPr lvl="1"/>
+                <a:r>
+                  <a:rPr lang="da-DK" sz="2000" dirty="0">
+                    <a:latin typeface="+mj-lt"/>
+                  </a:rPr>
+                  <a:t>Det er rimelig at tænke på hver forbrydelse som uafhængige hændelser</a:t>
+                </a:r>
+              </a:p>
+              <a:p>
+                <a:pPr lvl="1"/>
+                <a:r>
+                  <a:rPr lang="en-US" sz="2000" dirty="0" err="1">
+                    <a:latin typeface="+mj-lt"/>
+                  </a:rPr>
+                  <a:t>Derfor</a:t>
+                </a:r>
+                <a:r>
+                  <a:rPr lang="en-US" sz="2000" dirty="0">
+                    <a:latin typeface="+mj-lt"/>
+                  </a:rPr>
+                  <a:t> </a:t>
+                </a:r>
+                <a:r>
+                  <a:rPr lang="en-US" sz="2000" dirty="0" err="1">
+                    <a:latin typeface="+mj-lt"/>
+                  </a:rPr>
+                  <a:t>anvendes</a:t>
+                </a:r>
+                <a:r>
+                  <a:rPr lang="en-US" sz="2000" dirty="0">
+                    <a:latin typeface="+mj-lt"/>
+                  </a:rPr>
+                  <a:t> der med et </a:t>
+                </a:r>
+                <a:r>
+                  <a:rPr lang="en-US" sz="2000" dirty="0" err="1">
+                    <a:latin typeface="+mj-lt"/>
+                  </a:rPr>
+                  <a:t>klassisk</a:t>
+                </a:r>
+                <a:r>
+                  <a:rPr lang="en-US" sz="2000" dirty="0">
+                    <a:latin typeface="+mj-lt"/>
+                  </a:rPr>
+                  <a:t> random train-</a:t>
+                </a:r>
+                <a:r>
+                  <a:rPr lang="en-US" sz="2000" dirty="0" err="1">
+                    <a:latin typeface="+mj-lt"/>
+                  </a:rPr>
+                  <a:t>val</a:t>
+                </a:r>
+                <a:r>
+                  <a:rPr lang="en-US" sz="2000" dirty="0">
+                    <a:latin typeface="+mj-lt"/>
+                  </a:rPr>
+                  <a:t>-test split </a:t>
+                </a:r>
+              </a:p>
+              <a:p>
+                <a:pPr marL="457200" lvl="1" indent="0">
+                  <a:buNone/>
+                </a:pPr>
+                <a:endParaRPr lang="en-US" sz="2000" i="1" dirty="0">
+                  <a:latin typeface="+mj-lt"/>
+                </a:endParaRPr>
+              </a:p>
+              <a:p>
+                <a:pPr marL="0" indent="0">
+                  <a:buNone/>
+                </a:pPr>
+                <a:r>
+                  <a:rPr lang="en-US" sz="2400" b="1" dirty="0" err="1">
+                    <a:latin typeface="+mj-lt"/>
+                  </a:rPr>
+                  <a:t>Logistisk</a:t>
+                </a:r>
+                <a:r>
+                  <a:rPr lang="en-US" sz="2400" b="1" dirty="0">
+                    <a:latin typeface="+mj-lt"/>
+                  </a:rPr>
+                  <a:t> Regression</a:t>
+                </a:r>
+              </a:p>
+              <a:p>
+                <a:pPr marL="457200" lvl="1" indent="0">
+                  <a:spcAft>
+                    <a:spcPts val="1000"/>
+                  </a:spcAft>
+                  <a:buNone/>
+                </a:pPr>
+                <a:r>
+                  <a:rPr lang="en-US" sz="2000" dirty="0" err="1">
+                    <a:latin typeface="+mj-lt"/>
+                  </a:rPr>
+                  <a:t>Forbrydelse</a:t>
+                </a:r>
+                <a:r>
+                  <a:rPr lang="en-US" sz="2000" dirty="0">
+                    <a:latin typeface="+mj-lt"/>
+                  </a:rPr>
+                  <a:t> </a:t>
+                </a:r>
+                <a:r>
+                  <a:rPr lang="en-US" sz="2000" dirty="0" err="1">
+                    <a:latin typeface="+mj-lt"/>
+                    <a:ea typeface="DejaVu Serif" panose="02060603050605020204" pitchFamily="18" charset="0"/>
+                    <a:cs typeface="Vijaya" panose="020B0502040204020203" pitchFamily="18" charset="0"/>
+                  </a:rPr>
+                  <a:t>i</a:t>
+                </a:r>
+                <a:r>
+                  <a:rPr lang="en-US" sz="2000" dirty="0">
+                    <a:latin typeface="+mj-lt"/>
+                    <a:ea typeface="DejaVu Serif" panose="02060603050605020204" pitchFamily="18" charset="0"/>
+                    <a:cs typeface="Vijaya" panose="020B0502040204020203" pitchFamily="18" charset="0"/>
+                  </a:rPr>
+                  <a:t> </a:t>
+                </a:r>
+                <a:r>
+                  <a:rPr lang="en-US" sz="2000" dirty="0">
+                    <a:latin typeface="+mj-lt"/>
+                  </a:rPr>
+                  <a:t> er Bernoulli </a:t>
+                </a:r>
+                <a:r>
+                  <a:rPr lang="en-US" sz="2000" dirty="0" err="1">
+                    <a:latin typeface="+mj-lt"/>
+                  </a:rPr>
+                  <a:t>fordelt</a:t>
+                </a:r>
+                <a:r>
+                  <a:rPr lang="en-US" sz="2000" dirty="0">
+                    <a:latin typeface="+mj-lt"/>
+                  </a:rPr>
+                  <a:t> med </a:t>
+                </a:r>
+                <a:r>
+                  <a:rPr lang="en-US" sz="2000" dirty="0" err="1">
+                    <a:latin typeface="+mj-lt"/>
+                  </a:rPr>
+                  <a:t>sandsynligheden</a:t>
+                </a:r>
+                <a:endParaRPr lang="en-US" sz="2000" dirty="0">
+                  <a:latin typeface="+mj-lt"/>
+                </a:endParaRPr>
+              </a:p>
+              <a:p>
+                <a:pPr marL="0" indent="0">
+                  <a:buNone/>
+                </a:pPr>
+                <a14:m>
+                  <m:oMathPara xmlns:m="http://schemas.openxmlformats.org/officeDocument/2006/math">
+                    <m:oMathParaPr>
+                      <m:jc m:val="centerGroup"/>
+                    </m:oMathParaPr>
+                    <m:oMath xmlns:m="http://schemas.openxmlformats.org/officeDocument/2006/math">
+                      <m:sSub>
+                        <m:sSubPr>
+                          <m:ctrlPr>
+                            <a:rPr lang="en-US" sz="2400" b="0" i="1" smtClean="0">
+                              <a:latin typeface="+mj-lt"/>
+                            </a:rPr>
+                          </m:ctrlPr>
+                        </m:sSubPr>
+                        <m:e>
+                          <m:r>
+                            <a:rPr lang="en-US" sz="2400" b="0" i="1" smtClean="0">
+                              <a:latin typeface="+mj-lt"/>
+                            </a:rPr>
+                            <m:t>𝑝</m:t>
+                          </m:r>
+                        </m:e>
+                        <m:sub>
+                          <m:r>
+                            <a:rPr lang="en-US" sz="2400" b="0" i="1" smtClean="0">
+                              <a:latin typeface="+mj-lt"/>
+                            </a:rPr>
+                            <m:t>𝑖</m:t>
+                          </m:r>
+                        </m:sub>
+                      </m:sSub>
+                      <m:r>
+                        <a:rPr lang="en-US" sz="2400" b="0" i="1" smtClean="0">
+                          <a:latin typeface="+mj-lt"/>
+                        </a:rPr>
+                        <m:t>=</m:t>
+                      </m:r>
+                      <m:r>
+                        <a:rPr lang="en-US" sz="2400" b="0" i="1" smtClean="0">
+                          <a:latin typeface="+mj-lt"/>
+                        </a:rPr>
+                        <m:t>𝑃</m:t>
+                      </m:r>
+                      <m:d>
+                        <m:dPr>
+                          <m:endChr m:val="|"/>
+                          <m:ctrlPr>
+                            <a:rPr lang="en-US" sz="2400" b="0" i="1" smtClean="0">
+                              <a:latin typeface="+mj-lt"/>
+                            </a:rPr>
+                          </m:ctrlPr>
+                        </m:dPr>
+                        <m:e>
+                          <m:r>
+                            <a:rPr lang="en-US" sz="2400" b="0" i="1" smtClean="0">
+                              <a:latin typeface="+mj-lt"/>
+                            </a:rPr>
+                            <m:t>𝑌</m:t>
+                          </m:r>
+                          <m:r>
+                            <a:rPr lang="en-US" sz="2400" b="0" i="1" smtClean="0">
+                              <a:latin typeface="+mj-lt"/>
+                            </a:rPr>
+                            <m:t>=1 </m:t>
+                          </m:r>
+                        </m:e>
+                      </m:d>
+                      <m:r>
+                        <a:rPr lang="en-US" sz="2400" b="0" i="1" smtClean="0">
+                          <a:latin typeface="+mj-lt"/>
+                        </a:rPr>
+                        <m:t> </m:t>
+                      </m:r>
+                      <m:r>
+                        <a:rPr lang="en-US" sz="2400" b="0" i="1" smtClean="0">
+                          <a:latin typeface="+mj-lt"/>
+                        </a:rPr>
+                        <m:t>𝑋</m:t>
+                      </m:r>
+                      <m:r>
+                        <a:rPr lang="en-US" sz="2400" b="0" i="1" smtClean="0">
+                          <a:latin typeface="+mj-lt"/>
+                        </a:rPr>
+                        <m:t>=</m:t>
+                      </m:r>
+                      <m:sSub>
+                        <m:sSubPr>
+                          <m:ctrlPr>
+                            <a:rPr lang="en-US" sz="2400" b="0" i="1" smtClean="0">
+                              <a:latin typeface="+mj-lt"/>
+                            </a:rPr>
+                          </m:ctrlPr>
+                        </m:sSubPr>
+                        <m:e>
+                          <m:r>
+                            <a:rPr lang="en-US" sz="2400" b="0" i="1" smtClean="0">
+                              <a:latin typeface="+mj-lt"/>
+                            </a:rPr>
+                            <m:t>𝑥</m:t>
+                          </m:r>
+                        </m:e>
+                        <m:sub>
+                          <m:r>
+                            <a:rPr lang="en-US" sz="2400" b="0" i="1" smtClean="0">
+                              <a:latin typeface="+mj-lt"/>
+                            </a:rPr>
+                            <m:t>𝑖</m:t>
+                          </m:r>
+                        </m:sub>
+                      </m:sSub>
+                      <m:r>
+                        <a:rPr lang="en-US" sz="2400" b="0" i="1" smtClean="0">
+                          <a:latin typeface="+mj-lt"/>
+                        </a:rPr>
+                        <m:t>)</m:t>
+                      </m:r>
+                    </m:oMath>
+                  </m:oMathPara>
+                </a14:m>
+                <a:endParaRPr lang="en-US" sz="2400" dirty="0">
+                  <a:latin typeface="+mj-lt"/>
+                </a:endParaRPr>
+              </a:p>
+              <a:p>
+                <a:pPr marL="457200" lvl="1" indent="0">
+                  <a:buNone/>
+                </a:pPr>
+                <a:r>
+                  <a:rPr lang="da-DK" sz="2000" dirty="0">
+                    <a:latin typeface="+mj-lt"/>
+                  </a:rPr>
+                  <a:t>for at være voldelig</a:t>
+                </a:r>
+              </a:p>
+              <a:p>
+                <a:pPr marL="457200" lvl="1" indent="0">
+                  <a:buNone/>
+                </a:pPr>
+                <a:endParaRPr lang="da-DK" sz="2000" dirty="0">
+                  <a:latin typeface="+mj-lt"/>
+                </a:endParaRPr>
+              </a:p>
+              <a:p>
+                <a:pPr marL="0" indent="0">
+                  <a:buNone/>
+                </a:pPr>
+                <a:r>
+                  <a:rPr lang="da-DK" sz="2400" b="1" dirty="0">
+                    <a:latin typeface="+mj-lt"/>
+                  </a:rPr>
+                  <a:t>Neural Netværk</a:t>
+                </a:r>
+              </a:p>
+              <a:p>
+                <a:pPr lvl="1"/>
+                <a:r>
+                  <a:rPr lang="da-DK" sz="2000" dirty="0">
+                    <a:latin typeface="+mj-lt"/>
+                  </a:rPr>
+                  <a:t>Fleksibel ikke-</a:t>
+                </a:r>
+                <a:r>
+                  <a:rPr lang="da-DK" sz="2000" dirty="0" err="1">
+                    <a:latin typeface="+mj-lt"/>
+                  </a:rPr>
+                  <a:t>linear</a:t>
+                </a:r>
+                <a:r>
+                  <a:rPr lang="da-DK" sz="2000" dirty="0">
+                    <a:latin typeface="+mj-lt"/>
+                  </a:rPr>
+                  <a:t> model til at modellere sandsynligheden</a:t>
+                </a:r>
+              </a:p>
+              <a:p>
+                <a:pPr lvl="1"/>
+                <a:r>
+                  <a:rPr lang="da-DK" sz="2000" dirty="0">
+                    <a:latin typeface="+mj-lt"/>
+                  </a:rPr>
+                  <a:t>To </a:t>
+                </a:r>
+                <a:r>
+                  <a:rPr lang="da-DK" sz="2000" dirty="0" err="1">
+                    <a:latin typeface="+mj-lt"/>
+                  </a:rPr>
+                  <a:t>hidden</a:t>
+                </a:r>
+                <a:r>
+                  <a:rPr lang="da-DK" sz="2000" dirty="0">
+                    <a:latin typeface="+mj-lt"/>
+                  </a:rPr>
+                  <a:t> </a:t>
+                </a:r>
+                <a:r>
+                  <a:rPr lang="da-DK" sz="2000" dirty="0" err="1">
+                    <a:latin typeface="+mj-lt"/>
+                  </a:rPr>
+                  <a:t>layers</a:t>
+                </a:r>
+                <a:r>
+                  <a:rPr lang="da-DK" sz="2000" dirty="0">
+                    <a:latin typeface="+mj-lt"/>
+                  </a:rPr>
+                  <a:t> med 6 og 3 neuroner </a:t>
+                </a:r>
+              </a:p>
+              <a:p>
+                <a:pPr lvl="1"/>
+                <a:r>
+                  <a:rPr lang="da-DK" sz="2000" dirty="0">
+                    <a:latin typeface="+mj-lt"/>
+                  </a:rPr>
+                  <a:t>Learning rate på 1e-3</a:t>
+                </a:r>
+              </a:p>
+              <a:p>
+                <a:pPr lvl="1"/>
+                <a:r>
+                  <a:rPr lang="da-DK" sz="2000" dirty="0" err="1">
+                    <a:latin typeface="+mj-lt"/>
+                  </a:rPr>
+                  <a:t>Minibatches</a:t>
+                </a:r>
+                <a:r>
+                  <a:rPr lang="da-DK" sz="2000" dirty="0">
+                    <a:latin typeface="+mj-lt"/>
+                  </a:rPr>
+                  <a:t> på 32, og </a:t>
+                </a:r>
+                <a:r>
+                  <a:rPr lang="da-DK" sz="2000" dirty="0" err="1">
+                    <a:latin typeface="+mj-lt"/>
+                  </a:rPr>
+                  <a:t>early</a:t>
+                </a:r>
+                <a:r>
+                  <a:rPr lang="da-DK" sz="2000" dirty="0">
+                    <a:latin typeface="+mj-lt"/>
+                  </a:rPr>
+                  <a:t> stopping samt max 10 </a:t>
+                </a:r>
+                <a:r>
+                  <a:rPr lang="da-DK" sz="2000" dirty="0" err="1">
+                    <a:latin typeface="+mj-lt"/>
+                  </a:rPr>
+                  <a:t>epochs</a:t>
+                </a:r>
+                <a:r>
+                  <a:rPr lang="da-DK" sz="2000" dirty="0">
+                    <a:latin typeface="+mj-lt"/>
+                  </a:rPr>
+                  <a:t> </a:t>
+                </a:r>
+              </a:p>
+              <a:p>
+                <a:pPr lvl="1"/>
+                <a:r>
+                  <a:rPr lang="da-DK" sz="2000" dirty="0" err="1">
+                    <a:latin typeface="+mj-lt"/>
+                  </a:rPr>
+                  <a:t>Sigmoid</a:t>
+                </a:r>
+                <a:r>
+                  <a:rPr lang="da-DK" sz="2000" dirty="0">
+                    <a:latin typeface="+mj-lt"/>
+                  </a:rPr>
+                  <a:t> funktionen som output </a:t>
+                </a:r>
+                <a:r>
+                  <a:rPr lang="da-DK" sz="2000" dirty="0" err="1">
+                    <a:latin typeface="+mj-lt"/>
+                  </a:rPr>
+                  <a:t>activation</a:t>
+                </a:r>
+                <a:r>
+                  <a:rPr lang="da-DK" sz="2000" dirty="0">
+                    <a:latin typeface="+mj-lt"/>
+                  </a:rPr>
+                  <a:t> </a:t>
+                </a:r>
+                <a:r>
+                  <a:rPr lang="da-DK" sz="2000" dirty="0" err="1">
+                    <a:latin typeface="+mj-lt"/>
+                  </a:rPr>
+                  <a:t>function</a:t>
+                </a:r>
+                <a:endParaRPr lang="da-DK" sz="2000" dirty="0">
+                  <a:latin typeface="+mj-lt"/>
+                </a:endParaRPr>
+              </a:p>
+              <a:p>
+                <a:endParaRPr lang="da-DK" sz="2400" dirty="0">
+                  <a:latin typeface="+mj-lt"/>
+                </a:endParaRPr>
+              </a:p>
+            </p:txBody>
+          </p:sp>
+        </mc:Choice>
+        <mc:Fallback>
+          <p:sp>
+            <p:nvSpPr>
+              <p:cNvPr id="3" name="Content Placeholder 2">
+                <a:extLst>
+                  <a:ext uri="{FF2B5EF4-FFF2-40B4-BE49-F238E27FC236}">
+                    <a16:creationId xmlns:a16="http://schemas.microsoft.com/office/drawing/2014/main" id="{FC4A4324-6023-4349-8A77-FD50F53395BF}"/>
+                  </a:ext>
+                </a:extLst>
+              </p:cNvPr>
+              <p:cNvSpPr>
+                <a:spLocks noGrp="1" noRot="1" noChangeAspect="1" noMove="1" noResize="1" noEditPoints="1" noAdjustHandles="1" noChangeArrowheads="1" noChangeShapeType="1" noTextEdit="1"/>
+              </p:cNvSpPr>
+              <p:nvPr>
+                <p:ph idx="1"/>
+              </p:nvPr>
+            </p:nvSpPr>
+            <p:spPr>
+              <a:xfrm>
+                <a:off x="838200" y="879158"/>
+                <a:ext cx="10515600" cy="5807392"/>
+              </a:xfrm>
+              <a:blipFill>
+                <a:blip r:embed="rId3"/>
+                <a:stretch>
+                  <a:fillRect l="-928" t="-1994"/>
+                </a:stretch>
+              </a:blipFill>
+            </p:spPr>
+            <p:txBody>
+              <a:bodyPr/>
+              <a:lstStyle/>
+              <a:p>
+                <a:r>
+                  <a:rPr lang="da-DK">
+                    <a:noFill/>
+                  </a:rPr>
+                  <a:t> </a:t>
+                </a:r>
+              </a:p>
+            </p:txBody>
+          </p:sp>
+        </mc:Fallback>
+      </mc:AlternateContent>
+    </p:spTree>
+    <p:extLst>
+      <p:ext uri="{BB962C8B-B14F-4D97-AF65-F5344CB8AC3E}">
+        <p14:creationId xmlns:p14="http://schemas.microsoft.com/office/powerpoint/2010/main" val="2465198552"/>
+      </p:ext>
+    </p:extLst>
+  </p:cSld>
+  <p:clrMapOvr>
+    <a:masterClrMapping/>
+  </p:clrMapOvr>
+</p:sld>
+</file>
+
+<file path=ppt/slides/slide12.xml><?xml version="1.0" encoding="utf-8"?>
+<p:sld xmlns:a="http://schemas.openxmlformats.org/drawingml/2006/main" xmlns:r="http://schemas.openxmlformats.org/officeDocument/2006/relationships" xmlns:p="http://schemas.openxmlformats.org/presentationml/2006/main">
+  <p:cSld>
+    <p:spTree>
+      <p:nvGrpSpPr>
+        <p:cNvPr id="1" name=""/>
+        <p:cNvGrpSpPr/>
+        <p:nvPr/>
+      </p:nvGrpSpPr>
+      <p:grpSpPr>
+        <a:xfrm>
+          <a:off x="0" y="0"/>
+          <a:ext cx="0" cy="0"/>
+          <a:chOff x="0" y="0"/>
+          <a:chExt cx="0" cy="0"/>
+        </a:xfrm>
+      </p:grpSpPr>
+      <p:sp>
+        <p:nvSpPr>
+          <p:cNvPr id="2" name="Title 1">
+            <a:extLst>
+              <a:ext uri="{FF2B5EF4-FFF2-40B4-BE49-F238E27FC236}">
+                <a16:creationId xmlns:a16="http://schemas.microsoft.com/office/drawing/2014/main" id="{3F072121-63F6-49AA-8AC5-419A2951C9A0}"/>
+              </a:ext>
+            </a:extLst>
+          </p:cNvPr>
+          <p:cNvSpPr>
+            <a:spLocks noGrp="1"/>
+          </p:cNvSpPr>
+          <p:nvPr>
+            <p:ph type="title"/>
+          </p:nvPr>
+        </p:nvSpPr>
+        <p:spPr/>
+        <p:txBody>
+          <a:bodyPr/>
+          <a:lstStyle/>
+          <a:p>
+            <a:r>
+              <a:rPr lang="en-US" dirty="0" err="1"/>
+              <a:t>Resultater</a:t>
+            </a:r>
+            <a:endParaRPr lang="da-DK" dirty="0"/>
+          </a:p>
+        </p:txBody>
+      </p:sp>
+      <p:graphicFrame>
+        <p:nvGraphicFramePr>
+          <p:cNvPr id="9" name="Table 9">
+            <a:extLst>
+              <a:ext uri="{FF2B5EF4-FFF2-40B4-BE49-F238E27FC236}">
+                <a16:creationId xmlns:a16="http://schemas.microsoft.com/office/drawing/2014/main" id="{535B2D90-4063-4A1C-BD81-44AA07B6B0CF}"/>
+              </a:ext>
+            </a:extLst>
+          </p:cNvPr>
+          <p:cNvGraphicFramePr>
+            <a:graphicFrameLocks noGrp="1"/>
+          </p:cNvGraphicFramePr>
+          <p:nvPr>
+            <p:ph idx="1"/>
+            <p:extLst>
+              <p:ext uri="{D42A27DB-BD31-4B8C-83A1-F6EECF244321}">
+                <p14:modId xmlns:p14="http://schemas.microsoft.com/office/powerpoint/2010/main" val="746211005"/>
+              </p:ext>
+            </p:extLst>
+          </p:nvPr>
+        </p:nvGraphicFramePr>
+        <p:xfrm>
+          <a:off x="2590800" y="1482725"/>
+          <a:ext cx="7010400" cy="1112520"/>
+        </p:xfrm>
+        <a:graphic>
+          <a:graphicData uri="http://schemas.openxmlformats.org/drawingml/2006/table">
+            <a:tbl>
+              <a:tblPr firstRow="1" bandRow="1">
+                <a:tableStyleId>{C083E6E3-FA7D-4D7B-A595-EF9225AFEA82}</a:tableStyleId>
+              </a:tblPr>
+              <a:tblGrid>
+                <a:gridCol w="3505200">
+                  <a:extLst>
+                    <a:ext uri="{9D8B030D-6E8A-4147-A177-3AD203B41FA5}">
+                      <a16:colId xmlns:a16="http://schemas.microsoft.com/office/drawing/2014/main" val="1135003930"/>
+                    </a:ext>
+                  </a:extLst>
+                </a:gridCol>
+                <a:gridCol w="3505200">
+                  <a:extLst>
+                    <a:ext uri="{9D8B030D-6E8A-4147-A177-3AD203B41FA5}">
+                      <a16:colId xmlns:a16="http://schemas.microsoft.com/office/drawing/2014/main" val="1969356308"/>
+                    </a:ext>
+                  </a:extLst>
+                </a:gridCol>
+              </a:tblGrid>
+              <a:tr h="370840">
+                <a:tc>
+                  <a:txBody>
+                    <a:bodyPr/>
+                    <a:lstStyle/>
+                    <a:p>
+                      <a:r>
+                        <a:rPr lang="en-US" dirty="0"/>
+                        <a:t>Model</a:t>
+                      </a:r>
+                      <a:endParaRPr lang="da-DK" dirty="0"/>
+                    </a:p>
+                  </a:txBody>
+                  <a:tcPr/>
+                </a:tc>
+                <a:tc>
+                  <a:txBody>
+                    <a:bodyPr/>
+                    <a:lstStyle/>
+                    <a:p>
+                      <a:r>
+                        <a:rPr lang="en-US" dirty="0"/>
+                        <a:t>Accuracy test</a:t>
+                      </a:r>
+                      <a:endParaRPr lang="da-DK" dirty="0"/>
+                    </a:p>
+                  </a:txBody>
+                  <a:tcPr/>
+                </a:tc>
+                <a:extLst>
+                  <a:ext uri="{0D108BD9-81ED-4DB2-BD59-A6C34878D82A}">
+                    <a16:rowId xmlns:a16="http://schemas.microsoft.com/office/drawing/2014/main" val="2680180739"/>
+                  </a:ext>
+                </a:extLst>
+              </a:tr>
+              <a:tr h="370840">
+                <a:tc>
+                  <a:txBody>
+                    <a:bodyPr/>
+                    <a:lstStyle/>
+                    <a:p>
+                      <a:r>
+                        <a:rPr lang="en-US" dirty="0" err="1"/>
+                        <a:t>Logistisk</a:t>
+                      </a:r>
+                      <a:r>
+                        <a:rPr lang="en-US" dirty="0"/>
+                        <a:t> Regression</a:t>
+                      </a:r>
+                      <a:endParaRPr lang="da-DK" dirty="0"/>
+                    </a:p>
+                  </a:txBody>
+                  <a:tcPr/>
+                </a:tc>
+                <a:tc>
+                  <a:txBody>
+                    <a:bodyPr/>
+                    <a:lstStyle/>
+                    <a:p>
+                      <a:r>
+                        <a:rPr lang="en-US" dirty="0"/>
+                        <a:t>0.856</a:t>
+                      </a:r>
+                      <a:endParaRPr lang="da-DK" dirty="0"/>
+                    </a:p>
+                  </a:txBody>
+                  <a:tcPr/>
+                </a:tc>
+                <a:extLst>
+                  <a:ext uri="{0D108BD9-81ED-4DB2-BD59-A6C34878D82A}">
+                    <a16:rowId xmlns:a16="http://schemas.microsoft.com/office/drawing/2014/main" val="772041337"/>
+                  </a:ext>
+                </a:extLst>
+              </a:tr>
+              <a:tr h="370840">
+                <a:tc>
+                  <a:txBody>
+                    <a:bodyPr/>
+                    <a:lstStyle/>
+                    <a:p>
+                      <a:r>
+                        <a:rPr lang="en-US" dirty="0"/>
+                        <a:t>Neural </a:t>
+                      </a:r>
+                      <a:r>
+                        <a:rPr lang="en-US" dirty="0" err="1"/>
+                        <a:t>Netværk</a:t>
+                      </a:r>
+                      <a:endParaRPr lang="da-DK" dirty="0"/>
+                    </a:p>
+                  </a:txBody>
+                  <a:tcPr/>
+                </a:tc>
+                <a:tc>
+                  <a:txBody>
+                    <a:bodyPr/>
+                    <a:lstStyle/>
+                    <a:p>
+                      <a:r>
+                        <a:rPr lang="en-US" dirty="0"/>
+                        <a:t>0.856</a:t>
+                      </a:r>
+                      <a:endParaRPr lang="da-DK" dirty="0"/>
+                    </a:p>
+                  </a:txBody>
+                  <a:tcPr/>
+                </a:tc>
+                <a:extLst>
+                  <a:ext uri="{0D108BD9-81ED-4DB2-BD59-A6C34878D82A}">
+                    <a16:rowId xmlns:a16="http://schemas.microsoft.com/office/drawing/2014/main" val="594645121"/>
+                  </a:ext>
+                </a:extLst>
+              </a:tr>
+            </a:tbl>
+          </a:graphicData>
+        </a:graphic>
+      </p:graphicFrame>
+      <p:pic>
+        <p:nvPicPr>
+          <p:cNvPr id="11" name="Picture 10">
+            <a:extLst>
+              <a:ext uri="{FF2B5EF4-FFF2-40B4-BE49-F238E27FC236}">
+                <a16:creationId xmlns:a16="http://schemas.microsoft.com/office/drawing/2014/main" id="{463266BE-F841-4A69-BC5E-458779DE22FB}"/>
+              </a:ext>
+            </a:extLst>
+          </p:cNvPr>
+          <p:cNvPicPr>
+            <a:picLocks noChangeAspect="1"/>
+          </p:cNvPicPr>
+          <p:nvPr/>
+        </p:nvPicPr>
+        <p:blipFill>
+          <a:blip r:embed="rId3"/>
+          <a:stretch>
+            <a:fillRect/>
+          </a:stretch>
+        </p:blipFill>
+        <p:spPr>
+          <a:xfrm>
+            <a:off x="1165033" y="3118499"/>
+            <a:ext cx="4875848" cy="3169906"/>
+          </a:xfrm>
+          <a:prstGeom prst="rect">
+            <a:avLst/>
+          </a:prstGeom>
+        </p:spPr>
+      </p:pic>
+      <p:pic>
+        <p:nvPicPr>
+          <p:cNvPr id="13" name="Picture 12">
+            <a:extLst>
+              <a:ext uri="{FF2B5EF4-FFF2-40B4-BE49-F238E27FC236}">
+                <a16:creationId xmlns:a16="http://schemas.microsoft.com/office/drawing/2014/main" id="{01E502C7-8FB2-420A-B468-789F6776E12D}"/>
+              </a:ext>
+            </a:extLst>
+          </p:cNvPr>
+          <p:cNvPicPr>
+            <a:picLocks noChangeAspect="1"/>
+          </p:cNvPicPr>
+          <p:nvPr/>
+        </p:nvPicPr>
+        <p:blipFill>
+          <a:blip r:embed="rId4"/>
+          <a:stretch>
+            <a:fillRect/>
+          </a:stretch>
+        </p:blipFill>
+        <p:spPr>
+          <a:xfrm>
+            <a:off x="6096000" y="3118498"/>
+            <a:ext cx="4930967" cy="3169907"/>
+          </a:xfrm>
+          <a:prstGeom prst="rect">
+            <a:avLst/>
+          </a:prstGeom>
+        </p:spPr>
+      </p:pic>
+    </p:spTree>
+    <p:extLst>
+      <p:ext uri="{BB962C8B-B14F-4D97-AF65-F5344CB8AC3E}">
+        <p14:creationId xmlns:p14="http://schemas.microsoft.com/office/powerpoint/2010/main" val="481668491"/>
+      </p:ext>
+    </p:extLst>
+  </p:cSld>
+  <p:clrMapOvr>
+    <a:masterClrMapping/>
+  </p:clrMapOvr>
+</p:sld>
+</file>
+
 <file path=ppt/slides/slide2.xml><?xml version="1.0" encoding="utf-8"?>
 <p:sld xmlns:a="http://schemas.openxmlformats.org/drawingml/2006/main" xmlns:r="http://schemas.openxmlformats.org/officeDocument/2006/relationships" xmlns:p="http://schemas.openxmlformats.org/presentationml/2006/main">
   <p:cSld>
@@ -4968,7 +7690,7 @@
           <p:cNvPr id="2" name="Title 1">
             <a:extLst>
               <a:ext uri="{FF2B5EF4-FFF2-40B4-BE49-F238E27FC236}">
-                <a16:creationId xmlns:a16="http://schemas.microsoft.com/office/drawing/2014/main" id="{03861C01-D849-494A-B5AA-FF2C0092C079}"/>
+                <a16:creationId xmlns:a16="http://schemas.microsoft.com/office/drawing/2014/main" id="{3DDC11F6-47B3-4632-83C5-47A4D495FB0C}"/>
               </a:ext>
             </a:extLst>
           </p:cNvPr>
@@ -4979,48 +7701,334 @@
             <p:ph type="title"/>
           </p:nvPr>
         </p:nvSpPr>
-        <p:spPr/>
-        <p:txBody>
-          <a:bodyPr/>
+        <p:spPr>
+          <a:xfrm>
+            <a:off x="838200" y="131445"/>
+            <a:ext cx="10515600" cy="835317"/>
+          </a:xfrm>
+        </p:spPr>
+        <p:txBody>
+          <a:bodyPr>
+            <a:normAutofit/>
+          </a:bodyPr>
           <a:lstStyle/>
           <a:p>
             <a:r>
-              <a:rPr lang="en-US" dirty="0"/>
-              <a:t>Presentation of Dataset</a:t>
-            </a:r>
-            <a:endParaRPr lang="da-DK" dirty="0"/>
-          </a:p>
-        </p:txBody>
-      </p:sp>
-      <p:sp>
-        <p:nvSpPr>
-          <p:cNvPr id="3" name="Content Placeholder 2">
+              <a:rPr lang="en-US" sz="3600" dirty="0" err="1"/>
+              <a:t>Præsentation</a:t>
+            </a:r>
+            <a:r>
+              <a:rPr lang="en-US" sz="3600" dirty="0"/>
+              <a:t> </a:t>
+            </a:r>
+            <a:r>
+              <a:rPr lang="en-US" sz="3600" dirty="0" err="1"/>
+              <a:t>af</a:t>
+            </a:r>
+            <a:r>
+              <a:rPr lang="en-US" sz="3600" dirty="0"/>
+              <a:t> dataset</a:t>
+            </a:r>
+            <a:endParaRPr lang="da-DK" sz="3600" dirty="0"/>
+          </a:p>
+        </p:txBody>
+      </p:sp>
+      <p:sp>
+        <p:nvSpPr>
+          <p:cNvPr id="12" name="TextBox 11">
             <a:extLst>
               <a:ext uri="{FF2B5EF4-FFF2-40B4-BE49-F238E27FC236}">
-                <a16:creationId xmlns:a16="http://schemas.microsoft.com/office/drawing/2014/main" id="{A2733EB7-6856-4994-9678-2B2B93AD916C}"/>
+                <a16:creationId xmlns:a16="http://schemas.microsoft.com/office/drawing/2014/main" id="{DB94ECF8-ECE3-4F48-8589-53B55202DEC9}"/>
               </a:ext>
             </a:extLst>
           </p:cNvPr>
-          <p:cNvSpPr>
-            <a:spLocks noGrp="1"/>
-          </p:cNvSpPr>
-          <p:nvPr>
-            <p:ph idx="1"/>
-          </p:nvPr>
-        </p:nvSpPr>
-        <p:spPr/>
-        <p:txBody>
-          <a:bodyPr/>
+          <p:cNvSpPr txBox="1"/>
+          <p:nvPr/>
+        </p:nvSpPr>
+        <p:spPr>
+          <a:xfrm>
+            <a:off x="948690" y="1051560"/>
+            <a:ext cx="10847070" cy="3952364"/>
+          </a:xfrm>
+          <a:prstGeom prst="rect">
+            <a:avLst/>
+          </a:prstGeom>
+          <a:noFill/>
+        </p:spPr>
+        <p:txBody>
+          <a:bodyPr wrap="square">
+            <a:spAutoFit/>
+          </a:bodyPr>
           <a:lstStyle/>
           <a:p>
-            <a:endParaRPr lang="da-DK"/>
+            <a:pPr>
+              <a:lnSpc>
+                <a:spcPct val="107000"/>
+              </a:lnSpc>
+              <a:spcAft>
+                <a:spcPts val="800"/>
+              </a:spcAft>
+            </a:pPr>
+            <a:r>
+              <a:rPr lang="en-US" sz="2200" b="1" dirty="0">
+                <a:effectLst/>
+                <a:latin typeface="+mj-lt"/>
+                <a:ea typeface="Calibri" panose="020F0502020204030204" pitchFamily="34" charset="0"/>
+                <a:cs typeface="Times New Roman" panose="02020603050405020304" pitchFamily="18" charset="0"/>
+              </a:rPr>
+              <a:t>sf_crime_data.csv</a:t>
+            </a:r>
+          </a:p>
+          <a:p>
+            <a:pPr marL="342900" indent="-342900">
+              <a:lnSpc>
+                <a:spcPct val="107000"/>
+              </a:lnSpc>
+              <a:spcAft>
+                <a:spcPts val="800"/>
+              </a:spcAft>
+              <a:buFont typeface="Arial" panose="020B0604020202020204" pitchFamily="34" charset="0"/>
+              <a:buChar char="•"/>
+            </a:pPr>
+            <a:r>
+              <a:rPr lang="en-US" sz="2200" dirty="0">
+                <a:effectLst/>
+                <a:latin typeface="+mj-lt"/>
+                <a:ea typeface="Calibri" panose="020F0502020204030204" pitchFamily="34" charset="0"/>
+                <a:cs typeface="Times New Roman" panose="02020603050405020304" pitchFamily="18" charset="0"/>
+              </a:rPr>
+              <a:t>2.129.216 </a:t>
+            </a:r>
+            <a:r>
+              <a:rPr lang="en-US" sz="2200" dirty="0" err="1">
+                <a:effectLst/>
+                <a:latin typeface="+mj-lt"/>
+                <a:ea typeface="Calibri" panose="020F0502020204030204" pitchFamily="34" charset="0"/>
+                <a:cs typeface="Times New Roman" panose="02020603050405020304" pitchFamily="18" charset="0"/>
+              </a:rPr>
+              <a:t>observationer</a:t>
+            </a:r>
+            <a:r>
+              <a:rPr lang="en-US" sz="2200" dirty="0">
+                <a:effectLst/>
+                <a:latin typeface="+mj-lt"/>
+                <a:ea typeface="Calibri" panose="020F0502020204030204" pitchFamily="34" charset="0"/>
+                <a:cs typeface="Times New Roman" panose="02020603050405020304" pitchFamily="18" charset="0"/>
+              </a:rPr>
+              <a:t>, 10 </a:t>
+            </a:r>
+            <a:r>
+              <a:rPr lang="en-US" sz="2200" dirty="0" err="1">
+                <a:effectLst/>
+                <a:latin typeface="+mj-lt"/>
+                <a:ea typeface="Calibri" panose="020F0502020204030204" pitchFamily="34" charset="0"/>
+                <a:cs typeface="Times New Roman" panose="02020603050405020304" pitchFamily="18" charset="0"/>
+              </a:rPr>
+              <a:t>attributter</a:t>
+            </a:r>
+            <a:endParaRPr lang="en-US" sz="2200" dirty="0">
+              <a:effectLst/>
+              <a:latin typeface="+mj-lt"/>
+              <a:ea typeface="Calibri" panose="020F0502020204030204" pitchFamily="34" charset="0"/>
+              <a:cs typeface="Times New Roman" panose="02020603050405020304" pitchFamily="18" charset="0"/>
+            </a:endParaRPr>
+          </a:p>
+          <a:p>
+            <a:pPr marL="342900" indent="-342900">
+              <a:lnSpc>
+                <a:spcPct val="107000"/>
+              </a:lnSpc>
+              <a:spcAft>
+                <a:spcPts val="800"/>
+              </a:spcAft>
+              <a:buFont typeface="Arial" panose="020B0604020202020204" pitchFamily="34" charset="0"/>
+              <a:buChar char="•"/>
+            </a:pPr>
+            <a:r>
+              <a:rPr lang="en-US" sz="2200" dirty="0">
+                <a:effectLst/>
+                <a:latin typeface="+mj-lt"/>
+                <a:ea typeface="Calibri" panose="020F0502020204030204" pitchFamily="34" charset="0"/>
+                <a:cs typeface="Times New Roman" panose="02020603050405020304" pitchFamily="18" charset="0"/>
+              </a:rPr>
+              <a:t>Id, category, description, weekday, date, time, resolution, longitude, latitude, label </a:t>
+            </a:r>
+          </a:p>
+          <a:p>
+            <a:pPr lvl="0">
+              <a:lnSpc>
+                <a:spcPct val="107000"/>
+              </a:lnSpc>
+            </a:pPr>
+            <a:endParaRPr lang="en-US" sz="2200" dirty="0">
+              <a:effectLst/>
+              <a:latin typeface="+mj-lt"/>
+              <a:ea typeface="Calibri" panose="020F0502020204030204" pitchFamily="34" charset="0"/>
+              <a:cs typeface="Times New Roman" panose="02020603050405020304" pitchFamily="18" charset="0"/>
+            </a:endParaRPr>
+          </a:p>
+          <a:p>
+            <a:pPr lvl="0">
+              <a:lnSpc>
+                <a:spcPct val="107000"/>
+              </a:lnSpc>
+            </a:pPr>
+            <a:r>
+              <a:rPr lang="en-US" sz="2200" b="1" dirty="0">
+                <a:latin typeface="+mj-lt"/>
+                <a:ea typeface="Calibri" panose="020F0502020204030204" pitchFamily="34" charset="0"/>
+                <a:cs typeface="Times New Roman" panose="02020603050405020304" pitchFamily="18" charset="0"/>
+              </a:rPr>
+              <a:t>sf_districts.csv</a:t>
+            </a:r>
+          </a:p>
+          <a:p>
+            <a:pPr marL="285750" indent="-285750">
+              <a:lnSpc>
+                <a:spcPct val="107000"/>
+              </a:lnSpc>
+              <a:spcAft>
+                <a:spcPts val="800"/>
+              </a:spcAft>
+              <a:buFont typeface="Arial" panose="020B0604020202020204" pitchFamily="34" charset="0"/>
+              <a:buChar char="•"/>
+            </a:pPr>
+            <a:r>
+              <a:rPr lang="en-US" sz="2200" dirty="0">
+                <a:effectLst/>
+                <a:latin typeface="+mj-lt"/>
+                <a:ea typeface="Calibri" panose="020F0502020204030204" pitchFamily="34" charset="0"/>
+                <a:cs typeface="Times New Roman" panose="02020603050405020304" pitchFamily="18" charset="0"/>
+              </a:rPr>
+              <a:t>592,854 </a:t>
+            </a:r>
+            <a:r>
+              <a:rPr lang="en-US" sz="2200" dirty="0" err="1">
+                <a:effectLst/>
+                <a:latin typeface="+mj-lt"/>
+                <a:ea typeface="Calibri" panose="020F0502020204030204" pitchFamily="34" charset="0"/>
+                <a:cs typeface="Times New Roman" panose="02020603050405020304" pitchFamily="18" charset="0"/>
+              </a:rPr>
+              <a:t>observationer</a:t>
+            </a:r>
+            <a:r>
+              <a:rPr lang="en-US" sz="2200" dirty="0">
+                <a:effectLst/>
+                <a:latin typeface="+mj-lt"/>
+                <a:ea typeface="Calibri" panose="020F0502020204030204" pitchFamily="34" charset="0"/>
+                <a:cs typeface="Times New Roman" panose="02020603050405020304" pitchFamily="18" charset="0"/>
+              </a:rPr>
+              <a:t>, 2 </a:t>
+            </a:r>
+            <a:r>
+              <a:rPr lang="en-US" sz="2200" dirty="0" err="1">
+                <a:effectLst/>
+                <a:latin typeface="+mj-lt"/>
+                <a:ea typeface="Calibri" panose="020F0502020204030204" pitchFamily="34" charset="0"/>
+                <a:cs typeface="Times New Roman" panose="02020603050405020304" pitchFamily="18" charset="0"/>
+              </a:rPr>
+              <a:t>attributter</a:t>
+            </a:r>
+            <a:endParaRPr lang="en-US" sz="2200" dirty="0">
+              <a:effectLst/>
+              <a:latin typeface="+mj-lt"/>
+              <a:ea typeface="Calibri" panose="020F0502020204030204" pitchFamily="34" charset="0"/>
+              <a:cs typeface="Times New Roman" panose="02020603050405020304" pitchFamily="18" charset="0"/>
+            </a:endParaRPr>
+          </a:p>
+          <a:p>
+            <a:pPr marL="285750" indent="-285750">
+              <a:lnSpc>
+                <a:spcPct val="107000"/>
+              </a:lnSpc>
+              <a:spcAft>
+                <a:spcPts val="800"/>
+              </a:spcAft>
+              <a:buFont typeface="Arial" panose="020B0604020202020204" pitchFamily="34" charset="0"/>
+              <a:buChar char="•"/>
+            </a:pPr>
+            <a:r>
+              <a:rPr lang="en-US" sz="2200" dirty="0">
+                <a:latin typeface="+mj-lt"/>
+                <a:ea typeface="Calibri" panose="020F0502020204030204" pitchFamily="34" charset="0"/>
+                <a:cs typeface="Times New Roman" panose="02020603050405020304" pitchFamily="18" charset="0"/>
+              </a:rPr>
+              <a:t>Id, district</a:t>
+            </a:r>
+          </a:p>
+          <a:p>
+            <a:pPr marL="742950" lvl="1" indent="-285750">
+              <a:lnSpc>
+                <a:spcPct val="107000"/>
+              </a:lnSpc>
+              <a:spcAft>
+                <a:spcPts val="800"/>
+              </a:spcAft>
+              <a:buFont typeface="Arial" panose="020B0604020202020204" pitchFamily="34" charset="0"/>
+              <a:buChar char="•"/>
+            </a:pPr>
+            <a:r>
+              <a:rPr lang="en-US" sz="2200" dirty="0">
+                <a:effectLst/>
+                <a:latin typeface="+mj-lt"/>
+                <a:ea typeface="Calibri" panose="020F0502020204030204" pitchFamily="34" charset="0"/>
+                <a:cs typeface="Times New Roman" panose="02020603050405020304" pitchFamily="18" charset="0"/>
+              </a:rPr>
+              <a:t>3 </a:t>
+            </a:r>
+            <a:r>
+              <a:rPr lang="en-US" sz="2200" dirty="0" err="1">
+                <a:effectLst/>
+                <a:latin typeface="+mj-lt"/>
+                <a:ea typeface="Calibri" panose="020F0502020204030204" pitchFamily="34" charset="0"/>
+                <a:cs typeface="Times New Roman" panose="02020603050405020304" pitchFamily="18" charset="0"/>
+              </a:rPr>
+              <a:t>unikke</a:t>
+            </a:r>
+            <a:r>
+              <a:rPr lang="en-US" sz="2200" dirty="0">
+                <a:effectLst/>
+                <a:latin typeface="+mj-lt"/>
+                <a:ea typeface="Calibri" panose="020F0502020204030204" pitchFamily="34" charset="0"/>
+                <a:cs typeface="Times New Roman" panose="02020603050405020304" pitchFamily="18" charset="0"/>
+              </a:rPr>
+              <a:t> </a:t>
+            </a:r>
+            <a:r>
+              <a:rPr lang="en-US" sz="2200" dirty="0" err="1">
+                <a:effectLst/>
+                <a:latin typeface="+mj-lt"/>
+                <a:ea typeface="Calibri" panose="020F0502020204030204" pitchFamily="34" charset="0"/>
+                <a:cs typeface="Times New Roman" panose="02020603050405020304" pitchFamily="18" charset="0"/>
+              </a:rPr>
+              <a:t>distrikter</a:t>
+            </a:r>
+            <a:endParaRPr lang="da-DK" sz="2200" dirty="0">
+              <a:effectLst/>
+              <a:latin typeface="+mj-lt"/>
+              <a:ea typeface="Calibri" panose="020F0502020204030204" pitchFamily="34" charset="0"/>
+              <a:cs typeface="Times New Roman" panose="02020603050405020304" pitchFamily="18" charset="0"/>
+            </a:endParaRPr>
+          </a:p>
+          <a:p>
+            <a:pPr lvl="0">
+              <a:lnSpc>
+                <a:spcPct val="107000"/>
+              </a:lnSpc>
+            </a:pPr>
+            <a:endParaRPr lang="en-US" sz="2200" b="1" dirty="0">
+              <a:effectLst/>
+              <a:latin typeface="+mj-lt"/>
+              <a:ea typeface="Calibri" panose="020F0502020204030204" pitchFamily="34" charset="0"/>
+              <a:cs typeface="Times New Roman" panose="02020603050405020304" pitchFamily="18" charset="0"/>
+            </a:endParaRPr>
           </a:p>
         </p:txBody>
       </p:sp>
     </p:spTree>
     <p:extLst>
       <p:ext uri="{BB962C8B-B14F-4D97-AF65-F5344CB8AC3E}">
-        <p14:creationId xmlns:p14="http://schemas.microsoft.com/office/powerpoint/2010/main" val="3547185561"/>
+        <p14:creationId xmlns:p14="http://schemas.microsoft.com/office/powerpoint/2010/main" val="2323248054"/>
       </p:ext>
     </p:extLst>
   </p:cSld>
@@ -5105,7 +8113,7 @@
             </a:r>
             <a:r>
               <a:rPr lang="en-US" sz="3600" dirty="0"/>
-              <a:t> </a:t>
+              <a:t> I </a:t>
             </a:r>
             <a:endParaRPr lang="da-DK" sz="3600" dirty="0"/>
           </a:p>
@@ -5194,13 +8202,7 @@
           <p:cNvGraphicFramePr>
             <a:graphicFrameLocks noGrp="1"/>
           </p:cNvGraphicFramePr>
-          <p:nvPr>
-            <p:extLst>
-              <p:ext uri="{D42A27DB-BD31-4B8C-83A1-F6EECF244321}">
-                <p14:modId xmlns:p14="http://schemas.microsoft.com/office/powerpoint/2010/main" val="866518205"/>
-              </p:ext>
-            </p:extLst>
-          </p:nvPr>
+          <p:nvPr/>
         </p:nvGraphicFramePr>
         <p:xfrm>
           <a:off x="3180080" y="892889"/>
@@ -5375,7 +8377,7 @@
     </p:spTree>
     <p:extLst>
       <p:ext uri="{BB962C8B-B14F-4D97-AF65-F5344CB8AC3E}">
-        <p14:creationId xmlns:p14="http://schemas.microsoft.com/office/powerpoint/2010/main" val="2323248054"/>
+        <p14:creationId xmlns:p14="http://schemas.microsoft.com/office/powerpoint/2010/main" val="4180044391"/>
       </p:ext>
     </p:extLst>
   </p:cSld>
@@ -5407,7 +8409,7 @@
           <p:cNvPr id="2" name="Title 1">
             <a:extLst>
               <a:ext uri="{FF2B5EF4-FFF2-40B4-BE49-F238E27FC236}">
-                <a16:creationId xmlns:a16="http://schemas.microsoft.com/office/drawing/2014/main" id="{02A06935-CF49-4F17-AF6F-D97201FD7855}"/>
+                <a16:creationId xmlns:a16="http://schemas.microsoft.com/office/drawing/2014/main" id="{3DDC11F6-47B3-4632-83C5-47A4D495FB0C}"/>
               </a:ext>
             </a:extLst>
           </p:cNvPr>
@@ -5418,48 +8420,123 @@
             <p:ph type="title"/>
           </p:nvPr>
         </p:nvSpPr>
-        <p:spPr/>
-        <p:txBody>
-          <a:bodyPr/>
+        <p:spPr>
+          <a:xfrm>
+            <a:off x="838200" y="131445"/>
+            <a:ext cx="10515600" cy="835317"/>
+          </a:xfrm>
+        </p:spPr>
+        <p:txBody>
+          <a:bodyPr>
+            <a:normAutofit/>
+          </a:bodyPr>
           <a:lstStyle/>
           <a:p>
             <a:r>
-              <a:rPr lang="en-US" dirty="0"/>
-              <a:t>Crime vs. Time</a:t>
-            </a:r>
-            <a:endParaRPr lang="da-DK" dirty="0"/>
-          </a:p>
-        </p:txBody>
-      </p:sp>
-      <p:sp>
-        <p:nvSpPr>
-          <p:cNvPr id="3" name="Content Placeholder 2">
+              <a:rPr lang="en-US" sz="3600" dirty="0" err="1"/>
+              <a:t>Kriminalitet</a:t>
+            </a:r>
+            <a:r>
+              <a:rPr lang="en-US" sz="3600" dirty="0"/>
+              <a:t> </a:t>
+            </a:r>
+            <a:r>
+              <a:rPr lang="en-US" sz="3600" dirty="0" err="1"/>
+              <a:t>fordelt</a:t>
+            </a:r>
+            <a:r>
+              <a:rPr lang="en-US" sz="3600" dirty="0"/>
+              <a:t> </a:t>
+            </a:r>
+            <a:r>
+              <a:rPr lang="en-US" sz="3600" dirty="0" err="1"/>
+              <a:t>på</a:t>
+            </a:r>
+            <a:r>
+              <a:rPr lang="en-US" sz="3600" dirty="0"/>
+              <a:t> </a:t>
+            </a:r>
+            <a:r>
+              <a:rPr lang="en-US" sz="3600" dirty="0" err="1"/>
+              <a:t>distrikter</a:t>
+            </a:r>
+            <a:r>
+              <a:rPr lang="en-US" sz="3600" dirty="0"/>
+              <a:t> II</a:t>
+            </a:r>
+            <a:endParaRPr lang="da-DK" sz="3600" dirty="0"/>
+          </a:p>
+        </p:txBody>
+      </p:sp>
+      <p:pic>
+        <p:nvPicPr>
+          <p:cNvPr id="11" name="Picture 10">
             <a:extLst>
               <a:ext uri="{FF2B5EF4-FFF2-40B4-BE49-F238E27FC236}">
-                <a16:creationId xmlns:a16="http://schemas.microsoft.com/office/drawing/2014/main" id="{D7713D71-25C9-4FB5-AB7A-E9D061ABFC9D}"/>
+                <a16:creationId xmlns:a16="http://schemas.microsoft.com/office/drawing/2014/main" id="{D4457539-1C16-4842-85F8-9F6FBE1D897D}"/>
               </a:ext>
             </a:extLst>
           </p:cNvPr>
-          <p:cNvSpPr>
-            <a:spLocks noGrp="1"/>
-          </p:cNvSpPr>
-          <p:nvPr>
-            <p:ph idx="1"/>
-          </p:nvPr>
-        </p:nvSpPr>
-        <p:spPr/>
-        <p:txBody>
-          <a:bodyPr/>
-          <a:lstStyle/>
-          <a:p>
-            <a:endParaRPr lang="da-DK" dirty="0"/>
-          </a:p>
-        </p:txBody>
-      </p:sp>
+          <p:cNvPicPr>
+            <a:picLocks noChangeAspect="1"/>
+          </p:cNvPicPr>
+          <p:nvPr/>
+        </p:nvPicPr>
+        <p:blipFill>
+          <a:blip r:embed="rId3"/>
+          <a:stretch>
+            <a:fillRect/>
+          </a:stretch>
+        </p:blipFill>
+        <p:spPr>
+          <a:xfrm>
+            <a:off x="10810875" y="549103"/>
+            <a:ext cx="1085850" cy="1266825"/>
+          </a:xfrm>
+          <a:prstGeom prst="rect">
+            <a:avLst/>
+          </a:prstGeom>
+        </p:spPr>
+      </p:pic>
+      <p:pic>
+        <p:nvPicPr>
+          <p:cNvPr id="6" name="Picture 5" descr="Graphical user interface, application&#10;&#10;Description automatically generated">
+            <a:extLst>
+              <a:ext uri="{FF2B5EF4-FFF2-40B4-BE49-F238E27FC236}">
+                <a16:creationId xmlns:a16="http://schemas.microsoft.com/office/drawing/2014/main" id="{8D60264D-B3F9-4D27-9122-4E604EAFF5B5}"/>
+              </a:ext>
+            </a:extLst>
+          </p:cNvPr>
+          <p:cNvPicPr>
+            <a:picLocks noChangeAspect="1"/>
+          </p:cNvPicPr>
+          <p:nvPr/>
+        </p:nvPicPr>
+        <p:blipFill rotWithShape="1">
+          <a:blip r:embed="rId4">
+            <a:extLst>
+              <a:ext uri="{28A0092B-C50C-407E-A947-70E740481C1C}">
+                <a14:useLocalDpi xmlns:a14="http://schemas.microsoft.com/office/drawing/2010/main" val="0"/>
+              </a:ext>
+            </a:extLst>
+          </a:blip>
+          <a:srcRect r="8828"/>
+          <a:stretch/>
+        </p:blipFill>
+        <p:spPr>
+          <a:xfrm>
+            <a:off x="47625" y="1579069"/>
+            <a:ext cx="12144375" cy="4049006"/>
+          </a:xfrm>
+          <a:prstGeom prst="rect">
+            <a:avLst/>
+          </a:prstGeom>
+        </p:spPr>
+      </p:pic>
     </p:spTree>
     <p:extLst>
       <p:ext uri="{BB962C8B-B14F-4D97-AF65-F5344CB8AC3E}">
-        <p14:creationId xmlns:p14="http://schemas.microsoft.com/office/powerpoint/2010/main" val="3469160818"/>
+        <p14:creationId xmlns:p14="http://schemas.microsoft.com/office/powerpoint/2010/main" val="2020620901"/>
       </p:ext>
     </p:extLst>
   </p:cSld>
@@ -5488,62 +8565,111 @@
       </p:grpSpPr>
       <p:sp>
         <p:nvSpPr>
-          <p:cNvPr id="2" name="Title 1">
+          <p:cNvPr id="4" name="Title 1">
             <a:extLst>
               <a:ext uri="{FF2B5EF4-FFF2-40B4-BE49-F238E27FC236}">
-                <a16:creationId xmlns:a16="http://schemas.microsoft.com/office/drawing/2014/main" id="{23A7D91D-0100-4FA5-B18F-69646BFA40D5}"/>
+                <a16:creationId xmlns:a16="http://schemas.microsoft.com/office/drawing/2014/main" id="{4705DA3B-1A31-4D10-AAA4-C520D26A1B6C}"/>
               </a:ext>
             </a:extLst>
           </p:cNvPr>
-          <p:cNvSpPr>
-            <a:spLocks noGrp="1"/>
-          </p:cNvSpPr>
-          <p:nvPr>
-            <p:ph type="title"/>
-          </p:nvPr>
-        </p:nvSpPr>
-        <p:spPr/>
-        <p:txBody>
-          <a:bodyPr/>
-          <a:lstStyle/>
-          <a:p>
-            <a:r>
-              <a:rPr lang="en-US" dirty="0"/>
-              <a:t>Violent crime throughout the week</a:t>
-            </a:r>
-            <a:endParaRPr lang="da-DK" dirty="0"/>
-          </a:p>
-        </p:txBody>
-      </p:sp>
-      <p:sp>
-        <p:nvSpPr>
-          <p:cNvPr id="3" name="Content Placeholder 2">
+          <p:cNvSpPr txBox="1">
+            <a:spLocks/>
+          </p:cNvSpPr>
+          <p:nvPr/>
+        </p:nvSpPr>
+        <p:spPr>
+          <a:xfrm>
+            <a:off x="838200" y="131445"/>
+            <a:ext cx="10515600" cy="835317"/>
+          </a:xfrm>
+          <a:prstGeom prst="rect">
+            <a:avLst/>
+          </a:prstGeom>
+        </p:spPr>
+        <p:txBody>
+          <a:bodyPr vert="horz" lIns="91440" tIns="45720" rIns="91440" bIns="45720" rtlCol="0" anchor="ctr">
+            <a:normAutofit/>
+          </a:bodyPr>
+          <a:lstStyle>
+            <a:lvl1pPr algn="l" defTabSz="914400" rtl="0" eaLnBrk="1" latinLnBrk="0" hangingPunct="1">
+              <a:lnSpc>
+                <a:spcPct val="90000"/>
+              </a:lnSpc>
+              <a:spcBef>
+                <a:spcPct val="0"/>
+              </a:spcBef>
+              <a:buNone/>
+              <a:defRPr sz="4400" kern="1200">
+                <a:solidFill>
+                  <a:schemeClr val="tx1"/>
+                </a:solidFill>
+                <a:latin typeface="+mj-lt"/>
+                <a:ea typeface="+mj-ea"/>
+                <a:cs typeface="+mj-cs"/>
+              </a:defRPr>
+            </a:lvl1pPr>
+          </a:lstStyle>
+          <a:p>
+            <a:r>
+              <a:rPr lang="en-US" sz="3600" dirty="0" err="1"/>
+              <a:t>Kriminalitet</a:t>
+            </a:r>
+            <a:r>
+              <a:rPr lang="en-US" sz="3600" dirty="0"/>
+              <a:t> over </a:t>
+            </a:r>
+            <a:r>
+              <a:rPr lang="en-US" sz="3600" dirty="0" err="1"/>
+              <a:t>tid</a:t>
+            </a:r>
+            <a:r>
+              <a:rPr lang="en-US" sz="3600" dirty="0"/>
+              <a:t> I</a:t>
+            </a:r>
+            <a:endParaRPr lang="da-DK" sz="3600" dirty="0"/>
+          </a:p>
+        </p:txBody>
+      </p:sp>
+      <p:pic>
+        <p:nvPicPr>
+          <p:cNvPr id="11" name="Picture 10" descr="Chart&#10;&#10;Description automatically generated">
             <a:extLst>
               <a:ext uri="{FF2B5EF4-FFF2-40B4-BE49-F238E27FC236}">
-                <a16:creationId xmlns:a16="http://schemas.microsoft.com/office/drawing/2014/main" id="{830B8FD4-F17B-414A-A911-DA017211943E}"/>
+                <a16:creationId xmlns:a16="http://schemas.microsoft.com/office/drawing/2014/main" id="{09EF6AE3-995B-42A1-9EB6-B81CADD93B1B}"/>
               </a:ext>
             </a:extLst>
           </p:cNvPr>
-          <p:cNvSpPr>
-            <a:spLocks noGrp="1"/>
-          </p:cNvSpPr>
-          <p:nvPr>
-            <p:ph idx="1"/>
-          </p:nvPr>
-        </p:nvSpPr>
-        <p:spPr/>
-        <p:txBody>
-          <a:bodyPr/>
-          <a:lstStyle/>
-          <a:p>
-            <a:endParaRPr lang="da-DK"/>
-          </a:p>
-        </p:txBody>
-      </p:sp>
+          <p:cNvPicPr>
+            <a:picLocks noChangeAspect="1"/>
+          </p:cNvPicPr>
+          <p:nvPr/>
+        </p:nvPicPr>
+        <p:blipFill>
+          <a:blip r:embed="rId3">
+            <a:extLst>
+              <a:ext uri="{28A0092B-C50C-407E-A947-70E740481C1C}">
+                <a14:useLocalDpi xmlns:a14="http://schemas.microsoft.com/office/drawing/2010/main" val="0"/>
+              </a:ext>
+            </a:extLst>
+          </a:blip>
+          <a:stretch>
+            <a:fillRect/>
+          </a:stretch>
+        </p:blipFill>
+        <p:spPr>
+          <a:xfrm>
+            <a:off x="438857" y="966762"/>
+            <a:ext cx="11314285" cy="4838095"/>
+          </a:xfrm>
+          <a:prstGeom prst="rect">
+            <a:avLst/>
+          </a:prstGeom>
+        </p:spPr>
+      </p:pic>
     </p:spTree>
     <p:extLst>
       <p:ext uri="{BB962C8B-B14F-4D97-AF65-F5344CB8AC3E}">
-        <p14:creationId xmlns:p14="http://schemas.microsoft.com/office/powerpoint/2010/main" val="2457658247"/>
+        <p14:creationId xmlns:p14="http://schemas.microsoft.com/office/powerpoint/2010/main" val="3469160818"/>
       </p:ext>
     </p:extLst>
   </p:cSld>
@@ -5572,131 +8698,111 @@
       </p:grpSpPr>
       <p:sp>
         <p:nvSpPr>
-          <p:cNvPr id="2" name="Title 1">
+          <p:cNvPr id="4" name="Title 1">
             <a:extLst>
               <a:ext uri="{FF2B5EF4-FFF2-40B4-BE49-F238E27FC236}">
-                <a16:creationId xmlns:a16="http://schemas.microsoft.com/office/drawing/2014/main" id="{F00171DC-847A-4CCE-9437-4C40B04F9C1C}"/>
+                <a16:creationId xmlns:a16="http://schemas.microsoft.com/office/drawing/2014/main" id="{4705DA3B-1A31-4D10-AAA4-C520D26A1B6C}"/>
               </a:ext>
             </a:extLst>
           </p:cNvPr>
-          <p:cNvSpPr>
-            <a:spLocks noGrp="1"/>
-          </p:cNvSpPr>
-          <p:nvPr>
-            <p:ph type="title"/>
-          </p:nvPr>
-        </p:nvSpPr>
-        <p:spPr/>
-        <p:txBody>
-          <a:bodyPr/>
-          <a:lstStyle/>
-          <a:p>
-            <a:r>
-              <a:rPr lang="en-US" dirty="0"/>
-              <a:t>Modelling risk of violent crime</a:t>
-            </a:r>
-            <a:endParaRPr lang="da-DK" dirty="0"/>
-          </a:p>
-        </p:txBody>
-      </p:sp>
-      <p:sp>
-        <p:nvSpPr>
-          <p:cNvPr id="3" name="Content Placeholder 2">
+          <p:cNvSpPr txBox="1">
+            <a:spLocks/>
+          </p:cNvSpPr>
+          <p:nvPr/>
+        </p:nvSpPr>
+        <p:spPr>
+          <a:xfrm>
+            <a:off x="838200" y="131445"/>
+            <a:ext cx="10515600" cy="835317"/>
+          </a:xfrm>
+          <a:prstGeom prst="rect">
+            <a:avLst/>
+          </a:prstGeom>
+        </p:spPr>
+        <p:txBody>
+          <a:bodyPr vert="horz" lIns="91440" tIns="45720" rIns="91440" bIns="45720" rtlCol="0" anchor="ctr">
+            <a:normAutofit/>
+          </a:bodyPr>
+          <a:lstStyle>
+            <a:lvl1pPr algn="l" defTabSz="914400" rtl="0" eaLnBrk="1" latinLnBrk="0" hangingPunct="1">
+              <a:lnSpc>
+                <a:spcPct val="90000"/>
+              </a:lnSpc>
+              <a:spcBef>
+                <a:spcPct val="0"/>
+              </a:spcBef>
+              <a:buNone/>
+              <a:defRPr sz="4400" kern="1200">
+                <a:solidFill>
+                  <a:schemeClr val="tx1"/>
+                </a:solidFill>
+                <a:latin typeface="+mj-lt"/>
+                <a:ea typeface="+mj-ea"/>
+                <a:cs typeface="+mj-cs"/>
+              </a:defRPr>
+            </a:lvl1pPr>
+          </a:lstStyle>
+          <a:p>
+            <a:r>
+              <a:rPr lang="en-US" sz="3600" dirty="0" err="1"/>
+              <a:t>Kriminalitet</a:t>
+            </a:r>
+            <a:r>
+              <a:rPr lang="en-US" sz="3600" dirty="0"/>
+              <a:t> over </a:t>
+            </a:r>
+            <a:r>
+              <a:rPr lang="en-US" sz="3600" dirty="0" err="1"/>
+              <a:t>tid</a:t>
+            </a:r>
+            <a:r>
+              <a:rPr lang="en-US" sz="3600" dirty="0"/>
+              <a:t> II</a:t>
+            </a:r>
+            <a:endParaRPr lang="da-DK" sz="3600" dirty="0"/>
+          </a:p>
+        </p:txBody>
+      </p:sp>
+      <p:pic>
+        <p:nvPicPr>
+          <p:cNvPr id="3" name="Picture 2" descr="Chart&#10;&#10;Description automatically generated">
             <a:extLst>
               <a:ext uri="{FF2B5EF4-FFF2-40B4-BE49-F238E27FC236}">
-                <a16:creationId xmlns:a16="http://schemas.microsoft.com/office/drawing/2014/main" id="{66F45341-0D58-4A32-8FD3-4E83962E4C94}"/>
+                <a16:creationId xmlns:a16="http://schemas.microsoft.com/office/drawing/2014/main" id="{E76FD957-5A0D-4CD9-ADDC-5B9E50B634ED}"/>
               </a:ext>
             </a:extLst>
           </p:cNvPr>
-          <p:cNvSpPr>
-            <a:spLocks noGrp="1"/>
-          </p:cNvSpPr>
-          <p:nvPr>
-            <p:ph idx="1"/>
-          </p:nvPr>
-        </p:nvSpPr>
+          <p:cNvPicPr>
+            <a:picLocks noChangeAspect="1"/>
+          </p:cNvPicPr>
+          <p:nvPr/>
+        </p:nvPicPr>
+        <p:blipFill>
+          <a:blip r:embed="rId3">
+            <a:extLst>
+              <a:ext uri="{28A0092B-C50C-407E-A947-70E740481C1C}">
+                <a14:useLocalDpi xmlns:a14="http://schemas.microsoft.com/office/drawing/2010/main" val="0"/>
+              </a:ext>
+            </a:extLst>
+          </a:blip>
+          <a:stretch>
+            <a:fillRect/>
+          </a:stretch>
+        </p:blipFill>
         <p:spPr>
           <a:xfrm>
-            <a:off x="838200" y="1449705"/>
-            <a:ext cx="10515600" cy="4351338"/>
+            <a:off x="438857" y="966762"/>
+            <a:ext cx="11314285" cy="4838095"/>
           </a:xfrm>
+          <a:prstGeom prst="rect">
+            <a:avLst/>
+          </a:prstGeom>
         </p:spPr>
-        <p:txBody>
-          <a:bodyPr/>
-          <a:lstStyle/>
-          <a:p>
-            <a:pPr marL="0" indent="0">
-              <a:buNone/>
-            </a:pPr>
-            <a:r>
-              <a:rPr lang="en-US" dirty="0"/>
-              <a:t>Assumptions</a:t>
-            </a:r>
-          </a:p>
-          <a:p>
-            <a:pPr lvl="1"/>
-            <a:r>
-              <a:rPr lang="en-US" dirty="0"/>
-              <a:t>Police officers need to be more alert when handling violent crime </a:t>
-            </a:r>
-          </a:p>
-          <a:p>
-            <a:pPr lvl="1"/>
-            <a:r>
-              <a:rPr lang="en-US" dirty="0"/>
-              <a:t>The three districts have an interest in allocating their resources to better handle violent crime </a:t>
-            </a:r>
-          </a:p>
-          <a:p>
-            <a:pPr lvl="1"/>
-            <a:r>
-              <a:rPr lang="en-US" dirty="0"/>
-              <a:t>Violent crime is important to handle because people are afraid of violence </a:t>
-            </a:r>
-          </a:p>
-          <a:p>
-            <a:pPr marL="457200" lvl="1" indent="0">
-              <a:buNone/>
-            </a:pPr>
-            <a:endParaRPr lang="en-US" dirty="0"/>
-          </a:p>
-          <a:p>
-            <a:pPr marL="457200" lvl="1" indent="0">
-              <a:buNone/>
-            </a:pPr>
-            <a:r>
-              <a:rPr lang="en-US" dirty="0"/>
-              <a:t>Knowing something about the risk of violent crime can help to</a:t>
-            </a:r>
-          </a:p>
-          <a:p>
-            <a:pPr lvl="2"/>
-            <a:r>
-              <a:rPr lang="en-US" dirty="0"/>
-              <a:t>Allocate more officers to deal with potentially violent situations</a:t>
-            </a:r>
-          </a:p>
-          <a:p>
-            <a:pPr lvl="2"/>
-            <a:r>
-              <a:rPr lang="en-US" dirty="0"/>
-              <a:t>Better prepare the officers for the situation they are about to handle</a:t>
-            </a:r>
-          </a:p>
-          <a:p>
-            <a:pPr lvl="2"/>
-            <a:endParaRPr lang="en-US" dirty="0"/>
-          </a:p>
-          <a:p>
-            <a:pPr lvl="2"/>
-            <a:endParaRPr lang="en-US" dirty="0"/>
-          </a:p>
-        </p:txBody>
-      </p:sp>
+      </p:pic>
     </p:spTree>
     <p:extLst>
       <p:ext uri="{BB962C8B-B14F-4D97-AF65-F5344CB8AC3E}">
-        <p14:creationId xmlns:p14="http://schemas.microsoft.com/office/powerpoint/2010/main" val="2881719577"/>
+        <p14:creationId xmlns:p14="http://schemas.microsoft.com/office/powerpoint/2010/main" val="2478498871"/>
       </p:ext>
     </p:extLst>
   </p:cSld>
@@ -5725,313 +8831,111 @@
       </p:grpSpPr>
       <p:sp>
         <p:nvSpPr>
-          <p:cNvPr id="2" name="Title 1">
+          <p:cNvPr id="4" name="Title 1">
             <a:extLst>
               <a:ext uri="{FF2B5EF4-FFF2-40B4-BE49-F238E27FC236}">
-                <a16:creationId xmlns:a16="http://schemas.microsoft.com/office/drawing/2014/main" id="{DC1AF757-3C71-4A59-9F07-A5628AFC59FE}"/>
+                <a16:creationId xmlns:a16="http://schemas.microsoft.com/office/drawing/2014/main" id="{4705DA3B-1A31-4D10-AAA4-C520D26A1B6C}"/>
               </a:ext>
             </a:extLst>
           </p:cNvPr>
-          <p:cNvSpPr>
-            <a:spLocks noGrp="1"/>
-          </p:cNvSpPr>
-          <p:nvPr>
-            <p:ph type="title"/>
-          </p:nvPr>
-        </p:nvSpPr>
-        <p:spPr/>
-        <p:txBody>
-          <a:bodyPr/>
-          <a:lstStyle/>
-          <a:p>
-            <a:r>
-              <a:rPr lang="en-US" dirty="0"/>
-              <a:t>Logistic Regression</a:t>
-            </a:r>
-            <a:endParaRPr lang="da-DK" dirty="0"/>
-          </a:p>
-        </p:txBody>
-      </p:sp>
-      <mc:AlternateContent xmlns:mc="http://schemas.openxmlformats.org/markup-compatibility/2006">
-        <mc:Choice xmlns:a14="http://schemas.microsoft.com/office/drawing/2010/main" Requires="a14">
-          <p:sp>
-            <p:nvSpPr>
-              <p:cNvPr id="3" name="Content Placeholder 2">
-                <a:extLst>
-                  <a:ext uri="{FF2B5EF4-FFF2-40B4-BE49-F238E27FC236}">
-                    <a16:creationId xmlns:a16="http://schemas.microsoft.com/office/drawing/2014/main" id="{FC4A4324-6023-4349-8A77-FD50F53395BF}"/>
-                  </a:ext>
-                </a:extLst>
-              </p:cNvPr>
-              <p:cNvSpPr>
-                <a:spLocks noGrp="1"/>
-              </p:cNvSpPr>
-              <p:nvPr>
-                <p:ph idx="1"/>
-              </p:nvPr>
-            </p:nvSpPr>
-            <p:spPr>
-              <a:xfrm>
-                <a:off x="838200" y="1690688"/>
-                <a:ext cx="10515600" cy="4351338"/>
-              </a:xfrm>
-            </p:spPr>
-            <p:txBody>
-              <a:bodyPr/>
-              <a:lstStyle/>
-              <a:p>
-                <a:r>
-                  <a:rPr lang="en-US" dirty="0"/>
-                  <a:t>Modelling the probability of a crime being violent</a:t>
-                </a:r>
-              </a:p>
-              <a:p>
-                <a:r>
-                  <a:rPr lang="en-US" dirty="0"/>
-                  <a:t>The probability that crime </a:t>
-                </a:r>
-                <a:r>
-                  <a:rPr lang="en-US" dirty="0" err="1">
-                    <a:latin typeface="Vijaya" panose="020B0502040204020203" pitchFamily="18" charset="0"/>
-                    <a:ea typeface="DejaVu Serif" panose="02060603050605020204" pitchFamily="18" charset="0"/>
-                    <a:cs typeface="Vijaya" panose="020B0502040204020203" pitchFamily="18" charset="0"/>
-                  </a:rPr>
-                  <a:t>i</a:t>
-                </a:r>
-                <a:r>
-                  <a:rPr lang="en-US" dirty="0"/>
-                  <a:t> is violent is modeled as Bernoulli distributed with probability</a:t>
-                </a:r>
-                <a:br>
-                  <a:rPr lang="en-US" dirty="0"/>
-                </a:br>
-                <a:endParaRPr lang="en-US" dirty="0"/>
-              </a:p>
-              <a:p>
-                <a:pPr marL="0" indent="0">
-                  <a:buNone/>
-                </a:pPr>
-                <a14:m>
-                  <m:oMathPara xmlns:m="http://schemas.openxmlformats.org/officeDocument/2006/math">
-                    <m:oMathParaPr>
-                      <m:jc m:val="centerGroup"/>
-                    </m:oMathParaPr>
-                    <m:oMath xmlns:m="http://schemas.openxmlformats.org/officeDocument/2006/math">
-                      <m:sSub>
-                        <m:sSubPr>
-                          <m:ctrlPr>
-                            <a:rPr lang="en-US" b="0" i="1" smtClean="0">
-                              <a:latin typeface="Cambria Math" panose="02040503050406030204" pitchFamily="18" charset="0"/>
-                            </a:rPr>
-                          </m:ctrlPr>
-                        </m:sSubPr>
-                        <m:e>
-                          <m:r>
-                            <a:rPr lang="en-US" b="0" i="1" smtClean="0">
-                              <a:latin typeface="Cambria Math" panose="02040503050406030204" pitchFamily="18" charset="0"/>
-                            </a:rPr>
-                            <m:t>𝑝</m:t>
-                          </m:r>
-                        </m:e>
-                        <m:sub>
-                          <m:r>
-                            <a:rPr lang="en-US" b="0" i="1" smtClean="0">
-                              <a:latin typeface="Cambria Math" panose="02040503050406030204" pitchFamily="18" charset="0"/>
-                            </a:rPr>
-                            <m:t>𝑖</m:t>
-                          </m:r>
-                        </m:sub>
-                      </m:sSub>
-                      <m:r>
-                        <a:rPr lang="en-US" b="0" i="1" smtClean="0">
-                          <a:latin typeface="Cambria Math" panose="02040503050406030204" pitchFamily="18" charset="0"/>
-                        </a:rPr>
-                        <m:t>=</m:t>
-                      </m:r>
-                      <m:r>
-                        <a:rPr lang="en-US" b="0" i="1" smtClean="0">
-                          <a:latin typeface="Cambria Math" panose="02040503050406030204" pitchFamily="18" charset="0"/>
-                        </a:rPr>
-                        <m:t>𝑃</m:t>
-                      </m:r>
-                      <m:d>
-                        <m:dPr>
-                          <m:endChr m:val="|"/>
-                          <m:ctrlPr>
-                            <a:rPr lang="en-US" b="0" i="1" smtClean="0">
-                              <a:latin typeface="Cambria Math" panose="02040503050406030204" pitchFamily="18" charset="0"/>
-                            </a:rPr>
-                          </m:ctrlPr>
-                        </m:dPr>
-                        <m:e>
-                          <m:r>
-                            <a:rPr lang="en-US" b="0" i="1" smtClean="0">
-                              <a:latin typeface="Cambria Math" panose="02040503050406030204" pitchFamily="18" charset="0"/>
-                            </a:rPr>
-                            <m:t>𝑌</m:t>
-                          </m:r>
-                          <m:r>
-                            <a:rPr lang="en-US" b="0" i="1" smtClean="0">
-                              <a:latin typeface="Cambria Math" panose="02040503050406030204" pitchFamily="18" charset="0"/>
-                            </a:rPr>
-                            <m:t>=1 </m:t>
-                          </m:r>
-                        </m:e>
-                      </m:d>
-                      <m:r>
-                        <a:rPr lang="en-US" b="0" i="1" smtClean="0">
-                          <a:latin typeface="Cambria Math" panose="02040503050406030204" pitchFamily="18" charset="0"/>
-                        </a:rPr>
-                        <m:t> </m:t>
-                      </m:r>
-                      <m:r>
-                        <a:rPr lang="en-US" b="0" i="1" smtClean="0">
-                          <a:latin typeface="Cambria Math" panose="02040503050406030204" pitchFamily="18" charset="0"/>
-                        </a:rPr>
-                        <m:t>𝑋</m:t>
-                      </m:r>
-                      <m:r>
-                        <a:rPr lang="en-US" b="0" i="1" smtClean="0">
-                          <a:latin typeface="Cambria Math" panose="02040503050406030204" pitchFamily="18" charset="0"/>
-                        </a:rPr>
-                        <m:t>=</m:t>
-                      </m:r>
-                      <m:sSub>
-                        <m:sSubPr>
-                          <m:ctrlPr>
-                            <a:rPr lang="en-US" b="0" i="1" smtClean="0">
-                              <a:latin typeface="Cambria Math" panose="02040503050406030204" pitchFamily="18" charset="0"/>
-                            </a:rPr>
-                          </m:ctrlPr>
-                        </m:sSubPr>
-                        <m:e>
-                          <m:r>
-                            <a:rPr lang="en-US" b="0" i="1" smtClean="0">
-                              <a:latin typeface="Cambria Math" panose="02040503050406030204" pitchFamily="18" charset="0"/>
-                            </a:rPr>
-                            <m:t>𝑥</m:t>
-                          </m:r>
-                        </m:e>
-                        <m:sub>
-                          <m:r>
-                            <a:rPr lang="en-US" b="0" i="1" smtClean="0">
-                              <a:latin typeface="Cambria Math" panose="02040503050406030204" pitchFamily="18" charset="0"/>
-                            </a:rPr>
-                            <m:t>𝑖</m:t>
-                          </m:r>
-                        </m:sub>
-                      </m:sSub>
-                      <m:r>
-                        <a:rPr lang="en-US" b="0" i="1" smtClean="0">
-                          <a:latin typeface="Cambria Math" panose="02040503050406030204" pitchFamily="18" charset="0"/>
-                        </a:rPr>
-                        <m:t>)</m:t>
-                      </m:r>
-                    </m:oMath>
-                  </m:oMathPara>
-                </a14:m>
-                <a:endParaRPr lang="en-US" dirty="0"/>
-              </a:p>
-              <a:p>
-                <a:endParaRPr lang="da-DK" dirty="0"/>
-              </a:p>
-              <a:p>
-                <a:r>
-                  <a:rPr lang="da-DK" dirty="0"/>
-                  <a:t>It is </a:t>
-                </a:r>
-                <a:r>
-                  <a:rPr lang="da-DK" dirty="0" err="1"/>
-                  <a:t>reasonable</a:t>
-                </a:r>
-                <a:r>
-                  <a:rPr lang="da-DK" dirty="0"/>
-                  <a:t> to </a:t>
-                </a:r>
-                <a:r>
-                  <a:rPr lang="da-DK" dirty="0" err="1"/>
-                  <a:t>think</a:t>
-                </a:r>
-                <a:r>
-                  <a:rPr lang="da-DK" dirty="0"/>
-                  <a:t> </a:t>
-                </a:r>
-                <a:r>
-                  <a:rPr lang="da-DK" dirty="0" err="1"/>
-                  <a:t>about</a:t>
-                </a:r>
-                <a:r>
-                  <a:rPr lang="da-DK" dirty="0"/>
-                  <a:t> </a:t>
-                </a:r>
-                <a:r>
-                  <a:rPr lang="da-DK" dirty="0" err="1"/>
-                  <a:t>each</a:t>
-                </a:r>
-                <a:r>
-                  <a:rPr lang="da-DK" dirty="0"/>
-                  <a:t> </a:t>
-                </a:r>
-                <a:r>
-                  <a:rPr lang="da-DK" dirty="0" err="1"/>
-                  <a:t>crime</a:t>
-                </a:r>
-                <a:r>
-                  <a:rPr lang="da-DK" dirty="0"/>
-                  <a:t> as an independent event </a:t>
-                </a:r>
-              </a:p>
-            </p:txBody>
-          </p:sp>
-        </mc:Choice>
-        <mc:Fallback>
-          <p:sp>
-            <p:nvSpPr>
-              <p:cNvPr id="3" name="Content Placeholder 2">
-                <a:extLst>
-                  <a:ext uri="{FF2B5EF4-FFF2-40B4-BE49-F238E27FC236}">
-                    <a16:creationId xmlns:a16="http://schemas.microsoft.com/office/drawing/2014/main" id="{FC4A4324-6023-4349-8A77-FD50F53395BF}"/>
-                  </a:ext>
-                </a:extLst>
-              </p:cNvPr>
-              <p:cNvSpPr>
-                <a:spLocks noGrp="1" noRot="1" noChangeAspect="1" noMove="1" noResize="1" noEditPoints="1" noAdjustHandles="1" noChangeArrowheads="1" noChangeShapeType="1" noTextEdit="1"/>
-              </p:cNvSpPr>
-              <p:nvPr>
-                <p:ph idx="1"/>
-              </p:nvPr>
-            </p:nvSpPr>
-            <p:spPr>
-              <a:xfrm>
-                <a:off x="838200" y="1690688"/>
-                <a:ext cx="10515600" cy="4351338"/>
-              </a:xfrm>
-              <a:blipFill>
-                <a:blip r:embed="rId3"/>
-                <a:stretch>
-                  <a:fillRect l="-1043" t="-2241"/>
-                </a:stretch>
-              </a:blipFill>
-            </p:spPr>
-            <p:txBody>
-              <a:bodyPr/>
-              <a:lstStyle/>
-              <a:p>
-                <a:r>
-                  <a:rPr lang="da-DK">
-                    <a:noFill/>
-                  </a:rPr>
-                  <a:t> </a:t>
-                </a:r>
-              </a:p>
-            </p:txBody>
-          </p:sp>
-        </mc:Fallback>
-      </mc:AlternateContent>
+          <p:cNvSpPr txBox="1">
+            <a:spLocks/>
+          </p:cNvSpPr>
+          <p:nvPr/>
+        </p:nvSpPr>
+        <p:spPr>
+          <a:xfrm>
+            <a:off x="838200" y="131445"/>
+            <a:ext cx="10515600" cy="835317"/>
+          </a:xfrm>
+          <a:prstGeom prst="rect">
+            <a:avLst/>
+          </a:prstGeom>
+        </p:spPr>
+        <p:txBody>
+          <a:bodyPr vert="horz" lIns="91440" tIns="45720" rIns="91440" bIns="45720" rtlCol="0" anchor="ctr">
+            <a:normAutofit/>
+          </a:bodyPr>
+          <a:lstStyle>
+            <a:lvl1pPr algn="l" defTabSz="914400" rtl="0" eaLnBrk="1" latinLnBrk="0" hangingPunct="1">
+              <a:lnSpc>
+                <a:spcPct val="90000"/>
+              </a:lnSpc>
+              <a:spcBef>
+                <a:spcPct val="0"/>
+              </a:spcBef>
+              <a:buNone/>
+              <a:defRPr sz="4400" kern="1200">
+                <a:solidFill>
+                  <a:schemeClr val="tx1"/>
+                </a:solidFill>
+                <a:latin typeface="+mj-lt"/>
+                <a:ea typeface="+mj-ea"/>
+                <a:cs typeface="+mj-cs"/>
+              </a:defRPr>
+            </a:lvl1pPr>
+          </a:lstStyle>
+          <a:p>
+            <a:r>
+              <a:rPr lang="en-US" sz="3600" dirty="0" err="1"/>
+              <a:t>Kriminalitet</a:t>
+            </a:r>
+            <a:r>
+              <a:rPr lang="en-US" sz="3600" dirty="0"/>
+              <a:t> over </a:t>
+            </a:r>
+            <a:r>
+              <a:rPr lang="en-US" sz="3600" dirty="0" err="1"/>
+              <a:t>tid</a:t>
+            </a:r>
+            <a:r>
+              <a:rPr lang="en-US" sz="3600" dirty="0"/>
+              <a:t> III</a:t>
+            </a:r>
+            <a:endParaRPr lang="da-DK" sz="3600" dirty="0"/>
+          </a:p>
+        </p:txBody>
+      </p:sp>
+      <p:pic>
+        <p:nvPicPr>
+          <p:cNvPr id="5" name="Picture 4" descr="Chart, background pattern&#10;&#10;Description automatically generated">
+            <a:extLst>
+              <a:ext uri="{FF2B5EF4-FFF2-40B4-BE49-F238E27FC236}">
+                <a16:creationId xmlns:a16="http://schemas.microsoft.com/office/drawing/2014/main" id="{926E543D-6261-4F03-A437-3F087BED0DB0}"/>
+              </a:ext>
+            </a:extLst>
+          </p:cNvPr>
+          <p:cNvPicPr>
+            <a:picLocks noChangeAspect="1"/>
+          </p:cNvPicPr>
+          <p:nvPr/>
+        </p:nvPicPr>
+        <p:blipFill>
+          <a:blip r:embed="rId3">
+            <a:extLst>
+              <a:ext uri="{28A0092B-C50C-407E-A947-70E740481C1C}">
+                <a14:useLocalDpi xmlns:a14="http://schemas.microsoft.com/office/drawing/2010/main" val="0"/>
+              </a:ext>
+            </a:extLst>
+          </a:blip>
+          <a:stretch>
+            <a:fillRect/>
+          </a:stretch>
+        </p:blipFill>
+        <p:spPr>
+          <a:xfrm>
+            <a:off x="476952" y="1009952"/>
+            <a:ext cx="11238095" cy="4838095"/>
+          </a:xfrm>
+          <a:prstGeom prst="rect">
+            <a:avLst/>
+          </a:prstGeom>
+        </p:spPr>
+      </p:pic>
     </p:spTree>
     <p:extLst>
       <p:ext uri="{BB962C8B-B14F-4D97-AF65-F5344CB8AC3E}">
-        <p14:creationId xmlns:p14="http://schemas.microsoft.com/office/powerpoint/2010/main" val="2465198552"/>
+        <p14:creationId xmlns:p14="http://schemas.microsoft.com/office/powerpoint/2010/main" val="3866163405"/>
       </p:ext>
     </p:extLst>
   </p:cSld>
@@ -6063,7 +8967,7 @@
           <p:cNvPr id="2" name="Title 1">
             <a:extLst>
               <a:ext uri="{FF2B5EF4-FFF2-40B4-BE49-F238E27FC236}">
-                <a16:creationId xmlns:a16="http://schemas.microsoft.com/office/drawing/2014/main" id="{3F072121-63F6-49AA-8AC5-419A2951C9A0}"/>
+                <a16:creationId xmlns:a16="http://schemas.microsoft.com/office/drawing/2014/main" id="{23A7D91D-0100-4FA5-B18F-69646BFA40D5}"/>
               </a:ext>
             </a:extLst>
           </p:cNvPr>
@@ -6080,370 +8984,855 @@
           <a:lstStyle/>
           <a:p>
             <a:r>
+              <a:rPr lang="en-US" dirty="0" err="1"/>
+              <a:t>Voldelig</a:t>
+            </a:r>
+            <a:r>
               <a:rPr lang="en-US" dirty="0"/>
-              <a:t>Neural Network	</a:t>
+              <a:t> </a:t>
+            </a:r>
+            <a:r>
+              <a:rPr lang="en-US" dirty="0" err="1"/>
+              <a:t>kriminalitet</a:t>
+            </a:r>
+            <a:r>
+              <a:rPr lang="en-US" dirty="0"/>
+              <a:t> </a:t>
+            </a:r>
+            <a:r>
+              <a:rPr lang="en-US" dirty="0" err="1"/>
+              <a:t>fordelt</a:t>
+            </a:r>
+            <a:r>
+              <a:rPr lang="en-US" dirty="0"/>
+              <a:t> </a:t>
+            </a:r>
+            <a:r>
+              <a:rPr lang="en-US" dirty="0" err="1"/>
+              <a:t>på</a:t>
+            </a:r>
+            <a:r>
+              <a:rPr lang="en-US" dirty="0"/>
+              <a:t> timer </a:t>
+            </a:r>
+            <a:r>
+              <a:rPr lang="en-US" dirty="0" err="1"/>
+              <a:t>og</a:t>
+            </a:r>
+            <a:r>
+              <a:rPr lang="en-US" dirty="0"/>
+              <a:t> </a:t>
+            </a:r>
+            <a:r>
+              <a:rPr lang="en-US" dirty="0" err="1"/>
+              <a:t>uger</a:t>
             </a:r>
             <a:endParaRPr lang="da-DK" dirty="0"/>
           </a:p>
         </p:txBody>
       </p:sp>
-      <p:graphicFrame>
-        <p:nvGraphicFramePr>
-          <p:cNvPr id="4" name="Table 4">
+      <p:pic>
+        <p:nvPicPr>
+          <p:cNvPr id="5" name="Picture 4">
             <a:extLst>
               <a:ext uri="{FF2B5EF4-FFF2-40B4-BE49-F238E27FC236}">
-                <a16:creationId xmlns:a16="http://schemas.microsoft.com/office/drawing/2014/main" id="{166E8A86-A07D-4F95-BF14-39F945B7C867}"/>
+                <a16:creationId xmlns:a16="http://schemas.microsoft.com/office/drawing/2014/main" id="{69AF4209-AAC2-4B24-BE58-E7228B124C8C}"/>
               </a:ext>
             </a:extLst>
           </p:cNvPr>
-          <p:cNvGraphicFramePr>
-            <a:graphicFrameLocks noGrp="1"/>
-          </p:cNvGraphicFramePr>
-          <p:nvPr>
-            <p:ph idx="1"/>
-            <p:extLst>
-              <p:ext uri="{D42A27DB-BD31-4B8C-83A1-F6EECF244321}">
-                <p14:modId xmlns:p14="http://schemas.microsoft.com/office/powerpoint/2010/main" val="2761304118"/>
-              </p:ext>
-            </p:extLst>
-          </p:nvPr>
-        </p:nvGraphicFramePr>
-        <p:xfrm>
-          <a:off x="5547360" y="1510664"/>
-          <a:ext cx="5806440" cy="2106294"/>
-        </p:xfrm>
-        <a:graphic>
-          <a:graphicData uri="http://schemas.openxmlformats.org/drawingml/2006/table">
-            <a:tbl>
-              <a:tblPr firstRow="1" bandRow="1">
-                <a:tableStyleId>{5C22544A-7EE6-4342-B048-85BDC9FD1C3A}</a:tableStyleId>
-              </a:tblPr>
-              <a:tblGrid>
-                <a:gridCol w="2903220">
-                  <a:extLst>
-                    <a:ext uri="{9D8B030D-6E8A-4147-A177-3AD203B41FA5}">
-                      <a16:colId xmlns:a16="http://schemas.microsoft.com/office/drawing/2014/main" val="754169432"/>
-                    </a:ext>
-                  </a:extLst>
-                </a:gridCol>
-                <a:gridCol w="2903220">
-                  <a:extLst>
-                    <a:ext uri="{9D8B030D-6E8A-4147-A177-3AD203B41FA5}">
-                      <a16:colId xmlns:a16="http://schemas.microsoft.com/office/drawing/2014/main" val="2408636989"/>
-                    </a:ext>
-                  </a:extLst>
-                </a:gridCol>
-              </a:tblGrid>
-              <a:tr h="416630">
-                <a:tc>
-                  <a:txBody>
-                    <a:bodyPr/>
-                    <a:lstStyle/>
-                    <a:p>
-                      <a:r>
-                        <a:rPr lang="en-US" dirty="0"/>
-                        <a:t>Parameter</a:t>
-                      </a:r>
-                      <a:endParaRPr lang="da-DK" dirty="0"/>
-                    </a:p>
-                  </a:txBody>
-                  <a:tcPr/>
-                </a:tc>
-                <a:tc>
-                  <a:txBody>
-                    <a:bodyPr/>
-                    <a:lstStyle/>
-                    <a:p>
-                      <a:r>
-                        <a:rPr lang="en-US" dirty="0"/>
-                        <a:t>Domain</a:t>
-                      </a:r>
-                      <a:endParaRPr lang="da-DK" dirty="0"/>
-                    </a:p>
-                  </a:txBody>
-                  <a:tcPr/>
-                </a:tc>
-                <a:extLst>
-                  <a:ext uri="{0D108BD9-81ED-4DB2-BD59-A6C34878D82A}">
-                    <a16:rowId xmlns:a16="http://schemas.microsoft.com/office/drawing/2014/main" val="3709597310"/>
-                  </a:ext>
-                </a:extLst>
-              </a:tr>
-              <a:tr h="422416">
-                <a:tc>
-                  <a:txBody>
-                    <a:bodyPr/>
-                    <a:lstStyle/>
-                    <a:p>
-                      <a:r>
-                        <a:rPr lang="en-US" dirty="0"/>
-                        <a:t>n layers</a:t>
-                      </a:r>
-                      <a:endParaRPr lang="da-DK" dirty="0"/>
-                    </a:p>
-                  </a:txBody>
-                  <a:tcPr/>
-                </a:tc>
-                <a:tc>
-                  <a:txBody>
-                    <a:bodyPr/>
-                    <a:lstStyle/>
-                    <a:p>
-                      <a:r>
-                        <a:rPr lang="en-US" dirty="0"/>
-                        <a:t>{2, 3}</a:t>
-                      </a:r>
-                      <a:endParaRPr lang="da-DK" dirty="0"/>
-                    </a:p>
-                  </a:txBody>
-                  <a:tcPr/>
-                </a:tc>
-                <a:extLst>
-                  <a:ext uri="{0D108BD9-81ED-4DB2-BD59-A6C34878D82A}">
-                    <a16:rowId xmlns:a16="http://schemas.microsoft.com/office/drawing/2014/main" val="3805137634"/>
-                  </a:ext>
-                </a:extLst>
-              </a:tr>
-              <a:tr h="422416">
-                <a:tc>
-                  <a:txBody>
-                    <a:bodyPr/>
-                    <a:lstStyle/>
-                    <a:p>
-                      <a:r>
-                        <a:rPr lang="en-US" dirty="0"/>
-                        <a:t>n hidden units</a:t>
-                      </a:r>
-                      <a:endParaRPr lang="da-DK" dirty="0"/>
-                    </a:p>
-                  </a:txBody>
-                  <a:tcPr/>
-                </a:tc>
-                <a:tc>
-                  <a:txBody>
-                    <a:bodyPr/>
-                    <a:lstStyle/>
-                    <a:p>
-                      <a:r>
-                        <a:rPr lang="en-US" dirty="0"/>
-                        <a:t>{5, 10}</a:t>
-                      </a:r>
-                      <a:endParaRPr lang="da-DK" dirty="0"/>
-                    </a:p>
-                  </a:txBody>
-                  <a:tcPr/>
-                </a:tc>
-                <a:extLst>
-                  <a:ext uri="{0D108BD9-81ED-4DB2-BD59-A6C34878D82A}">
-                    <a16:rowId xmlns:a16="http://schemas.microsoft.com/office/drawing/2014/main" val="4064771555"/>
-                  </a:ext>
-                </a:extLst>
-              </a:tr>
-              <a:tr h="422416">
-                <a:tc>
-                  <a:txBody>
-                    <a:bodyPr/>
-                    <a:lstStyle/>
-                    <a:p>
-                      <a:r>
-                        <a:rPr lang="en-US" dirty="0"/>
-                        <a:t>learning rate </a:t>
-                      </a:r>
-                      <a:endParaRPr lang="da-DK" dirty="0"/>
-                    </a:p>
-                  </a:txBody>
-                  <a:tcPr/>
-                </a:tc>
-                <a:tc>
-                  <a:txBody>
-                    <a:bodyPr/>
-                    <a:lstStyle/>
-                    <a:p>
-                      <a:r>
-                        <a:rPr lang="en-US" dirty="0"/>
-                        <a:t>{1e-4, 1e-3}</a:t>
-                      </a:r>
-                      <a:endParaRPr lang="da-DK" dirty="0"/>
-                    </a:p>
-                  </a:txBody>
-                  <a:tcPr/>
-                </a:tc>
-                <a:extLst>
-                  <a:ext uri="{0D108BD9-81ED-4DB2-BD59-A6C34878D82A}">
-                    <a16:rowId xmlns:a16="http://schemas.microsoft.com/office/drawing/2014/main" val="2570198882"/>
-                  </a:ext>
-                </a:extLst>
-              </a:tr>
-              <a:tr h="422416">
-                <a:tc>
-                  <a:txBody>
-                    <a:bodyPr/>
-                    <a:lstStyle/>
-                    <a:p>
-                      <a:r>
-                        <a:rPr lang="en-US" dirty="0"/>
-                        <a:t>Dropout</a:t>
-                      </a:r>
-                      <a:endParaRPr lang="da-DK" dirty="0"/>
-                    </a:p>
-                  </a:txBody>
-                  <a:tcPr/>
-                </a:tc>
-                <a:tc>
-                  <a:txBody>
-                    <a:bodyPr/>
-                    <a:lstStyle/>
-                    <a:p>
-                      <a:r>
-                        <a:rPr lang="en-US" dirty="0"/>
-                        <a:t>{0.0, 0.2}</a:t>
-                      </a:r>
-                      <a:endParaRPr lang="da-DK" dirty="0"/>
-                    </a:p>
-                  </a:txBody>
-                  <a:tcPr/>
-                </a:tc>
-                <a:extLst>
-                  <a:ext uri="{0D108BD9-81ED-4DB2-BD59-A6C34878D82A}">
-                    <a16:rowId xmlns:a16="http://schemas.microsoft.com/office/drawing/2014/main" val="3131854616"/>
-                  </a:ext>
-                </a:extLst>
-              </a:tr>
-            </a:tbl>
-          </a:graphicData>
-        </a:graphic>
-      </p:graphicFrame>
-      <p:sp>
-        <p:nvSpPr>
-          <p:cNvPr id="5" name="TextBox 4">
-            <a:extLst>
-              <a:ext uri="{FF2B5EF4-FFF2-40B4-BE49-F238E27FC236}">
-                <a16:creationId xmlns:a16="http://schemas.microsoft.com/office/drawing/2014/main" id="{BF3A1C9E-8AA2-41CE-933E-559EFA368CE7}"/>
-              </a:ext>
-            </a:extLst>
-          </p:cNvPr>
-          <p:cNvSpPr txBox="1"/>
+          <p:cNvPicPr>
+            <a:picLocks noChangeAspect="1"/>
+          </p:cNvPicPr>
           <p:nvPr/>
-        </p:nvSpPr>
+        </p:nvPicPr>
+        <p:blipFill>
+          <a:blip r:embed="rId3"/>
+          <a:stretch>
+            <a:fillRect/>
+          </a:stretch>
+        </p:blipFill>
         <p:spPr>
           <a:xfrm>
-            <a:off x="914400" y="1653846"/>
-            <a:ext cx="4389120" cy="1477328"/>
+            <a:off x="6238252" y="1473199"/>
+            <a:ext cx="5953747" cy="4936571"/>
           </a:xfrm>
           <a:prstGeom prst="rect">
             <a:avLst/>
           </a:prstGeom>
-          <a:noFill/>
         </p:spPr>
-        <p:txBody>
-          <a:bodyPr wrap="square" rtlCol="0">
-            <a:spAutoFit/>
-          </a:bodyPr>
-          <a:lstStyle/>
-          <a:p>
-            <a:pPr marL="285750" indent="-285750">
-              <a:buFont typeface="Arial" panose="020B0604020202020204" pitchFamily="34" charset="0"/>
-              <a:buChar char="•"/>
-            </a:pPr>
-            <a:r>
-              <a:rPr lang="en-US" dirty="0"/>
-              <a:t>Flexible non-linear model predicting the risk of a crime being violent</a:t>
-            </a:r>
-          </a:p>
-          <a:p>
-            <a:pPr marL="285750" indent="-285750">
-              <a:buFont typeface="Arial" panose="020B0604020202020204" pitchFamily="34" charset="0"/>
-              <a:buChar char="•"/>
-            </a:pPr>
-            <a:r>
-              <a:rPr lang="en-US" dirty="0"/>
-              <a:t>Fitting neural networks using </a:t>
-            </a:r>
-            <a:r>
-              <a:rPr lang="en-US" dirty="0" err="1"/>
-              <a:t>Optuna</a:t>
-            </a:r>
-            <a:endParaRPr lang="en-US" dirty="0"/>
-          </a:p>
-          <a:p>
-            <a:pPr marL="285750" indent="-285750">
-              <a:buFont typeface="Arial" panose="020B0604020202020204" pitchFamily="34" charset="0"/>
-              <a:buChar char="•"/>
-            </a:pPr>
-            <a:r>
-              <a:rPr lang="da-DK" dirty="0" err="1"/>
-              <a:t>Binary</a:t>
-            </a:r>
-            <a:r>
-              <a:rPr lang="da-DK" dirty="0"/>
-              <a:t> Cross </a:t>
-            </a:r>
-            <a:r>
-              <a:rPr lang="da-DK" dirty="0" err="1"/>
-              <a:t>Entropy</a:t>
-            </a:r>
-            <a:r>
-              <a:rPr lang="da-DK" dirty="0"/>
-              <a:t> </a:t>
-            </a:r>
-            <a:r>
-              <a:rPr lang="da-DK" dirty="0" err="1"/>
-              <a:t>Loss</a:t>
-            </a:r>
-            <a:r>
-              <a:rPr lang="da-DK" dirty="0"/>
-              <a:t> </a:t>
-            </a:r>
-            <a:r>
-              <a:rPr lang="da-DK" dirty="0" err="1"/>
-              <a:t>Function</a:t>
-            </a:r>
-            <a:r>
-              <a:rPr lang="da-DK" dirty="0"/>
-              <a:t> </a:t>
-            </a:r>
-          </a:p>
-          <a:p>
-            <a:pPr marL="285750" indent="-285750">
-              <a:buFont typeface="Arial" panose="020B0604020202020204" pitchFamily="34" charset="0"/>
-              <a:buChar char="•"/>
-            </a:pPr>
-            <a:r>
-              <a:rPr lang="da-DK" dirty="0" err="1"/>
-              <a:t>Optimized</a:t>
-            </a:r>
-            <a:r>
-              <a:rPr lang="da-DK" dirty="0"/>
-              <a:t> </a:t>
-            </a:r>
-            <a:r>
-              <a:rPr lang="da-DK" dirty="0" err="1"/>
-              <a:t>using</a:t>
-            </a:r>
-            <a:r>
-              <a:rPr lang="da-DK" dirty="0"/>
-              <a:t> </a:t>
-            </a:r>
-            <a:r>
-              <a:rPr lang="da-DK" dirty="0" err="1"/>
-              <a:t>validation</a:t>
-            </a:r>
-            <a:r>
-              <a:rPr lang="da-DK" dirty="0"/>
-              <a:t> </a:t>
-            </a:r>
-            <a:r>
-              <a:rPr lang="da-DK" dirty="0" err="1"/>
-              <a:t>loss</a:t>
-            </a:r>
-            <a:endParaRPr lang="da-DK" dirty="0"/>
-          </a:p>
-        </p:txBody>
-      </p:sp>
+      </p:pic>
+      <p:pic>
+        <p:nvPicPr>
+          <p:cNvPr id="7" name="Picture 6">
+            <a:extLst>
+              <a:ext uri="{FF2B5EF4-FFF2-40B4-BE49-F238E27FC236}">
+                <a16:creationId xmlns:a16="http://schemas.microsoft.com/office/drawing/2014/main" id="{050D136F-A317-4381-A860-766EAC0E1392}"/>
+              </a:ext>
+            </a:extLst>
+          </p:cNvPr>
+          <p:cNvPicPr>
+            <a:picLocks noChangeAspect="1"/>
+          </p:cNvPicPr>
+          <p:nvPr/>
+        </p:nvPicPr>
+        <p:blipFill>
+          <a:blip r:embed="rId4"/>
+          <a:stretch>
+            <a:fillRect/>
+          </a:stretch>
+        </p:blipFill>
+        <p:spPr>
+          <a:xfrm>
+            <a:off x="107633" y="1454151"/>
+            <a:ext cx="5953746" cy="4935220"/>
+          </a:xfrm>
+          <a:prstGeom prst="rect">
+            <a:avLst/>
+          </a:prstGeom>
+        </p:spPr>
+      </p:pic>
     </p:spTree>
     <p:extLst>
       <p:ext uri="{BB962C8B-B14F-4D97-AF65-F5344CB8AC3E}">
-        <p14:creationId xmlns:p14="http://schemas.microsoft.com/office/powerpoint/2010/main" val="481668491"/>
+        <p14:creationId xmlns:p14="http://schemas.microsoft.com/office/powerpoint/2010/main" val="2246888408"/>
+      </p:ext>
+    </p:extLst>
+  </p:cSld>
+  <p:clrMapOvr>
+    <a:masterClrMapping/>
+  </p:clrMapOvr>
+</p:sld>
+</file>
+
+<file path=ppt/slides/slide9.xml><?xml version="1.0" encoding="utf-8"?>
+<p:sld xmlns:a="http://schemas.openxmlformats.org/drawingml/2006/main" xmlns:r="http://schemas.openxmlformats.org/officeDocument/2006/relationships" xmlns:p="http://schemas.openxmlformats.org/presentationml/2006/main">
+  <p:cSld>
+    <p:spTree>
+      <p:nvGrpSpPr>
+        <p:cNvPr id="1" name=""/>
+        <p:cNvGrpSpPr/>
+        <p:nvPr/>
+      </p:nvGrpSpPr>
+      <p:grpSpPr>
+        <a:xfrm>
+          <a:off x="0" y="0"/>
+          <a:ext cx="0" cy="0"/>
+          <a:chOff x="0" y="0"/>
+          <a:chExt cx="0" cy="0"/>
+        </a:xfrm>
+      </p:grpSpPr>
+      <p:sp>
+        <p:nvSpPr>
+          <p:cNvPr id="3" name="Content Placeholder 2">
+            <a:extLst>
+              <a:ext uri="{FF2B5EF4-FFF2-40B4-BE49-F238E27FC236}">
+                <a16:creationId xmlns:a16="http://schemas.microsoft.com/office/drawing/2014/main" id="{66F45341-0D58-4A32-8FD3-4E83962E4C94}"/>
+              </a:ext>
+            </a:extLst>
+          </p:cNvPr>
+          <p:cNvSpPr>
+            <a:spLocks noGrp="1"/>
+          </p:cNvSpPr>
+          <p:nvPr>
+            <p:ph idx="1"/>
+          </p:nvPr>
+        </p:nvSpPr>
+        <p:spPr>
+          <a:xfrm>
+            <a:off x="838200" y="894080"/>
+            <a:ext cx="10515600" cy="4906963"/>
+          </a:xfrm>
+        </p:spPr>
+        <p:txBody>
+          <a:bodyPr>
+            <a:normAutofit/>
+          </a:bodyPr>
+          <a:lstStyle/>
+          <a:p>
+            <a:pPr marL="0" indent="0">
+              <a:buNone/>
+            </a:pPr>
+            <a:r>
+              <a:rPr lang="en-US" sz="2200" dirty="0" err="1">
+                <a:latin typeface="+mj-lt"/>
+              </a:rPr>
+              <a:t>Observationer</a:t>
+            </a:r>
+            <a:r>
+              <a:rPr lang="en-US" sz="2200" dirty="0">
+                <a:latin typeface="+mj-lt"/>
+              </a:rPr>
+              <a:t> </a:t>
+            </a:r>
+          </a:p>
+          <a:p>
+            <a:pPr lvl="1">
+              <a:spcAft>
+                <a:spcPts val="500"/>
+              </a:spcAft>
+            </a:pPr>
+            <a:r>
+              <a:rPr lang="en-US" sz="2200" dirty="0" err="1">
+                <a:latin typeface="+mj-lt"/>
+              </a:rPr>
+              <a:t>Antallet</a:t>
+            </a:r>
+            <a:r>
+              <a:rPr lang="en-US" sz="2200" dirty="0">
+                <a:latin typeface="+mj-lt"/>
+              </a:rPr>
+              <a:t> </a:t>
+            </a:r>
+            <a:r>
+              <a:rPr lang="en-US" sz="2200" dirty="0" err="1">
+                <a:latin typeface="+mj-lt"/>
+              </a:rPr>
+              <a:t>af</a:t>
+            </a:r>
+            <a:r>
+              <a:rPr lang="en-US" sz="2200" dirty="0">
+                <a:latin typeface="+mj-lt"/>
+              </a:rPr>
+              <a:t> </a:t>
+            </a:r>
+            <a:r>
+              <a:rPr lang="en-US" sz="2200" dirty="0" err="1">
+                <a:latin typeface="+mj-lt"/>
+              </a:rPr>
+              <a:t>incidenser</a:t>
+            </a:r>
+            <a:r>
+              <a:rPr lang="en-US" sz="2200" dirty="0">
+                <a:latin typeface="+mj-lt"/>
+              </a:rPr>
+              <a:t> ser </a:t>
+            </a:r>
+            <a:r>
+              <a:rPr lang="en-US" sz="2200" dirty="0" err="1">
+                <a:latin typeface="+mj-lt"/>
+              </a:rPr>
+              <a:t>generelt</a:t>
+            </a:r>
+            <a:r>
+              <a:rPr lang="en-US" sz="2200" dirty="0">
+                <a:latin typeface="+mj-lt"/>
+              </a:rPr>
+              <a:t> </a:t>
+            </a:r>
+            <a:r>
+              <a:rPr lang="en-US" sz="2200" dirty="0" err="1">
+                <a:latin typeface="+mj-lt"/>
+              </a:rPr>
+              <a:t>nedadgående</a:t>
+            </a:r>
+            <a:r>
+              <a:rPr lang="en-US" sz="2200" dirty="0">
+                <a:latin typeface="+mj-lt"/>
+              </a:rPr>
+              <a:t> </a:t>
+            </a:r>
+            <a:r>
+              <a:rPr lang="en-US" sz="2200" dirty="0" err="1">
+                <a:latin typeface="+mj-lt"/>
+              </a:rPr>
+              <a:t>ud</a:t>
+            </a:r>
+            <a:endParaRPr lang="en-US" sz="2200" dirty="0">
+              <a:latin typeface="+mj-lt"/>
+            </a:endParaRPr>
+          </a:p>
+          <a:p>
+            <a:pPr lvl="1">
+              <a:spcAft>
+                <a:spcPts val="500"/>
+              </a:spcAft>
+            </a:pPr>
+            <a:r>
+              <a:rPr lang="en-US" sz="2200" dirty="0">
+                <a:latin typeface="+mj-lt"/>
+              </a:rPr>
+              <a:t>Men… </a:t>
+            </a:r>
+            <a:r>
+              <a:rPr lang="en-US" sz="2200" dirty="0" err="1">
+                <a:latin typeface="+mj-lt"/>
+              </a:rPr>
+              <a:t>mængden</a:t>
+            </a:r>
+            <a:r>
+              <a:rPr lang="en-US" sz="2200" dirty="0">
+                <a:latin typeface="+mj-lt"/>
+              </a:rPr>
+              <a:t> </a:t>
+            </a:r>
+            <a:r>
+              <a:rPr lang="en-US" sz="2200" dirty="0" err="1">
+                <a:latin typeface="+mj-lt"/>
+              </a:rPr>
+              <a:t>af</a:t>
+            </a:r>
+            <a:r>
+              <a:rPr lang="en-US" sz="2200" dirty="0">
+                <a:latin typeface="+mj-lt"/>
+              </a:rPr>
+              <a:t> </a:t>
+            </a:r>
+            <a:r>
+              <a:rPr lang="en-US" sz="2200" dirty="0" err="1">
+                <a:latin typeface="+mj-lt"/>
+              </a:rPr>
+              <a:t>voldelig</a:t>
+            </a:r>
+            <a:r>
+              <a:rPr lang="en-US" sz="2200" dirty="0">
+                <a:latin typeface="+mj-lt"/>
+              </a:rPr>
+              <a:t> </a:t>
+            </a:r>
+            <a:r>
+              <a:rPr lang="en-US" sz="2200" dirty="0" err="1">
+                <a:latin typeface="+mj-lt"/>
+              </a:rPr>
+              <a:t>kriminalitet</a:t>
+            </a:r>
+            <a:r>
+              <a:rPr lang="en-US" sz="2200" dirty="0">
+                <a:latin typeface="+mj-lt"/>
+              </a:rPr>
+              <a:t> ser </a:t>
+            </a:r>
+            <a:r>
+              <a:rPr lang="en-US" sz="2200" dirty="0" err="1">
+                <a:latin typeface="+mj-lt"/>
+              </a:rPr>
+              <a:t>stabil</a:t>
+            </a:r>
+            <a:r>
+              <a:rPr lang="en-US" sz="2200" dirty="0">
+                <a:latin typeface="+mj-lt"/>
+              </a:rPr>
+              <a:t> </a:t>
+            </a:r>
+            <a:r>
+              <a:rPr lang="en-US" sz="2200" dirty="0" err="1">
+                <a:latin typeface="+mj-lt"/>
+              </a:rPr>
+              <a:t>ud</a:t>
+            </a:r>
+            <a:r>
+              <a:rPr lang="en-US" sz="2200" dirty="0">
+                <a:latin typeface="+mj-lt"/>
+              </a:rPr>
+              <a:t> </a:t>
+            </a:r>
+            <a:r>
+              <a:rPr lang="en-US" sz="2200" dirty="0" err="1">
+                <a:latin typeface="+mj-lt"/>
+              </a:rPr>
+              <a:t>fra</a:t>
+            </a:r>
+            <a:r>
+              <a:rPr lang="en-US" sz="2200" dirty="0">
+                <a:latin typeface="+mj-lt"/>
+              </a:rPr>
+              <a:t> 2013-2018</a:t>
+            </a:r>
+            <a:br>
+              <a:rPr lang="en-US" sz="2200" dirty="0">
+                <a:latin typeface="+mj-lt"/>
+              </a:rPr>
+            </a:br>
+            <a:endParaRPr lang="en-US" sz="2200" dirty="0">
+              <a:latin typeface="+mj-lt"/>
+            </a:endParaRPr>
+          </a:p>
+          <a:p>
+            <a:pPr marL="0" indent="0">
+              <a:buNone/>
+            </a:pPr>
+            <a:r>
+              <a:rPr lang="en-US" sz="2200" dirty="0" err="1">
+                <a:latin typeface="+mj-lt"/>
+              </a:rPr>
+              <a:t>Antagelser</a:t>
+            </a:r>
+            <a:endParaRPr lang="en-US" sz="2200" dirty="0">
+              <a:latin typeface="+mj-lt"/>
+            </a:endParaRPr>
+          </a:p>
+          <a:p>
+            <a:pPr lvl="1">
+              <a:spcAft>
+                <a:spcPts val="500"/>
+              </a:spcAft>
+            </a:pPr>
+            <a:r>
+              <a:rPr lang="en-US" sz="2200" dirty="0" err="1">
+                <a:latin typeface="+mj-lt"/>
+              </a:rPr>
+              <a:t>En</a:t>
+            </a:r>
+            <a:r>
+              <a:rPr lang="en-US" sz="2200" dirty="0">
+                <a:latin typeface="+mj-lt"/>
+              </a:rPr>
+              <a:t> </a:t>
+            </a:r>
+            <a:r>
+              <a:rPr lang="en-US" sz="2200" dirty="0" err="1">
+                <a:latin typeface="+mj-lt"/>
+              </a:rPr>
+              <a:t>voldelig</a:t>
+            </a:r>
+            <a:r>
+              <a:rPr lang="en-US" sz="2200" dirty="0">
+                <a:latin typeface="+mj-lt"/>
+              </a:rPr>
+              <a:t> situation </a:t>
+            </a:r>
+            <a:r>
+              <a:rPr lang="en-US" sz="2200" dirty="0" err="1">
+                <a:latin typeface="+mj-lt"/>
+              </a:rPr>
+              <a:t>kræver</a:t>
+            </a:r>
+            <a:r>
+              <a:rPr lang="en-US" sz="2200" dirty="0">
+                <a:latin typeface="+mj-lt"/>
+              </a:rPr>
+              <a:t> mere </a:t>
+            </a:r>
+            <a:r>
+              <a:rPr lang="en-US" sz="2200" dirty="0" err="1">
+                <a:latin typeface="+mj-lt"/>
+              </a:rPr>
+              <a:t>af</a:t>
+            </a:r>
+            <a:r>
+              <a:rPr lang="en-US" sz="2200" dirty="0">
+                <a:latin typeface="+mj-lt"/>
+              </a:rPr>
+              <a:t> </a:t>
+            </a:r>
+            <a:r>
+              <a:rPr lang="en-US" sz="2200" dirty="0" err="1">
+                <a:latin typeface="+mj-lt"/>
+              </a:rPr>
+              <a:t>politiet</a:t>
+            </a:r>
+            <a:endParaRPr lang="en-US" sz="2200" dirty="0">
+              <a:latin typeface="+mj-lt"/>
+            </a:endParaRPr>
+          </a:p>
+          <a:p>
+            <a:pPr lvl="1">
+              <a:spcAft>
+                <a:spcPts val="500"/>
+              </a:spcAft>
+            </a:pPr>
+            <a:r>
+              <a:rPr lang="en-US" sz="2200" dirty="0" err="1">
+                <a:latin typeface="+mj-lt"/>
+              </a:rPr>
+              <a:t>Voldelig</a:t>
+            </a:r>
+            <a:r>
+              <a:rPr lang="en-US" sz="2200" dirty="0">
+                <a:latin typeface="+mj-lt"/>
+              </a:rPr>
+              <a:t> </a:t>
+            </a:r>
+            <a:r>
+              <a:rPr lang="en-US" sz="2200" dirty="0" err="1">
+                <a:latin typeface="+mj-lt"/>
+              </a:rPr>
+              <a:t>kriminalitet</a:t>
+            </a:r>
+            <a:r>
+              <a:rPr lang="en-US" sz="2200" dirty="0">
+                <a:latin typeface="+mj-lt"/>
+              </a:rPr>
+              <a:t> </a:t>
+            </a:r>
+            <a:r>
+              <a:rPr lang="en-US" sz="2200" dirty="0" err="1">
+                <a:latin typeface="+mj-lt"/>
+              </a:rPr>
+              <a:t>har</a:t>
+            </a:r>
+            <a:r>
+              <a:rPr lang="en-US" sz="2200" dirty="0">
+                <a:latin typeface="+mj-lt"/>
+              </a:rPr>
+              <a:t> </a:t>
+            </a:r>
+            <a:r>
+              <a:rPr lang="en-US" sz="2200" dirty="0" err="1">
+                <a:latin typeface="+mj-lt"/>
+              </a:rPr>
+              <a:t>generelt</a:t>
+            </a:r>
+            <a:r>
+              <a:rPr lang="en-US" sz="2200" dirty="0">
+                <a:latin typeface="+mj-lt"/>
+              </a:rPr>
+              <a:t> </a:t>
+            </a:r>
+            <a:r>
+              <a:rPr lang="en-US" sz="2200" dirty="0" err="1">
+                <a:latin typeface="+mj-lt"/>
+              </a:rPr>
+              <a:t>større</a:t>
+            </a:r>
+            <a:r>
+              <a:rPr lang="en-US" sz="2200" dirty="0">
+                <a:latin typeface="+mj-lt"/>
+              </a:rPr>
+              <a:t> </a:t>
+            </a:r>
+            <a:r>
+              <a:rPr lang="en-US" sz="2200" dirty="0" err="1">
+                <a:latin typeface="+mj-lt"/>
+              </a:rPr>
+              <a:t>konsekvenser</a:t>
+            </a:r>
+            <a:r>
+              <a:rPr lang="en-US" sz="2200" dirty="0">
+                <a:latin typeface="+mj-lt"/>
+              </a:rPr>
+              <a:t> for </a:t>
+            </a:r>
+            <a:r>
+              <a:rPr lang="en-US" sz="2200" dirty="0" err="1">
+                <a:latin typeface="+mj-lt"/>
+              </a:rPr>
+              <a:t>ofrene</a:t>
+            </a:r>
+            <a:r>
+              <a:rPr lang="en-US" sz="2200" dirty="0">
+                <a:latin typeface="+mj-lt"/>
+              </a:rPr>
+              <a:t> </a:t>
+            </a:r>
+            <a:r>
+              <a:rPr lang="en-US" sz="2200" dirty="0" err="1">
+                <a:latin typeface="+mj-lt"/>
+              </a:rPr>
+              <a:t>og</a:t>
+            </a:r>
+            <a:r>
+              <a:rPr lang="en-US" sz="2200" dirty="0">
+                <a:latin typeface="+mj-lt"/>
+              </a:rPr>
+              <a:t> </a:t>
+            </a:r>
+            <a:r>
+              <a:rPr lang="en-US" sz="2200" dirty="0" err="1">
+                <a:latin typeface="+mj-lt"/>
+              </a:rPr>
+              <a:t>gør</a:t>
+            </a:r>
+            <a:r>
+              <a:rPr lang="en-US" sz="2200" dirty="0">
+                <a:latin typeface="+mj-lt"/>
+              </a:rPr>
+              <a:t> folk mere bange end </a:t>
+            </a:r>
+            <a:r>
+              <a:rPr lang="en-US" sz="2200" dirty="0" err="1">
+                <a:latin typeface="+mj-lt"/>
+              </a:rPr>
+              <a:t>anden</a:t>
+            </a:r>
+            <a:r>
+              <a:rPr lang="en-US" sz="2200" dirty="0">
+                <a:latin typeface="+mj-lt"/>
+              </a:rPr>
+              <a:t> </a:t>
+            </a:r>
+            <a:r>
+              <a:rPr lang="en-US" sz="2200" dirty="0" err="1">
+                <a:latin typeface="+mj-lt"/>
+              </a:rPr>
+              <a:t>kriminalitet</a:t>
+            </a:r>
+            <a:endParaRPr lang="en-US" sz="2200" dirty="0">
+              <a:latin typeface="+mj-lt"/>
+            </a:endParaRPr>
+          </a:p>
+          <a:p>
+            <a:pPr lvl="1">
+              <a:spcAft>
+                <a:spcPts val="500"/>
+              </a:spcAft>
+            </a:pPr>
+            <a:r>
+              <a:rPr lang="en-US" sz="2200" dirty="0" err="1">
+                <a:latin typeface="+mj-lt"/>
+              </a:rPr>
+              <a:t>Derfor</a:t>
+            </a:r>
+            <a:r>
+              <a:rPr lang="en-US" sz="2200" dirty="0">
+                <a:latin typeface="+mj-lt"/>
+              </a:rPr>
+              <a:t> </a:t>
+            </a:r>
+            <a:r>
+              <a:rPr lang="en-US" sz="2200" dirty="0" err="1">
+                <a:latin typeface="+mj-lt"/>
+              </a:rPr>
+              <a:t>har</a:t>
+            </a:r>
+            <a:r>
+              <a:rPr lang="en-US" sz="2200" dirty="0">
+                <a:latin typeface="+mj-lt"/>
+              </a:rPr>
+              <a:t> de </a:t>
+            </a:r>
+            <a:r>
+              <a:rPr lang="en-US" sz="2200" dirty="0" err="1">
+                <a:latin typeface="+mj-lt"/>
+              </a:rPr>
+              <a:t>tre</a:t>
+            </a:r>
+            <a:r>
+              <a:rPr lang="en-US" sz="2200" dirty="0">
+                <a:latin typeface="+mj-lt"/>
+              </a:rPr>
+              <a:t> </a:t>
+            </a:r>
+            <a:r>
+              <a:rPr lang="en-US" sz="2200" dirty="0" err="1">
+                <a:latin typeface="+mj-lt"/>
+              </a:rPr>
+              <a:t>distrikter</a:t>
+            </a:r>
+            <a:r>
+              <a:rPr lang="en-US" sz="2200" dirty="0">
+                <a:latin typeface="+mj-lt"/>
+              </a:rPr>
+              <a:t> </a:t>
+            </a:r>
+            <a:r>
+              <a:rPr lang="en-US" sz="2200" dirty="0" err="1">
+                <a:latin typeface="+mj-lt"/>
+              </a:rPr>
+              <a:t>har</a:t>
+            </a:r>
+            <a:r>
+              <a:rPr lang="en-US" sz="2200" dirty="0">
+                <a:latin typeface="+mj-lt"/>
+              </a:rPr>
+              <a:t> </a:t>
+            </a:r>
+            <a:r>
+              <a:rPr lang="en-US" sz="2200" dirty="0" err="1">
+                <a:latin typeface="+mj-lt"/>
+              </a:rPr>
+              <a:t>en</a:t>
+            </a:r>
+            <a:r>
+              <a:rPr lang="en-US" sz="2200" dirty="0">
+                <a:latin typeface="+mj-lt"/>
+              </a:rPr>
+              <a:t> interesse </a:t>
+            </a:r>
+            <a:r>
+              <a:rPr lang="en-US" sz="2200" dirty="0" err="1">
+                <a:latin typeface="+mj-lt"/>
+              </a:rPr>
+              <a:t>i</a:t>
+            </a:r>
+            <a:r>
+              <a:rPr lang="en-US" sz="2200" dirty="0">
+                <a:latin typeface="+mj-lt"/>
+              </a:rPr>
+              <a:t> at </a:t>
+            </a:r>
+            <a:r>
+              <a:rPr lang="en-US" sz="2200" dirty="0" err="1">
+                <a:latin typeface="+mj-lt"/>
+              </a:rPr>
+              <a:t>allokere</a:t>
+            </a:r>
+            <a:r>
+              <a:rPr lang="en-US" sz="2200" dirty="0">
+                <a:latin typeface="+mj-lt"/>
+              </a:rPr>
+              <a:t> </a:t>
+            </a:r>
+            <a:r>
+              <a:rPr lang="en-US" sz="2200" dirty="0" err="1">
+                <a:latin typeface="+mj-lt"/>
+              </a:rPr>
+              <a:t>deres</a:t>
+            </a:r>
+            <a:r>
+              <a:rPr lang="en-US" sz="2200" dirty="0">
+                <a:latin typeface="+mj-lt"/>
+              </a:rPr>
+              <a:t> </a:t>
+            </a:r>
+            <a:r>
+              <a:rPr lang="en-US" sz="2200" dirty="0" err="1">
+                <a:latin typeface="+mj-lt"/>
+              </a:rPr>
+              <a:t>ressourcer</a:t>
+            </a:r>
+            <a:r>
+              <a:rPr lang="en-US" sz="2200" dirty="0">
+                <a:latin typeface="+mj-lt"/>
+              </a:rPr>
+              <a:t> </a:t>
+            </a:r>
+            <a:r>
+              <a:rPr lang="en-US" sz="2200" dirty="0" err="1">
+                <a:latin typeface="+mj-lt"/>
+              </a:rPr>
+              <a:t>til</a:t>
+            </a:r>
+            <a:r>
+              <a:rPr lang="en-US" sz="2200" dirty="0">
+                <a:latin typeface="+mj-lt"/>
+              </a:rPr>
+              <a:t> </a:t>
+            </a:r>
+            <a:r>
+              <a:rPr lang="en-US" sz="2200" dirty="0" err="1">
+                <a:latin typeface="+mj-lt"/>
+              </a:rPr>
+              <a:t>bedre</a:t>
+            </a:r>
+            <a:r>
+              <a:rPr lang="en-US" sz="2200" dirty="0">
+                <a:latin typeface="+mj-lt"/>
+              </a:rPr>
+              <a:t> at </a:t>
+            </a:r>
+            <a:r>
+              <a:rPr lang="en-US" sz="2200" dirty="0" err="1">
+                <a:latin typeface="+mj-lt"/>
+              </a:rPr>
+              <a:t>kunne</a:t>
+            </a:r>
+            <a:r>
+              <a:rPr lang="en-US" sz="2200" dirty="0">
+                <a:latin typeface="+mj-lt"/>
+              </a:rPr>
+              <a:t> </a:t>
+            </a:r>
+            <a:r>
+              <a:rPr lang="en-US" sz="2200" dirty="0" err="1">
+                <a:latin typeface="+mj-lt"/>
+              </a:rPr>
+              <a:t>bekæmpe</a:t>
+            </a:r>
+            <a:r>
+              <a:rPr lang="en-US" sz="2200" dirty="0">
+                <a:latin typeface="+mj-lt"/>
+              </a:rPr>
+              <a:t> </a:t>
+            </a:r>
+            <a:r>
+              <a:rPr lang="en-US" sz="2200" dirty="0" err="1">
+                <a:latin typeface="+mj-lt"/>
+              </a:rPr>
+              <a:t>voldelig</a:t>
+            </a:r>
+            <a:r>
+              <a:rPr lang="en-US" sz="2200" dirty="0">
+                <a:latin typeface="+mj-lt"/>
+              </a:rPr>
+              <a:t> </a:t>
+            </a:r>
+            <a:r>
+              <a:rPr lang="en-US" sz="2200" dirty="0" err="1">
+                <a:latin typeface="+mj-lt"/>
+              </a:rPr>
+              <a:t>kriminalitet</a:t>
+            </a:r>
+            <a:endParaRPr lang="en-US" sz="2200" dirty="0">
+              <a:latin typeface="+mj-lt"/>
+            </a:endParaRPr>
+          </a:p>
+          <a:p>
+            <a:pPr marL="914400" lvl="2" indent="0">
+              <a:buNone/>
+            </a:pPr>
+            <a:endParaRPr lang="en-US" sz="2200" dirty="0">
+              <a:latin typeface="+mj-lt"/>
+            </a:endParaRPr>
+          </a:p>
+        </p:txBody>
+      </p:sp>
+      <p:sp>
+        <p:nvSpPr>
+          <p:cNvPr id="4" name="Title 1">
+            <a:extLst>
+              <a:ext uri="{FF2B5EF4-FFF2-40B4-BE49-F238E27FC236}">
+                <a16:creationId xmlns:a16="http://schemas.microsoft.com/office/drawing/2014/main" id="{1E5795BF-C601-4F49-A788-886012BFAFE1}"/>
+              </a:ext>
+            </a:extLst>
+          </p:cNvPr>
+          <p:cNvSpPr txBox="1">
+            <a:spLocks/>
+          </p:cNvSpPr>
+          <p:nvPr/>
+        </p:nvSpPr>
+        <p:spPr>
+          <a:xfrm>
+            <a:off x="838200" y="131445"/>
+            <a:ext cx="10515600" cy="835317"/>
+          </a:xfrm>
+          <a:prstGeom prst="rect">
+            <a:avLst/>
+          </a:prstGeom>
+        </p:spPr>
+        <p:txBody>
+          <a:bodyPr vert="horz" lIns="91440" tIns="45720" rIns="91440" bIns="45720" rtlCol="0" anchor="ctr">
+            <a:normAutofit/>
+          </a:bodyPr>
+          <a:lstStyle>
+            <a:lvl1pPr algn="l" defTabSz="914400" rtl="0" eaLnBrk="1" latinLnBrk="0" hangingPunct="1">
+              <a:lnSpc>
+                <a:spcPct val="90000"/>
+              </a:lnSpc>
+              <a:spcBef>
+                <a:spcPct val="0"/>
+              </a:spcBef>
+              <a:buNone/>
+              <a:defRPr sz="4400" kern="1200">
+                <a:solidFill>
+                  <a:schemeClr val="tx1"/>
+                </a:solidFill>
+                <a:latin typeface="+mj-lt"/>
+                <a:ea typeface="+mj-ea"/>
+                <a:cs typeface="+mj-cs"/>
+              </a:defRPr>
+            </a:lvl1pPr>
+          </a:lstStyle>
+          <a:p>
+            <a:r>
+              <a:rPr lang="en-US" sz="3600" dirty="0"/>
+              <a:t>Case-</a:t>
+            </a:r>
+            <a:r>
+              <a:rPr lang="en-US" sz="3600" dirty="0" err="1"/>
+              <a:t>idé</a:t>
+            </a:r>
+            <a:r>
+              <a:rPr lang="en-US" sz="3600" dirty="0"/>
+              <a:t> I</a:t>
+            </a:r>
+            <a:endParaRPr lang="da-DK" sz="3600" dirty="0"/>
+          </a:p>
+        </p:txBody>
+      </p:sp>
+    </p:spTree>
+    <p:extLst>
+      <p:ext uri="{BB962C8B-B14F-4D97-AF65-F5344CB8AC3E}">
+        <p14:creationId xmlns:p14="http://schemas.microsoft.com/office/powerpoint/2010/main" val="3702831955"/>
       </p:ext>
     </p:extLst>
   </p:cSld>

--- a/presentation/San Francisco Crime Data.pptx
+++ b/presentation/San Francisco Crime Data.pptx
@@ -5,7 +5,7 @@
     <p:sldMasterId id="2147483648" r:id="rId1"/>
   </p:sldMasterIdLst>
   <p:notesMasterIdLst>
-    <p:notesMasterId r:id="rId14"/>
+    <p:notesMasterId r:id="rId16"/>
   </p:notesMasterIdLst>
   <p:sldIdLst>
     <p:sldId id="256" r:id="rId2"/>
@@ -16,10 +16,12 @@
     <p:sldId id="264" r:id="rId7"/>
     <p:sldId id="265" r:id="rId8"/>
     <p:sldId id="263" r:id="rId9"/>
-    <p:sldId id="267" r:id="rId10"/>
-    <p:sldId id="268" r:id="rId11"/>
-    <p:sldId id="258" r:id="rId12"/>
-    <p:sldId id="259" r:id="rId13"/>
+    <p:sldId id="272" r:id="rId10"/>
+    <p:sldId id="267" r:id="rId11"/>
+    <p:sldId id="268" r:id="rId12"/>
+    <p:sldId id="258" r:id="rId13"/>
+    <p:sldId id="259" r:id="rId14"/>
+    <p:sldId id="271" r:id="rId15"/>
   </p:sldIdLst>
   <p:sldSz cx="12192000" cy="6858000"/>
   <p:notesSz cx="6858000" cy="9144000"/>
@@ -118,6 +120,11 @@
       </a:defRPr>
     </a:lvl9pPr>
   </p:defaultTextStyle>
+  <p:extLst>
+    <p:ext uri="{EFAFB233-063F-42B5-8137-9DF3F51BA10A}">
+      <p15:sldGuideLst xmlns:p15="http://schemas.microsoft.com/office/powerpoint/2012/main"/>
+    </p:ext>
+  </p:extLst>
 </p:presentation>
 </file>
 
@@ -203,7 +210,7 @@
           <a:p>
             <a:fld id="{F43C7EE6-6434-4557-AD48-1CDE49E82CDB}" type="datetimeFigureOut">
               <a:rPr lang="da-DK" smtClean="0"/>
-              <a:t>15-02-2022</a:t>
+              <a:t>16-02-2022</a:t>
             </a:fld>
             <a:endParaRPr lang="da-DK"/>
           </a:p>
@@ -603,503 +610,6 @@
           <a:bodyPr/>
           <a:lstStyle/>
           <a:p>
-            <a:r>
-              <a:rPr lang="en-US" dirty="0"/>
-              <a:t>Starter med </a:t>
-            </a:r>
-            <a:r>
-              <a:rPr lang="en-US" dirty="0" err="1"/>
-              <a:t>ikke</a:t>
-            </a:r>
-            <a:r>
-              <a:rPr lang="en-US" dirty="0"/>
-              <a:t> at </a:t>
-            </a:r>
-            <a:r>
-              <a:rPr lang="en-US" dirty="0" err="1"/>
-              <a:t>bruge</a:t>
-            </a:r>
-            <a:r>
-              <a:rPr lang="en-US" dirty="0"/>
-              <a:t> </a:t>
-            </a:r>
-            <a:r>
-              <a:rPr lang="en-US" dirty="0" err="1"/>
-              <a:t>valideringsættet</a:t>
-            </a:r>
-            <a:r>
-              <a:rPr lang="en-US" dirty="0"/>
-              <a:t>. Dette </a:t>
-            </a:r>
-            <a:r>
-              <a:rPr lang="en-US" dirty="0" err="1"/>
-              <a:t>kunne</a:t>
-            </a:r>
-            <a:r>
-              <a:rPr lang="en-US" dirty="0"/>
-              <a:t> </a:t>
-            </a:r>
-            <a:r>
-              <a:rPr lang="en-US" dirty="0" err="1"/>
-              <a:t>jeg</a:t>
-            </a:r>
-            <a:r>
-              <a:rPr lang="en-US" dirty="0"/>
-              <a:t> </a:t>
-            </a:r>
-            <a:r>
-              <a:rPr lang="en-US" dirty="0" err="1"/>
-              <a:t>f.eks</a:t>
-            </a:r>
-            <a:r>
-              <a:rPr lang="en-US" dirty="0"/>
-              <a:t>. have </a:t>
-            </a:r>
-            <a:r>
-              <a:rPr lang="en-US" dirty="0" err="1"/>
-              <a:t>brugt</a:t>
-            </a:r>
-            <a:r>
-              <a:rPr lang="en-US" dirty="0"/>
-              <a:t> </a:t>
-            </a:r>
-            <a:r>
-              <a:rPr lang="en-US" dirty="0" err="1"/>
-              <a:t>til</a:t>
-            </a:r>
-            <a:r>
-              <a:rPr lang="en-US" dirty="0"/>
-              <a:t> at tune </a:t>
-            </a:r>
-            <a:r>
-              <a:rPr lang="en-US" dirty="0" err="1"/>
-              <a:t>regulariseringsstyrker</a:t>
-            </a:r>
-            <a:r>
-              <a:rPr lang="en-US" dirty="0"/>
-              <a:t> </a:t>
-            </a:r>
-            <a:r>
-              <a:rPr lang="en-US" dirty="0" err="1"/>
-              <a:t>eller</a:t>
-            </a:r>
-            <a:r>
-              <a:rPr lang="en-US" dirty="0"/>
-              <a:t> </a:t>
-            </a:r>
-            <a:r>
-              <a:rPr lang="en-US" dirty="0" err="1"/>
-              <a:t>typer</a:t>
-            </a:r>
-            <a:r>
-              <a:rPr lang="en-US" dirty="0"/>
-              <a:t> </a:t>
-            </a:r>
-            <a:r>
-              <a:rPr lang="en-US" dirty="0" err="1"/>
-              <a:t>af</a:t>
-            </a:r>
-            <a:r>
-              <a:rPr lang="en-US" dirty="0"/>
-              <a:t> </a:t>
-            </a:r>
-            <a:r>
-              <a:rPr lang="en-US" dirty="0" err="1"/>
-              <a:t>regularisering</a:t>
-            </a:r>
-            <a:r>
-              <a:rPr lang="en-US" dirty="0"/>
-              <a:t>. Det </a:t>
-            </a:r>
-            <a:r>
-              <a:rPr lang="en-US" dirty="0" err="1"/>
-              <a:t>kunne</a:t>
-            </a:r>
-            <a:r>
-              <a:rPr lang="en-US" dirty="0"/>
-              <a:t> </a:t>
-            </a:r>
-            <a:r>
-              <a:rPr lang="en-US" dirty="0" err="1"/>
-              <a:t>være</a:t>
-            </a:r>
-            <a:r>
-              <a:rPr lang="en-US" dirty="0"/>
-              <a:t> </a:t>
-            </a:r>
-            <a:r>
-              <a:rPr lang="en-US" dirty="0" err="1"/>
-              <a:t>en</a:t>
-            </a:r>
-            <a:r>
-              <a:rPr lang="en-US" dirty="0"/>
-              <a:t> ide at </a:t>
-            </a:r>
-            <a:r>
-              <a:rPr lang="en-US" dirty="0" err="1"/>
-              <a:t>bruge</a:t>
-            </a:r>
-            <a:r>
-              <a:rPr lang="en-US" dirty="0"/>
-              <a:t> grid search, </a:t>
-            </a:r>
-            <a:r>
-              <a:rPr lang="en-US" dirty="0" err="1"/>
-              <a:t>hvis</a:t>
-            </a:r>
-            <a:r>
-              <a:rPr lang="en-US" dirty="0"/>
-              <a:t> man </a:t>
-            </a:r>
-            <a:r>
-              <a:rPr lang="en-US" dirty="0" err="1"/>
-              <a:t>virkelig</a:t>
-            </a:r>
-            <a:r>
-              <a:rPr lang="en-US" dirty="0"/>
-              <a:t> </a:t>
-            </a:r>
-            <a:r>
-              <a:rPr lang="en-US" dirty="0" err="1"/>
-              <a:t>gik</a:t>
-            </a:r>
-            <a:r>
-              <a:rPr lang="en-US" dirty="0"/>
-              <a:t> op </a:t>
-            </a:r>
-            <a:r>
-              <a:rPr lang="en-US" dirty="0" err="1"/>
-              <a:t>i</a:t>
-            </a:r>
-            <a:r>
-              <a:rPr lang="en-US" dirty="0"/>
-              <a:t>, </a:t>
-            </a:r>
-            <a:r>
-              <a:rPr lang="en-US" dirty="0" err="1"/>
-              <a:t>hvordan</a:t>
-            </a:r>
-            <a:r>
-              <a:rPr lang="en-US" dirty="0"/>
-              <a:t> </a:t>
-            </a:r>
-            <a:r>
-              <a:rPr lang="en-US" dirty="0" err="1"/>
-              <a:t>modellen</a:t>
-            </a:r>
-            <a:r>
-              <a:rPr lang="en-US" dirty="0"/>
-              <a:t> </a:t>
-            </a:r>
-            <a:r>
-              <a:rPr lang="en-US" dirty="0" err="1"/>
-              <a:t>perfomer</a:t>
-            </a:r>
-            <a:r>
-              <a:rPr lang="en-US" dirty="0"/>
-              <a:t>. </a:t>
-            </a:r>
-          </a:p>
-          <a:p>
-            <a:endParaRPr lang="en-US" dirty="0"/>
-          </a:p>
-          <a:p>
-            <a:endParaRPr lang="en-US" dirty="0"/>
-          </a:p>
-          <a:p>
-            <a:r>
-              <a:rPr lang="en-US" dirty="0"/>
-              <a:t>Tanker om performance: </a:t>
-            </a:r>
-            <a:r>
-              <a:rPr lang="en-US" dirty="0" err="1"/>
-              <a:t>Høj</a:t>
-            </a:r>
-            <a:r>
-              <a:rPr lang="en-US" dirty="0"/>
-              <a:t> accuracy </a:t>
-            </a:r>
-            <a:r>
-              <a:rPr lang="en-US" dirty="0" err="1"/>
-              <a:t>fordi</a:t>
-            </a:r>
-            <a:r>
-              <a:rPr lang="en-US" dirty="0"/>
-              <a:t> target-</a:t>
-            </a:r>
-            <a:r>
-              <a:rPr lang="en-US" dirty="0" err="1"/>
-              <a:t>variablen</a:t>
-            </a:r>
-            <a:r>
-              <a:rPr lang="en-US" dirty="0"/>
-              <a:t> er </a:t>
-            </a:r>
-            <a:r>
-              <a:rPr lang="en-US" dirty="0" err="1"/>
-              <a:t>imbalanceret</a:t>
-            </a:r>
-            <a:r>
-              <a:rPr lang="en-US" dirty="0"/>
-              <a:t>. </a:t>
-            </a:r>
-            <a:r>
-              <a:rPr lang="en-US" dirty="0" err="1"/>
-              <a:t>Måske</a:t>
-            </a:r>
-            <a:r>
-              <a:rPr lang="en-US" dirty="0"/>
-              <a:t> </a:t>
-            </a:r>
-            <a:r>
-              <a:rPr lang="en-US" dirty="0" err="1"/>
-              <a:t>en</a:t>
-            </a:r>
-            <a:r>
-              <a:rPr lang="en-US" dirty="0"/>
-              <a:t> god </a:t>
-            </a:r>
-            <a:r>
-              <a:rPr lang="en-US" dirty="0" err="1"/>
-              <a:t>idé</a:t>
-            </a:r>
-            <a:r>
-              <a:rPr lang="en-US" dirty="0"/>
-              <a:t> at </a:t>
-            </a:r>
-            <a:r>
-              <a:rPr lang="en-US" dirty="0" err="1"/>
-              <a:t>kigge</a:t>
-            </a:r>
-            <a:r>
-              <a:rPr lang="en-US" dirty="0"/>
-              <a:t> </a:t>
-            </a:r>
-            <a:r>
-              <a:rPr lang="en-US" dirty="0" err="1"/>
-              <a:t>på</a:t>
-            </a:r>
-            <a:r>
-              <a:rPr lang="en-US" dirty="0"/>
-              <a:t> </a:t>
-            </a:r>
-            <a:r>
-              <a:rPr lang="en-US" dirty="0" err="1"/>
-              <a:t>noget</a:t>
-            </a:r>
-            <a:r>
-              <a:rPr lang="en-US" dirty="0"/>
-              <a:t> calibration </a:t>
-            </a:r>
-            <a:r>
-              <a:rPr lang="en-US" dirty="0" err="1"/>
-              <a:t>af</a:t>
-            </a:r>
-            <a:r>
-              <a:rPr lang="en-US" dirty="0"/>
-              <a:t> </a:t>
-            </a:r>
-            <a:r>
-              <a:rPr lang="en-US" dirty="0" err="1"/>
-              <a:t>classifieren</a:t>
-            </a:r>
-            <a:r>
-              <a:rPr lang="en-US" dirty="0"/>
-              <a:t>, </a:t>
-            </a:r>
-            <a:r>
-              <a:rPr lang="en-US" dirty="0" err="1"/>
-              <a:t>eller</a:t>
-            </a:r>
-            <a:r>
-              <a:rPr lang="en-US" dirty="0"/>
-              <a:t> </a:t>
-            </a:r>
-            <a:r>
-              <a:rPr lang="en-US" dirty="0" err="1"/>
-              <a:t>undersøge</a:t>
-            </a:r>
-            <a:r>
-              <a:rPr lang="en-US" dirty="0"/>
-              <a:t>, om man </a:t>
-            </a:r>
-            <a:r>
-              <a:rPr lang="en-US" dirty="0" err="1"/>
-              <a:t>måske</a:t>
-            </a:r>
-            <a:r>
-              <a:rPr lang="en-US" dirty="0"/>
-              <a:t> </a:t>
-            </a:r>
-            <a:r>
-              <a:rPr lang="en-US" dirty="0" err="1"/>
-              <a:t>skulle</a:t>
-            </a:r>
-            <a:r>
-              <a:rPr lang="en-US" dirty="0"/>
-              <a:t> have et cut-off, der var </a:t>
-            </a:r>
-            <a:r>
-              <a:rPr lang="en-US" dirty="0" err="1"/>
-              <a:t>lavere</a:t>
-            </a:r>
-            <a:r>
-              <a:rPr lang="en-US" dirty="0"/>
-              <a:t> end 50%. </a:t>
-            </a:r>
-            <a:r>
-              <a:rPr lang="en-US" dirty="0" err="1"/>
-              <a:t>Når</a:t>
-            </a:r>
-            <a:r>
-              <a:rPr lang="en-US" dirty="0"/>
-              <a:t> </a:t>
-            </a:r>
-            <a:r>
-              <a:rPr lang="en-US" dirty="0" err="1"/>
-              <a:t>jeg</a:t>
-            </a:r>
-            <a:r>
-              <a:rPr lang="en-US" dirty="0"/>
-              <a:t> bare </a:t>
-            </a:r>
-            <a:r>
-              <a:rPr lang="en-US" dirty="0" err="1"/>
-              <a:t>inspicere</a:t>
-            </a:r>
-            <a:r>
-              <a:rPr lang="en-US" dirty="0"/>
-              <a:t> </a:t>
-            </a:r>
-            <a:r>
-              <a:rPr lang="en-US" dirty="0" err="1"/>
-              <a:t>prædiktionerne</a:t>
-            </a:r>
-            <a:r>
-              <a:rPr lang="en-US" dirty="0"/>
-              <a:t> er der </a:t>
-            </a:r>
-            <a:r>
-              <a:rPr lang="en-US" dirty="0" err="1"/>
-              <a:t>nogle</a:t>
-            </a:r>
-            <a:r>
-              <a:rPr lang="en-US" dirty="0"/>
-              <a:t> </a:t>
-            </a:r>
-            <a:r>
-              <a:rPr lang="en-US" dirty="0" err="1"/>
-              <a:t>af</a:t>
-            </a:r>
-            <a:r>
-              <a:rPr lang="en-US" dirty="0"/>
-              <a:t> de </a:t>
-            </a:r>
-            <a:r>
-              <a:rPr lang="en-US" dirty="0" err="1"/>
-              <a:t>observationer</a:t>
-            </a:r>
-            <a:r>
-              <a:rPr lang="en-US" dirty="0"/>
-              <a:t> med </a:t>
-            </a:r>
-            <a:r>
-              <a:rPr lang="en-US" dirty="0" err="1"/>
-              <a:t>is_violent</a:t>
-            </a:r>
-            <a:r>
-              <a:rPr lang="en-US" dirty="0"/>
-              <a:t>=1, der </a:t>
-            </a:r>
-            <a:r>
-              <a:rPr lang="en-US" dirty="0" err="1"/>
-              <a:t>har</a:t>
-            </a:r>
-            <a:r>
-              <a:rPr lang="en-US" dirty="0"/>
-              <a:t> </a:t>
-            </a:r>
-            <a:r>
-              <a:rPr lang="en-US" dirty="0" err="1"/>
-              <a:t>højere</a:t>
-            </a:r>
-            <a:r>
-              <a:rPr lang="en-US" dirty="0"/>
-              <a:t> </a:t>
-            </a:r>
-            <a:r>
-              <a:rPr lang="en-US" dirty="0" err="1"/>
-              <a:t>prædikteret</a:t>
-            </a:r>
-            <a:r>
-              <a:rPr lang="en-US" dirty="0"/>
-              <a:t> </a:t>
-            </a:r>
-            <a:r>
-              <a:rPr lang="en-US" dirty="0" err="1"/>
-              <a:t>sandsynlighed</a:t>
-            </a:r>
-            <a:r>
-              <a:rPr lang="en-US" dirty="0"/>
-              <a:t>. </a:t>
-            </a:r>
-          </a:p>
-          <a:p>
-            <a:endParaRPr lang="en-US" dirty="0"/>
-          </a:p>
-          <a:p>
-            <a:pPr marL="0" marR="0" lvl="0" indent="0" algn="l" defTabSz="914400" rtl="0" eaLnBrk="1" fontAlgn="auto" latinLnBrk="0" hangingPunct="1">
-              <a:lnSpc>
-                <a:spcPct val="100000"/>
-              </a:lnSpc>
-              <a:spcBef>
-                <a:spcPts val="0"/>
-              </a:spcBef>
-              <a:spcAft>
-                <a:spcPts val="0"/>
-              </a:spcAft>
-              <a:buClrTx/>
-              <a:buSzTx/>
-              <a:buFontTx/>
-              <a:buNone/>
-              <a:tabLst/>
-              <a:defRPr/>
-            </a:pPr>
-            <a:r>
-              <a:rPr lang="en-US" dirty="0" err="1"/>
-              <a:t>Enkelt</a:t>
-            </a:r>
-            <a:r>
-              <a:rPr lang="en-US" dirty="0"/>
-              <a:t> </a:t>
-            </a:r>
-            <a:r>
-              <a:rPr lang="en-US" dirty="0" err="1"/>
-              <a:t>netværk</a:t>
-            </a:r>
-            <a:r>
-              <a:rPr lang="en-US" dirty="0"/>
-              <a:t>: 2 lag m. </a:t>
-            </a:r>
-            <a:r>
-              <a:rPr lang="en-US" dirty="0" err="1"/>
-              <a:t>hhv</a:t>
-            </a:r>
-            <a:r>
-              <a:rPr lang="en-US" dirty="0"/>
-              <a:t>. 3 </a:t>
-            </a:r>
-            <a:r>
-              <a:rPr lang="en-US" dirty="0" err="1"/>
-              <a:t>og</a:t>
-            </a:r>
-            <a:r>
-              <a:rPr lang="en-US" dirty="0"/>
-              <a:t> 6 hidden units. LR = 0.0001, dropout = 0.2</a:t>
-            </a:r>
-            <a:endParaRPr lang="da-DK" dirty="0"/>
-          </a:p>
-          <a:p>
             <a:endParaRPr lang="da-DK" dirty="0"/>
           </a:p>
         </p:txBody>
@@ -1130,7 +640,7 @@
     </p:spTree>
     <p:extLst>
       <p:ext uri="{BB962C8B-B14F-4D97-AF65-F5344CB8AC3E}">
-        <p14:creationId xmlns:p14="http://schemas.microsoft.com/office/powerpoint/2010/main" val="618301822"/>
+        <p14:creationId xmlns:p14="http://schemas.microsoft.com/office/powerpoint/2010/main" val="3699437912"/>
       </p:ext>
     </p:extLst>
   </p:cSld>
@@ -1184,6 +694,503 @@
           <a:bodyPr/>
           <a:lstStyle/>
           <a:p>
+            <a:r>
+              <a:rPr lang="en-US" dirty="0"/>
+              <a:t>Starter med </a:t>
+            </a:r>
+            <a:r>
+              <a:rPr lang="en-US" dirty="0" err="1"/>
+              <a:t>ikke</a:t>
+            </a:r>
+            <a:r>
+              <a:rPr lang="en-US" dirty="0"/>
+              <a:t> at </a:t>
+            </a:r>
+            <a:r>
+              <a:rPr lang="en-US" dirty="0" err="1"/>
+              <a:t>bruge</a:t>
+            </a:r>
+            <a:r>
+              <a:rPr lang="en-US" dirty="0"/>
+              <a:t> </a:t>
+            </a:r>
+            <a:r>
+              <a:rPr lang="en-US" dirty="0" err="1"/>
+              <a:t>valideringsættet</a:t>
+            </a:r>
+            <a:r>
+              <a:rPr lang="en-US" dirty="0"/>
+              <a:t>. Dette </a:t>
+            </a:r>
+            <a:r>
+              <a:rPr lang="en-US" dirty="0" err="1"/>
+              <a:t>kunne</a:t>
+            </a:r>
+            <a:r>
+              <a:rPr lang="en-US" dirty="0"/>
+              <a:t> </a:t>
+            </a:r>
+            <a:r>
+              <a:rPr lang="en-US" dirty="0" err="1"/>
+              <a:t>jeg</a:t>
+            </a:r>
+            <a:r>
+              <a:rPr lang="en-US" dirty="0"/>
+              <a:t> </a:t>
+            </a:r>
+            <a:r>
+              <a:rPr lang="en-US" dirty="0" err="1"/>
+              <a:t>f.eks</a:t>
+            </a:r>
+            <a:r>
+              <a:rPr lang="en-US" dirty="0"/>
+              <a:t>. have </a:t>
+            </a:r>
+            <a:r>
+              <a:rPr lang="en-US" dirty="0" err="1"/>
+              <a:t>brugt</a:t>
+            </a:r>
+            <a:r>
+              <a:rPr lang="en-US" dirty="0"/>
+              <a:t> </a:t>
+            </a:r>
+            <a:r>
+              <a:rPr lang="en-US" dirty="0" err="1"/>
+              <a:t>til</a:t>
+            </a:r>
+            <a:r>
+              <a:rPr lang="en-US" dirty="0"/>
+              <a:t> at tune </a:t>
+            </a:r>
+            <a:r>
+              <a:rPr lang="en-US" dirty="0" err="1"/>
+              <a:t>regulariseringsstyrker</a:t>
+            </a:r>
+            <a:r>
+              <a:rPr lang="en-US" dirty="0"/>
+              <a:t> </a:t>
+            </a:r>
+            <a:r>
+              <a:rPr lang="en-US" dirty="0" err="1"/>
+              <a:t>eller</a:t>
+            </a:r>
+            <a:r>
+              <a:rPr lang="en-US" dirty="0"/>
+              <a:t> </a:t>
+            </a:r>
+            <a:r>
+              <a:rPr lang="en-US" dirty="0" err="1"/>
+              <a:t>typer</a:t>
+            </a:r>
+            <a:r>
+              <a:rPr lang="en-US" dirty="0"/>
+              <a:t> </a:t>
+            </a:r>
+            <a:r>
+              <a:rPr lang="en-US" dirty="0" err="1"/>
+              <a:t>af</a:t>
+            </a:r>
+            <a:r>
+              <a:rPr lang="en-US" dirty="0"/>
+              <a:t> </a:t>
+            </a:r>
+            <a:r>
+              <a:rPr lang="en-US" dirty="0" err="1"/>
+              <a:t>regularisering</a:t>
+            </a:r>
+            <a:r>
+              <a:rPr lang="en-US" dirty="0"/>
+              <a:t>. Det </a:t>
+            </a:r>
+            <a:r>
+              <a:rPr lang="en-US" dirty="0" err="1"/>
+              <a:t>kunne</a:t>
+            </a:r>
+            <a:r>
+              <a:rPr lang="en-US" dirty="0"/>
+              <a:t> </a:t>
+            </a:r>
+            <a:r>
+              <a:rPr lang="en-US" dirty="0" err="1"/>
+              <a:t>være</a:t>
+            </a:r>
+            <a:r>
+              <a:rPr lang="en-US" dirty="0"/>
+              <a:t> </a:t>
+            </a:r>
+            <a:r>
+              <a:rPr lang="en-US" dirty="0" err="1"/>
+              <a:t>en</a:t>
+            </a:r>
+            <a:r>
+              <a:rPr lang="en-US" dirty="0"/>
+              <a:t> ide at </a:t>
+            </a:r>
+            <a:r>
+              <a:rPr lang="en-US" dirty="0" err="1"/>
+              <a:t>bruge</a:t>
+            </a:r>
+            <a:r>
+              <a:rPr lang="en-US" dirty="0"/>
+              <a:t> grid search, </a:t>
+            </a:r>
+            <a:r>
+              <a:rPr lang="en-US" dirty="0" err="1"/>
+              <a:t>hvis</a:t>
+            </a:r>
+            <a:r>
+              <a:rPr lang="en-US" dirty="0"/>
+              <a:t> man </a:t>
+            </a:r>
+            <a:r>
+              <a:rPr lang="en-US" dirty="0" err="1"/>
+              <a:t>virkelig</a:t>
+            </a:r>
+            <a:r>
+              <a:rPr lang="en-US" dirty="0"/>
+              <a:t> </a:t>
+            </a:r>
+            <a:r>
+              <a:rPr lang="en-US" dirty="0" err="1"/>
+              <a:t>gik</a:t>
+            </a:r>
+            <a:r>
+              <a:rPr lang="en-US" dirty="0"/>
+              <a:t> op </a:t>
+            </a:r>
+            <a:r>
+              <a:rPr lang="en-US" dirty="0" err="1"/>
+              <a:t>i</a:t>
+            </a:r>
+            <a:r>
+              <a:rPr lang="en-US" dirty="0"/>
+              <a:t>, </a:t>
+            </a:r>
+            <a:r>
+              <a:rPr lang="en-US" dirty="0" err="1"/>
+              <a:t>hvordan</a:t>
+            </a:r>
+            <a:r>
+              <a:rPr lang="en-US" dirty="0"/>
+              <a:t> </a:t>
+            </a:r>
+            <a:r>
+              <a:rPr lang="en-US" dirty="0" err="1"/>
+              <a:t>modellen</a:t>
+            </a:r>
+            <a:r>
+              <a:rPr lang="en-US" dirty="0"/>
+              <a:t> </a:t>
+            </a:r>
+            <a:r>
+              <a:rPr lang="en-US" dirty="0" err="1"/>
+              <a:t>perfomer</a:t>
+            </a:r>
+            <a:r>
+              <a:rPr lang="en-US" dirty="0"/>
+              <a:t>. </a:t>
+            </a:r>
+          </a:p>
+          <a:p>
+            <a:endParaRPr lang="en-US" dirty="0"/>
+          </a:p>
+          <a:p>
+            <a:endParaRPr lang="en-US" dirty="0"/>
+          </a:p>
+          <a:p>
+            <a:r>
+              <a:rPr lang="en-US" dirty="0"/>
+              <a:t>Tanker om performance: </a:t>
+            </a:r>
+            <a:r>
+              <a:rPr lang="en-US" dirty="0" err="1"/>
+              <a:t>Høj</a:t>
+            </a:r>
+            <a:r>
+              <a:rPr lang="en-US" dirty="0"/>
+              <a:t> accuracy </a:t>
+            </a:r>
+            <a:r>
+              <a:rPr lang="en-US" dirty="0" err="1"/>
+              <a:t>fordi</a:t>
+            </a:r>
+            <a:r>
+              <a:rPr lang="en-US" dirty="0"/>
+              <a:t> target-</a:t>
+            </a:r>
+            <a:r>
+              <a:rPr lang="en-US" dirty="0" err="1"/>
+              <a:t>variablen</a:t>
+            </a:r>
+            <a:r>
+              <a:rPr lang="en-US" dirty="0"/>
+              <a:t> er </a:t>
+            </a:r>
+            <a:r>
+              <a:rPr lang="en-US" dirty="0" err="1"/>
+              <a:t>imbalanceret</a:t>
+            </a:r>
+            <a:r>
+              <a:rPr lang="en-US" dirty="0"/>
+              <a:t>. </a:t>
+            </a:r>
+            <a:r>
+              <a:rPr lang="en-US" dirty="0" err="1"/>
+              <a:t>Måske</a:t>
+            </a:r>
+            <a:r>
+              <a:rPr lang="en-US" dirty="0"/>
+              <a:t> </a:t>
+            </a:r>
+            <a:r>
+              <a:rPr lang="en-US" dirty="0" err="1"/>
+              <a:t>en</a:t>
+            </a:r>
+            <a:r>
+              <a:rPr lang="en-US" dirty="0"/>
+              <a:t> god </a:t>
+            </a:r>
+            <a:r>
+              <a:rPr lang="en-US" dirty="0" err="1"/>
+              <a:t>idé</a:t>
+            </a:r>
+            <a:r>
+              <a:rPr lang="en-US" dirty="0"/>
+              <a:t> at </a:t>
+            </a:r>
+            <a:r>
+              <a:rPr lang="en-US" dirty="0" err="1"/>
+              <a:t>kigge</a:t>
+            </a:r>
+            <a:r>
+              <a:rPr lang="en-US" dirty="0"/>
+              <a:t> </a:t>
+            </a:r>
+            <a:r>
+              <a:rPr lang="en-US" dirty="0" err="1"/>
+              <a:t>på</a:t>
+            </a:r>
+            <a:r>
+              <a:rPr lang="en-US" dirty="0"/>
+              <a:t> </a:t>
+            </a:r>
+            <a:r>
+              <a:rPr lang="en-US" dirty="0" err="1"/>
+              <a:t>noget</a:t>
+            </a:r>
+            <a:r>
+              <a:rPr lang="en-US" dirty="0"/>
+              <a:t> calibration </a:t>
+            </a:r>
+            <a:r>
+              <a:rPr lang="en-US" dirty="0" err="1"/>
+              <a:t>af</a:t>
+            </a:r>
+            <a:r>
+              <a:rPr lang="en-US" dirty="0"/>
+              <a:t> </a:t>
+            </a:r>
+            <a:r>
+              <a:rPr lang="en-US" dirty="0" err="1"/>
+              <a:t>classifieren</a:t>
+            </a:r>
+            <a:r>
+              <a:rPr lang="en-US" dirty="0"/>
+              <a:t>, </a:t>
+            </a:r>
+            <a:r>
+              <a:rPr lang="en-US" dirty="0" err="1"/>
+              <a:t>eller</a:t>
+            </a:r>
+            <a:r>
+              <a:rPr lang="en-US" dirty="0"/>
+              <a:t> </a:t>
+            </a:r>
+            <a:r>
+              <a:rPr lang="en-US" dirty="0" err="1"/>
+              <a:t>undersøge</a:t>
+            </a:r>
+            <a:r>
+              <a:rPr lang="en-US" dirty="0"/>
+              <a:t>, om man </a:t>
+            </a:r>
+            <a:r>
+              <a:rPr lang="en-US" dirty="0" err="1"/>
+              <a:t>måske</a:t>
+            </a:r>
+            <a:r>
+              <a:rPr lang="en-US" dirty="0"/>
+              <a:t> </a:t>
+            </a:r>
+            <a:r>
+              <a:rPr lang="en-US" dirty="0" err="1"/>
+              <a:t>skulle</a:t>
+            </a:r>
+            <a:r>
+              <a:rPr lang="en-US" dirty="0"/>
+              <a:t> have et cut-off, der var </a:t>
+            </a:r>
+            <a:r>
+              <a:rPr lang="en-US" dirty="0" err="1"/>
+              <a:t>lavere</a:t>
+            </a:r>
+            <a:r>
+              <a:rPr lang="en-US" dirty="0"/>
+              <a:t> end 50%. </a:t>
+            </a:r>
+            <a:r>
+              <a:rPr lang="en-US" dirty="0" err="1"/>
+              <a:t>Når</a:t>
+            </a:r>
+            <a:r>
+              <a:rPr lang="en-US" dirty="0"/>
+              <a:t> </a:t>
+            </a:r>
+            <a:r>
+              <a:rPr lang="en-US" dirty="0" err="1"/>
+              <a:t>jeg</a:t>
+            </a:r>
+            <a:r>
+              <a:rPr lang="en-US" dirty="0"/>
+              <a:t> bare </a:t>
+            </a:r>
+            <a:r>
+              <a:rPr lang="en-US" dirty="0" err="1"/>
+              <a:t>inspicere</a:t>
+            </a:r>
+            <a:r>
+              <a:rPr lang="en-US" dirty="0"/>
+              <a:t> </a:t>
+            </a:r>
+            <a:r>
+              <a:rPr lang="en-US" dirty="0" err="1"/>
+              <a:t>prædiktionerne</a:t>
+            </a:r>
+            <a:r>
+              <a:rPr lang="en-US" dirty="0"/>
+              <a:t> er der </a:t>
+            </a:r>
+            <a:r>
+              <a:rPr lang="en-US" dirty="0" err="1"/>
+              <a:t>nogle</a:t>
+            </a:r>
+            <a:r>
+              <a:rPr lang="en-US" dirty="0"/>
+              <a:t> </a:t>
+            </a:r>
+            <a:r>
+              <a:rPr lang="en-US" dirty="0" err="1"/>
+              <a:t>af</a:t>
+            </a:r>
+            <a:r>
+              <a:rPr lang="en-US" dirty="0"/>
+              <a:t> de </a:t>
+            </a:r>
+            <a:r>
+              <a:rPr lang="en-US" dirty="0" err="1"/>
+              <a:t>observationer</a:t>
+            </a:r>
+            <a:r>
+              <a:rPr lang="en-US" dirty="0"/>
+              <a:t> med </a:t>
+            </a:r>
+            <a:r>
+              <a:rPr lang="en-US" dirty="0" err="1"/>
+              <a:t>is_violent</a:t>
+            </a:r>
+            <a:r>
+              <a:rPr lang="en-US" dirty="0"/>
+              <a:t>=1, der </a:t>
+            </a:r>
+            <a:r>
+              <a:rPr lang="en-US" dirty="0" err="1"/>
+              <a:t>har</a:t>
+            </a:r>
+            <a:r>
+              <a:rPr lang="en-US" dirty="0"/>
+              <a:t> </a:t>
+            </a:r>
+            <a:r>
+              <a:rPr lang="en-US" dirty="0" err="1"/>
+              <a:t>højere</a:t>
+            </a:r>
+            <a:r>
+              <a:rPr lang="en-US" dirty="0"/>
+              <a:t> </a:t>
+            </a:r>
+            <a:r>
+              <a:rPr lang="en-US" dirty="0" err="1"/>
+              <a:t>prædikteret</a:t>
+            </a:r>
+            <a:r>
+              <a:rPr lang="en-US" dirty="0"/>
+              <a:t> </a:t>
+            </a:r>
+            <a:r>
+              <a:rPr lang="en-US" dirty="0" err="1"/>
+              <a:t>sandsynlighed</a:t>
+            </a:r>
+            <a:r>
+              <a:rPr lang="en-US" dirty="0"/>
+              <a:t>. </a:t>
+            </a:r>
+          </a:p>
+          <a:p>
+            <a:endParaRPr lang="en-US" dirty="0"/>
+          </a:p>
+          <a:p>
+            <a:pPr marL="0" marR="0" lvl="0" indent="0" algn="l" defTabSz="914400" rtl="0" eaLnBrk="1" fontAlgn="auto" latinLnBrk="0" hangingPunct="1">
+              <a:lnSpc>
+                <a:spcPct val="100000"/>
+              </a:lnSpc>
+              <a:spcBef>
+                <a:spcPts val="0"/>
+              </a:spcBef>
+              <a:spcAft>
+                <a:spcPts val="0"/>
+              </a:spcAft>
+              <a:buClrTx/>
+              <a:buSzTx/>
+              <a:buFontTx/>
+              <a:buNone/>
+              <a:tabLst/>
+              <a:defRPr/>
+            </a:pPr>
+            <a:r>
+              <a:rPr lang="en-US" dirty="0" err="1"/>
+              <a:t>Enkelt</a:t>
+            </a:r>
+            <a:r>
+              <a:rPr lang="en-US" dirty="0"/>
+              <a:t> </a:t>
+            </a:r>
+            <a:r>
+              <a:rPr lang="en-US" dirty="0" err="1"/>
+              <a:t>netværk</a:t>
+            </a:r>
+            <a:r>
+              <a:rPr lang="en-US" dirty="0"/>
+              <a:t>: 2 lag m. </a:t>
+            </a:r>
+            <a:r>
+              <a:rPr lang="en-US" dirty="0" err="1"/>
+              <a:t>hhv</a:t>
+            </a:r>
+            <a:r>
+              <a:rPr lang="en-US" dirty="0"/>
+              <a:t>. 3 </a:t>
+            </a:r>
+            <a:r>
+              <a:rPr lang="en-US" dirty="0" err="1"/>
+              <a:t>og</a:t>
+            </a:r>
+            <a:r>
+              <a:rPr lang="en-US" dirty="0"/>
+              <a:t> 6 hidden units. LR = 0.0001, dropout = 0.2</a:t>
+            </a:r>
+            <a:endParaRPr lang="da-DK" dirty="0"/>
+          </a:p>
+          <a:p>
             <a:endParaRPr lang="da-DK" dirty="0"/>
           </a:p>
         </p:txBody>
@@ -1206,6 +1213,90 @@
             <a:fld id="{58F53778-6204-4A73-9B35-52C51C84CCAB}" type="slidenum">
               <a:rPr lang="da-DK" smtClean="0"/>
               <a:t>12</a:t>
+            </a:fld>
+            <a:endParaRPr lang="da-DK"/>
+          </a:p>
+        </p:txBody>
+      </p:sp>
+    </p:spTree>
+    <p:extLst>
+      <p:ext uri="{BB962C8B-B14F-4D97-AF65-F5344CB8AC3E}">
+        <p14:creationId xmlns:p14="http://schemas.microsoft.com/office/powerpoint/2010/main" val="618301822"/>
+      </p:ext>
+    </p:extLst>
+  </p:cSld>
+  <p:clrMapOvr>
+    <a:masterClrMapping/>
+  </p:clrMapOvr>
+</p:notes>
+</file>
+
+<file path=ppt/notesSlides/notesSlide12.xml><?xml version="1.0" encoding="utf-8"?>
+<p:notes xmlns:a="http://schemas.openxmlformats.org/drawingml/2006/main" xmlns:r="http://schemas.openxmlformats.org/officeDocument/2006/relationships" xmlns:p="http://schemas.openxmlformats.org/presentationml/2006/main">
+  <p:cSld>
+    <p:spTree>
+      <p:nvGrpSpPr>
+        <p:cNvPr id="1" name=""/>
+        <p:cNvGrpSpPr/>
+        <p:nvPr/>
+      </p:nvGrpSpPr>
+      <p:grpSpPr>
+        <a:xfrm>
+          <a:off x="0" y="0"/>
+          <a:ext cx="0" cy="0"/>
+          <a:chOff x="0" y="0"/>
+          <a:chExt cx="0" cy="0"/>
+        </a:xfrm>
+      </p:grpSpPr>
+      <p:sp>
+        <p:nvSpPr>
+          <p:cNvPr id="2" name="Slide Image Placeholder 1"/>
+          <p:cNvSpPr>
+            <a:spLocks noGrp="1" noRot="1" noChangeAspect="1"/>
+          </p:cNvSpPr>
+          <p:nvPr>
+            <p:ph type="sldImg"/>
+          </p:nvPr>
+        </p:nvSpPr>
+        <p:spPr/>
+      </p:sp>
+      <p:sp>
+        <p:nvSpPr>
+          <p:cNvPr id="3" name="Notes Placeholder 2"/>
+          <p:cNvSpPr>
+            <a:spLocks noGrp="1"/>
+          </p:cNvSpPr>
+          <p:nvPr>
+            <p:ph type="body" idx="1"/>
+          </p:nvPr>
+        </p:nvSpPr>
+        <p:spPr/>
+        <p:txBody>
+          <a:bodyPr/>
+          <a:lstStyle/>
+          <a:p>
+            <a:endParaRPr lang="da-DK" dirty="0"/>
+          </a:p>
+        </p:txBody>
+      </p:sp>
+      <p:sp>
+        <p:nvSpPr>
+          <p:cNvPr id="4" name="Slide Number Placeholder 3"/>
+          <p:cNvSpPr>
+            <a:spLocks noGrp="1"/>
+          </p:cNvSpPr>
+          <p:nvPr>
+            <p:ph type="sldNum" sz="quarter" idx="5"/>
+          </p:nvPr>
+        </p:nvSpPr>
+        <p:spPr/>
+        <p:txBody>
+          <a:bodyPr/>
+          <a:lstStyle/>
+          <a:p>
+            <a:fld id="{58F53778-6204-4A73-9B35-52C51C84CCAB}" type="slidenum">
+              <a:rPr lang="da-DK" smtClean="0"/>
+              <a:t>13</a:t>
             </a:fld>
             <a:endParaRPr lang="da-DK"/>
           </a:p>
@@ -1877,7 +1968,7 @@
           <a:p>
             <a:fld id="{58F53778-6204-4A73-9B35-52C51C84CCAB}" type="slidenum">
               <a:rPr lang="da-DK" smtClean="0"/>
-              <a:t>10</a:t>
+              <a:t>9</a:t>
             </a:fld>
             <a:endParaRPr lang="da-DK"/>
           </a:p>
@@ -1886,7 +1977,7 @@
     </p:spTree>
     <p:extLst>
       <p:ext uri="{BB962C8B-B14F-4D97-AF65-F5344CB8AC3E}">
-        <p14:creationId xmlns:p14="http://schemas.microsoft.com/office/powerpoint/2010/main" val="3699437912"/>
+        <p14:creationId xmlns:p14="http://schemas.microsoft.com/office/powerpoint/2010/main" val="3781746669"/>
       </p:ext>
     </p:extLst>
   </p:cSld>
@@ -2045,7 +2136,7 @@
           <a:p>
             <a:fld id="{021EA933-29B7-46AE-B3D4-E3B88E138EF1}" type="datetimeFigureOut">
               <a:rPr lang="da-DK" smtClean="0"/>
-              <a:t>15-02-2022</a:t>
+              <a:t>16-02-2022</a:t>
             </a:fld>
             <a:endParaRPr lang="da-DK"/>
           </a:p>
@@ -2245,7 +2336,7 @@
           <a:p>
             <a:fld id="{021EA933-29B7-46AE-B3D4-E3B88E138EF1}" type="datetimeFigureOut">
               <a:rPr lang="da-DK" smtClean="0"/>
-              <a:t>15-02-2022</a:t>
+              <a:t>16-02-2022</a:t>
             </a:fld>
             <a:endParaRPr lang="da-DK"/>
           </a:p>
@@ -2455,7 +2546,7 @@
           <a:p>
             <a:fld id="{021EA933-29B7-46AE-B3D4-E3B88E138EF1}" type="datetimeFigureOut">
               <a:rPr lang="da-DK" smtClean="0"/>
-              <a:t>15-02-2022</a:t>
+              <a:t>16-02-2022</a:t>
             </a:fld>
             <a:endParaRPr lang="da-DK"/>
           </a:p>
@@ -2655,7 +2746,7 @@
           <a:p>
             <a:fld id="{021EA933-29B7-46AE-B3D4-E3B88E138EF1}" type="datetimeFigureOut">
               <a:rPr lang="da-DK" smtClean="0"/>
-              <a:t>15-02-2022</a:t>
+              <a:t>16-02-2022</a:t>
             </a:fld>
             <a:endParaRPr lang="da-DK"/>
           </a:p>
@@ -2931,7 +3022,7 @@
           <a:p>
             <a:fld id="{021EA933-29B7-46AE-B3D4-E3B88E138EF1}" type="datetimeFigureOut">
               <a:rPr lang="da-DK" smtClean="0"/>
-              <a:t>15-02-2022</a:t>
+              <a:t>16-02-2022</a:t>
             </a:fld>
             <a:endParaRPr lang="da-DK"/>
           </a:p>
@@ -3199,7 +3290,7 @@
           <a:p>
             <a:fld id="{021EA933-29B7-46AE-B3D4-E3B88E138EF1}" type="datetimeFigureOut">
               <a:rPr lang="da-DK" smtClean="0"/>
-              <a:t>15-02-2022</a:t>
+              <a:t>16-02-2022</a:t>
             </a:fld>
             <a:endParaRPr lang="da-DK"/>
           </a:p>
@@ -3614,7 +3705,7 @@
           <a:p>
             <a:fld id="{021EA933-29B7-46AE-B3D4-E3B88E138EF1}" type="datetimeFigureOut">
               <a:rPr lang="da-DK" smtClean="0"/>
-              <a:t>15-02-2022</a:t>
+              <a:t>16-02-2022</a:t>
             </a:fld>
             <a:endParaRPr lang="da-DK"/>
           </a:p>
@@ -3756,7 +3847,7 @@
           <a:p>
             <a:fld id="{021EA933-29B7-46AE-B3D4-E3B88E138EF1}" type="datetimeFigureOut">
               <a:rPr lang="da-DK" smtClean="0"/>
-              <a:t>15-02-2022</a:t>
+              <a:t>16-02-2022</a:t>
             </a:fld>
             <a:endParaRPr lang="da-DK"/>
           </a:p>
@@ -3869,7 +3960,7 @@
           <a:p>
             <a:fld id="{021EA933-29B7-46AE-B3D4-E3B88E138EF1}" type="datetimeFigureOut">
               <a:rPr lang="da-DK" smtClean="0"/>
-              <a:t>15-02-2022</a:t>
+              <a:t>16-02-2022</a:t>
             </a:fld>
             <a:endParaRPr lang="da-DK"/>
           </a:p>
@@ -4182,7 +4273,7 @@
           <a:p>
             <a:fld id="{021EA933-29B7-46AE-B3D4-E3B88E138EF1}" type="datetimeFigureOut">
               <a:rPr lang="da-DK" smtClean="0"/>
-              <a:t>15-02-2022</a:t>
+              <a:t>16-02-2022</a:t>
             </a:fld>
             <a:endParaRPr lang="da-DK"/>
           </a:p>
@@ -4471,7 +4562,7 @@
           <a:p>
             <a:fld id="{021EA933-29B7-46AE-B3D4-E3B88E138EF1}" type="datetimeFigureOut">
               <a:rPr lang="da-DK" smtClean="0"/>
-              <a:t>15-02-2022</a:t>
+              <a:t>16-02-2022</a:t>
             </a:fld>
             <a:endParaRPr lang="da-DK"/>
           </a:p>
@@ -4714,7 +4805,7 @@
           <a:p>
             <a:fld id="{021EA933-29B7-46AE-B3D4-E3B88E138EF1}" type="datetimeFigureOut">
               <a:rPr lang="da-DK" smtClean="0"/>
-              <a:t>15-02-2022</a:t>
+              <a:t>16-02-2022</a:t>
             </a:fld>
             <a:endParaRPr lang="da-DK"/>
           </a:p>
@@ -5609,12 +5700,12 @@
         <p:spPr>
           <a:xfrm>
             <a:off x="838200" y="894080"/>
-            <a:ext cx="10515600" cy="5669280"/>
+            <a:ext cx="10515600" cy="4906963"/>
           </a:xfrm>
         </p:spPr>
         <p:txBody>
           <a:bodyPr>
-            <a:noAutofit/>
+            <a:normAutofit/>
           </a:bodyPr>
           <a:lstStyle/>
           <a:p>
@@ -5625,114 +5716,120 @@
               <a:rPr lang="en-US" sz="2200" dirty="0" err="1">
                 <a:latin typeface="+mj-lt"/>
               </a:rPr>
-              <a:t>Spørgsmål</a:t>
+              <a:t>Observationer</a:t>
+            </a:r>
+            <a:r>
+              <a:rPr lang="en-US" sz="2200" dirty="0">
+                <a:latin typeface="+mj-lt"/>
+              </a:rPr>
+              <a:t> </a:t>
+            </a:r>
+          </a:p>
+          <a:p>
+            <a:pPr lvl="1">
+              <a:spcAft>
+                <a:spcPts val="500"/>
+              </a:spcAft>
+            </a:pPr>
+            <a:r>
+              <a:rPr lang="en-US" sz="2200" dirty="0" err="1">
+                <a:latin typeface="+mj-lt"/>
+              </a:rPr>
+              <a:t>Antallet</a:t>
+            </a:r>
+            <a:r>
+              <a:rPr lang="en-US" sz="2200" dirty="0">
+                <a:latin typeface="+mj-lt"/>
+              </a:rPr>
+              <a:t> </a:t>
+            </a:r>
+            <a:r>
+              <a:rPr lang="en-US" sz="2200" dirty="0" err="1">
+                <a:latin typeface="+mj-lt"/>
+              </a:rPr>
+              <a:t>af</a:t>
+            </a:r>
+            <a:r>
+              <a:rPr lang="en-US" sz="2200" dirty="0">
+                <a:latin typeface="+mj-lt"/>
+              </a:rPr>
+              <a:t> </a:t>
+            </a:r>
+            <a:r>
+              <a:rPr lang="en-US" sz="2200" dirty="0" err="1">
+                <a:latin typeface="+mj-lt"/>
+              </a:rPr>
+              <a:t>incidenser</a:t>
+            </a:r>
+            <a:r>
+              <a:rPr lang="en-US" sz="2200" dirty="0">
+                <a:latin typeface="+mj-lt"/>
+              </a:rPr>
+              <a:t> ser </a:t>
+            </a:r>
+            <a:r>
+              <a:rPr lang="en-US" sz="2200" dirty="0" err="1">
+                <a:latin typeface="+mj-lt"/>
+              </a:rPr>
+              <a:t>generelt</a:t>
+            </a:r>
+            <a:r>
+              <a:rPr lang="en-US" sz="2200" dirty="0">
+                <a:latin typeface="+mj-lt"/>
+              </a:rPr>
+              <a:t> </a:t>
+            </a:r>
+            <a:r>
+              <a:rPr lang="en-US" sz="2200" dirty="0" err="1">
+                <a:latin typeface="+mj-lt"/>
+              </a:rPr>
+              <a:t>nedadgående</a:t>
+            </a:r>
+            <a:r>
+              <a:rPr lang="en-US" sz="2200" dirty="0">
+                <a:latin typeface="+mj-lt"/>
+              </a:rPr>
+              <a:t> </a:t>
+            </a:r>
+            <a:r>
+              <a:rPr lang="en-US" sz="2200" dirty="0" err="1">
+                <a:latin typeface="+mj-lt"/>
+              </a:rPr>
+              <a:t>ud</a:t>
             </a:r>
             <a:endParaRPr lang="en-US" sz="2200" dirty="0">
               <a:latin typeface="+mj-lt"/>
             </a:endParaRPr>
           </a:p>
           <a:p>
-            <a:pPr marL="457200" lvl="1" indent="0">
+            <a:pPr lvl="1">
               <a:spcAft>
                 <a:spcPts val="500"/>
               </a:spcAft>
-              <a:buNone/>
             </a:pPr>
             <a:r>
               <a:rPr lang="en-US" sz="2200" dirty="0">
                 <a:latin typeface="+mj-lt"/>
               </a:rPr>
-              <a:t>Kan vi </a:t>
-            </a:r>
-            <a:r>
-              <a:rPr lang="en-US" sz="2200" dirty="0" err="1">
-                <a:latin typeface="+mj-lt"/>
-              </a:rPr>
-              <a:t>bruge</a:t>
-            </a:r>
-            <a:r>
-              <a:rPr lang="en-US" sz="2200" dirty="0">
-                <a:latin typeface="+mj-lt"/>
-              </a:rPr>
-              <a:t> </a:t>
-            </a:r>
-            <a:r>
-              <a:rPr lang="en-US" sz="2200" dirty="0" err="1">
-                <a:latin typeface="+mj-lt"/>
-              </a:rPr>
-              <a:t>datasættet</a:t>
-            </a:r>
-            <a:r>
-              <a:rPr lang="en-US" sz="2200" dirty="0">
-                <a:latin typeface="+mj-lt"/>
-              </a:rPr>
-              <a:t> </a:t>
-            </a:r>
-            <a:r>
-              <a:rPr lang="en-US" sz="2200" dirty="0" err="1">
-                <a:latin typeface="+mj-lt"/>
-              </a:rPr>
-              <a:t>til</a:t>
-            </a:r>
-            <a:r>
-              <a:rPr lang="en-US" sz="2200" dirty="0">
-                <a:latin typeface="+mj-lt"/>
-              </a:rPr>
-              <a:t> at </a:t>
-            </a:r>
-            <a:r>
-              <a:rPr lang="en-US" sz="2200" dirty="0" err="1">
-                <a:latin typeface="+mj-lt"/>
-              </a:rPr>
-              <a:t>hjælpe</a:t>
-            </a:r>
-            <a:r>
-              <a:rPr lang="en-US" sz="2200" dirty="0">
-                <a:latin typeface="+mj-lt"/>
-              </a:rPr>
-              <a:t> de </a:t>
-            </a:r>
-            <a:r>
-              <a:rPr lang="en-US" sz="2200" dirty="0" err="1">
-                <a:latin typeface="+mj-lt"/>
-              </a:rPr>
-              <a:t>tre</a:t>
-            </a:r>
-            <a:r>
-              <a:rPr lang="en-US" sz="2200" dirty="0">
-                <a:latin typeface="+mj-lt"/>
-              </a:rPr>
-              <a:t> </a:t>
-            </a:r>
-            <a:r>
-              <a:rPr lang="en-US" sz="2200" dirty="0" err="1">
-                <a:latin typeface="+mj-lt"/>
-              </a:rPr>
-              <a:t>distrikter</a:t>
-            </a:r>
-            <a:r>
-              <a:rPr lang="en-US" sz="2200" dirty="0">
-                <a:latin typeface="+mj-lt"/>
-              </a:rPr>
-              <a:t> </a:t>
-            </a:r>
-            <a:r>
-              <a:rPr lang="en-US" sz="2200" dirty="0" err="1">
-                <a:latin typeface="+mj-lt"/>
-              </a:rPr>
-              <a:t>til</a:t>
-            </a:r>
-            <a:r>
-              <a:rPr lang="en-US" sz="2200" dirty="0">
-                <a:latin typeface="+mj-lt"/>
-              </a:rPr>
-              <a:t> at </a:t>
-            </a:r>
-            <a:r>
-              <a:rPr lang="en-US" sz="2200" dirty="0" err="1">
-                <a:latin typeface="+mj-lt"/>
-              </a:rPr>
-              <a:t>bekæmpe</a:t>
+              <a:t>Men… </a:t>
+            </a:r>
+            <a:r>
+              <a:rPr lang="en-US" sz="2200" dirty="0" err="1">
+                <a:latin typeface="+mj-lt"/>
+              </a:rPr>
+              <a:t>mængden</a:t>
+            </a:r>
+            <a:r>
+              <a:rPr lang="en-US" sz="2200" dirty="0">
+                <a:latin typeface="+mj-lt"/>
+              </a:rPr>
+              <a:t> </a:t>
+            </a:r>
+            <a:r>
+              <a:rPr lang="en-US" sz="2200" dirty="0" err="1">
+                <a:latin typeface="+mj-lt"/>
+              </a:rPr>
+              <a:t>af</a:t>
             </a:r>
             <a:r>
               <a:rPr lang="en-US" sz="2200" dirty="0">
@@ -5762,7 +5859,43 @@
               <a:rPr lang="en-US" sz="2200" dirty="0">
                 <a:latin typeface="+mj-lt"/>
               </a:rPr>
-              <a:t>?</a:t>
+              <a:t> ser </a:t>
+            </a:r>
+            <a:r>
+              <a:rPr lang="en-US" sz="2200" dirty="0" err="1">
+                <a:latin typeface="+mj-lt"/>
+              </a:rPr>
+              <a:t>stabil</a:t>
+            </a:r>
+            <a:r>
+              <a:rPr lang="en-US" sz="2200" dirty="0">
+                <a:latin typeface="+mj-lt"/>
+              </a:rPr>
+              <a:t> </a:t>
+            </a:r>
+            <a:r>
+              <a:rPr lang="en-US" sz="2200" dirty="0" err="1">
+                <a:latin typeface="+mj-lt"/>
+              </a:rPr>
+              <a:t>ud</a:t>
+            </a:r>
+            <a:r>
+              <a:rPr lang="en-US" sz="2200" dirty="0">
+                <a:latin typeface="+mj-lt"/>
+              </a:rPr>
+              <a:t> </a:t>
+            </a:r>
+            <a:r>
+              <a:rPr lang="en-US" sz="2200" dirty="0" err="1">
+                <a:latin typeface="+mj-lt"/>
+              </a:rPr>
+              <a:t>fra</a:t>
+            </a:r>
+            <a:r>
+              <a:rPr lang="en-US" sz="2200" dirty="0">
+                <a:latin typeface="+mj-lt"/>
+              </a:rPr>
+              <a:t> 2013-2018</a:t>
             </a:r>
             <a:br>
               <a:rPr lang="en-US" sz="2200" dirty="0">
@@ -5778,51 +5911,56 @@
               <a:buNone/>
             </a:pPr>
             <a:r>
-              <a:rPr lang="en-US" sz="2200" dirty="0">
-                <a:latin typeface="+mj-lt"/>
-              </a:rPr>
-              <a:t>Ide </a:t>
-            </a:r>
-            <a:r>
-              <a:rPr lang="en-US" sz="2200" dirty="0" err="1">
-                <a:latin typeface="+mj-lt"/>
-              </a:rPr>
-              <a:t>til</a:t>
-            </a:r>
-            <a:r>
-              <a:rPr lang="en-US" sz="2200" dirty="0">
-                <a:latin typeface="+mj-lt"/>
-              </a:rPr>
-              <a:t> </a:t>
-            </a:r>
-            <a:r>
-              <a:rPr lang="en-US" sz="2200" dirty="0" err="1">
-                <a:latin typeface="+mj-lt"/>
-              </a:rPr>
-              <a:t>svar</a:t>
+              <a:rPr lang="en-US" sz="2200" dirty="0" err="1">
+                <a:latin typeface="+mj-lt"/>
+              </a:rPr>
+              <a:t>Antagelser</a:t>
             </a:r>
             <a:endParaRPr lang="en-US" sz="2200" dirty="0">
               <a:latin typeface="+mj-lt"/>
             </a:endParaRPr>
           </a:p>
           <a:p>
-            <a:pPr marL="457200" lvl="1" indent="0">
+            <a:pPr lvl="1">
               <a:spcAft>
                 <a:spcPts val="500"/>
               </a:spcAft>
-              <a:buNone/>
             </a:pPr>
             <a:r>
               <a:rPr lang="en-US" sz="2200" dirty="0" err="1">
                 <a:latin typeface="+mj-lt"/>
               </a:rPr>
-              <a:t>Risikovurdering</a:t>
-            </a:r>
-            <a:r>
-              <a:rPr lang="en-US" sz="2200" dirty="0">
-                <a:latin typeface="+mj-lt"/>
-              </a:rPr>
-              <a:t> </a:t>
+              <a:t>En</a:t>
+            </a:r>
+            <a:r>
+              <a:rPr lang="en-US" sz="2200" dirty="0">
+                <a:latin typeface="+mj-lt"/>
+              </a:rPr>
+              <a:t> </a:t>
+            </a:r>
+            <a:r>
+              <a:rPr lang="en-US" sz="2200" dirty="0" err="1">
+                <a:latin typeface="+mj-lt"/>
+              </a:rPr>
+              <a:t>voldelig</a:t>
+            </a:r>
+            <a:r>
+              <a:rPr lang="en-US" sz="2200" dirty="0">
+                <a:latin typeface="+mj-lt"/>
+              </a:rPr>
+              <a:t> situation </a:t>
+            </a:r>
+            <a:r>
+              <a:rPr lang="en-US" sz="2200" dirty="0" err="1">
+                <a:latin typeface="+mj-lt"/>
+              </a:rPr>
+              <a:t>kræver</a:t>
+            </a:r>
+            <a:r>
+              <a:rPr lang="en-US" sz="2200" dirty="0">
+                <a:latin typeface="+mj-lt"/>
+              </a:rPr>
+              <a:t> mere </a:t>
             </a:r>
             <a:r>
               <a:rPr lang="en-US" sz="2200" dirty="0" err="1">
@@ -5834,7 +5972,7 @@
               <a:rPr lang="en-US" sz="2200" dirty="0">
                 <a:latin typeface="+mj-lt"/>
               </a:rPr>
-              <a:t> om </a:t>
+              <a:t> </a:t>
             </a:r>
             <a:r>
               <a:rPr lang="en-US" sz="2200" dirty="0" err="1">
@@ -5842,229 +5980,265 @@
               </a:rPr>
               <a:t>politiet</a:t>
             </a:r>
-            <a:r>
-              <a:rPr lang="en-US" sz="2200" dirty="0">
-                <a:latin typeface="+mj-lt"/>
-              </a:rPr>
-              <a:t> </a:t>
-            </a:r>
-            <a:r>
-              <a:rPr lang="en-US" sz="2200" dirty="0" err="1">
-                <a:latin typeface="+mj-lt"/>
-              </a:rPr>
-              <a:t>møder</a:t>
-            </a:r>
-            <a:r>
-              <a:rPr lang="en-US" sz="2200" dirty="0">
-                <a:latin typeface="+mj-lt"/>
-              </a:rPr>
-              <a:t> </a:t>
-            </a:r>
-            <a:r>
-              <a:rPr lang="en-US" sz="2200" dirty="0" err="1">
-                <a:latin typeface="+mj-lt"/>
-              </a:rPr>
-              <a:t>en</a:t>
-            </a:r>
-            <a:r>
-              <a:rPr lang="en-US" sz="2200" dirty="0">
-                <a:latin typeface="+mj-lt"/>
-              </a:rPr>
-              <a:t> </a:t>
-            </a:r>
-            <a:r>
-              <a:rPr lang="en-US" sz="2200" dirty="0" err="1">
-                <a:latin typeface="+mj-lt"/>
-              </a:rPr>
-              <a:t>voldelig</a:t>
-            </a:r>
-            <a:r>
-              <a:rPr lang="en-US" sz="2200" dirty="0">
-                <a:latin typeface="+mj-lt"/>
-              </a:rPr>
-              <a:t> </a:t>
-            </a:r>
-            <a:r>
-              <a:rPr lang="en-US" sz="2200" dirty="0" err="1">
-                <a:latin typeface="+mj-lt"/>
-              </a:rPr>
-              <a:t>hændelse</a:t>
-            </a:r>
-            <a:r>
-              <a:rPr lang="en-US" sz="2200" dirty="0">
-                <a:latin typeface="+mj-lt"/>
-              </a:rPr>
-              <a:t> </a:t>
-            </a:r>
-            <a:r>
-              <a:rPr lang="en-US" sz="2200" dirty="0" err="1">
-                <a:latin typeface="+mj-lt"/>
-              </a:rPr>
-              <a:t>eller</a:t>
-            </a:r>
-            <a:r>
-              <a:rPr lang="en-US" sz="2200" dirty="0">
-                <a:latin typeface="+mj-lt"/>
-              </a:rPr>
-              <a:t> </a:t>
-            </a:r>
-            <a:r>
-              <a:rPr lang="en-US" sz="2200" dirty="0" err="1">
-                <a:latin typeface="+mj-lt"/>
-              </a:rPr>
-              <a:t>ej</a:t>
-            </a:r>
-            <a:br>
-              <a:rPr lang="en-US" sz="2200" dirty="0">
-                <a:latin typeface="+mj-lt"/>
-              </a:rPr>
-            </a:br>
             <a:endParaRPr lang="en-US" sz="2200" dirty="0">
               <a:latin typeface="+mj-lt"/>
             </a:endParaRPr>
           </a:p>
           <a:p>
-            <a:pPr marL="0" indent="0">
-              <a:buNone/>
+            <a:pPr lvl="1">
+              <a:spcAft>
+                <a:spcPts val="500"/>
+              </a:spcAft>
             </a:pPr>
             <a:r>
               <a:rPr lang="en-US" sz="2200" dirty="0" err="1">
                 <a:latin typeface="+mj-lt"/>
               </a:rPr>
-              <a:t>Hvorfor</a:t>
+              <a:t>Voldelig</a:t>
+            </a:r>
+            <a:r>
+              <a:rPr lang="en-US" sz="2200" dirty="0">
+                <a:latin typeface="+mj-lt"/>
+              </a:rPr>
+              <a:t> </a:t>
+            </a:r>
+            <a:r>
+              <a:rPr lang="en-US" sz="2200" dirty="0" err="1">
+                <a:latin typeface="+mj-lt"/>
+              </a:rPr>
+              <a:t>kriminalitet</a:t>
+            </a:r>
+            <a:r>
+              <a:rPr lang="en-US" sz="2200" dirty="0">
+                <a:latin typeface="+mj-lt"/>
+              </a:rPr>
+              <a:t> </a:t>
+            </a:r>
+            <a:r>
+              <a:rPr lang="en-US" sz="2200" dirty="0" err="1">
+                <a:latin typeface="+mj-lt"/>
+              </a:rPr>
+              <a:t>har</a:t>
+            </a:r>
+            <a:r>
+              <a:rPr lang="en-US" sz="2200" dirty="0">
+                <a:latin typeface="+mj-lt"/>
+              </a:rPr>
+              <a:t> </a:t>
+            </a:r>
+            <a:r>
+              <a:rPr lang="en-US" sz="2200" dirty="0" err="1">
+                <a:latin typeface="+mj-lt"/>
+              </a:rPr>
+              <a:t>generelt</a:t>
+            </a:r>
+            <a:r>
+              <a:rPr lang="en-US" sz="2200" dirty="0">
+                <a:latin typeface="+mj-lt"/>
+              </a:rPr>
+              <a:t> </a:t>
+            </a:r>
+            <a:r>
+              <a:rPr lang="en-US" sz="2200" dirty="0" err="1">
+                <a:latin typeface="+mj-lt"/>
+              </a:rPr>
+              <a:t>større</a:t>
+            </a:r>
+            <a:r>
+              <a:rPr lang="en-US" sz="2200" dirty="0">
+                <a:latin typeface="+mj-lt"/>
+              </a:rPr>
+              <a:t> </a:t>
+            </a:r>
+            <a:r>
+              <a:rPr lang="en-US" sz="2200" dirty="0" err="1">
+                <a:latin typeface="+mj-lt"/>
+              </a:rPr>
+              <a:t>konsekvenser</a:t>
+            </a:r>
+            <a:r>
+              <a:rPr lang="en-US" sz="2200" dirty="0">
+                <a:latin typeface="+mj-lt"/>
+              </a:rPr>
+              <a:t> for </a:t>
+            </a:r>
+            <a:r>
+              <a:rPr lang="en-US" sz="2200" dirty="0" err="1">
+                <a:latin typeface="+mj-lt"/>
+              </a:rPr>
+              <a:t>ofrene</a:t>
+            </a:r>
+            <a:r>
+              <a:rPr lang="en-US" sz="2200" dirty="0">
+                <a:latin typeface="+mj-lt"/>
+              </a:rPr>
+              <a:t> </a:t>
+            </a:r>
+            <a:r>
+              <a:rPr lang="en-US" sz="2200" dirty="0" err="1">
+                <a:latin typeface="+mj-lt"/>
+              </a:rPr>
+              <a:t>og</a:t>
+            </a:r>
+            <a:r>
+              <a:rPr lang="en-US" sz="2200" dirty="0">
+                <a:latin typeface="+mj-lt"/>
+              </a:rPr>
+              <a:t> </a:t>
+            </a:r>
+            <a:r>
+              <a:rPr lang="en-US" sz="2200" dirty="0" err="1">
+                <a:latin typeface="+mj-lt"/>
+              </a:rPr>
+              <a:t>gør</a:t>
+            </a:r>
+            <a:r>
+              <a:rPr lang="en-US" sz="2200" dirty="0">
+                <a:latin typeface="+mj-lt"/>
+              </a:rPr>
+              <a:t> folk mere bange end </a:t>
+            </a:r>
+            <a:r>
+              <a:rPr lang="en-US" sz="2200" dirty="0" err="1">
+                <a:latin typeface="+mj-lt"/>
+              </a:rPr>
+              <a:t>anden</a:t>
+            </a:r>
+            <a:r>
+              <a:rPr lang="en-US" sz="2200" dirty="0">
+                <a:latin typeface="+mj-lt"/>
+              </a:rPr>
+              <a:t> </a:t>
+            </a:r>
+            <a:r>
+              <a:rPr lang="en-US" sz="2200" dirty="0" err="1">
+                <a:latin typeface="+mj-lt"/>
+              </a:rPr>
+              <a:t>kriminalitet</a:t>
             </a:r>
             <a:endParaRPr lang="en-US" sz="2200" dirty="0">
               <a:latin typeface="+mj-lt"/>
             </a:endParaRPr>
           </a:p>
           <a:p>
-            <a:pPr marL="457200" lvl="1" indent="0">
+            <a:pPr lvl="1">
               <a:spcAft>
                 <a:spcPts val="500"/>
               </a:spcAft>
-              <a:buNone/>
             </a:pPr>
             <a:r>
-              <a:rPr lang="en-US" sz="2200" dirty="0">
-                <a:latin typeface="+mj-lt"/>
-              </a:rPr>
-              <a:t>At </a:t>
-            </a:r>
-            <a:r>
-              <a:rPr lang="en-US" sz="2200" dirty="0" err="1">
-                <a:latin typeface="+mj-lt"/>
-              </a:rPr>
-              <a:t>kende</a:t>
-            </a:r>
-            <a:r>
-              <a:rPr lang="en-US" sz="2200" dirty="0">
-                <a:latin typeface="+mj-lt"/>
-              </a:rPr>
-              <a:t> </a:t>
-            </a:r>
-            <a:r>
-              <a:rPr lang="en-US" sz="2200" dirty="0" err="1">
-                <a:latin typeface="+mj-lt"/>
-              </a:rPr>
-              <a:t>risikoen</a:t>
-            </a:r>
-            <a:r>
-              <a:rPr lang="en-US" sz="2200" dirty="0">
-                <a:latin typeface="+mj-lt"/>
-              </a:rPr>
-              <a:t> for </a:t>
-            </a:r>
-            <a:r>
-              <a:rPr lang="en-US" sz="2200" dirty="0" err="1">
-                <a:latin typeface="+mj-lt"/>
-              </a:rPr>
-              <a:t>vold</a:t>
-            </a:r>
-            <a:r>
-              <a:rPr lang="en-US" sz="2200" dirty="0">
-                <a:latin typeface="+mj-lt"/>
-              </a:rPr>
-              <a:t> </a:t>
-            </a:r>
-            <a:r>
-              <a:rPr lang="en-US" sz="2200" dirty="0" err="1">
-                <a:latin typeface="+mj-lt"/>
-              </a:rPr>
-              <a:t>kan</a:t>
-            </a:r>
-            <a:r>
-              <a:rPr lang="en-US" sz="2200" dirty="0">
-                <a:latin typeface="+mj-lt"/>
-              </a:rPr>
-              <a:t> </a:t>
-            </a:r>
-            <a:r>
-              <a:rPr lang="en-US" sz="2200" dirty="0" err="1">
-                <a:latin typeface="+mj-lt"/>
-              </a:rPr>
-              <a:t>hjælpe</a:t>
-            </a:r>
-            <a:r>
-              <a:rPr lang="en-US" sz="2200" dirty="0">
-                <a:latin typeface="+mj-lt"/>
-              </a:rPr>
-              <a:t> </a:t>
-            </a:r>
-            <a:r>
-              <a:rPr lang="en-US" sz="2200" dirty="0" err="1">
-                <a:latin typeface="+mj-lt"/>
-              </a:rPr>
-              <a:t>politiet</a:t>
-            </a:r>
-            <a:r>
-              <a:rPr lang="en-US" sz="2200" dirty="0">
-                <a:latin typeface="+mj-lt"/>
-              </a:rPr>
-              <a:t> med at…</a:t>
-            </a:r>
-          </a:p>
-          <a:p>
-            <a:pPr marL="457200" lvl="1" indent="0">
-              <a:spcAft>
-                <a:spcPts val="500"/>
-              </a:spcAft>
-              <a:buNone/>
-            </a:pPr>
-            <a:r>
-              <a:rPr lang="en-US" sz="2200" dirty="0">
-                <a:latin typeface="+mj-lt"/>
-              </a:rPr>
-              <a:t>…</a:t>
-            </a:r>
-            <a:r>
-              <a:rPr lang="en-US" sz="2200" dirty="0" err="1">
-                <a:latin typeface="+mj-lt"/>
-              </a:rPr>
-              <a:t>Prioritere</a:t>
-            </a:r>
-            <a:r>
-              <a:rPr lang="en-US" sz="2200" dirty="0">
-                <a:latin typeface="+mj-lt"/>
-              </a:rPr>
-              <a:t> </a:t>
-            </a:r>
-            <a:r>
-              <a:rPr lang="en-US" sz="2200" dirty="0" err="1">
-                <a:latin typeface="+mj-lt"/>
-              </a:rPr>
-              <a:t>flere</a:t>
-            </a:r>
-            <a:r>
-              <a:rPr lang="en-US" sz="2200" dirty="0">
-                <a:latin typeface="+mj-lt"/>
-              </a:rPr>
-              <a:t> </a:t>
-            </a:r>
-            <a:r>
-              <a:rPr lang="en-US" sz="2200" dirty="0" err="1">
-                <a:latin typeface="+mj-lt"/>
-              </a:rPr>
-              <a:t>betjente</a:t>
+              <a:rPr lang="en-US" sz="2200" dirty="0" err="1">
+                <a:latin typeface="+mj-lt"/>
+              </a:rPr>
+              <a:t>Derfor</a:t>
+            </a:r>
+            <a:r>
+              <a:rPr lang="en-US" sz="2200" dirty="0">
+                <a:latin typeface="+mj-lt"/>
+              </a:rPr>
+              <a:t> </a:t>
+            </a:r>
+            <a:r>
+              <a:rPr lang="en-US" sz="2200" dirty="0" err="1">
+                <a:latin typeface="+mj-lt"/>
+              </a:rPr>
+              <a:t>har</a:t>
+            </a:r>
+            <a:r>
+              <a:rPr lang="en-US" sz="2200" dirty="0">
+                <a:latin typeface="+mj-lt"/>
+              </a:rPr>
+              <a:t> de </a:t>
+            </a:r>
+            <a:r>
+              <a:rPr lang="en-US" sz="2200" dirty="0" err="1">
+                <a:latin typeface="+mj-lt"/>
+              </a:rPr>
+              <a:t>tre</a:t>
+            </a:r>
+            <a:r>
+              <a:rPr lang="en-US" sz="2200" dirty="0">
+                <a:latin typeface="+mj-lt"/>
+              </a:rPr>
+              <a:t> </a:t>
+            </a:r>
+            <a:r>
+              <a:rPr lang="en-US" sz="2200" dirty="0" err="1">
+                <a:latin typeface="+mj-lt"/>
+              </a:rPr>
+              <a:t>distrikter</a:t>
+            </a:r>
+            <a:r>
+              <a:rPr lang="en-US" sz="2200" dirty="0">
+                <a:latin typeface="+mj-lt"/>
+              </a:rPr>
+              <a:t> </a:t>
+            </a:r>
+            <a:r>
+              <a:rPr lang="en-US" sz="2200" dirty="0" err="1">
+                <a:latin typeface="+mj-lt"/>
+              </a:rPr>
+              <a:t>har</a:t>
+            </a:r>
+            <a:r>
+              <a:rPr lang="en-US" sz="2200" dirty="0">
+                <a:latin typeface="+mj-lt"/>
+              </a:rPr>
+              <a:t> </a:t>
+            </a:r>
+            <a:r>
+              <a:rPr lang="en-US" sz="2200" dirty="0" err="1">
+                <a:latin typeface="+mj-lt"/>
+              </a:rPr>
+              <a:t>en</a:t>
+            </a:r>
+            <a:r>
+              <a:rPr lang="en-US" sz="2200" dirty="0">
+                <a:latin typeface="+mj-lt"/>
+              </a:rPr>
+              <a:t> interesse </a:t>
+            </a:r>
+            <a:r>
+              <a:rPr lang="en-US" sz="2200" dirty="0" err="1">
+                <a:latin typeface="+mj-lt"/>
+              </a:rPr>
+              <a:t>i</a:t>
+            </a:r>
+            <a:r>
+              <a:rPr lang="en-US" sz="2200" dirty="0">
+                <a:latin typeface="+mj-lt"/>
+              </a:rPr>
+              <a:t> at </a:t>
+            </a:r>
+            <a:r>
+              <a:rPr lang="en-US" sz="2200" dirty="0" err="1">
+                <a:latin typeface="+mj-lt"/>
+              </a:rPr>
+              <a:t>allokere</a:t>
+            </a:r>
+            <a:r>
+              <a:rPr lang="en-US" sz="2200" dirty="0">
+                <a:latin typeface="+mj-lt"/>
+              </a:rPr>
+              <a:t> </a:t>
+            </a:r>
+            <a:r>
+              <a:rPr lang="en-US" sz="2200" dirty="0" err="1">
+                <a:latin typeface="+mj-lt"/>
+              </a:rPr>
+              <a:t>deres</a:t>
+            </a:r>
+            <a:r>
+              <a:rPr lang="en-US" sz="2200" dirty="0">
+                <a:latin typeface="+mj-lt"/>
+              </a:rPr>
+              <a:t> </a:t>
+            </a:r>
+            <a:r>
+              <a:rPr lang="en-US" sz="2200" dirty="0" err="1">
+                <a:latin typeface="+mj-lt"/>
+              </a:rPr>
+              <a:t>ressourcer</a:t>
             </a:r>
             <a:r>
               <a:rPr lang="en-US" sz="2200" dirty="0">
@@ -6088,493 +6262,57 @@
               <a:rPr lang="en-US" sz="2200" dirty="0" err="1">
                 <a:latin typeface="+mj-lt"/>
               </a:rPr>
-              <a:t>potentielt</a:t>
-            </a:r>
-            <a:r>
-              <a:rPr lang="en-US" sz="2200" dirty="0">
-                <a:latin typeface="+mj-lt"/>
-              </a:rPr>
-              <a:t> </a:t>
-            </a:r>
-            <a:r>
-              <a:rPr lang="en-US" sz="2200" dirty="0" err="1">
-                <a:latin typeface="+mj-lt"/>
-              </a:rPr>
-              <a:t>voldelige</a:t>
-            </a:r>
-            <a:r>
-              <a:rPr lang="en-US" sz="2200" dirty="0">
-                <a:latin typeface="+mj-lt"/>
-              </a:rPr>
-              <a:t> </a:t>
-            </a:r>
-            <a:r>
-              <a:rPr lang="en-US" sz="2200" dirty="0" err="1">
-                <a:latin typeface="+mj-lt"/>
-              </a:rPr>
-              <a:t>situationer</a:t>
+              <a:t>bedre</a:t>
+            </a:r>
+            <a:r>
+              <a:rPr lang="en-US" sz="2200" dirty="0">
+                <a:latin typeface="+mj-lt"/>
+              </a:rPr>
+              <a:t> at </a:t>
+            </a:r>
+            <a:r>
+              <a:rPr lang="en-US" sz="2200" dirty="0" err="1">
+                <a:latin typeface="+mj-lt"/>
+              </a:rPr>
+              <a:t>kunne</a:t>
+            </a:r>
+            <a:r>
+              <a:rPr lang="en-US" sz="2200" dirty="0">
+                <a:latin typeface="+mj-lt"/>
+              </a:rPr>
+              <a:t> </a:t>
+            </a:r>
+            <a:r>
+              <a:rPr lang="en-US" sz="2200" dirty="0" err="1">
+                <a:latin typeface="+mj-lt"/>
+              </a:rPr>
+              <a:t>bekæmpe</a:t>
+            </a:r>
+            <a:r>
+              <a:rPr lang="en-US" sz="2200" dirty="0">
+                <a:latin typeface="+mj-lt"/>
+              </a:rPr>
+              <a:t> </a:t>
+            </a:r>
+            <a:r>
+              <a:rPr lang="en-US" sz="2200" dirty="0" err="1">
+                <a:latin typeface="+mj-lt"/>
+              </a:rPr>
+              <a:t>voldelig</a:t>
+            </a:r>
+            <a:r>
+              <a:rPr lang="en-US" sz="2200" dirty="0">
+                <a:latin typeface="+mj-lt"/>
+              </a:rPr>
+              <a:t> </a:t>
+            </a:r>
+            <a:r>
+              <a:rPr lang="en-US" sz="2200" dirty="0" err="1">
+                <a:latin typeface="+mj-lt"/>
+              </a:rPr>
+              <a:t>kriminalitet</a:t>
             </a:r>
             <a:endParaRPr lang="en-US" sz="2200" dirty="0">
-              <a:latin typeface="+mj-lt"/>
-            </a:endParaRPr>
-          </a:p>
-          <a:p>
-            <a:pPr marL="457200" lvl="1" indent="0">
-              <a:spcAft>
-                <a:spcPts val="500"/>
-              </a:spcAft>
-              <a:buNone/>
-            </a:pPr>
-            <a:r>
-              <a:rPr lang="en-US" sz="2200" dirty="0">
-                <a:latin typeface="+mj-lt"/>
-              </a:rPr>
-              <a:t>…Give den </a:t>
-            </a:r>
-            <a:r>
-              <a:rPr lang="en-US" sz="2200" dirty="0" err="1">
-                <a:latin typeface="+mj-lt"/>
-              </a:rPr>
-              <a:t>enkelte</a:t>
-            </a:r>
-            <a:r>
-              <a:rPr lang="en-US" sz="2200" dirty="0">
-                <a:latin typeface="+mj-lt"/>
-              </a:rPr>
-              <a:t> </a:t>
-            </a:r>
-            <a:r>
-              <a:rPr lang="en-US" sz="2200" dirty="0" err="1">
-                <a:latin typeface="+mj-lt"/>
-              </a:rPr>
-              <a:t>betjent</a:t>
-            </a:r>
-            <a:r>
-              <a:rPr lang="en-US" sz="2200" dirty="0">
-                <a:latin typeface="+mj-lt"/>
-              </a:rPr>
-              <a:t> det </a:t>
-            </a:r>
-            <a:r>
-              <a:rPr lang="en-US" sz="2200" dirty="0" err="1">
-                <a:latin typeface="+mj-lt"/>
-              </a:rPr>
-              <a:t>rette</a:t>
-            </a:r>
-            <a:r>
-              <a:rPr lang="en-US" sz="2200" dirty="0">
-                <a:latin typeface="+mj-lt"/>
-              </a:rPr>
-              <a:t> mindset </a:t>
-            </a:r>
-            <a:r>
-              <a:rPr lang="en-US" sz="2200" dirty="0" err="1">
-                <a:latin typeface="+mj-lt"/>
-              </a:rPr>
-              <a:t>inden</a:t>
-            </a:r>
-            <a:r>
-              <a:rPr lang="en-US" sz="2200" dirty="0">
-                <a:latin typeface="+mj-lt"/>
-              </a:rPr>
-              <a:t> </a:t>
-            </a:r>
-            <a:r>
-              <a:rPr lang="en-US" sz="2200" dirty="0" err="1">
-                <a:latin typeface="+mj-lt"/>
-              </a:rPr>
-              <a:t>han</a:t>
-            </a:r>
-            <a:r>
-              <a:rPr lang="en-US" sz="2200" dirty="0">
-                <a:latin typeface="+mj-lt"/>
-              </a:rPr>
-              <a:t> </a:t>
-            </a:r>
-            <a:r>
-              <a:rPr lang="en-US" sz="2200" dirty="0" err="1">
-                <a:latin typeface="+mj-lt"/>
-              </a:rPr>
-              <a:t>kører</a:t>
-            </a:r>
-            <a:r>
-              <a:rPr lang="en-US" sz="2200" dirty="0">
-                <a:latin typeface="+mj-lt"/>
-              </a:rPr>
-              <a:t> </a:t>
-            </a:r>
-            <a:r>
-              <a:rPr lang="en-US" sz="2200" dirty="0" err="1">
-                <a:latin typeface="+mj-lt"/>
-              </a:rPr>
-              <a:t>ud</a:t>
-            </a:r>
-            <a:r>
-              <a:rPr lang="en-US" sz="2200" dirty="0">
-                <a:latin typeface="+mj-lt"/>
-              </a:rPr>
-              <a:t> </a:t>
-            </a:r>
-            <a:r>
-              <a:rPr lang="en-US" sz="2200" dirty="0" err="1">
-                <a:latin typeface="+mj-lt"/>
-              </a:rPr>
-              <a:t>til</a:t>
-            </a:r>
-            <a:r>
-              <a:rPr lang="en-US" sz="2200" dirty="0">
-                <a:latin typeface="+mj-lt"/>
-              </a:rPr>
-              <a:t> </a:t>
-            </a:r>
-            <a:r>
-              <a:rPr lang="en-US" sz="2200" dirty="0" err="1">
-                <a:latin typeface="+mj-lt"/>
-              </a:rPr>
-              <a:t>en</a:t>
-            </a:r>
-            <a:r>
-              <a:rPr lang="en-US" sz="2200" dirty="0">
-                <a:latin typeface="+mj-lt"/>
-              </a:rPr>
-              <a:t> </a:t>
-            </a:r>
-            <a:r>
-              <a:rPr lang="en-US" sz="2200" dirty="0" err="1">
-                <a:latin typeface="+mj-lt"/>
-              </a:rPr>
-              <a:t>opgave</a:t>
-            </a:r>
-            <a:br>
-              <a:rPr lang="en-US" sz="2200" dirty="0">
-                <a:latin typeface="+mj-lt"/>
-              </a:rPr>
-            </a:br>
-            <a:endParaRPr lang="en-US" sz="2200" dirty="0">
-              <a:latin typeface="+mj-lt"/>
-            </a:endParaRPr>
-          </a:p>
-          <a:p>
-            <a:pPr marL="457200" lvl="1" indent="0">
-              <a:spcAft>
-                <a:spcPts val="500"/>
-              </a:spcAft>
-              <a:buNone/>
-            </a:pPr>
-            <a:r>
-              <a:rPr lang="en-US" sz="2200" dirty="0">
-                <a:latin typeface="+mj-lt"/>
-              </a:rPr>
-              <a:t>At </a:t>
-            </a:r>
-            <a:r>
-              <a:rPr lang="en-US" sz="2200" dirty="0" err="1">
-                <a:latin typeface="+mj-lt"/>
-              </a:rPr>
-              <a:t>være</a:t>
-            </a:r>
-            <a:r>
-              <a:rPr lang="en-US" sz="2200" dirty="0">
-                <a:latin typeface="+mj-lt"/>
-              </a:rPr>
-              <a:t> </a:t>
-            </a:r>
-            <a:r>
-              <a:rPr lang="en-US" sz="2200" dirty="0" err="1">
-                <a:latin typeface="+mj-lt"/>
-              </a:rPr>
-              <a:t>beredt</a:t>
-            </a:r>
-            <a:r>
-              <a:rPr lang="en-US" sz="2200" dirty="0">
-                <a:latin typeface="+mj-lt"/>
-              </a:rPr>
-              <a:t> </a:t>
-            </a:r>
-            <a:r>
-              <a:rPr lang="en-US" sz="2200" dirty="0" err="1">
-                <a:latin typeface="+mj-lt"/>
-              </a:rPr>
-              <a:t>på</a:t>
-            </a:r>
-            <a:r>
-              <a:rPr lang="en-US" sz="2200" dirty="0">
-                <a:latin typeface="+mj-lt"/>
-              </a:rPr>
-              <a:t>, at </a:t>
-            </a:r>
-            <a:r>
-              <a:rPr lang="da-DK" sz="2200" dirty="0">
-                <a:latin typeface="+mj-lt"/>
-              </a:rPr>
-              <a:t>en</a:t>
-            </a:r>
-            <a:r>
-              <a:rPr lang="en-US" sz="2200" dirty="0">
-                <a:latin typeface="+mj-lt"/>
-              </a:rPr>
-              <a:t> situation </a:t>
-            </a:r>
-            <a:r>
-              <a:rPr lang="en-US" sz="2200" dirty="0" err="1">
-                <a:latin typeface="+mj-lt"/>
-              </a:rPr>
-              <a:t>kan</a:t>
-            </a:r>
-            <a:r>
-              <a:rPr lang="en-US" sz="2200" dirty="0">
-                <a:latin typeface="+mj-lt"/>
-              </a:rPr>
-              <a:t> </a:t>
-            </a:r>
-            <a:r>
-              <a:rPr lang="en-US" sz="2200" dirty="0" err="1">
-                <a:latin typeface="+mj-lt"/>
-              </a:rPr>
-              <a:t>være</a:t>
-            </a:r>
-            <a:r>
-              <a:rPr lang="en-US" sz="2200" dirty="0">
-                <a:latin typeface="+mj-lt"/>
-              </a:rPr>
-              <a:t> </a:t>
-            </a:r>
-            <a:r>
-              <a:rPr lang="en-US" sz="2200" dirty="0" err="1">
-                <a:latin typeface="+mj-lt"/>
-              </a:rPr>
-              <a:t>voldelig</a:t>
-            </a:r>
-            <a:r>
-              <a:rPr lang="en-US" sz="2200" dirty="0">
-                <a:latin typeface="+mj-lt"/>
-              </a:rPr>
-              <a:t> </a:t>
-            </a:r>
-            <a:r>
-              <a:rPr lang="en-US" sz="2200" dirty="0" err="1">
-                <a:latin typeface="+mj-lt"/>
-              </a:rPr>
-              <a:t>vil</a:t>
-            </a:r>
-            <a:r>
-              <a:rPr lang="en-US" sz="2200" dirty="0">
-                <a:latin typeface="+mj-lt"/>
-              </a:rPr>
-              <a:t> </a:t>
-            </a:r>
-            <a:r>
-              <a:rPr lang="en-US" sz="2200" dirty="0" err="1">
-                <a:latin typeface="+mj-lt"/>
-              </a:rPr>
-              <a:t>muligvis</a:t>
-            </a:r>
-            <a:r>
-              <a:rPr lang="en-US" sz="2200" dirty="0">
-                <a:latin typeface="+mj-lt"/>
-              </a:rPr>
-              <a:t> </a:t>
-            </a:r>
-            <a:r>
-              <a:rPr lang="en-US" sz="2200" dirty="0" err="1">
-                <a:latin typeface="+mj-lt"/>
-              </a:rPr>
-              <a:t>hjælpe</a:t>
-            </a:r>
-            <a:r>
-              <a:rPr lang="en-US" sz="2200" dirty="0">
-                <a:latin typeface="+mj-lt"/>
-              </a:rPr>
-              <a:t> </a:t>
-            </a:r>
-            <a:r>
-              <a:rPr lang="en-US" sz="2200" dirty="0" err="1">
-                <a:latin typeface="+mj-lt"/>
-              </a:rPr>
-              <a:t>politiet</a:t>
-            </a:r>
-            <a:r>
-              <a:rPr lang="en-US" sz="2200" dirty="0">
-                <a:latin typeface="+mj-lt"/>
-              </a:rPr>
-              <a:t> med at </a:t>
-            </a:r>
-            <a:r>
-              <a:rPr lang="en-US" sz="2200" dirty="0" err="1">
-                <a:latin typeface="+mj-lt"/>
-              </a:rPr>
-              <a:t>håndtere</a:t>
-            </a:r>
-            <a:r>
-              <a:rPr lang="en-US" sz="2200" dirty="0">
-                <a:latin typeface="+mj-lt"/>
-              </a:rPr>
-              <a:t> </a:t>
-            </a:r>
-            <a:r>
-              <a:rPr lang="en-US" sz="2200" dirty="0" err="1">
-                <a:latin typeface="+mj-lt"/>
-              </a:rPr>
-              <a:t>situationen</a:t>
-            </a:r>
-            <a:r>
-              <a:rPr lang="en-US" sz="2200" dirty="0">
-                <a:latin typeface="+mj-lt"/>
-              </a:rPr>
-              <a:t> </a:t>
-            </a:r>
-            <a:r>
-              <a:rPr lang="en-US" sz="2200" dirty="0" err="1">
-                <a:latin typeface="+mj-lt"/>
-              </a:rPr>
-              <a:t>bedre</a:t>
-            </a:r>
-            <a:endParaRPr lang="en-US" sz="2200" dirty="0">
-              <a:latin typeface="+mj-lt"/>
-            </a:endParaRPr>
-          </a:p>
-          <a:p>
-            <a:pPr marL="457200" lvl="1" indent="0">
-              <a:spcAft>
-                <a:spcPts val="500"/>
-              </a:spcAft>
-              <a:buNone/>
-            </a:pPr>
-            <a:r>
-              <a:rPr lang="en-US" sz="2200" dirty="0">
-                <a:latin typeface="+mj-lt"/>
-                <a:sym typeface="Wingdings" panose="05000000000000000000" pitchFamily="2" charset="2"/>
-              </a:rPr>
-              <a:t> </a:t>
-            </a:r>
-            <a:r>
-              <a:rPr lang="en-US" sz="2200" dirty="0" err="1">
-                <a:latin typeface="+mj-lt"/>
-                <a:sym typeface="Wingdings" panose="05000000000000000000" pitchFamily="2" charset="2"/>
-              </a:rPr>
-              <a:t>Hvilket</a:t>
-            </a:r>
-            <a:r>
-              <a:rPr lang="en-US" sz="2200" dirty="0">
-                <a:latin typeface="+mj-lt"/>
-                <a:sym typeface="Wingdings" panose="05000000000000000000" pitchFamily="2" charset="2"/>
-              </a:rPr>
-              <a:t> </a:t>
-            </a:r>
-            <a:r>
-              <a:rPr lang="en-US" sz="2200" dirty="0" err="1">
-                <a:latin typeface="+mj-lt"/>
-                <a:sym typeface="Wingdings" panose="05000000000000000000" pitchFamily="2" charset="2"/>
-              </a:rPr>
-              <a:t>ultimativt</a:t>
-            </a:r>
-            <a:r>
-              <a:rPr lang="en-US" sz="2200" dirty="0">
-                <a:latin typeface="+mj-lt"/>
-                <a:sym typeface="Wingdings" panose="05000000000000000000" pitchFamily="2" charset="2"/>
-              </a:rPr>
-              <a:t> </a:t>
-            </a:r>
-            <a:r>
-              <a:rPr lang="en-US" sz="2200" dirty="0" err="1">
-                <a:latin typeface="+mj-lt"/>
-                <a:sym typeface="Wingdings" panose="05000000000000000000" pitchFamily="2" charset="2"/>
-              </a:rPr>
-              <a:t>ville</a:t>
-            </a:r>
-            <a:r>
-              <a:rPr lang="en-US" sz="2200" dirty="0">
-                <a:latin typeface="+mj-lt"/>
-                <a:sym typeface="Wingdings" panose="05000000000000000000" pitchFamily="2" charset="2"/>
-              </a:rPr>
-              <a:t> </a:t>
-            </a:r>
-            <a:r>
-              <a:rPr lang="en-US" sz="2200" dirty="0" err="1">
-                <a:latin typeface="+mj-lt"/>
-                <a:sym typeface="Wingdings" panose="05000000000000000000" pitchFamily="2" charset="2"/>
-              </a:rPr>
-              <a:t>kunne</a:t>
-            </a:r>
-            <a:r>
-              <a:rPr lang="en-US" sz="2200" dirty="0">
-                <a:latin typeface="+mj-lt"/>
-                <a:sym typeface="Wingdings" panose="05000000000000000000" pitchFamily="2" charset="2"/>
-              </a:rPr>
-              <a:t> </a:t>
-            </a:r>
-            <a:r>
-              <a:rPr lang="en-US" sz="2200" dirty="0" err="1">
-                <a:latin typeface="+mj-lt"/>
-                <a:sym typeface="Wingdings" panose="05000000000000000000" pitchFamily="2" charset="2"/>
-              </a:rPr>
-              <a:t>medføre</a:t>
-            </a:r>
-            <a:r>
-              <a:rPr lang="en-US" sz="2200" dirty="0">
-                <a:latin typeface="+mj-lt"/>
-                <a:sym typeface="Wingdings" panose="05000000000000000000" pitchFamily="2" charset="2"/>
-              </a:rPr>
-              <a:t> et </a:t>
-            </a:r>
-            <a:r>
-              <a:rPr lang="en-US" sz="2200" dirty="0" err="1">
-                <a:latin typeface="+mj-lt"/>
-                <a:sym typeface="Wingdings" panose="05000000000000000000" pitchFamily="2" charset="2"/>
-              </a:rPr>
-              <a:t>fald</a:t>
-            </a:r>
-            <a:r>
-              <a:rPr lang="en-US" sz="2200" dirty="0">
-                <a:latin typeface="+mj-lt"/>
-                <a:sym typeface="Wingdings" panose="05000000000000000000" pitchFamily="2" charset="2"/>
-              </a:rPr>
-              <a:t> </a:t>
-            </a:r>
-            <a:r>
-              <a:rPr lang="en-US" sz="2200" dirty="0" err="1">
-                <a:latin typeface="+mj-lt"/>
-                <a:sym typeface="Wingdings" panose="05000000000000000000" pitchFamily="2" charset="2"/>
-              </a:rPr>
-              <a:t>i</a:t>
-            </a:r>
-            <a:r>
-              <a:rPr lang="en-US" sz="2200" dirty="0">
-                <a:latin typeface="+mj-lt"/>
-                <a:sym typeface="Wingdings" panose="05000000000000000000" pitchFamily="2" charset="2"/>
-              </a:rPr>
-              <a:t> </a:t>
-            </a:r>
-            <a:r>
-              <a:rPr lang="en-US" sz="2200" dirty="0" err="1">
-                <a:latin typeface="+mj-lt"/>
-                <a:sym typeface="Wingdings" panose="05000000000000000000" pitchFamily="2" charset="2"/>
-              </a:rPr>
-              <a:t>voldelig</a:t>
-            </a:r>
-            <a:r>
-              <a:rPr lang="en-US" sz="2200" dirty="0">
-                <a:latin typeface="+mj-lt"/>
-                <a:sym typeface="Wingdings" panose="05000000000000000000" pitchFamily="2" charset="2"/>
-              </a:rPr>
-              <a:t> </a:t>
-            </a:r>
-            <a:r>
-              <a:rPr lang="en-US" sz="2200" dirty="0" err="1">
-                <a:latin typeface="+mj-lt"/>
-                <a:sym typeface="Wingdings" panose="05000000000000000000" pitchFamily="2" charset="2"/>
-              </a:rPr>
-              <a:t>kriminalitet</a:t>
-            </a:r>
-            <a:endParaRPr lang="da-DK" sz="2200" dirty="0">
-              <a:latin typeface="+mj-lt"/>
-            </a:endParaRPr>
-          </a:p>
-          <a:p>
-            <a:pPr marL="0" indent="0">
-              <a:buNone/>
-            </a:pPr>
-            <a:endParaRPr lang="da-DK" sz="2200" dirty="0">
               <a:latin typeface="+mj-lt"/>
             </a:endParaRPr>
           </a:p>
@@ -6645,7 +6383,7 @@
             </a:r>
             <a:r>
               <a:rPr lang="en-US" sz="3600" dirty="0"/>
-              <a:t> II</a:t>
+              <a:t> I</a:t>
             </a:r>
             <a:endParaRPr lang="da-DK" sz="3600" dirty="0"/>
           </a:p>
@@ -6654,7 +6392,7 @@
     </p:spTree>
     <p:extLst>
       <p:ext uri="{BB962C8B-B14F-4D97-AF65-F5344CB8AC3E}">
-        <p14:creationId xmlns:p14="http://schemas.microsoft.com/office/powerpoint/2010/main" val="655448011"/>
+        <p14:creationId xmlns:p14="http://schemas.microsoft.com/office/powerpoint/2010/main" val="3702831955"/>
       </p:ext>
     </p:extLst>
   </p:cSld>
@@ -6683,6 +6421,1097 @@
       </p:grpSpPr>
       <p:sp>
         <p:nvSpPr>
+          <p:cNvPr id="3" name="Content Placeholder 2">
+            <a:extLst>
+              <a:ext uri="{FF2B5EF4-FFF2-40B4-BE49-F238E27FC236}">
+                <a16:creationId xmlns:a16="http://schemas.microsoft.com/office/drawing/2014/main" id="{66F45341-0D58-4A32-8FD3-4E83962E4C94}"/>
+              </a:ext>
+            </a:extLst>
+          </p:cNvPr>
+          <p:cNvSpPr>
+            <a:spLocks noGrp="1"/>
+          </p:cNvSpPr>
+          <p:nvPr>
+            <p:ph idx="1"/>
+          </p:nvPr>
+        </p:nvSpPr>
+        <p:spPr>
+          <a:xfrm>
+            <a:off x="838200" y="894080"/>
+            <a:ext cx="10515600" cy="5669280"/>
+          </a:xfrm>
+        </p:spPr>
+        <p:txBody>
+          <a:bodyPr>
+            <a:noAutofit/>
+          </a:bodyPr>
+          <a:lstStyle/>
+          <a:p>
+            <a:pPr marL="0" indent="0">
+              <a:buNone/>
+            </a:pPr>
+            <a:r>
+              <a:rPr lang="en-US" sz="2200" dirty="0" err="1">
+                <a:latin typeface="+mj-lt"/>
+              </a:rPr>
+              <a:t>Spørgsmål</a:t>
+            </a:r>
+            <a:endParaRPr lang="en-US" sz="2200" dirty="0">
+              <a:latin typeface="+mj-lt"/>
+            </a:endParaRPr>
+          </a:p>
+          <a:p>
+            <a:pPr marL="457200" lvl="1" indent="0">
+              <a:spcAft>
+                <a:spcPts val="500"/>
+              </a:spcAft>
+              <a:buNone/>
+            </a:pPr>
+            <a:r>
+              <a:rPr lang="en-US" sz="2200" dirty="0">
+                <a:latin typeface="+mj-lt"/>
+              </a:rPr>
+              <a:t>Kan vi </a:t>
+            </a:r>
+            <a:r>
+              <a:rPr lang="en-US" sz="2200" dirty="0" err="1">
+                <a:latin typeface="+mj-lt"/>
+              </a:rPr>
+              <a:t>bruge</a:t>
+            </a:r>
+            <a:r>
+              <a:rPr lang="en-US" sz="2200" dirty="0">
+                <a:latin typeface="+mj-lt"/>
+              </a:rPr>
+              <a:t> </a:t>
+            </a:r>
+            <a:r>
+              <a:rPr lang="en-US" sz="2200" dirty="0" err="1">
+                <a:latin typeface="+mj-lt"/>
+              </a:rPr>
+              <a:t>datasættet</a:t>
+            </a:r>
+            <a:r>
+              <a:rPr lang="en-US" sz="2200" dirty="0">
+                <a:latin typeface="+mj-lt"/>
+              </a:rPr>
+              <a:t> </a:t>
+            </a:r>
+            <a:r>
+              <a:rPr lang="en-US" sz="2200" dirty="0" err="1">
+                <a:latin typeface="+mj-lt"/>
+              </a:rPr>
+              <a:t>til</a:t>
+            </a:r>
+            <a:r>
+              <a:rPr lang="en-US" sz="2200" dirty="0">
+                <a:latin typeface="+mj-lt"/>
+              </a:rPr>
+              <a:t> at </a:t>
+            </a:r>
+            <a:r>
+              <a:rPr lang="en-US" sz="2200" dirty="0" err="1">
+                <a:latin typeface="+mj-lt"/>
+              </a:rPr>
+              <a:t>hjælpe</a:t>
+            </a:r>
+            <a:r>
+              <a:rPr lang="en-US" sz="2200" dirty="0">
+                <a:latin typeface="+mj-lt"/>
+              </a:rPr>
+              <a:t> de </a:t>
+            </a:r>
+            <a:r>
+              <a:rPr lang="en-US" sz="2200" dirty="0" err="1">
+                <a:latin typeface="+mj-lt"/>
+              </a:rPr>
+              <a:t>tre</a:t>
+            </a:r>
+            <a:r>
+              <a:rPr lang="en-US" sz="2200" dirty="0">
+                <a:latin typeface="+mj-lt"/>
+              </a:rPr>
+              <a:t> </a:t>
+            </a:r>
+            <a:r>
+              <a:rPr lang="en-US" sz="2200" dirty="0" err="1">
+                <a:latin typeface="+mj-lt"/>
+              </a:rPr>
+              <a:t>distrikter</a:t>
+            </a:r>
+            <a:r>
+              <a:rPr lang="en-US" sz="2200" dirty="0">
+                <a:latin typeface="+mj-lt"/>
+              </a:rPr>
+              <a:t> </a:t>
+            </a:r>
+            <a:r>
+              <a:rPr lang="en-US" sz="2200" dirty="0" err="1">
+                <a:latin typeface="+mj-lt"/>
+              </a:rPr>
+              <a:t>til</a:t>
+            </a:r>
+            <a:r>
+              <a:rPr lang="en-US" sz="2200" dirty="0">
+                <a:latin typeface="+mj-lt"/>
+              </a:rPr>
+              <a:t> at </a:t>
+            </a:r>
+            <a:r>
+              <a:rPr lang="en-US" sz="2200" dirty="0" err="1">
+                <a:latin typeface="+mj-lt"/>
+              </a:rPr>
+              <a:t>bekæmpe</a:t>
+            </a:r>
+            <a:r>
+              <a:rPr lang="en-US" sz="2200" dirty="0">
+                <a:latin typeface="+mj-lt"/>
+              </a:rPr>
+              <a:t> </a:t>
+            </a:r>
+            <a:r>
+              <a:rPr lang="en-US" sz="2200" dirty="0" err="1">
+                <a:latin typeface="+mj-lt"/>
+              </a:rPr>
+              <a:t>voldelig</a:t>
+            </a:r>
+            <a:r>
+              <a:rPr lang="en-US" sz="2200" dirty="0">
+                <a:latin typeface="+mj-lt"/>
+              </a:rPr>
+              <a:t> </a:t>
+            </a:r>
+            <a:r>
+              <a:rPr lang="en-US" sz="2200" dirty="0" err="1">
+                <a:latin typeface="+mj-lt"/>
+              </a:rPr>
+              <a:t>kriminalitet</a:t>
+            </a:r>
+            <a:r>
+              <a:rPr lang="en-US" sz="2200" dirty="0">
+                <a:latin typeface="+mj-lt"/>
+              </a:rPr>
+              <a:t>?</a:t>
+            </a:r>
+            <a:br>
+              <a:rPr lang="en-US" sz="2200" dirty="0">
+                <a:latin typeface="+mj-lt"/>
+              </a:rPr>
+            </a:br>
+            <a:endParaRPr lang="en-US" sz="2200" dirty="0">
+              <a:latin typeface="+mj-lt"/>
+            </a:endParaRPr>
+          </a:p>
+          <a:p>
+            <a:pPr marL="0" indent="0">
+              <a:buNone/>
+            </a:pPr>
+            <a:r>
+              <a:rPr lang="en-US" sz="2200" dirty="0">
+                <a:latin typeface="+mj-lt"/>
+              </a:rPr>
+              <a:t>Ide </a:t>
+            </a:r>
+            <a:r>
+              <a:rPr lang="en-US" sz="2200" dirty="0" err="1">
+                <a:latin typeface="+mj-lt"/>
+              </a:rPr>
+              <a:t>til</a:t>
+            </a:r>
+            <a:r>
+              <a:rPr lang="en-US" sz="2200" dirty="0">
+                <a:latin typeface="+mj-lt"/>
+              </a:rPr>
+              <a:t> </a:t>
+            </a:r>
+            <a:r>
+              <a:rPr lang="en-US" sz="2200" dirty="0" err="1">
+                <a:latin typeface="+mj-lt"/>
+              </a:rPr>
+              <a:t>svar</a:t>
+            </a:r>
+            <a:endParaRPr lang="en-US" sz="2200" dirty="0">
+              <a:latin typeface="+mj-lt"/>
+            </a:endParaRPr>
+          </a:p>
+          <a:p>
+            <a:pPr marL="457200" lvl="1" indent="0">
+              <a:spcAft>
+                <a:spcPts val="500"/>
+              </a:spcAft>
+              <a:buNone/>
+            </a:pPr>
+            <a:r>
+              <a:rPr lang="en-US" sz="2200" dirty="0" err="1">
+                <a:latin typeface="+mj-lt"/>
+              </a:rPr>
+              <a:t>Risikovurdering</a:t>
+            </a:r>
+            <a:r>
+              <a:rPr lang="en-US" sz="2200" dirty="0">
+                <a:latin typeface="+mj-lt"/>
+              </a:rPr>
+              <a:t> </a:t>
+            </a:r>
+            <a:r>
+              <a:rPr lang="en-US" sz="2200" dirty="0" err="1">
+                <a:latin typeface="+mj-lt"/>
+              </a:rPr>
+              <a:t>af</a:t>
+            </a:r>
+            <a:r>
+              <a:rPr lang="en-US" sz="2200" dirty="0">
+                <a:latin typeface="+mj-lt"/>
+              </a:rPr>
+              <a:t> om </a:t>
+            </a:r>
+            <a:r>
+              <a:rPr lang="en-US" sz="2200" dirty="0" err="1">
+                <a:latin typeface="+mj-lt"/>
+              </a:rPr>
+              <a:t>politiet</a:t>
+            </a:r>
+            <a:r>
+              <a:rPr lang="en-US" sz="2200" dirty="0">
+                <a:latin typeface="+mj-lt"/>
+              </a:rPr>
+              <a:t> </a:t>
+            </a:r>
+            <a:r>
+              <a:rPr lang="en-US" sz="2200" dirty="0" err="1">
+                <a:latin typeface="+mj-lt"/>
+              </a:rPr>
+              <a:t>møder</a:t>
+            </a:r>
+            <a:r>
+              <a:rPr lang="en-US" sz="2200" dirty="0">
+                <a:latin typeface="+mj-lt"/>
+              </a:rPr>
+              <a:t> </a:t>
+            </a:r>
+            <a:r>
+              <a:rPr lang="en-US" sz="2200" dirty="0" err="1">
+                <a:latin typeface="+mj-lt"/>
+              </a:rPr>
+              <a:t>en</a:t>
+            </a:r>
+            <a:r>
+              <a:rPr lang="en-US" sz="2200" dirty="0">
+                <a:latin typeface="+mj-lt"/>
+              </a:rPr>
+              <a:t> </a:t>
+            </a:r>
+            <a:r>
+              <a:rPr lang="en-US" sz="2200" dirty="0" err="1">
+                <a:latin typeface="+mj-lt"/>
+              </a:rPr>
+              <a:t>voldelig</a:t>
+            </a:r>
+            <a:r>
+              <a:rPr lang="en-US" sz="2200" dirty="0">
+                <a:latin typeface="+mj-lt"/>
+              </a:rPr>
+              <a:t> </a:t>
+            </a:r>
+            <a:r>
+              <a:rPr lang="en-US" sz="2200" dirty="0" err="1">
+                <a:latin typeface="+mj-lt"/>
+              </a:rPr>
+              <a:t>hændelse</a:t>
+            </a:r>
+            <a:r>
+              <a:rPr lang="en-US" sz="2200" dirty="0">
+                <a:latin typeface="+mj-lt"/>
+              </a:rPr>
+              <a:t> </a:t>
+            </a:r>
+            <a:r>
+              <a:rPr lang="en-US" sz="2200" dirty="0" err="1">
+                <a:latin typeface="+mj-lt"/>
+              </a:rPr>
+              <a:t>eller</a:t>
+            </a:r>
+            <a:r>
+              <a:rPr lang="en-US" sz="2200" dirty="0">
+                <a:latin typeface="+mj-lt"/>
+              </a:rPr>
+              <a:t> </a:t>
+            </a:r>
+            <a:r>
+              <a:rPr lang="en-US" sz="2200" dirty="0" err="1">
+                <a:latin typeface="+mj-lt"/>
+              </a:rPr>
+              <a:t>ej</a:t>
+            </a:r>
+            <a:br>
+              <a:rPr lang="en-US" sz="2200" dirty="0">
+                <a:latin typeface="+mj-lt"/>
+              </a:rPr>
+            </a:br>
+            <a:endParaRPr lang="en-US" sz="2200" dirty="0">
+              <a:latin typeface="+mj-lt"/>
+            </a:endParaRPr>
+          </a:p>
+          <a:p>
+            <a:pPr marL="0" indent="0">
+              <a:buNone/>
+            </a:pPr>
+            <a:r>
+              <a:rPr lang="en-US" sz="2200" dirty="0" err="1">
+                <a:latin typeface="+mj-lt"/>
+              </a:rPr>
+              <a:t>Hvorfor</a:t>
+            </a:r>
+            <a:endParaRPr lang="en-US" sz="2200" dirty="0">
+              <a:latin typeface="+mj-lt"/>
+            </a:endParaRPr>
+          </a:p>
+          <a:p>
+            <a:pPr marL="457200" lvl="1" indent="0">
+              <a:spcAft>
+                <a:spcPts val="500"/>
+              </a:spcAft>
+              <a:buNone/>
+            </a:pPr>
+            <a:r>
+              <a:rPr lang="en-US" sz="2200" dirty="0">
+                <a:latin typeface="+mj-lt"/>
+              </a:rPr>
+              <a:t>At </a:t>
+            </a:r>
+            <a:r>
+              <a:rPr lang="en-US" sz="2200" dirty="0" err="1">
+                <a:latin typeface="+mj-lt"/>
+              </a:rPr>
+              <a:t>kende</a:t>
+            </a:r>
+            <a:r>
+              <a:rPr lang="en-US" sz="2200" dirty="0">
+                <a:latin typeface="+mj-lt"/>
+              </a:rPr>
+              <a:t> </a:t>
+            </a:r>
+            <a:r>
+              <a:rPr lang="en-US" sz="2200" dirty="0" err="1">
+                <a:latin typeface="+mj-lt"/>
+              </a:rPr>
+              <a:t>risikoen</a:t>
+            </a:r>
+            <a:r>
+              <a:rPr lang="en-US" sz="2200" dirty="0">
+                <a:latin typeface="+mj-lt"/>
+              </a:rPr>
+              <a:t> for </a:t>
+            </a:r>
+            <a:r>
+              <a:rPr lang="en-US" sz="2200" dirty="0" err="1">
+                <a:latin typeface="+mj-lt"/>
+              </a:rPr>
+              <a:t>vold</a:t>
+            </a:r>
+            <a:r>
+              <a:rPr lang="en-US" sz="2200" dirty="0">
+                <a:latin typeface="+mj-lt"/>
+              </a:rPr>
+              <a:t> </a:t>
+            </a:r>
+            <a:r>
+              <a:rPr lang="en-US" sz="2200" dirty="0" err="1">
+                <a:latin typeface="+mj-lt"/>
+              </a:rPr>
+              <a:t>kan</a:t>
+            </a:r>
+            <a:r>
+              <a:rPr lang="en-US" sz="2200" dirty="0">
+                <a:latin typeface="+mj-lt"/>
+              </a:rPr>
+              <a:t> </a:t>
+            </a:r>
+            <a:r>
+              <a:rPr lang="en-US" sz="2200" dirty="0" err="1">
+                <a:latin typeface="+mj-lt"/>
+              </a:rPr>
+              <a:t>hjælpe</a:t>
+            </a:r>
+            <a:r>
+              <a:rPr lang="en-US" sz="2200" dirty="0">
+                <a:latin typeface="+mj-lt"/>
+              </a:rPr>
+              <a:t> </a:t>
+            </a:r>
+            <a:r>
+              <a:rPr lang="en-US" sz="2200" dirty="0" err="1">
+                <a:latin typeface="+mj-lt"/>
+              </a:rPr>
+              <a:t>politiet</a:t>
+            </a:r>
+            <a:r>
+              <a:rPr lang="en-US" sz="2200" dirty="0">
+                <a:latin typeface="+mj-lt"/>
+              </a:rPr>
+              <a:t> med at…</a:t>
+            </a:r>
+          </a:p>
+          <a:p>
+            <a:pPr marL="457200" lvl="1" indent="0">
+              <a:spcAft>
+                <a:spcPts val="500"/>
+              </a:spcAft>
+              <a:buNone/>
+            </a:pPr>
+            <a:r>
+              <a:rPr lang="en-US" sz="2200" dirty="0">
+                <a:latin typeface="+mj-lt"/>
+              </a:rPr>
+              <a:t>…</a:t>
+            </a:r>
+            <a:r>
+              <a:rPr lang="en-US" sz="2200" dirty="0" err="1">
+                <a:latin typeface="+mj-lt"/>
+              </a:rPr>
+              <a:t>Prioritere</a:t>
+            </a:r>
+            <a:r>
+              <a:rPr lang="en-US" sz="2200" dirty="0">
+                <a:latin typeface="+mj-lt"/>
+              </a:rPr>
+              <a:t> </a:t>
+            </a:r>
+            <a:r>
+              <a:rPr lang="en-US" sz="2200" dirty="0" err="1">
+                <a:latin typeface="+mj-lt"/>
+              </a:rPr>
+              <a:t>flere</a:t>
+            </a:r>
+            <a:r>
+              <a:rPr lang="en-US" sz="2200" dirty="0">
+                <a:latin typeface="+mj-lt"/>
+              </a:rPr>
+              <a:t> </a:t>
+            </a:r>
+            <a:r>
+              <a:rPr lang="en-US" sz="2200" dirty="0" err="1">
+                <a:latin typeface="+mj-lt"/>
+              </a:rPr>
+              <a:t>betjente</a:t>
+            </a:r>
+            <a:r>
+              <a:rPr lang="en-US" sz="2200" dirty="0">
+                <a:latin typeface="+mj-lt"/>
+              </a:rPr>
+              <a:t> </a:t>
+            </a:r>
+            <a:r>
+              <a:rPr lang="en-US" sz="2200" dirty="0" err="1">
+                <a:latin typeface="+mj-lt"/>
+              </a:rPr>
+              <a:t>til</a:t>
+            </a:r>
+            <a:r>
+              <a:rPr lang="en-US" sz="2200" dirty="0">
+                <a:latin typeface="+mj-lt"/>
+              </a:rPr>
+              <a:t> </a:t>
+            </a:r>
+            <a:r>
+              <a:rPr lang="en-US" sz="2200" dirty="0" err="1">
+                <a:latin typeface="+mj-lt"/>
+              </a:rPr>
+              <a:t>potentielt</a:t>
+            </a:r>
+            <a:r>
+              <a:rPr lang="en-US" sz="2200" dirty="0">
+                <a:latin typeface="+mj-lt"/>
+              </a:rPr>
+              <a:t> </a:t>
+            </a:r>
+            <a:r>
+              <a:rPr lang="en-US" sz="2200" dirty="0" err="1">
+                <a:latin typeface="+mj-lt"/>
+              </a:rPr>
+              <a:t>voldelige</a:t>
+            </a:r>
+            <a:r>
+              <a:rPr lang="en-US" sz="2200" dirty="0">
+                <a:latin typeface="+mj-lt"/>
+              </a:rPr>
+              <a:t> </a:t>
+            </a:r>
+            <a:r>
+              <a:rPr lang="en-US" sz="2200" dirty="0" err="1">
+                <a:latin typeface="+mj-lt"/>
+              </a:rPr>
+              <a:t>situationer</a:t>
+            </a:r>
+            <a:endParaRPr lang="en-US" sz="2200" dirty="0">
+              <a:latin typeface="+mj-lt"/>
+            </a:endParaRPr>
+          </a:p>
+          <a:p>
+            <a:pPr marL="457200" lvl="1" indent="0">
+              <a:spcAft>
+                <a:spcPts val="500"/>
+              </a:spcAft>
+              <a:buNone/>
+            </a:pPr>
+            <a:r>
+              <a:rPr lang="en-US" sz="2200" dirty="0">
+                <a:latin typeface="+mj-lt"/>
+              </a:rPr>
+              <a:t>…Give den </a:t>
+            </a:r>
+            <a:r>
+              <a:rPr lang="en-US" sz="2200" dirty="0" err="1">
+                <a:latin typeface="+mj-lt"/>
+              </a:rPr>
+              <a:t>enkelte</a:t>
+            </a:r>
+            <a:r>
+              <a:rPr lang="en-US" sz="2200" dirty="0">
+                <a:latin typeface="+mj-lt"/>
+              </a:rPr>
+              <a:t> </a:t>
+            </a:r>
+            <a:r>
+              <a:rPr lang="en-US" sz="2200" dirty="0" err="1">
+                <a:latin typeface="+mj-lt"/>
+              </a:rPr>
+              <a:t>betjent</a:t>
+            </a:r>
+            <a:r>
+              <a:rPr lang="en-US" sz="2200" dirty="0">
+                <a:latin typeface="+mj-lt"/>
+              </a:rPr>
+              <a:t> det </a:t>
+            </a:r>
+            <a:r>
+              <a:rPr lang="en-US" sz="2200" dirty="0" err="1">
+                <a:latin typeface="+mj-lt"/>
+              </a:rPr>
+              <a:t>rette</a:t>
+            </a:r>
+            <a:r>
+              <a:rPr lang="en-US" sz="2200" dirty="0">
+                <a:latin typeface="+mj-lt"/>
+              </a:rPr>
+              <a:t> mindset </a:t>
+            </a:r>
+            <a:r>
+              <a:rPr lang="en-US" sz="2200" dirty="0" err="1">
+                <a:latin typeface="+mj-lt"/>
+              </a:rPr>
+              <a:t>inden</a:t>
+            </a:r>
+            <a:r>
+              <a:rPr lang="en-US" sz="2200" dirty="0">
+                <a:latin typeface="+mj-lt"/>
+              </a:rPr>
+              <a:t> </a:t>
+            </a:r>
+            <a:r>
+              <a:rPr lang="en-US" sz="2200" dirty="0" err="1">
+                <a:latin typeface="+mj-lt"/>
+              </a:rPr>
+              <a:t>han</a:t>
+            </a:r>
+            <a:r>
+              <a:rPr lang="en-US" sz="2200" dirty="0">
+                <a:latin typeface="+mj-lt"/>
+              </a:rPr>
+              <a:t> </a:t>
+            </a:r>
+            <a:r>
+              <a:rPr lang="en-US" sz="2200" dirty="0" err="1">
+                <a:latin typeface="+mj-lt"/>
+              </a:rPr>
+              <a:t>kører</a:t>
+            </a:r>
+            <a:r>
+              <a:rPr lang="en-US" sz="2200" dirty="0">
+                <a:latin typeface="+mj-lt"/>
+              </a:rPr>
+              <a:t> </a:t>
+            </a:r>
+            <a:r>
+              <a:rPr lang="en-US" sz="2200" dirty="0" err="1">
+                <a:latin typeface="+mj-lt"/>
+              </a:rPr>
+              <a:t>ud</a:t>
+            </a:r>
+            <a:r>
+              <a:rPr lang="en-US" sz="2200" dirty="0">
+                <a:latin typeface="+mj-lt"/>
+              </a:rPr>
+              <a:t> </a:t>
+            </a:r>
+            <a:r>
+              <a:rPr lang="en-US" sz="2200" dirty="0" err="1">
+                <a:latin typeface="+mj-lt"/>
+              </a:rPr>
+              <a:t>til</a:t>
+            </a:r>
+            <a:r>
+              <a:rPr lang="en-US" sz="2200" dirty="0">
+                <a:latin typeface="+mj-lt"/>
+              </a:rPr>
+              <a:t> </a:t>
+            </a:r>
+            <a:r>
+              <a:rPr lang="en-US" sz="2200" dirty="0" err="1">
+                <a:latin typeface="+mj-lt"/>
+              </a:rPr>
+              <a:t>en</a:t>
+            </a:r>
+            <a:r>
+              <a:rPr lang="en-US" sz="2200" dirty="0">
+                <a:latin typeface="+mj-lt"/>
+              </a:rPr>
+              <a:t> </a:t>
+            </a:r>
+            <a:r>
+              <a:rPr lang="en-US" sz="2200" dirty="0" err="1">
+                <a:latin typeface="+mj-lt"/>
+              </a:rPr>
+              <a:t>opgave</a:t>
+            </a:r>
+            <a:br>
+              <a:rPr lang="en-US" sz="2200" dirty="0">
+                <a:latin typeface="+mj-lt"/>
+              </a:rPr>
+            </a:br>
+            <a:endParaRPr lang="en-US" sz="2200" dirty="0">
+              <a:latin typeface="+mj-lt"/>
+            </a:endParaRPr>
+          </a:p>
+          <a:p>
+            <a:pPr marL="457200" lvl="1" indent="0">
+              <a:spcAft>
+                <a:spcPts val="500"/>
+              </a:spcAft>
+              <a:buNone/>
+            </a:pPr>
+            <a:r>
+              <a:rPr lang="en-US" sz="2200" dirty="0">
+                <a:latin typeface="+mj-lt"/>
+              </a:rPr>
+              <a:t>At </a:t>
+            </a:r>
+            <a:r>
+              <a:rPr lang="en-US" sz="2200" dirty="0" err="1">
+                <a:latin typeface="+mj-lt"/>
+              </a:rPr>
+              <a:t>være</a:t>
+            </a:r>
+            <a:r>
+              <a:rPr lang="en-US" sz="2200" dirty="0">
+                <a:latin typeface="+mj-lt"/>
+              </a:rPr>
+              <a:t> </a:t>
+            </a:r>
+            <a:r>
+              <a:rPr lang="en-US" sz="2200" dirty="0" err="1">
+                <a:latin typeface="+mj-lt"/>
+              </a:rPr>
+              <a:t>beredt</a:t>
+            </a:r>
+            <a:r>
+              <a:rPr lang="en-US" sz="2200" dirty="0">
+                <a:latin typeface="+mj-lt"/>
+              </a:rPr>
+              <a:t> </a:t>
+            </a:r>
+            <a:r>
+              <a:rPr lang="en-US" sz="2200" dirty="0" err="1">
+                <a:latin typeface="+mj-lt"/>
+              </a:rPr>
+              <a:t>på</a:t>
+            </a:r>
+            <a:r>
+              <a:rPr lang="en-US" sz="2200" dirty="0">
+                <a:latin typeface="+mj-lt"/>
+              </a:rPr>
+              <a:t>, at </a:t>
+            </a:r>
+            <a:r>
+              <a:rPr lang="da-DK" sz="2200" dirty="0">
+                <a:latin typeface="+mj-lt"/>
+              </a:rPr>
+              <a:t>en</a:t>
+            </a:r>
+            <a:r>
+              <a:rPr lang="en-US" sz="2200" dirty="0">
+                <a:latin typeface="+mj-lt"/>
+              </a:rPr>
+              <a:t> situation </a:t>
+            </a:r>
+            <a:r>
+              <a:rPr lang="en-US" sz="2200" dirty="0" err="1">
+                <a:latin typeface="+mj-lt"/>
+              </a:rPr>
+              <a:t>kan</a:t>
+            </a:r>
+            <a:r>
+              <a:rPr lang="en-US" sz="2200" dirty="0">
+                <a:latin typeface="+mj-lt"/>
+              </a:rPr>
+              <a:t> </a:t>
+            </a:r>
+            <a:r>
+              <a:rPr lang="en-US" sz="2200" dirty="0" err="1">
+                <a:latin typeface="+mj-lt"/>
+              </a:rPr>
+              <a:t>være</a:t>
+            </a:r>
+            <a:r>
+              <a:rPr lang="en-US" sz="2200" dirty="0">
+                <a:latin typeface="+mj-lt"/>
+              </a:rPr>
+              <a:t> </a:t>
+            </a:r>
+            <a:r>
+              <a:rPr lang="en-US" sz="2200" dirty="0" err="1">
+                <a:latin typeface="+mj-lt"/>
+              </a:rPr>
+              <a:t>voldelig</a:t>
+            </a:r>
+            <a:r>
+              <a:rPr lang="en-US" sz="2200" dirty="0">
+                <a:latin typeface="+mj-lt"/>
+              </a:rPr>
+              <a:t> </a:t>
+            </a:r>
+            <a:r>
+              <a:rPr lang="en-US" sz="2200" dirty="0" err="1">
+                <a:latin typeface="+mj-lt"/>
+              </a:rPr>
+              <a:t>vil</a:t>
+            </a:r>
+            <a:r>
+              <a:rPr lang="en-US" sz="2200" dirty="0">
+                <a:latin typeface="+mj-lt"/>
+              </a:rPr>
+              <a:t> </a:t>
+            </a:r>
+            <a:r>
+              <a:rPr lang="en-US" sz="2200" dirty="0" err="1">
+                <a:latin typeface="+mj-lt"/>
+              </a:rPr>
+              <a:t>muligvis</a:t>
+            </a:r>
+            <a:r>
+              <a:rPr lang="en-US" sz="2200" dirty="0">
+                <a:latin typeface="+mj-lt"/>
+              </a:rPr>
+              <a:t> </a:t>
+            </a:r>
+            <a:r>
+              <a:rPr lang="en-US" sz="2200" dirty="0" err="1">
+                <a:latin typeface="+mj-lt"/>
+              </a:rPr>
+              <a:t>hjælpe</a:t>
+            </a:r>
+            <a:r>
+              <a:rPr lang="en-US" sz="2200" dirty="0">
+                <a:latin typeface="+mj-lt"/>
+              </a:rPr>
+              <a:t> </a:t>
+            </a:r>
+            <a:r>
+              <a:rPr lang="en-US" sz="2200" dirty="0" err="1">
+                <a:latin typeface="+mj-lt"/>
+              </a:rPr>
+              <a:t>politiet</a:t>
+            </a:r>
+            <a:r>
+              <a:rPr lang="en-US" sz="2200" dirty="0">
+                <a:latin typeface="+mj-lt"/>
+              </a:rPr>
+              <a:t> med at </a:t>
+            </a:r>
+            <a:r>
+              <a:rPr lang="en-US" sz="2200" dirty="0" err="1">
+                <a:latin typeface="+mj-lt"/>
+              </a:rPr>
+              <a:t>håndtere</a:t>
+            </a:r>
+            <a:r>
+              <a:rPr lang="en-US" sz="2200" dirty="0">
+                <a:latin typeface="+mj-lt"/>
+              </a:rPr>
+              <a:t> </a:t>
+            </a:r>
+            <a:r>
+              <a:rPr lang="en-US" sz="2200" dirty="0" err="1">
+                <a:latin typeface="+mj-lt"/>
+              </a:rPr>
+              <a:t>situationen</a:t>
+            </a:r>
+            <a:r>
+              <a:rPr lang="en-US" sz="2200" dirty="0">
+                <a:latin typeface="+mj-lt"/>
+              </a:rPr>
+              <a:t> </a:t>
+            </a:r>
+            <a:r>
+              <a:rPr lang="en-US" sz="2200" dirty="0" err="1">
+                <a:latin typeface="+mj-lt"/>
+              </a:rPr>
+              <a:t>bedre</a:t>
+            </a:r>
+            <a:endParaRPr lang="en-US" sz="2200" dirty="0">
+              <a:latin typeface="+mj-lt"/>
+            </a:endParaRPr>
+          </a:p>
+          <a:p>
+            <a:pPr marL="457200" lvl="1" indent="0">
+              <a:spcAft>
+                <a:spcPts val="500"/>
+              </a:spcAft>
+              <a:buNone/>
+            </a:pPr>
+            <a:r>
+              <a:rPr lang="en-US" sz="2200" dirty="0">
+                <a:latin typeface="+mj-lt"/>
+                <a:sym typeface="Wingdings" panose="05000000000000000000" pitchFamily="2" charset="2"/>
+              </a:rPr>
+              <a:t> </a:t>
+            </a:r>
+            <a:r>
+              <a:rPr lang="en-US" sz="2200" dirty="0" err="1">
+                <a:latin typeface="+mj-lt"/>
+                <a:sym typeface="Wingdings" panose="05000000000000000000" pitchFamily="2" charset="2"/>
+              </a:rPr>
+              <a:t>Hvilket</a:t>
+            </a:r>
+            <a:r>
+              <a:rPr lang="en-US" sz="2200" dirty="0">
+                <a:latin typeface="+mj-lt"/>
+                <a:sym typeface="Wingdings" panose="05000000000000000000" pitchFamily="2" charset="2"/>
+              </a:rPr>
+              <a:t> </a:t>
+            </a:r>
+            <a:r>
+              <a:rPr lang="en-US" sz="2200" dirty="0" err="1">
+                <a:latin typeface="+mj-lt"/>
+                <a:sym typeface="Wingdings" panose="05000000000000000000" pitchFamily="2" charset="2"/>
+              </a:rPr>
+              <a:t>ultimativt</a:t>
+            </a:r>
+            <a:r>
+              <a:rPr lang="en-US" sz="2200" dirty="0">
+                <a:latin typeface="+mj-lt"/>
+                <a:sym typeface="Wingdings" panose="05000000000000000000" pitchFamily="2" charset="2"/>
+              </a:rPr>
+              <a:t> </a:t>
+            </a:r>
+            <a:r>
+              <a:rPr lang="en-US" sz="2200" dirty="0" err="1">
+                <a:latin typeface="+mj-lt"/>
+                <a:sym typeface="Wingdings" panose="05000000000000000000" pitchFamily="2" charset="2"/>
+              </a:rPr>
+              <a:t>ville</a:t>
+            </a:r>
+            <a:r>
+              <a:rPr lang="en-US" sz="2200" dirty="0">
+                <a:latin typeface="+mj-lt"/>
+                <a:sym typeface="Wingdings" panose="05000000000000000000" pitchFamily="2" charset="2"/>
+              </a:rPr>
+              <a:t> </a:t>
+            </a:r>
+            <a:r>
+              <a:rPr lang="en-US" sz="2200" dirty="0" err="1">
+                <a:latin typeface="+mj-lt"/>
+                <a:sym typeface="Wingdings" panose="05000000000000000000" pitchFamily="2" charset="2"/>
+              </a:rPr>
+              <a:t>kunne</a:t>
+            </a:r>
+            <a:r>
+              <a:rPr lang="en-US" sz="2200" dirty="0">
+                <a:latin typeface="+mj-lt"/>
+                <a:sym typeface="Wingdings" panose="05000000000000000000" pitchFamily="2" charset="2"/>
+              </a:rPr>
+              <a:t> </a:t>
+            </a:r>
+            <a:r>
+              <a:rPr lang="en-US" sz="2200" dirty="0" err="1">
+                <a:latin typeface="+mj-lt"/>
+                <a:sym typeface="Wingdings" panose="05000000000000000000" pitchFamily="2" charset="2"/>
+              </a:rPr>
+              <a:t>medføre</a:t>
+            </a:r>
+            <a:r>
+              <a:rPr lang="en-US" sz="2200" dirty="0">
+                <a:latin typeface="+mj-lt"/>
+                <a:sym typeface="Wingdings" panose="05000000000000000000" pitchFamily="2" charset="2"/>
+              </a:rPr>
+              <a:t> et </a:t>
+            </a:r>
+            <a:r>
+              <a:rPr lang="en-US" sz="2200" dirty="0" err="1">
+                <a:latin typeface="+mj-lt"/>
+                <a:sym typeface="Wingdings" panose="05000000000000000000" pitchFamily="2" charset="2"/>
+              </a:rPr>
+              <a:t>fald</a:t>
+            </a:r>
+            <a:r>
+              <a:rPr lang="en-US" sz="2200" dirty="0">
+                <a:latin typeface="+mj-lt"/>
+                <a:sym typeface="Wingdings" panose="05000000000000000000" pitchFamily="2" charset="2"/>
+              </a:rPr>
+              <a:t> </a:t>
+            </a:r>
+            <a:r>
+              <a:rPr lang="en-US" sz="2200" dirty="0" err="1">
+                <a:latin typeface="+mj-lt"/>
+                <a:sym typeface="Wingdings" panose="05000000000000000000" pitchFamily="2" charset="2"/>
+              </a:rPr>
+              <a:t>i</a:t>
+            </a:r>
+            <a:r>
+              <a:rPr lang="en-US" sz="2200" dirty="0">
+                <a:latin typeface="+mj-lt"/>
+                <a:sym typeface="Wingdings" panose="05000000000000000000" pitchFamily="2" charset="2"/>
+              </a:rPr>
+              <a:t> </a:t>
+            </a:r>
+            <a:r>
+              <a:rPr lang="en-US" sz="2200" dirty="0" err="1">
+                <a:latin typeface="+mj-lt"/>
+                <a:sym typeface="Wingdings" panose="05000000000000000000" pitchFamily="2" charset="2"/>
+              </a:rPr>
+              <a:t>voldelig</a:t>
+            </a:r>
+            <a:r>
+              <a:rPr lang="en-US" sz="2200" dirty="0">
+                <a:latin typeface="+mj-lt"/>
+                <a:sym typeface="Wingdings" panose="05000000000000000000" pitchFamily="2" charset="2"/>
+              </a:rPr>
+              <a:t> </a:t>
+            </a:r>
+            <a:r>
+              <a:rPr lang="en-US" sz="2200" dirty="0" err="1">
+                <a:latin typeface="+mj-lt"/>
+                <a:sym typeface="Wingdings" panose="05000000000000000000" pitchFamily="2" charset="2"/>
+              </a:rPr>
+              <a:t>kriminalitet</a:t>
+            </a:r>
+            <a:endParaRPr lang="da-DK" sz="2200" dirty="0">
+              <a:latin typeface="+mj-lt"/>
+            </a:endParaRPr>
+          </a:p>
+          <a:p>
+            <a:pPr marL="0" indent="0">
+              <a:buNone/>
+            </a:pPr>
+            <a:endParaRPr lang="da-DK" sz="2200" dirty="0">
+              <a:latin typeface="+mj-lt"/>
+            </a:endParaRPr>
+          </a:p>
+          <a:p>
+            <a:pPr marL="914400" lvl="2" indent="0">
+              <a:buNone/>
+            </a:pPr>
+            <a:endParaRPr lang="en-US" sz="2200" dirty="0">
+              <a:latin typeface="+mj-lt"/>
+            </a:endParaRPr>
+          </a:p>
+        </p:txBody>
+      </p:sp>
+      <p:sp>
+        <p:nvSpPr>
+          <p:cNvPr id="4" name="Title 1">
+            <a:extLst>
+              <a:ext uri="{FF2B5EF4-FFF2-40B4-BE49-F238E27FC236}">
+                <a16:creationId xmlns:a16="http://schemas.microsoft.com/office/drawing/2014/main" id="{1E5795BF-C601-4F49-A788-886012BFAFE1}"/>
+              </a:ext>
+            </a:extLst>
+          </p:cNvPr>
+          <p:cNvSpPr txBox="1">
+            <a:spLocks/>
+          </p:cNvSpPr>
+          <p:nvPr/>
+        </p:nvSpPr>
+        <p:spPr>
+          <a:xfrm>
+            <a:off x="838200" y="131445"/>
+            <a:ext cx="10515600" cy="835317"/>
+          </a:xfrm>
+          <a:prstGeom prst="rect">
+            <a:avLst/>
+          </a:prstGeom>
+        </p:spPr>
+        <p:txBody>
+          <a:bodyPr vert="horz" lIns="91440" tIns="45720" rIns="91440" bIns="45720" rtlCol="0" anchor="ctr">
+            <a:normAutofit/>
+          </a:bodyPr>
+          <a:lstStyle>
+            <a:lvl1pPr algn="l" defTabSz="914400" rtl="0" eaLnBrk="1" latinLnBrk="0" hangingPunct="1">
+              <a:lnSpc>
+                <a:spcPct val="90000"/>
+              </a:lnSpc>
+              <a:spcBef>
+                <a:spcPct val="0"/>
+              </a:spcBef>
+              <a:buNone/>
+              <a:defRPr sz="4400" kern="1200">
+                <a:solidFill>
+                  <a:schemeClr val="tx1"/>
+                </a:solidFill>
+                <a:latin typeface="+mj-lt"/>
+                <a:ea typeface="+mj-ea"/>
+                <a:cs typeface="+mj-cs"/>
+              </a:defRPr>
+            </a:lvl1pPr>
+          </a:lstStyle>
+          <a:p>
+            <a:r>
+              <a:rPr lang="en-US" sz="3600" dirty="0"/>
+              <a:t>Case-</a:t>
+            </a:r>
+            <a:r>
+              <a:rPr lang="en-US" sz="3600" dirty="0" err="1"/>
+              <a:t>idé</a:t>
+            </a:r>
+            <a:r>
+              <a:rPr lang="en-US" sz="3600" dirty="0"/>
+              <a:t> II</a:t>
+            </a:r>
+            <a:endParaRPr lang="da-DK" sz="3600" dirty="0"/>
+          </a:p>
+        </p:txBody>
+      </p:sp>
+    </p:spTree>
+    <p:extLst>
+      <p:ext uri="{BB962C8B-B14F-4D97-AF65-F5344CB8AC3E}">
+        <p14:creationId xmlns:p14="http://schemas.microsoft.com/office/powerpoint/2010/main" val="655448011"/>
+      </p:ext>
+    </p:extLst>
+  </p:cSld>
+  <p:clrMapOvr>
+    <a:masterClrMapping/>
+  </p:clrMapOvr>
+</p:sld>
+</file>
+
+<file path=ppt/slides/slide12.xml><?xml version="1.0" encoding="utf-8"?>
+<p:sld xmlns:a="http://schemas.openxmlformats.org/drawingml/2006/main" xmlns:r="http://schemas.openxmlformats.org/officeDocument/2006/relationships" xmlns:p="http://schemas.openxmlformats.org/presentationml/2006/main">
+  <p:cSld>
+    <p:spTree>
+      <p:nvGrpSpPr>
+        <p:cNvPr id="1" name=""/>
+        <p:cNvGrpSpPr/>
+        <p:nvPr/>
+      </p:nvGrpSpPr>
+      <p:grpSpPr>
+        <a:xfrm>
+          <a:off x="0" y="0"/>
+          <a:ext cx="0" cy="0"/>
+          <a:chOff x="0" y="0"/>
+          <a:chExt cx="0" cy="0"/>
+        </a:xfrm>
+      </p:grpSpPr>
+      <p:sp>
+        <p:nvSpPr>
           <p:cNvPr id="2" name="Title 1">
             <a:extLst>
               <a:ext uri="{FF2B5EF4-FFF2-40B4-BE49-F238E27FC236}">
@@ -6717,8 +7546,8 @@
           </a:p>
         </p:txBody>
       </p:sp>
-      <mc:AlternateContent xmlns:mc="http://schemas.openxmlformats.org/markup-compatibility/2006">
-        <mc:Choice xmlns:a14="http://schemas.microsoft.com/office/drawing/2010/main" Requires="a14">
+      <mc:AlternateContent xmlns:mc="http://schemas.openxmlformats.org/markup-compatibility/2006" xmlns:a14="http://schemas.microsoft.com/office/drawing/2010/main">
+        <mc:Choice Requires="a14">
           <p:sp>
             <p:nvSpPr>
               <p:cNvPr id="3" name="Content Placeholder 2">
@@ -7039,14 +7868,14 @@
                         <m:sSubPr>
                           <m:ctrlPr>
                             <a:rPr lang="en-US" sz="2400" b="0" i="1" smtClean="0">
-                              <a:latin typeface="+mj-lt"/>
+                              <a:latin typeface="Cambria Math" panose="02040503050406030204" pitchFamily="18" charset="0"/>
                             </a:rPr>
                           </m:ctrlPr>
                         </m:sSubPr>
                         <m:e>
                           <m:r>
                             <a:rPr lang="en-US" sz="2400" b="0" i="1" smtClean="0">
-                              <a:latin typeface="+mj-lt"/>
+                              <a:latin typeface="Cambria Math" panose="02040503050406030204" pitchFamily="18" charset="0"/>
                             </a:rPr>
                             <m:t>𝑝</m:t>
                           </m:r>
@@ -7054,7 +7883,7 @@
                         <m:sub>
                           <m:r>
                             <a:rPr lang="en-US" sz="2400" b="0" i="1" smtClean="0">
-                              <a:latin typeface="+mj-lt"/>
+                              <a:latin typeface="Cambria Math" panose="02040503050406030204" pitchFamily="18" charset="0"/>
                             </a:rPr>
                             <m:t>𝑖</m:t>
                           </m:r>
@@ -7062,13 +7891,13 @@
                       </m:sSub>
                       <m:r>
                         <a:rPr lang="en-US" sz="2400" b="0" i="1" smtClean="0">
-                          <a:latin typeface="+mj-lt"/>
+                          <a:latin typeface="Cambria Math" panose="02040503050406030204" pitchFamily="18" charset="0"/>
                         </a:rPr>
                         <m:t>=</m:t>
                       </m:r>
                       <m:r>
                         <a:rPr lang="en-US" sz="2400" b="0" i="1" smtClean="0">
-                          <a:latin typeface="+mj-lt"/>
+                          <a:latin typeface="Cambria Math" panose="02040503050406030204" pitchFamily="18" charset="0"/>
                         </a:rPr>
                         <m:t>𝑃</m:t>
                       </m:r>
@@ -7077,20 +7906,20 @@
                           <m:endChr m:val="|"/>
                           <m:ctrlPr>
                             <a:rPr lang="en-US" sz="2400" b="0" i="1" smtClean="0">
-                              <a:latin typeface="+mj-lt"/>
+                              <a:latin typeface="Cambria Math" panose="02040503050406030204" pitchFamily="18" charset="0"/>
                             </a:rPr>
                           </m:ctrlPr>
                         </m:dPr>
                         <m:e>
                           <m:r>
                             <a:rPr lang="en-US" sz="2400" b="0" i="1" smtClean="0">
-                              <a:latin typeface="+mj-lt"/>
+                              <a:latin typeface="Cambria Math" panose="02040503050406030204" pitchFamily="18" charset="0"/>
                             </a:rPr>
                             <m:t>𝑌</m:t>
                           </m:r>
                           <m:r>
                             <a:rPr lang="en-US" sz="2400" b="0" i="1" smtClean="0">
-                              <a:latin typeface="+mj-lt"/>
+                              <a:latin typeface="Cambria Math" panose="02040503050406030204" pitchFamily="18" charset="0"/>
                             </a:rPr>
                             <m:t>=1 </m:t>
                           </m:r>
@@ -7098,19 +7927,19 @@
                       </m:d>
                       <m:r>
                         <a:rPr lang="en-US" sz="2400" b="0" i="1" smtClean="0">
-                          <a:latin typeface="+mj-lt"/>
+                          <a:latin typeface="Cambria Math" panose="02040503050406030204" pitchFamily="18" charset="0"/>
                         </a:rPr>
                         <m:t> </m:t>
                       </m:r>
                       <m:r>
                         <a:rPr lang="en-US" sz="2400" b="0" i="1" smtClean="0">
-                          <a:latin typeface="+mj-lt"/>
+                          <a:latin typeface="Cambria Math" panose="02040503050406030204" pitchFamily="18" charset="0"/>
                         </a:rPr>
                         <m:t>𝑋</m:t>
                       </m:r>
                       <m:r>
                         <a:rPr lang="en-US" sz="2400" b="0" i="1" smtClean="0">
-                          <a:latin typeface="+mj-lt"/>
+                          <a:latin typeface="Cambria Math" panose="02040503050406030204" pitchFamily="18" charset="0"/>
                         </a:rPr>
                         <m:t>=</m:t>
                       </m:r>
@@ -7118,14 +7947,14 @@
                         <m:sSubPr>
                           <m:ctrlPr>
                             <a:rPr lang="en-US" sz="2400" b="0" i="1" smtClean="0">
-                              <a:latin typeface="+mj-lt"/>
+                              <a:latin typeface="Cambria Math" panose="02040503050406030204" pitchFamily="18" charset="0"/>
                             </a:rPr>
                           </m:ctrlPr>
                         </m:sSubPr>
                         <m:e>
                           <m:r>
                             <a:rPr lang="en-US" sz="2400" b="0" i="1" smtClean="0">
-                              <a:latin typeface="+mj-lt"/>
+                              <a:latin typeface="Cambria Math" panose="02040503050406030204" pitchFamily="18" charset="0"/>
                             </a:rPr>
                             <m:t>𝑥</m:t>
                           </m:r>
@@ -7133,7 +7962,7 @@
                         <m:sub>
                           <m:r>
                             <a:rPr lang="en-US" sz="2400" b="0" i="1" smtClean="0">
-                              <a:latin typeface="+mj-lt"/>
+                              <a:latin typeface="Cambria Math" panose="02040503050406030204" pitchFamily="18" charset="0"/>
                             </a:rPr>
                             <m:t>𝑖</m:t>
                           </m:r>
@@ -7141,7 +7970,7 @@
                       </m:sSub>
                       <m:r>
                         <a:rPr lang="en-US" sz="2400" b="0" i="1" smtClean="0">
-                          <a:latin typeface="+mj-lt"/>
+                          <a:latin typeface="Cambria Math" panose="02040503050406030204" pitchFamily="18" charset="0"/>
                         </a:rPr>
                         <m:t>)</m:t>
                       </m:r>
@@ -7328,7 +8157,7 @@
             </p:txBody>
           </p:sp>
         </mc:Choice>
-        <mc:Fallback>
+        <mc:Fallback xmlns="">
           <p:sp>
             <p:nvSpPr>
               <p:cNvPr id="3" name="Content Placeholder 2">
@@ -7385,7 +8214,7 @@
 </p:sld>
 </file>
 
-<file path=ppt/slides/slide12.xml><?xml version="1.0" encoding="utf-8"?>
+<file path=ppt/slides/slide13.xml><?xml version="1.0" encoding="utf-8"?>
 <p:sld xmlns:a="http://schemas.openxmlformats.org/drawingml/2006/main" xmlns:r="http://schemas.openxmlformats.org/officeDocument/2006/relationships" xmlns:p="http://schemas.openxmlformats.org/presentationml/2006/main">
   <p:cSld>
     <p:spTree>
@@ -7447,7 +8276,7 @@
             <p:ph idx="1"/>
             <p:extLst>
               <p:ext uri="{D42A27DB-BD31-4B8C-83A1-F6EECF244321}">
-                <p14:modId xmlns:p14="http://schemas.microsoft.com/office/powerpoint/2010/main" val="746211005"/>
+                <p14:modId xmlns:p14="http://schemas.microsoft.com/office/powerpoint/2010/main" val="982550082"/>
               </p:ext>
             </p:extLst>
           </p:nvPr>
@@ -7485,10 +8314,14 @@
                     <a:lstStyle/>
                     <a:p>
                       <a:r>
-                        <a:rPr lang="en-US" dirty="0"/>
+                        <a:rPr lang="en-US" dirty="0">
+                          <a:latin typeface="+mj-lt"/>
+                        </a:rPr>
                         <a:t>Model</a:t>
                       </a:r>
-                      <a:endParaRPr lang="da-DK" dirty="0"/>
+                      <a:endParaRPr lang="da-DK" dirty="0">
+                        <a:latin typeface="+mj-lt"/>
+                      </a:endParaRPr>
                     </a:p>
                   </a:txBody>
                   <a:tcPr/>
@@ -7499,10 +8332,14 @@
                     <a:lstStyle/>
                     <a:p>
                       <a:r>
-                        <a:rPr lang="en-US" dirty="0"/>
+                        <a:rPr lang="en-US" dirty="0">
+                          <a:latin typeface="+mj-lt"/>
+                        </a:rPr>
                         <a:t>Accuracy test</a:t>
                       </a:r>
-                      <a:endParaRPr lang="da-DK" dirty="0"/>
+                      <a:endParaRPr lang="da-DK" dirty="0">
+                        <a:latin typeface="+mj-lt"/>
+                      </a:endParaRPr>
                     </a:p>
                   </a:txBody>
                   <a:tcPr/>
@@ -7520,14 +8357,20 @@
                     <a:lstStyle/>
                     <a:p>
                       <a:r>
-                        <a:rPr lang="en-US" dirty="0" err="1"/>
+                        <a:rPr lang="en-US" dirty="0" err="1">
+                          <a:latin typeface="+mj-lt"/>
+                        </a:rPr>
                         <a:t>Logistisk</a:t>
                       </a:r>
                       <a:r>
-                        <a:rPr lang="en-US" dirty="0"/>
+                        <a:rPr lang="en-US" dirty="0">
+                          <a:latin typeface="+mj-lt"/>
+                        </a:rPr>
                         <a:t> Regression</a:t>
                       </a:r>
-                      <a:endParaRPr lang="da-DK" dirty="0"/>
+                      <a:endParaRPr lang="da-DK" dirty="0">
+                        <a:latin typeface="+mj-lt"/>
+                      </a:endParaRPr>
                     </a:p>
                   </a:txBody>
                   <a:tcPr/>
@@ -7538,10 +8381,14 @@
                     <a:lstStyle/>
                     <a:p>
                       <a:r>
-                        <a:rPr lang="en-US" dirty="0"/>
+                        <a:rPr lang="en-US" dirty="0">
+                          <a:latin typeface="+mj-lt"/>
+                        </a:rPr>
                         <a:t>0.856</a:t>
                       </a:r>
-                      <a:endParaRPr lang="da-DK" dirty="0"/>
+                      <a:endParaRPr lang="da-DK" dirty="0">
+                        <a:latin typeface="+mj-lt"/>
+                      </a:endParaRPr>
                     </a:p>
                   </a:txBody>
                   <a:tcPr/>
@@ -7559,14 +8406,20 @@
                     <a:lstStyle/>
                     <a:p>
                       <a:r>
-                        <a:rPr lang="en-US" dirty="0"/>
+                        <a:rPr lang="en-US" dirty="0">
+                          <a:latin typeface="+mj-lt"/>
+                        </a:rPr>
                         <a:t>Neural </a:t>
                       </a:r>
                       <a:r>
-                        <a:rPr lang="en-US" dirty="0" err="1"/>
+                        <a:rPr lang="en-US" dirty="0" err="1">
+                          <a:latin typeface="+mj-lt"/>
+                        </a:rPr>
                         <a:t>Netværk</a:t>
                       </a:r>
-                      <a:endParaRPr lang="da-DK" dirty="0"/>
+                      <a:endParaRPr lang="da-DK" dirty="0">
+                        <a:latin typeface="+mj-lt"/>
+                      </a:endParaRPr>
                     </a:p>
                   </a:txBody>
                   <a:tcPr/>
@@ -7577,10 +8430,14 @@
                     <a:lstStyle/>
                     <a:p>
                       <a:r>
-                        <a:rPr lang="en-US" dirty="0"/>
+                        <a:rPr lang="en-US" dirty="0">
+                          <a:latin typeface="+mj-lt"/>
+                        </a:rPr>
                         <a:t>0.856</a:t>
                       </a:r>
-                      <a:endParaRPr lang="da-DK" dirty="0"/>
+                      <a:endParaRPr lang="da-DK" dirty="0">
+                        <a:latin typeface="+mj-lt"/>
+                      </a:endParaRPr>
                     </a:p>
                   </a:txBody>
                   <a:tcPr/>
@@ -7659,6 +8516,700 @@
     <p:extLst>
       <p:ext uri="{BB962C8B-B14F-4D97-AF65-F5344CB8AC3E}">
         <p14:creationId xmlns:p14="http://schemas.microsoft.com/office/powerpoint/2010/main" val="481668491"/>
+      </p:ext>
+    </p:extLst>
+  </p:cSld>
+  <p:clrMapOvr>
+    <a:masterClrMapping/>
+  </p:clrMapOvr>
+</p:sld>
+</file>
+
+<file path=ppt/slides/slide14.xml><?xml version="1.0" encoding="utf-8"?>
+<p:sld xmlns:a="http://schemas.openxmlformats.org/drawingml/2006/main" xmlns:r="http://schemas.openxmlformats.org/officeDocument/2006/relationships" xmlns:p="http://schemas.openxmlformats.org/presentationml/2006/main">
+  <p:cSld>
+    <p:spTree>
+      <p:nvGrpSpPr>
+        <p:cNvPr id="1" name=""/>
+        <p:cNvGrpSpPr/>
+        <p:nvPr/>
+      </p:nvGrpSpPr>
+      <p:grpSpPr>
+        <a:xfrm>
+          <a:off x="0" y="0"/>
+          <a:ext cx="0" cy="0"/>
+          <a:chOff x="0" y="0"/>
+          <a:chExt cx="0" cy="0"/>
+        </a:xfrm>
+      </p:grpSpPr>
+      <p:sp>
+        <p:nvSpPr>
+          <p:cNvPr id="2" name="Title 1">
+            <a:extLst>
+              <a:ext uri="{FF2B5EF4-FFF2-40B4-BE49-F238E27FC236}">
+                <a16:creationId xmlns:a16="http://schemas.microsoft.com/office/drawing/2014/main" id="{85A7DD3F-6DCD-4970-ADE7-CD27658949FC}"/>
+              </a:ext>
+            </a:extLst>
+          </p:cNvPr>
+          <p:cNvSpPr>
+            <a:spLocks noGrp="1"/>
+          </p:cNvSpPr>
+          <p:nvPr>
+            <p:ph type="title"/>
+          </p:nvPr>
+        </p:nvSpPr>
+        <p:spPr/>
+        <p:txBody>
+          <a:bodyPr/>
+          <a:lstStyle/>
+          <a:p>
+            <a:r>
+              <a:rPr lang="en-US" dirty="0" err="1"/>
+              <a:t>Opsummering</a:t>
+            </a:r>
+            <a:endParaRPr lang="da-DK" dirty="0"/>
+          </a:p>
+        </p:txBody>
+      </p:sp>
+      <p:sp>
+        <p:nvSpPr>
+          <p:cNvPr id="3" name="Content Placeholder 2">
+            <a:extLst>
+              <a:ext uri="{FF2B5EF4-FFF2-40B4-BE49-F238E27FC236}">
+                <a16:creationId xmlns:a16="http://schemas.microsoft.com/office/drawing/2014/main" id="{D85435DB-17BD-492F-A4B1-E8FFB3B9A0B6}"/>
+              </a:ext>
+            </a:extLst>
+          </p:cNvPr>
+          <p:cNvSpPr>
+            <a:spLocks noGrp="1"/>
+          </p:cNvSpPr>
+          <p:nvPr>
+            <p:ph idx="1"/>
+          </p:nvPr>
+        </p:nvSpPr>
+        <p:spPr>
+          <a:xfrm>
+            <a:off x="838200" y="1437698"/>
+            <a:ext cx="10515600" cy="4351338"/>
+          </a:xfrm>
+        </p:spPr>
+        <p:txBody>
+          <a:bodyPr>
+            <a:normAutofit fontScale="92500" lnSpcReduction="10000"/>
+          </a:bodyPr>
+          <a:lstStyle/>
+          <a:p>
+            <a:pPr marL="0" indent="0">
+              <a:buNone/>
+            </a:pPr>
+            <a:r>
+              <a:rPr lang="en-US" b="1" dirty="0" err="1">
+                <a:latin typeface="+mj-lt"/>
+              </a:rPr>
+              <a:t>Konklusion</a:t>
+            </a:r>
+            <a:endParaRPr lang="en-US" b="1" dirty="0">
+              <a:latin typeface="+mj-lt"/>
+            </a:endParaRPr>
+          </a:p>
+          <a:p>
+            <a:r>
+              <a:rPr lang="en-US" dirty="0">
+                <a:latin typeface="+mj-lt"/>
+              </a:rPr>
+              <a:t>De to </a:t>
+            </a:r>
+            <a:r>
+              <a:rPr lang="en-US" dirty="0" err="1">
+                <a:latin typeface="+mj-lt"/>
+              </a:rPr>
+              <a:t>modeller</a:t>
+            </a:r>
+            <a:r>
+              <a:rPr lang="en-US" dirty="0">
+                <a:latin typeface="+mj-lt"/>
+              </a:rPr>
+              <a:t> </a:t>
+            </a:r>
+            <a:r>
+              <a:rPr lang="en-US" dirty="0" err="1">
+                <a:latin typeface="+mj-lt"/>
+              </a:rPr>
+              <a:t>kan</a:t>
+            </a:r>
+            <a:r>
+              <a:rPr lang="en-US" dirty="0">
+                <a:latin typeface="+mj-lt"/>
+              </a:rPr>
+              <a:t> </a:t>
+            </a:r>
+            <a:r>
+              <a:rPr lang="en-US" dirty="0" err="1">
+                <a:latin typeface="+mj-lt"/>
+              </a:rPr>
+              <a:t>ikke</a:t>
+            </a:r>
+            <a:r>
+              <a:rPr lang="en-US" dirty="0">
+                <a:latin typeface="+mj-lt"/>
+              </a:rPr>
+              <a:t> </a:t>
+            </a:r>
+            <a:r>
+              <a:rPr lang="en-US" dirty="0" err="1">
+                <a:latin typeface="+mj-lt"/>
+              </a:rPr>
+              <a:t>skelne</a:t>
+            </a:r>
+            <a:r>
+              <a:rPr lang="en-US" dirty="0">
+                <a:latin typeface="+mj-lt"/>
+              </a:rPr>
+              <a:t> </a:t>
+            </a:r>
+            <a:r>
+              <a:rPr lang="en-US" dirty="0" err="1">
+                <a:latin typeface="+mj-lt"/>
+              </a:rPr>
+              <a:t>mellem</a:t>
+            </a:r>
+            <a:r>
+              <a:rPr lang="en-US" dirty="0">
+                <a:latin typeface="+mj-lt"/>
+              </a:rPr>
+              <a:t> </a:t>
+            </a:r>
+            <a:r>
+              <a:rPr lang="en-US" dirty="0" err="1">
+                <a:latin typeface="+mj-lt"/>
+              </a:rPr>
+              <a:t>voldelig</a:t>
+            </a:r>
+            <a:r>
+              <a:rPr lang="en-US" dirty="0">
+                <a:latin typeface="+mj-lt"/>
+              </a:rPr>
+              <a:t> </a:t>
+            </a:r>
+            <a:r>
+              <a:rPr lang="en-US" dirty="0" err="1">
+                <a:latin typeface="+mj-lt"/>
+              </a:rPr>
+              <a:t>og</a:t>
+            </a:r>
+            <a:r>
+              <a:rPr lang="en-US" dirty="0">
+                <a:latin typeface="+mj-lt"/>
+              </a:rPr>
+              <a:t> </a:t>
+            </a:r>
+            <a:r>
+              <a:rPr lang="en-US" dirty="0" err="1">
+                <a:latin typeface="+mj-lt"/>
+              </a:rPr>
+              <a:t>ikke-voldelig</a:t>
+            </a:r>
+            <a:r>
+              <a:rPr lang="en-US" dirty="0">
+                <a:latin typeface="+mj-lt"/>
+              </a:rPr>
+              <a:t> </a:t>
+            </a:r>
+            <a:r>
+              <a:rPr lang="en-US" dirty="0" err="1">
+                <a:latin typeface="+mj-lt"/>
+              </a:rPr>
+              <a:t>kriminalitet</a:t>
+            </a:r>
+            <a:r>
+              <a:rPr lang="en-US" dirty="0">
+                <a:latin typeface="+mj-lt"/>
+              </a:rPr>
+              <a:t> </a:t>
+            </a:r>
+            <a:r>
+              <a:rPr lang="en-US" dirty="0" err="1">
+                <a:latin typeface="+mj-lt"/>
+              </a:rPr>
+              <a:t>baseret</a:t>
+            </a:r>
+            <a:r>
+              <a:rPr lang="en-US" dirty="0">
+                <a:latin typeface="+mj-lt"/>
+              </a:rPr>
+              <a:t> </a:t>
+            </a:r>
+            <a:r>
+              <a:rPr lang="en-US" dirty="0" err="1">
+                <a:latin typeface="+mj-lt"/>
+              </a:rPr>
+              <a:t>på</a:t>
+            </a:r>
+            <a:r>
+              <a:rPr lang="en-US" dirty="0">
+                <a:latin typeface="+mj-lt"/>
+              </a:rPr>
+              <a:t> de </a:t>
+            </a:r>
+            <a:r>
+              <a:rPr lang="en-US" dirty="0" err="1">
+                <a:latin typeface="+mj-lt"/>
+              </a:rPr>
+              <a:t>givne</a:t>
+            </a:r>
+            <a:r>
+              <a:rPr lang="en-US" dirty="0">
+                <a:latin typeface="+mj-lt"/>
+              </a:rPr>
+              <a:t> </a:t>
+            </a:r>
+            <a:r>
+              <a:rPr lang="en-US" dirty="0" err="1">
+                <a:latin typeface="+mj-lt"/>
+              </a:rPr>
+              <a:t>attributter</a:t>
+            </a:r>
+            <a:endParaRPr lang="en-US" dirty="0">
+              <a:latin typeface="+mj-lt"/>
+            </a:endParaRPr>
+          </a:p>
+          <a:p>
+            <a:endParaRPr lang="en-US" dirty="0">
+              <a:latin typeface="+mj-lt"/>
+            </a:endParaRPr>
+          </a:p>
+          <a:p>
+            <a:pPr marL="0" indent="0">
+              <a:buNone/>
+            </a:pPr>
+            <a:r>
+              <a:rPr lang="en-US" b="1" dirty="0" err="1">
+                <a:latin typeface="+mj-lt"/>
+              </a:rPr>
+              <a:t>Næste</a:t>
+            </a:r>
+            <a:r>
+              <a:rPr lang="en-US" b="1" dirty="0">
+                <a:latin typeface="+mj-lt"/>
+              </a:rPr>
+              <a:t> </a:t>
+            </a:r>
+            <a:r>
+              <a:rPr lang="en-US" b="1" dirty="0" err="1">
+                <a:latin typeface="+mj-lt"/>
+              </a:rPr>
+              <a:t>skridt</a:t>
+            </a:r>
+            <a:endParaRPr lang="en-US" b="1" dirty="0">
+              <a:latin typeface="+mj-lt"/>
+            </a:endParaRPr>
+          </a:p>
+          <a:p>
+            <a:r>
+              <a:rPr lang="en-US" dirty="0" err="1">
+                <a:latin typeface="+mj-lt"/>
+              </a:rPr>
+              <a:t>Modellerne</a:t>
+            </a:r>
+            <a:r>
+              <a:rPr lang="en-US" dirty="0">
+                <a:latin typeface="+mj-lt"/>
+              </a:rPr>
+              <a:t> er </a:t>
+            </a:r>
+            <a:r>
+              <a:rPr lang="en-US" dirty="0" err="1">
+                <a:latin typeface="+mj-lt"/>
+              </a:rPr>
+              <a:t>ikke</a:t>
+            </a:r>
+            <a:r>
+              <a:rPr lang="en-US" dirty="0">
+                <a:latin typeface="+mj-lt"/>
+              </a:rPr>
+              <a:t> ret </a:t>
+            </a:r>
+            <a:r>
+              <a:rPr lang="en-US" dirty="0" err="1">
+                <a:latin typeface="+mj-lt"/>
+              </a:rPr>
+              <a:t>lovende</a:t>
+            </a:r>
+            <a:r>
+              <a:rPr lang="en-US" dirty="0">
+                <a:latin typeface="+mj-lt"/>
+              </a:rPr>
+              <a:t> </a:t>
+            </a:r>
+            <a:r>
+              <a:rPr lang="en-US" dirty="0">
+                <a:latin typeface="+mj-lt"/>
+                <a:sym typeface="Wingdings" panose="05000000000000000000" pitchFamily="2" charset="2"/>
+              </a:rPr>
+              <a:t> </a:t>
+            </a:r>
+            <a:r>
+              <a:rPr lang="en-US" dirty="0" err="1">
+                <a:latin typeface="+mj-lt"/>
+              </a:rPr>
+              <a:t>tilbage</a:t>
+            </a:r>
+            <a:r>
+              <a:rPr lang="en-US" dirty="0">
+                <a:latin typeface="+mj-lt"/>
+              </a:rPr>
+              <a:t> </a:t>
+            </a:r>
+            <a:r>
+              <a:rPr lang="en-US" dirty="0" err="1">
+                <a:latin typeface="+mj-lt"/>
+              </a:rPr>
+              <a:t>til</a:t>
+            </a:r>
+            <a:r>
+              <a:rPr lang="en-US" dirty="0">
+                <a:latin typeface="+mj-lt"/>
+              </a:rPr>
+              <a:t> det </a:t>
+            </a:r>
+            <a:r>
+              <a:rPr lang="en-US" dirty="0" err="1">
+                <a:latin typeface="+mj-lt"/>
+              </a:rPr>
+              <a:t>eksplorative</a:t>
+            </a:r>
+            <a:endParaRPr lang="en-US" dirty="0">
+              <a:latin typeface="+mj-lt"/>
+            </a:endParaRPr>
+          </a:p>
+          <a:p>
+            <a:pPr marL="0" indent="0">
+              <a:buNone/>
+            </a:pPr>
+            <a:r>
+              <a:rPr lang="en-US" dirty="0" err="1">
+                <a:latin typeface="+mj-lt"/>
+              </a:rPr>
+              <a:t>F.eks</a:t>
+            </a:r>
+            <a:r>
+              <a:rPr lang="en-US" dirty="0">
+                <a:latin typeface="+mj-lt"/>
+              </a:rPr>
+              <a:t>. </a:t>
+            </a:r>
+          </a:p>
+          <a:p>
+            <a:pPr lvl="1"/>
+            <a:r>
+              <a:rPr lang="en-US" dirty="0" err="1">
+                <a:latin typeface="+mj-lt"/>
+              </a:rPr>
+              <a:t>Undersøg</a:t>
+            </a:r>
+            <a:r>
+              <a:rPr lang="en-US" dirty="0">
+                <a:latin typeface="+mj-lt"/>
+              </a:rPr>
+              <a:t> </a:t>
+            </a:r>
+            <a:r>
+              <a:rPr lang="en-US" dirty="0" err="1">
+                <a:latin typeface="+mj-lt"/>
+              </a:rPr>
+              <a:t>potentielle</a:t>
+            </a:r>
+            <a:r>
+              <a:rPr lang="en-US" dirty="0">
+                <a:latin typeface="+mj-lt"/>
+              </a:rPr>
+              <a:t> hot-spots for </a:t>
+            </a:r>
+            <a:r>
+              <a:rPr lang="en-US" dirty="0" err="1">
+                <a:latin typeface="+mj-lt"/>
+              </a:rPr>
+              <a:t>voldelig</a:t>
+            </a:r>
+            <a:r>
+              <a:rPr lang="en-US" dirty="0">
+                <a:latin typeface="+mj-lt"/>
+              </a:rPr>
+              <a:t> </a:t>
+            </a:r>
+            <a:r>
+              <a:rPr lang="en-US" dirty="0" err="1">
+                <a:latin typeface="+mj-lt"/>
+              </a:rPr>
+              <a:t>kriminalitet</a:t>
+            </a:r>
+            <a:r>
+              <a:rPr lang="en-US" dirty="0">
+                <a:latin typeface="+mj-lt"/>
+              </a:rPr>
+              <a:t> </a:t>
+            </a:r>
+            <a:r>
+              <a:rPr lang="en-US" dirty="0" err="1">
+                <a:latin typeface="+mj-lt"/>
+              </a:rPr>
+              <a:t>ved</a:t>
+            </a:r>
+            <a:r>
+              <a:rPr lang="en-US" dirty="0">
+                <a:latin typeface="+mj-lt"/>
+              </a:rPr>
+              <a:t> </a:t>
+            </a:r>
+            <a:r>
+              <a:rPr lang="en-US" dirty="0" err="1">
+                <a:latin typeface="+mj-lt"/>
+              </a:rPr>
+              <a:t>hjælp</a:t>
+            </a:r>
+            <a:r>
+              <a:rPr lang="en-US" dirty="0">
+                <a:latin typeface="+mj-lt"/>
+              </a:rPr>
+              <a:t> </a:t>
+            </a:r>
+            <a:r>
+              <a:rPr lang="en-US" dirty="0" err="1">
+                <a:latin typeface="+mj-lt"/>
+              </a:rPr>
+              <a:t>af</a:t>
+            </a:r>
+            <a:r>
+              <a:rPr lang="en-US" dirty="0">
+                <a:latin typeface="+mj-lt"/>
+              </a:rPr>
+              <a:t> </a:t>
+            </a:r>
+            <a:r>
+              <a:rPr lang="en-US" dirty="0" err="1">
+                <a:latin typeface="+mj-lt"/>
+              </a:rPr>
+              <a:t>koordinatdata</a:t>
+            </a:r>
+            <a:endParaRPr lang="en-US" dirty="0">
+              <a:latin typeface="+mj-lt"/>
+            </a:endParaRPr>
+          </a:p>
+          <a:p>
+            <a:pPr lvl="1"/>
+            <a:r>
+              <a:rPr lang="en-US" dirty="0">
+                <a:latin typeface="+mj-lt"/>
+              </a:rPr>
+              <a:t>Dyk </a:t>
+            </a:r>
+            <a:r>
+              <a:rPr lang="en-US" dirty="0" err="1">
+                <a:latin typeface="+mj-lt"/>
+              </a:rPr>
+              <a:t>ned</a:t>
+            </a:r>
+            <a:r>
+              <a:rPr lang="en-US" dirty="0">
+                <a:latin typeface="+mj-lt"/>
+              </a:rPr>
+              <a:t> </a:t>
+            </a:r>
+            <a:r>
+              <a:rPr lang="en-US" dirty="0" err="1">
+                <a:latin typeface="+mj-lt"/>
+              </a:rPr>
+              <a:t>i</a:t>
+            </a:r>
+            <a:r>
+              <a:rPr lang="en-US" dirty="0">
+                <a:latin typeface="+mj-lt"/>
+              </a:rPr>
+              <a:t> </a:t>
+            </a:r>
+            <a:r>
+              <a:rPr lang="en-US" dirty="0" err="1">
+                <a:latin typeface="+mj-lt"/>
+              </a:rPr>
+              <a:t>attributten</a:t>
+            </a:r>
+            <a:r>
+              <a:rPr lang="en-US" dirty="0">
+                <a:latin typeface="+mj-lt"/>
+              </a:rPr>
+              <a:t> “</a:t>
+            </a:r>
+            <a:r>
+              <a:rPr lang="en-US" i="1" dirty="0">
+                <a:latin typeface="+mj-lt"/>
+              </a:rPr>
+              <a:t>category</a:t>
+            </a:r>
+            <a:r>
+              <a:rPr lang="en-US" dirty="0">
+                <a:latin typeface="+mj-lt"/>
+              </a:rPr>
+              <a:t>”</a:t>
+            </a:r>
+          </a:p>
+          <a:p>
+            <a:pPr lvl="2"/>
+            <a:r>
+              <a:rPr lang="en-US" dirty="0" err="1">
+                <a:latin typeface="+mj-lt"/>
+              </a:rPr>
+              <a:t>Måske</a:t>
+            </a:r>
+            <a:r>
+              <a:rPr lang="en-US" dirty="0">
+                <a:latin typeface="+mj-lt"/>
+              </a:rPr>
+              <a:t> </a:t>
+            </a:r>
+            <a:r>
+              <a:rPr lang="en-US" dirty="0" err="1">
+                <a:latin typeface="+mj-lt"/>
+              </a:rPr>
+              <a:t>vil</a:t>
+            </a:r>
+            <a:r>
+              <a:rPr lang="en-US" dirty="0">
+                <a:latin typeface="+mj-lt"/>
+              </a:rPr>
+              <a:t> den </a:t>
+            </a:r>
+            <a:r>
+              <a:rPr lang="en-US" dirty="0" err="1">
+                <a:latin typeface="+mj-lt"/>
+              </a:rPr>
+              <a:t>større</a:t>
+            </a:r>
+            <a:r>
+              <a:rPr lang="en-US" dirty="0">
+                <a:latin typeface="+mj-lt"/>
+              </a:rPr>
+              <a:t> </a:t>
+            </a:r>
+            <a:r>
+              <a:rPr lang="en-US" dirty="0" err="1">
+                <a:latin typeface="+mj-lt"/>
+              </a:rPr>
+              <a:t>detaljegrad</a:t>
+            </a:r>
+            <a:r>
+              <a:rPr lang="en-US" dirty="0">
+                <a:latin typeface="+mj-lt"/>
+              </a:rPr>
+              <a:t> </a:t>
+            </a:r>
+            <a:r>
+              <a:rPr lang="en-US" dirty="0" err="1">
+                <a:latin typeface="+mj-lt"/>
+              </a:rPr>
+              <a:t>rumme</a:t>
+            </a:r>
+            <a:r>
+              <a:rPr lang="en-US" dirty="0">
+                <a:latin typeface="+mj-lt"/>
+              </a:rPr>
+              <a:t> </a:t>
+            </a:r>
+            <a:r>
+              <a:rPr lang="en-US" dirty="0" err="1">
+                <a:latin typeface="+mj-lt"/>
+              </a:rPr>
+              <a:t>forskelle</a:t>
+            </a:r>
+            <a:r>
+              <a:rPr lang="en-US" dirty="0">
+                <a:latin typeface="+mj-lt"/>
+              </a:rPr>
+              <a:t>, der er </a:t>
+            </a:r>
+            <a:r>
+              <a:rPr lang="en-US" dirty="0" err="1">
+                <a:latin typeface="+mj-lt"/>
+              </a:rPr>
+              <a:t>udvisket</a:t>
+            </a:r>
+            <a:r>
+              <a:rPr lang="en-US" dirty="0">
+                <a:latin typeface="+mj-lt"/>
+              </a:rPr>
+              <a:t> </a:t>
+            </a:r>
+            <a:r>
+              <a:rPr lang="en-US" dirty="0" err="1">
+                <a:latin typeface="+mj-lt"/>
+              </a:rPr>
+              <a:t>ved</a:t>
+            </a:r>
+            <a:r>
+              <a:rPr lang="en-US" dirty="0">
+                <a:latin typeface="+mj-lt"/>
+              </a:rPr>
+              <a:t> </a:t>
+            </a:r>
+            <a:r>
+              <a:rPr lang="en-US" dirty="0" err="1">
+                <a:latin typeface="+mj-lt"/>
+              </a:rPr>
+              <a:t>aggregeringen</a:t>
+            </a:r>
+            <a:r>
+              <a:rPr lang="en-US" dirty="0">
+                <a:latin typeface="+mj-lt"/>
+              </a:rPr>
+              <a:t> </a:t>
+            </a:r>
+            <a:r>
+              <a:rPr lang="en-US" dirty="0" err="1">
+                <a:latin typeface="+mj-lt"/>
+              </a:rPr>
+              <a:t>af</a:t>
+            </a:r>
+            <a:r>
+              <a:rPr lang="en-US" dirty="0">
+                <a:latin typeface="+mj-lt"/>
+              </a:rPr>
+              <a:t> </a:t>
+            </a:r>
+            <a:r>
+              <a:rPr lang="en-US" dirty="0" err="1">
+                <a:latin typeface="+mj-lt"/>
+              </a:rPr>
+              <a:t>voldelig</a:t>
+            </a:r>
+            <a:r>
+              <a:rPr lang="en-US" dirty="0">
+                <a:latin typeface="+mj-lt"/>
+              </a:rPr>
+              <a:t>/</a:t>
+            </a:r>
+            <a:r>
+              <a:rPr lang="en-US" dirty="0" err="1">
+                <a:latin typeface="+mj-lt"/>
+              </a:rPr>
+              <a:t>ikke-voldelig</a:t>
+            </a:r>
+            <a:r>
+              <a:rPr lang="en-US" dirty="0">
+                <a:latin typeface="+mj-lt"/>
+              </a:rPr>
+              <a:t> </a:t>
+            </a:r>
+          </a:p>
+          <a:p>
+            <a:endParaRPr lang="en-US" dirty="0">
+              <a:latin typeface="+mj-lt"/>
+            </a:endParaRPr>
+          </a:p>
+        </p:txBody>
+      </p:sp>
+    </p:spTree>
+    <p:extLst>
+      <p:ext uri="{BB962C8B-B14F-4D97-AF65-F5344CB8AC3E}">
+        <p14:creationId xmlns:p14="http://schemas.microsoft.com/office/powerpoint/2010/main" val="3763097069"/>
       </p:ext>
     </p:extLst>
   </p:cSld>
@@ -8946,7 +10497,7 @@
 </file>
 
 <file path=ppt/slides/slide8.xml><?xml version="1.0" encoding="utf-8"?>
-<p:sld xmlns:a="http://schemas.openxmlformats.org/drawingml/2006/main" xmlns:r="http://schemas.openxmlformats.org/officeDocument/2006/relationships" xmlns:p="http://schemas.openxmlformats.org/presentationml/2006/main">
+<p:sld xmlns:a="http://schemas.openxmlformats.org/drawingml/2006/main" xmlns:r="http://schemas.openxmlformats.org/officeDocument/2006/relationships" xmlns:p="http://schemas.openxmlformats.org/presentationml/2006/main" show="0">
   <p:cSld>
     <p:spTree>
       <p:nvGrpSpPr>
@@ -8978,56 +10529,63 @@
             <p:ph type="title"/>
           </p:nvPr>
         </p:nvSpPr>
-        <p:spPr/>
-        <p:txBody>
-          <a:bodyPr/>
+        <p:spPr>
+          <a:xfrm>
+            <a:off x="838200" y="52608"/>
+            <a:ext cx="10515600" cy="1325563"/>
+          </a:xfrm>
+        </p:spPr>
+        <p:txBody>
+          <a:bodyPr>
+            <a:normAutofit/>
+          </a:bodyPr>
           <a:lstStyle/>
           <a:p>
             <a:r>
-              <a:rPr lang="en-US" dirty="0" err="1"/>
+              <a:rPr lang="en-US" sz="3600" dirty="0" err="1"/>
               <a:t>Voldelig</a:t>
             </a:r>
             <a:r>
-              <a:rPr lang="en-US" dirty="0"/>
-              <a:t> </a:t>
-            </a:r>
-            <a:r>
-              <a:rPr lang="en-US" dirty="0" err="1"/>
+              <a:rPr lang="en-US" sz="3600" dirty="0"/>
+              <a:t> </a:t>
+            </a:r>
+            <a:r>
+              <a:rPr lang="en-US" sz="3600" dirty="0" err="1"/>
               <a:t>kriminalitet</a:t>
             </a:r>
             <a:r>
-              <a:rPr lang="en-US" dirty="0"/>
-              <a:t> </a:t>
-            </a:r>
-            <a:r>
-              <a:rPr lang="en-US" dirty="0" err="1"/>
+              <a:rPr lang="en-US" sz="3600" dirty="0"/>
+              <a:t> </a:t>
+            </a:r>
+            <a:r>
+              <a:rPr lang="en-US" sz="3600" dirty="0" err="1"/>
               <a:t>fordelt</a:t>
             </a:r>
             <a:r>
-              <a:rPr lang="en-US" dirty="0"/>
-              <a:t> </a:t>
-            </a:r>
-            <a:r>
-              <a:rPr lang="en-US" dirty="0" err="1"/>
+              <a:rPr lang="en-US" sz="3600" dirty="0"/>
+              <a:t> </a:t>
+            </a:r>
+            <a:r>
+              <a:rPr lang="en-US" sz="3600" dirty="0" err="1"/>
               <a:t>på</a:t>
             </a:r>
             <a:r>
-              <a:rPr lang="en-US" dirty="0"/>
+              <a:rPr lang="en-US" sz="3600" dirty="0"/>
               <a:t> timer </a:t>
             </a:r>
             <a:r>
-              <a:rPr lang="en-US" dirty="0" err="1"/>
+              <a:rPr lang="en-US" sz="3600" dirty="0" err="1"/>
               <a:t>og</a:t>
             </a:r>
             <a:r>
-              <a:rPr lang="en-US" dirty="0"/>
-              <a:t> </a:t>
-            </a:r>
-            <a:r>
-              <a:rPr lang="en-US" dirty="0" err="1"/>
-              <a:t>uger</a:t>
-            </a:r>
-            <a:endParaRPr lang="da-DK" dirty="0"/>
+              <a:rPr lang="en-US" sz="3600" dirty="0"/>
+              <a:t> </a:t>
+            </a:r>
+            <a:r>
+              <a:rPr lang="en-US" sz="3600" dirty="0" err="1"/>
+              <a:t>ugedage</a:t>
+            </a:r>
+            <a:endParaRPr lang="da-DK" sz="3600" dirty="0"/>
           </a:p>
         </p:txBody>
       </p:sp>
@@ -9063,10 +10621,10 @@
       </p:pic>
       <p:pic>
         <p:nvPicPr>
-          <p:cNvPr id="7" name="Picture 6">
+          <p:cNvPr id="4" name="Picture 3">
             <a:extLst>
               <a:ext uri="{FF2B5EF4-FFF2-40B4-BE49-F238E27FC236}">
-                <a16:creationId xmlns:a16="http://schemas.microsoft.com/office/drawing/2014/main" id="{050D136F-A317-4381-A860-766EAC0E1392}"/>
+                <a16:creationId xmlns:a16="http://schemas.microsoft.com/office/drawing/2014/main" id="{C48B211B-DF77-4F10-A443-925592C2B61C}"/>
               </a:ext>
             </a:extLst>
           </p:cNvPr>
@@ -9083,8 +10641,8 @@
         </p:blipFill>
         <p:spPr>
           <a:xfrm>
-            <a:off x="107633" y="1454151"/>
-            <a:ext cx="5953746" cy="4935220"/>
+            <a:off x="151777" y="1473199"/>
+            <a:ext cx="6086475" cy="5048250"/>
           </a:xfrm>
           <a:prstGeom prst="rect">
             <a:avLst/>
@@ -9123,10 +10681,10 @@
       </p:grpSpPr>
       <p:sp>
         <p:nvSpPr>
-          <p:cNvPr id="3" name="Content Placeholder 2">
+          <p:cNvPr id="2" name="Title 1">
             <a:extLst>
               <a:ext uri="{FF2B5EF4-FFF2-40B4-BE49-F238E27FC236}">
-                <a16:creationId xmlns:a16="http://schemas.microsoft.com/office/drawing/2014/main" id="{66F45341-0D58-4A32-8FD3-4E83962E4C94}"/>
+                <a16:creationId xmlns:a16="http://schemas.microsoft.com/office/drawing/2014/main" id="{23A7D91D-0100-4FA5-B18F-69646BFA40D5}"/>
               </a:ext>
             </a:extLst>
           </p:cNvPr>
@@ -9134,705 +10692,126 @@
             <a:spLocks noGrp="1"/>
           </p:cNvSpPr>
           <p:nvPr>
-            <p:ph idx="1"/>
-          </p:nvPr>
-        </p:nvSpPr>
-        <p:spPr>
-          <a:xfrm>
-            <a:off x="838200" y="894080"/>
-            <a:ext cx="10515600" cy="4906963"/>
-          </a:xfrm>
-        </p:spPr>
-        <p:txBody>
-          <a:bodyPr>
-            <a:normAutofit/>
-          </a:bodyPr>
+            <p:ph type="title"/>
+          </p:nvPr>
+        </p:nvSpPr>
+        <p:spPr/>
+        <p:txBody>
+          <a:bodyPr/>
           <a:lstStyle/>
           <a:p>
-            <a:pPr marL="0" indent="0">
-              <a:buNone/>
-            </a:pPr>
-            <a:r>
-              <a:rPr lang="en-US" sz="2200" dirty="0" err="1">
-                <a:latin typeface="+mj-lt"/>
-              </a:rPr>
-              <a:t>Observationer</a:t>
-            </a:r>
-            <a:r>
-              <a:rPr lang="en-US" sz="2200" dirty="0">
-                <a:latin typeface="+mj-lt"/>
-              </a:rPr>
-              <a:t> </a:t>
-            </a:r>
-          </a:p>
-          <a:p>
-            <a:pPr lvl="1">
-              <a:spcAft>
-                <a:spcPts val="500"/>
-              </a:spcAft>
-            </a:pPr>
-            <a:r>
-              <a:rPr lang="en-US" sz="2200" dirty="0" err="1">
-                <a:latin typeface="+mj-lt"/>
-              </a:rPr>
-              <a:t>Antallet</a:t>
-            </a:r>
-            <a:r>
-              <a:rPr lang="en-US" sz="2200" dirty="0">
-                <a:latin typeface="+mj-lt"/>
-              </a:rPr>
-              <a:t> </a:t>
-            </a:r>
-            <a:r>
-              <a:rPr lang="en-US" sz="2200" dirty="0" err="1">
-                <a:latin typeface="+mj-lt"/>
-              </a:rPr>
-              <a:t>af</a:t>
-            </a:r>
-            <a:r>
-              <a:rPr lang="en-US" sz="2200" dirty="0">
-                <a:latin typeface="+mj-lt"/>
-              </a:rPr>
-              <a:t> </a:t>
-            </a:r>
-            <a:r>
-              <a:rPr lang="en-US" sz="2200" dirty="0" err="1">
-                <a:latin typeface="+mj-lt"/>
-              </a:rPr>
-              <a:t>incidenser</a:t>
-            </a:r>
-            <a:r>
-              <a:rPr lang="en-US" sz="2200" dirty="0">
-                <a:latin typeface="+mj-lt"/>
-              </a:rPr>
-              <a:t> ser </a:t>
-            </a:r>
-            <a:r>
-              <a:rPr lang="en-US" sz="2200" dirty="0" err="1">
-                <a:latin typeface="+mj-lt"/>
-              </a:rPr>
-              <a:t>generelt</a:t>
-            </a:r>
-            <a:r>
-              <a:rPr lang="en-US" sz="2200" dirty="0">
-                <a:latin typeface="+mj-lt"/>
-              </a:rPr>
-              <a:t> </a:t>
-            </a:r>
-            <a:r>
-              <a:rPr lang="en-US" sz="2200" dirty="0" err="1">
-                <a:latin typeface="+mj-lt"/>
-              </a:rPr>
-              <a:t>nedadgående</a:t>
-            </a:r>
-            <a:r>
-              <a:rPr lang="en-US" sz="2200" dirty="0">
-                <a:latin typeface="+mj-lt"/>
-              </a:rPr>
-              <a:t> </a:t>
-            </a:r>
-            <a:r>
-              <a:rPr lang="en-US" sz="2200" dirty="0" err="1">
-                <a:latin typeface="+mj-lt"/>
-              </a:rPr>
-              <a:t>ud</a:t>
-            </a:r>
-            <a:endParaRPr lang="en-US" sz="2200" dirty="0">
-              <a:latin typeface="+mj-lt"/>
-            </a:endParaRPr>
-          </a:p>
-          <a:p>
-            <a:pPr lvl="1">
-              <a:spcAft>
-                <a:spcPts val="500"/>
-              </a:spcAft>
-            </a:pPr>
-            <a:r>
-              <a:rPr lang="en-US" sz="2200" dirty="0">
-                <a:latin typeface="+mj-lt"/>
-              </a:rPr>
-              <a:t>Men… </a:t>
-            </a:r>
-            <a:r>
-              <a:rPr lang="en-US" sz="2200" dirty="0" err="1">
-                <a:latin typeface="+mj-lt"/>
-              </a:rPr>
-              <a:t>mængden</a:t>
-            </a:r>
-            <a:r>
-              <a:rPr lang="en-US" sz="2200" dirty="0">
-                <a:latin typeface="+mj-lt"/>
-              </a:rPr>
-              <a:t> </a:t>
-            </a:r>
-            <a:r>
-              <a:rPr lang="en-US" sz="2200" dirty="0" err="1">
-                <a:latin typeface="+mj-lt"/>
-              </a:rPr>
-              <a:t>af</a:t>
-            </a:r>
-            <a:r>
-              <a:rPr lang="en-US" sz="2200" dirty="0">
-                <a:latin typeface="+mj-lt"/>
-              </a:rPr>
-              <a:t> </a:t>
-            </a:r>
-            <a:r>
-              <a:rPr lang="en-US" sz="2200" dirty="0" err="1">
-                <a:latin typeface="+mj-lt"/>
-              </a:rPr>
-              <a:t>voldelig</a:t>
-            </a:r>
-            <a:r>
-              <a:rPr lang="en-US" sz="2200" dirty="0">
-                <a:latin typeface="+mj-lt"/>
-              </a:rPr>
-              <a:t> </a:t>
-            </a:r>
-            <a:r>
-              <a:rPr lang="en-US" sz="2200" dirty="0" err="1">
-                <a:latin typeface="+mj-lt"/>
-              </a:rPr>
+            <a:r>
+              <a:rPr lang="en-US" dirty="0" err="1"/>
+              <a:t>Voldelig</a:t>
+            </a:r>
+            <a:r>
+              <a:rPr lang="en-US" dirty="0"/>
+              <a:t> </a:t>
+            </a:r>
+            <a:r>
+              <a:rPr lang="en-US" dirty="0" err="1"/>
               <a:t>kriminalitet</a:t>
             </a:r>
             <a:r>
-              <a:rPr lang="en-US" sz="2200" dirty="0">
-                <a:latin typeface="+mj-lt"/>
-              </a:rPr>
-              <a:t> ser </a:t>
-            </a:r>
-            <a:r>
-              <a:rPr lang="en-US" sz="2200" dirty="0" err="1">
-                <a:latin typeface="+mj-lt"/>
-              </a:rPr>
-              <a:t>stabil</a:t>
-            </a:r>
-            <a:r>
-              <a:rPr lang="en-US" sz="2200" dirty="0">
-                <a:latin typeface="+mj-lt"/>
-              </a:rPr>
-              <a:t> </a:t>
-            </a:r>
-            <a:r>
-              <a:rPr lang="en-US" sz="2200" dirty="0" err="1">
-                <a:latin typeface="+mj-lt"/>
-              </a:rPr>
-              <a:t>ud</a:t>
-            </a:r>
-            <a:r>
-              <a:rPr lang="en-US" sz="2200" dirty="0">
-                <a:latin typeface="+mj-lt"/>
-              </a:rPr>
-              <a:t> </a:t>
-            </a:r>
-            <a:r>
-              <a:rPr lang="en-US" sz="2200" dirty="0" err="1">
-                <a:latin typeface="+mj-lt"/>
-              </a:rPr>
-              <a:t>fra</a:t>
-            </a:r>
-            <a:r>
-              <a:rPr lang="en-US" sz="2200" dirty="0">
-                <a:latin typeface="+mj-lt"/>
-              </a:rPr>
-              <a:t> 2013-2018</a:t>
-            </a:r>
-            <a:br>
-              <a:rPr lang="en-US" sz="2200" dirty="0">
-                <a:latin typeface="+mj-lt"/>
-              </a:rPr>
-            </a:br>
-            <a:endParaRPr lang="en-US" sz="2200" dirty="0">
-              <a:latin typeface="+mj-lt"/>
-            </a:endParaRPr>
-          </a:p>
-          <a:p>
-            <a:pPr marL="0" indent="0">
-              <a:buNone/>
-            </a:pPr>
-            <a:r>
-              <a:rPr lang="en-US" sz="2200" dirty="0" err="1">
-                <a:latin typeface="+mj-lt"/>
-              </a:rPr>
-              <a:t>Antagelser</a:t>
-            </a:r>
-            <a:endParaRPr lang="en-US" sz="2200" dirty="0">
-              <a:latin typeface="+mj-lt"/>
-            </a:endParaRPr>
-          </a:p>
-          <a:p>
-            <a:pPr lvl="1">
-              <a:spcAft>
-                <a:spcPts val="500"/>
-              </a:spcAft>
-            </a:pPr>
-            <a:r>
-              <a:rPr lang="en-US" sz="2200" dirty="0" err="1">
-                <a:latin typeface="+mj-lt"/>
-              </a:rPr>
-              <a:t>En</a:t>
-            </a:r>
-            <a:r>
-              <a:rPr lang="en-US" sz="2200" dirty="0">
-                <a:latin typeface="+mj-lt"/>
-              </a:rPr>
-              <a:t> </a:t>
-            </a:r>
-            <a:r>
-              <a:rPr lang="en-US" sz="2200" dirty="0" err="1">
-                <a:latin typeface="+mj-lt"/>
-              </a:rPr>
-              <a:t>voldelig</a:t>
-            </a:r>
-            <a:r>
-              <a:rPr lang="en-US" sz="2200" dirty="0">
-                <a:latin typeface="+mj-lt"/>
-              </a:rPr>
-              <a:t> situation </a:t>
-            </a:r>
-            <a:r>
-              <a:rPr lang="en-US" sz="2200" dirty="0" err="1">
-                <a:latin typeface="+mj-lt"/>
-              </a:rPr>
-              <a:t>kræver</a:t>
-            </a:r>
-            <a:r>
-              <a:rPr lang="en-US" sz="2200" dirty="0">
-                <a:latin typeface="+mj-lt"/>
-              </a:rPr>
-              <a:t> mere </a:t>
-            </a:r>
-            <a:r>
-              <a:rPr lang="en-US" sz="2200" dirty="0" err="1">
-                <a:latin typeface="+mj-lt"/>
-              </a:rPr>
-              <a:t>af</a:t>
-            </a:r>
-            <a:r>
-              <a:rPr lang="en-US" sz="2200" dirty="0">
-                <a:latin typeface="+mj-lt"/>
-              </a:rPr>
-              <a:t> </a:t>
-            </a:r>
-            <a:r>
-              <a:rPr lang="en-US" sz="2200" dirty="0" err="1">
-                <a:latin typeface="+mj-lt"/>
-              </a:rPr>
-              <a:t>politiet</a:t>
-            </a:r>
-            <a:endParaRPr lang="en-US" sz="2200" dirty="0">
-              <a:latin typeface="+mj-lt"/>
-            </a:endParaRPr>
-          </a:p>
-          <a:p>
-            <a:pPr lvl="1">
-              <a:spcAft>
-                <a:spcPts val="500"/>
-              </a:spcAft>
-            </a:pPr>
-            <a:r>
-              <a:rPr lang="en-US" sz="2200" dirty="0" err="1">
-                <a:latin typeface="+mj-lt"/>
-              </a:rPr>
-              <a:t>Voldelig</a:t>
-            </a:r>
-            <a:r>
-              <a:rPr lang="en-US" sz="2200" dirty="0">
-                <a:latin typeface="+mj-lt"/>
-              </a:rPr>
-              <a:t> </a:t>
-            </a:r>
-            <a:r>
-              <a:rPr lang="en-US" sz="2200" dirty="0" err="1">
-                <a:latin typeface="+mj-lt"/>
-              </a:rPr>
-              <a:t>kriminalitet</a:t>
-            </a:r>
-            <a:r>
-              <a:rPr lang="en-US" sz="2200" dirty="0">
-                <a:latin typeface="+mj-lt"/>
-              </a:rPr>
-              <a:t> </a:t>
-            </a:r>
-            <a:r>
-              <a:rPr lang="en-US" sz="2200" dirty="0" err="1">
-                <a:latin typeface="+mj-lt"/>
-              </a:rPr>
-              <a:t>har</a:t>
-            </a:r>
-            <a:r>
-              <a:rPr lang="en-US" sz="2200" dirty="0">
-                <a:latin typeface="+mj-lt"/>
-              </a:rPr>
-              <a:t> </a:t>
-            </a:r>
-            <a:r>
-              <a:rPr lang="en-US" sz="2200" dirty="0" err="1">
-                <a:latin typeface="+mj-lt"/>
-              </a:rPr>
-              <a:t>generelt</a:t>
-            </a:r>
-            <a:r>
-              <a:rPr lang="en-US" sz="2200" dirty="0">
-                <a:latin typeface="+mj-lt"/>
-              </a:rPr>
-              <a:t> </a:t>
-            </a:r>
-            <a:r>
-              <a:rPr lang="en-US" sz="2200" dirty="0" err="1">
-                <a:latin typeface="+mj-lt"/>
-              </a:rPr>
-              <a:t>større</a:t>
-            </a:r>
-            <a:r>
-              <a:rPr lang="en-US" sz="2200" dirty="0">
-                <a:latin typeface="+mj-lt"/>
-              </a:rPr>
-              <a:t> </a:t>
-            </a:r>
-            <a:r>
-              <a:rPr lang="en-US" sz="2200" dirty="0" err="1">
-                <a:latin typeface="+mj-lt"/>
-              </a:rPr>
-              <a:t>konsekvenser</a:t>
-            </a:r>
-            <a:r>
-              <a:rPr lang="en-US" sz="2200" dirty="0">
-                <a:latin typeface="+mj-lt"/>
-              </a:rPr>
-              <a:t> for </a:t>
-            </a:r>
-            <a:r>
-              <a:rPr lang="en-US" sz="2200" dirty="0" err="1">
-                <a:latin typeface="+mj-lt"/>
-              </a:rPr>
-              <a:t>ofrene</a:t>
-            </a:r>
-            <a:r>
-              <a:rPr lang="en-US" sz="2200" dirty="0">
-                <a:latin typeface="+mj-lt"/>
-              </a:rPr>
-              <a:t> </a:t>
-            </a:r>
-            <a:r>
-              <a:rPr lang="en-US" sz="2200" dirty="0" err="1">
-                <a:latin typeface="+mj-lt"/>
-              </a:rPr>
+              <a:rPr lang="en-US" dirty="0"/>
+              <a:t> </a:t>
+            </a:r>
+            <a:r>
+              <a:rPr lang="en-US" dirty="0" err="1"/>
+              <a:t>fordelt</a:t>
+            </a:r>
+            <a:r>
+              <a:rPr lang="en-US" dirty="0"/>
+              <a:t> </a:t>
+            </a:r>
+            <a:r>
+              <a:rPr lang="en-US" dirty="0" err="1"/>
+              <a:t>på</a:t>
+            </a:r>
+            <a:r>
+              <a:rPr lang="en-US" dirty="0"/>
+              <a:t> timer </a:t>
+            </a:r>
+            <a:r>
+              <a:rPr lang="en-US" dirty="0" err="1"/>
               <a:t>og</a:t>
             </a:r>
             <a:r>
-              <a:rPr lang="en-US" sz="2200" dirty="0">
-                <a:latin typeface="+mj-lt"/>
-              </a:rPr>
-              <a:t> </a:t>
-            </a:r>
-            <a:r>
-              <a:rPr lang="en-US" sz="2200" dirty="0" err="1">
-                <a:latin typeface="+mj-lt"/>
-              </a:rPr>
-              <a:t>gør</a:t>
-            </a:r>
-            <a:r>
-              <a:rPr lang="en-US" sz="2200" dirty="0">
-                <a:latin typeface="+mj-lt"/>
-              </a:rPr>
-              <a:t> folk mere bange end </a:t>
-            </a:r>
-            <a:r>
-              <a:rPr lang="en-US" sz="2200" dirty="0" err="1">
-                <a:latin typeface="+mj-lt"/>
-              </a:rPr>
-              <a:t>anden</a:t>
-            </a:r>
-            <a:r>
-              <a:rPr lang="en-US" sz="2200" dirty="0">
-                <a:latin typeface="+mj-lt"/>
-              </a:rPr>
-              <a:t> </a:t>
-            </a:r>
-            <a:r>
-              <a:rPr lang="en-US" sz="2200" dirty="0" err="1">
-                <a:latin typeface="+mj-lt"/>
-              </a:rPr>
-              <a:t>kriminalitet</a:t>
-            </a:r>
-            <a:endParaRPr lang="en-US" sz="2200" dirty="0">
-              <a:latin typeface="+mj-lt"/>
-            </a:endParaRPr>
-          </a:p>
-          <a:p>
-            <a:pPr lvl="1">
-              <a:spcAft>
-                <a:spcPts val="500"/>
-              </a:spcAft>
-            </a:pPr>
-            <a:r>
-              <a:rPr lang="en-US" sz="2200" dirty="0" err="1">
-                <a:latin typeface="+mj-lt"/>
-              </a:rPr>
-              <a:t>Derfor</a:t>
-            </a:r>
-            <a:r>
-              <a:rPr lang="en-US" sz="2200" dirty="0">
-                <a:latin typeface="+mj-lt"/>
-              </a:rPr>
-              <a:t> </a:t>
-            </a:r>
-            <a:r>
-              <a:rPr lang="en-US" sz="2200" dirty="0" err="1">
-                <a:latin typeface="+mj-lt"/>
-              </a:rPr>
-              <a:t>har</a:t>
-            </a:r>
-            <a:r>
-              <a:rPr lang="en-US" sz="2200" dirty="0">
-                <a:latin typeface="+mj-lt"/>
-              </a:rPr>
-              <a:t> de </a:t>
-            </a:r>
-            <a:r>
-              <a:rPr lang="en-US" sz="2200" dirty="0" err="1">
-                <a:latin typeface="+mj-lt"/>
-              </a:rPr>
-              <a:t>tre</a:t>
-            </a:r>
-            <a:r>
-              <a:rPr lang="en-US" sz="2200" dirty="0">
-                <a:latin typeface="+mj-lt"/>
-              </a:rPr>
-              <a:t> </a:t>
-            </a:r>
-            <a:r>
-              <a:rPr lang="en-US" sz="2200" dirty="0" err="1">
-                <a:latin typeface="+mj-lt"/>
-              </a:rPr>
-              <a:t>distrikter</a:t>
-            </a:r>
-            <a:r>
-              <a:rPr lang="en-US" sz="2200" dirty="0">
-                <a:latin typeface="+mj-lt"/>
-              </a:rPr>
-              <a:t> </a:t>
-            </a:r>
-            <a:r>
-              <a:rPr lang="en-US" sz="2200" dirty="0" err="1">
-                <a:latin typeface="+mj-lt"/>
-              </a:rPr>
-              <a:t>har</a:t>
-            </a:r>
-            <a:r>
-              <a:rPr lang="en-US" sz="2200" dirty="0">
-                <a:latin typeface="+mj-lt"/>
-              </a:rPr>
-              <a:t> </a:t>
-            </a:r>
-            <a:r>
-              <a:rPr lang="en-US" sz="2200" dirty="0" err="1">
-                <a:latin typeface="+mj-lt"/>
-              </a:rPr>
-              <a:t>en</a:t>
-            </a:r>
-            <a:r>
-              <a:rPr lang="en-US" sz="2200" dirty="0">
-                <a:latin typeface="+mj-lt"/>
-              </a:rPr>
-              <a:t> interesse </a:t>
-            </a:r>
-            <a:r>
-              <a:rPr lang="en-US" sz="2200" dirty="0" err="1">
-                <a:latin typeface="+mj-lt"/>
-              </a:rPr>
-              <a:t>i</a:t>
-            </a:r>
-            <a:r>
-              <a:rPr lang="en-US" sz="2200" dirty="0">
-                <a:latin typeface="+mj-lt"/>
-              </a:rPr>
-              <a:t> at </a:t>
-            </a:r>
-            <a:r>
-              <a:rPr lang="en-US" sz="2200" dirty="0" err="1">
-                <a:latin typeface="+mj-lt"/>
-              </a:rPr>
-              <a:t>allokere</a:t>
-            </a:r>
-            <a:r>
-              <a:rPr lang="en-US" sz="2200" dirty="0">
-                <a:latin typeface="+mj-lt"/>
-              </a:rPr>
-              <a:t> </a:t>
-            </a:r>
-            <a:r>
-              <a:rPr lang="en-US" sz="2200" dirty="0" err="1">
-                <a:latin typeface="+mj-lt"/>
-              </a:rPr>
-              <a:t>deres</a:t>
-            </a:r>
-            <a:r>
-              <a:rPr lang="en-US" sz="2200" dirty="0">
-                <a:latin typeface="+mj-lt"/>
-              </a:rPr>
-              <a:t> </a:t>
-            </a:r>
-            <a:r>
-              <a:rPr lang="en-US" sz="2200" dirty="0" err="1">
-                <a:latin typeface="+mj-lt"/>
-              </a:rPr>
-              <a:t>ressourcer</a:t>
-            </a:r>
-            <a:r>
-              <a:rPr lang="en-US" sz="2200" dirty="0">
-                <a:latin typeface="+mj-lt"/>
-              </a:rPr>
-              <a:t> </a:t>
-            </a:r>
-            <a:r>
-              <a:rPr lang="en-US" sz="2200" dirty="0" err="1">
-                <a:latin typeface="+mj-lt"/>
-              </a:rPr>
-              <a:t>til</a:t>
-            </a:r>
-            <a:r>
-              <a:rPr lang="en-US" sz="2200" dirty="0">
-                <a:latin typeface="+mj-lt"/>
-              </a:rPr>
-              <a:t> </a:t>
-            </a:r>
-            <a:r>
-              <a:rPr lang="en-US" sz="2200" dirty="0" err="1">
-                <a:latin typeface="+mj-lt"/>
-              </a:rPr>
-              <a:t>bedre</a:t>
-            </a:r>
-            <a:r>
-              <a:rPr lang="en-US" sz="2200" dirty="0">
-                <a:latin typeface="+mj-lt"/>
-              </a:rPr>
-              <a:t> at </a:t>
-            </a:r>
-            <a:r>
-              <a:rPr lang="en-US" sz="2200" dirty="0" err="1">
-                <a:latin typeface="+mj-lt"/>
-              </a:rPr>
-              <a:t>kunne</a:t>
-            </a:r>
-            <a:r>
-              <a:rPr lang="en-US" sz="2200" dirty="0">
-                <a:latin typeface="+mj-lt"/>
-              </a:rPr>
-              <a:t> </a:t>
-            </a:r>
-            <a:r>
-              <a:rPr lang="en-US" sz="2200" dirty="0" err="1">
-                <a:latin typeface="+mj-lt"/>
-              </a:rPr>
-              <a:t>bekæmpe</a:t>
-            </a:r>
-            <a:r>
-              <a:rPr lang="en-US" sz="2200" dirty="0">
-                <a:latin typeface="+mj-lt"/>
-              </a:rPr>
-              <a:t> </a:t>
-            </a:r>
-            <a:r>
-              <a:rPr lang="en-US" sz="2200" dirty="0" err="1">
-                <a:latin typeface="+mj-lt"/>
-              </a:rPr>
-              <a:t>voldelig</a:t>
-            </a:r>
-            <a:r>
-              <a:rPr lang="en-US" sz="2200" dirty="0">
-                <a:latin typeface="+mj-lt"/>
-              </a:rPr>
-              <a:t> </a:t>
-            </a:r>
-            <a:r>
-              <a:rPr lang="en-US" sz="2200" dirty="0" err="1">
-                <a:latin typeface="+mj-lt"/>
-              </a:rPr>
-              <a:t>kriminalitet</a:t>
-            </a:r>
-            <a:endParaRPr lang="en-US" sz="2200" dirty="0">
-              <a:latin typeface="+mj-lt"/>
-            </a:endParaRPr>
-          </a:p>
-          <a:p>
-            <a:pPr marL="914400" lvl="2" indent="0">
-              <a:buNone/>
-            </a:pPr>
-            <a:endParaRPr lang="en-US" sz="2200" dirty="0">
-              <a:latin typeface="+mj-lt"/>
-            </a:endParaRPr>
-          </a:p>
-        </p:txBody>
-      </p:sp>
-      <p:sp>
-        <p:nvSpPr>
-          <p:cNvPr id="4" name="Title 1">
+              <a:rPr lang="en-US" dirty="0"/>
+              <a:t> </a:t>
+            </a:r>
+            <a:r>
+              <a:rPr lang="en-US" dirty="0" err="1"/>
+              <a:t>uger</a:t>
+            </a:r>
+            <a:endParaRPr lang="da-DK" dirty="0"/>
+          </a:p>
+        </p:txBody>
+      </p:sp>
+      <p:pic>
+        <p:nvPicPr>
+          <p:cNvPr id="7" name="Picture 6">
             <a:extLst>
               <a:ext uri="{FF2B5EF4-FFF2-40B4-BE49-F238E27FC236}">
-                <a16:creationId xmlns:a16="http://schemas.microsoft.com/office/drawing/2014/main" id="{1E5795BF-C601-4F49-A788-886012BFAFE1}"/>
+                <a16:creationId xmlns:a16="http://schemas.microsoft.com/office/drawing/2014/main" id="{050D136F-A317-4381-A860-766EAC0E1392}"/>
               </a:ext>
             </a:extLst>
           </p:cNvPr>
-          <p:cNvSpPr txBox="1">
-            <a:spLocks/>
-          </p:cNvSpPr>
+          <p:cNvPicPr>
+            <a:picLocks noChangeAspect="1"/>
+          </p:cNvPicPr>
           <p:nvPr/>
-        </p:nvSpPr>
+        </p:nvPicPr>
+        <p:blipFill>
+          <a:blip r:embed="rId3"/>
+          <a:stretch>
+            <a:fillRect/>
+          </a:stretch>
+        </p:blipFill>
         <p:spPr>
           <a:xfrm>
-            <a:off x="838200" y="131445"/>
-            <a:ext cx="10515600" cy="835317"/>
+            <a:off x="392985" y="1690687"/>
+            <a:ext cx="5668394" cy="4698684"/>
           </a:xfrm>
           <a:prstGeom prst="rect">
             <a:avLst/>
           </a:prstGeom>
         </p:spPr>
-        <p:txBody>
-          <a:bodyPr vert="horz" lIns="91440" tIns="45720" rIns="91440" bIns="45720" rtlCol="0" anchor="ctr">
-            <a:normAutofit/>
-          </a:bodyPr>
-          <a:lstStyle>
-            <a:lvl1pPr algn="l" defTabSz="914400" rtl="0" eaLnBrk="1" latinLnBrk="0" hangingPunct="1">
-              <a:lnSpc>
-                <a:spcPct val="90000"/>
-              </a:lnSpc>
-              <a:spcBef>
-                <a:spcPct val="0"/>
-              </a:spcBef>
-              <a:buNone/>
-              <a:defRPr sz="4400" kern="1200">
-                <a:solidFill>
-                  <a:schemeClr val="tx1"/>
-                </a:solidFill>
-                <a:latin typeface="+mj-lt"/>
-                <a:ea typeface="+mj-ea"/>
-                <a:cs typeface="+mj-cs"/>
-              </a:defRPr>
-            </a:lvl1pPr>
-          </a:lstStyle>
-          <a:p>
-            <a:r>
-              <a:rPr lang="en-US" sz="3600" dirty="0"/>
-              <a:t>Case-</a:t>
-            </a:r>
-            <a:r>
-              <a:rPr lang="en-US" sz="3600" dirty="0" err="1"/>
-              <a:t>idé</a:t>
-            </a:r>
-            <a:r>
-              <a:rPr lang="en-US" sz="3600" dirty="0"/>
-              <a:t> I</a:t>
-            </a:r>
-            <a:endParaRPr lang="da-DK" sz="3600" dirty="0"/>
-          </a:p>
-        </p:txBody>
-      </p:sp>
+      </p:pic>
+      <p:pic>
+        <p:nvPicPr>
+          <p:cNvPr id="4" name="Picture 3">
+            <a:extLst>
+              <a:ext uri="{FF2B5EF4-FFF2-40B4-BE49-F238E27FC236}">
+                <a16:creationId xmlns:a16="http://schemas.microsoft.com/office/drawing/2014/main" id="{18DAC833-4B57-4D6F-ADAF-20CBC7AA6111}"/>
+              </a:ext>
+            </a:extLst>
+          </p:cNvPr>
+          <p:cNvPicPr>
+            <a:picLocks noChangeAspect="1"/>
+          </p:cNvPicPr>
+          <p:nvPr/>
+        </p:nvPicPr>
+        <p:blipFill>
+          <a:blip r:embed="rId4"/>
+          <a:stretch>
+            <a:fillRect/>
+          </a:stretch>
+        </p:blipFill>
+        <p:spPr>
+          <a:xfrm>
+            <a:off x="6230984" y="1690687"/>
+            <a:ext cx="5604983" cy="4698683"/>
+          </a:xfrm>
+          <a:prstGeom prst="rect">
+            <a:avLst/>
+          </a:prstGeom>
+        </p:spPr>
+      </p:pic>
     </p:spTree>
     <p:extLst>
       <p:ext uri="{BB962C8B-B14F-4D97-AF65-F5344CB8AC3E}">
-        <p14:creationId xmlns:p14="http://schemas.microsoft.com/office/powerpoint/2010/main" val="3702831955"/>
+        <p14:creationId xmlns:p14="http://schemas.microsoft.com/office/powerpoint/2010/main" val="4047479323"/>
       </p:ext>
     </p:extLst>
   </p:cSld>
